--- a/ppt/OOP-for-Fun-and-Profit.pptx
+++ b/ppt/OOP-for-Fun-and-Profit.pptx
@@ -1,6 +1,6 @@
 
 <file path=ppt/presentation.xml><?xml version="1.0" encoding="utf-8"?>
-<p:presentation xmlns:a="http://schemas.openxmlformats.org/drawingml/2006/main" xmlns:r="http://schemas.openxmlformats.org/officeDocument/2006/relationships" xmlns:p="http://schemas.openxmlformats.org/presentationml/2006/main" saveSubsetFonts="1" autoCompressPictures="0">
+<p:presentation xmlns:a="http://schemas.openxmlformats.org/drawingml/2006/main" xmlns:r="http://schemas.openxmlformats.org/officeDocument/2006/relationships" xmlns:p="http://schemas.openxmlformats.org/presentationml/2006/main" showSpecialPlsOnTitleSld="0" saveSubsetFonts="1" autoCompressPictures="0">
   <p:sldMasterIdLst>
     <p:sldMasterId id="2147483648" r:id="rId1"/>
   </p:sldMasterIdLst>
@@ -256,7 +256,7 @@
           <a:p>
             <a:fld id="{412A36AD-C140-47B5-A0AA-2808AF1C1C9D}" type="datetimeFigureOut">
               <a:rPr lang="en-AU" smtClean="0"/>
-              <a:t>16/4/2023</a:t>
+              <a:t>19/4/2023</a:t>
             </a:fld>
             <a:endParaRPr lang="en-AU"/>
           </a:p>
@@ -421,7 +421,7 @@
           <a:p>
             <a:fld id="{2763829E-EB69-4A98-9D54-8D6822520B27}" type="datetimeFigureOut">
               <a:rPr lang="en-AU" smtClean="0"/>
-              <a:t>16/4/2023</a:t>
+              <a:t>19/4/2023</a:t>
             </a:fld>
             <a:endParaRPr lang="en-AU"/>
           </a:p>
@@ -984,7 +984,7 @@
           <a:p>
             <a:r>
               <a:rPr lang="en-AU"/>
-              <a:t>OOP for Fun and Profit</a:t>
+              <a:t>Classy Code</a:t>
             </a:r>
             <a:endParaRPr lang="en-AU" dirty="0"/>
           </a:p>
@@ -1260,7 +1260,7 @@
           <a:p>
             <a:r>
               <a:rPr lang="en-AU"/>
-              <a:t>OOP for Fun and Profit</a:t>
+              <a:t>Classy Code</a:t>
             </a:r>
             <a:endParaRPr lang="en-AU" dirty="0"/>
           </a:p>
@@ -1641,7 +1641,7 @@
           <a:p>
             <a:r>
               <a:rPr lang="en-AU"/>
-              <a:t>OOP for Fun and Profit</a:t>
+              <a:t>Classy Code</a:t>
             </a:r>
             <a:endParaRPr lang="en-AU" dirty="0"/>
           </a:p>
@@ -3061,7 +3061,7 @@
           <a:p>
             <a:r>
               <a:rPr lang="en-AU"/>
-              <a:t>OOP for Fun and Profit</a:t>
+              <a:t>Classy Code</a:t>
             </a:r>
             <a:endParaRPr lang="en-AU" dirty="0"/>
           </a:p>
@@ -3438,7 +3438,7 @@
           <a:p>
             <a:r>
               <a:rPr lang="en-AU"/>
-              <a:t>OOP for Fun and Profit</a:t>
+              <a:t>Classy Code</a:t>
             </a:r>
             <a:endParaRPr lang="en-AU" dirty="0"/>
           </a:p>
@@ -3781,7 +3781,7 @@
           <a:p>
             <a:r>
               <a:rPr lang="en-AU"/>
-              <a:t>OOP for Fun and Profit</a:t>
+              <a:t>Classy Code</a:t>
             </a:r>
             <a:endParaRPr lang="en-AU" dirty="0"/>
           </a:p>
@@ -4697,7 +4697,7 @@
           <a:p>
             <a:r>
               <a:rPr lang="en-AU"/>
-              <a:t>OOP for Fun and Profit</a:t>
+              <a:t>Classy Code</a:t>
             </a:r>
             <a:endParaRPr lang="en-AU" dirty="0"/>
           </a:p>
@@ -6416,7 +6416,7 @@
           <a:p>
             <a:r>
               <a:rPr lang="en-AU"/>
-              <a:t>OOP for Fun and Profit</a:t>
+              <a:t>Classy Code</a:t>
             </a:r>
             <a:endParaRPr lang="en-AU" dirty="0"/>
           </a:p>
@@ -6631,7 +6631,7 @@
           <a:p>
             <a:r>
               <a:rPr lang="en-AU"/>
-              <a:t>OOP for Fun and Profit</a:t>
+              <a:t>Classy Code</a:t>
             </a:r>
             <a:endParaRPr lang="en-AU" dirty="0"/>
           </a:p>
@@ -6961,7 +6961,7 @@
           <a:p>
             <a:r>
               <a:rPr lang="en-AU"/>
-              <a:t>OOP for Fun and Profit</a:t>
+              <a:t>Classy Code</a:t>
             </a:r>
             <a:endParaRPr lang="en-AU" dirty="0"/>
           </a:p>
@@ -7174,7 +7174,7 @@
           <a:p>
             <a:r>
               <a:rPr lang="en-AU"/>
-              <a:t>OOP for Fun and Profit</a:t>
+              <a:t>Classy Code</a:t>
             </a:r>
             <a:endParaRPr lang="en-AU" dirty="0"/>
           </a:p>
@@ -7578,7 +7578,7 @@
           <a:p>
             <a:r>
               <a:rPr lang="en-AU"/>
-              <a:t>OOP for Fun and Profit</a:t>
+              <a:t>Classy Code</a:t>
             </a:r>
             <a:endParaRPr lang="en-AU" dirty="0"/>
           </a:p>
@@ -7931,7 +7931,7 @@
           <a:p>
             <a:r>
               <a:rPr lang="en-AU"/>
-              <a:t>OOP for Fun and Profit</a:t>
+              <a:t>Classy Code</a:t>
             </a:r>
             <a:endParaRPr lang="en-AU" dirty="0"/>
           </a:p>
@@ -8284,7 +8284,7 @@
           <a:p>
             <a:r>
               <a:rPr lang="en-AU"/>
-              <a:t>OOP for Fun and Profit</a:t>
+              <a:t>Classy Code</a:t>
             </a:r>
             <a:endParaRPr lang="en-AU" dirty="0"/>
           </a:p>
@@ -8650,7 +8650,7 @@
           <a:p>
             <a:r>
               <a:rPr lang="en-AU"/>
-              <a:t>OOP for Fun and Profit</a:t>
+              <a:t>Classy Code</a:t>
             </a:r>
             <a:endParaRPr lang="en-AU" dirty="0"/>
           </a:p>
@@ -8987,7 +8987,7 @@
           <a:p>
             <a:r>
               <a:rPr lang="en-AU"/>
-              <a:t>OOP for Fun and Profit</a:t>
+              <a:t>Classy Code</a:t>
             </a:r>
             <a:endParaRPr lang="en-AU" dirty="0"/>
           </a:p>
@@ -9388,7 +9388,7 @@
           <a:p>
             <a:r>
               <a:rPr lang="en-AU"/>
-              <a:t>OOP for Fun and Profit</a:t>
+              <a:t>Classy Code</a:t>
             </a:r>
             <a:endParaRPr lang="en-AU" dirty="0"/>
           </a:p>
@@ -9769,7 +9769,7 @@
           <a:p>
             <a:r>
               <a:rPr lang="en-AU"/>
-              <a:t>OOP for Fun and Profit</a:t>
+              <a:t>Classy Code</a:t>
             </a:r>
             <a:endParaRPr lang="en-AU" dirty="0"/>
           </a:p>
@@ -10058,7 +10058,7 @@
           <a:p>
             <a:r>
               <a:rPr lang="en-AU"/>
-              <a:t>OOP for Fun and Profit</a:t>
+              <a:t>Classy Code</a:t>
             </a:r>
             <a:endParaRPr lang="en-AU" dirty="0"/>
           </a:p>
@@ -10530,65 +10530,6 @@
           </a:p>
         </p:txBody>
       </p:sp>
-      <p:sp>
-        <p:nvSpPr>
-          <p:cNvPr id="9" name="Footer Placeholder 8">
-            <a:extLst>
-              <a:ext uri="{FF2B5EF4-FFF2-40B4-BE49-F238E27FC236}">
-                <a16:creationId xmlns:a16="http://schemas.microsoft.com/office/drawing/2014/main" id="{63F5BEDD-BBEA-445F-915D-71CD10377502}"/>
-              </a:ext>
-            </a:extLst>
-          </p:cNvPr>
-          <p:cNvSpPr>
-            <a:spLocks noGrp="1"/>
-          </p:cNvSpPr>
-          <p:nvPr>
-            <p:ph type="ftr" sz="quarter" idx="14"/>
-          </p:nvPr>
-        </p:nvSpPr>
-        <p:spPr/>
-        <p:txBody>
-          <a:bodyPr/>
-          <a:lstStyle/>
-          <a:p>
-            <a:r>
-              <a:rPr lang="en-AU"/>
-              <a:t>OOP for Fun and Profit</a:t>
-            </a:r>
-            <a:endParaRPr lang="en-AU" dirty="0"/>
-          </a:p>
-        </p:txBody>
-      </p:sp>
-      <p:sp>
-        <p:nvSpPr>
-          <p:cNvPr id="2" name="Slide Number Placeholder 1">
-            <a:extLst>
-              <a:ext uri="{FF2B5EF4-FFF2-40B4-BE49-F238E27FC236}">
-                <a16:creationId xmlns:a16="http://schemas.microsoft.com/office/drawing/2014/main" id="{7A076523-B575-6C87-A5C3-C2B3346D43F1}"/>
-              </a:ext>
-            </a:extLst>
-          </p:cNvPr>
-          <p:cNvSpPr>
-            <a:spLocks noGrp="1"/>
-          </p:cNvSpPr>
-          <p:nvPr>
-            <p:ph type="sldNum" sz="quarter" idx="13"/>
-          </p:nvPr>
-        </p:nvSpPr>
-        <p:spPr/>
-        <p:txBody>
-          <a:bodyPr/>
-          <a:lstStyle/>
-          <a:p>
-            <a:fld id="{E917DE0E-AFB1-41FD-BC35-27DB61CA125F}" type="slidenum">
-              <a:rPr lang="en-AU" smtClean="0"/>
-              <a:pPr/>
-              <a:t>1</a:t>
-            </a:fld>
-            <a:endParaRPr lang="en-AU" dirty="0"/>
-          </a:p>
-        </p:txBody>
-      </p:sp>
     </p:spTree>
     <p:extLst>
       <p:ext uri="{BB962C8B-B14F-4D97-AF65-F5344CB8AC3E}">
@@ -10706,7 +10647,7 @@
           <a:p>
             <a:r>
               <a:rPr lang="en-AU"/>
-              <a:t>OOP for Fun and Profit</a:t>
+              <a:t>Classy Code</a:t>
             </a:r>
             <a:endParaRPr lang="en-AU" dirty="0"/>
           </a:p>
@@ -10807,7 +10748,7 @@
           <a:p>
             <a:r>
               <a:rPr lang="en-US" dirty="0"/>
-              <a:t>Think your problem in terms of objects and their interactions</a:t>
+              <a:t>Think about your problem in terms of objects and their interactions</a:t>
             </a:r>
           </a:p>
           <a:p>
@@ -10822,8 +10763,14 @@
               <a:t>Inheritance: Model an </a:t>
             </a:r>
             <a:r>
+              <a:rPr lang="en-US" i="1" dirty="0">
+                <a:latin typeface="National 2 Medium" panose="020B0504030502020203" pitchFamily="34" charset="77"/>
+              </a:rPr>
+              <a:t>is a</a:t>
+            </a:r>
+            <a:r>
               <a:rPr lang="en-US" i="1" dirty="0"/>
-              <a:t>is a </a:t>
+              <a:t> </a:t>
             </a:r>
             <a:r>
               <a:rPr lang="en-US" dirty="0"/>
@@ -10836,8 +10783,14 @@
               <a:t>Composition: Model a </a:t>
             </a:r>
             <a:r>
+              <a:rPr lang="en-US" i="1" dirty="0">
+                <a:latin typeface="National 2 Medium" panose="020B0504030502020203" pitchFamily="34" charset="77"/>
+              </a:rPr>
+              <a:t>has a</a:t>
+            </a:r>
+            <a:r>
               <a:rPr lang="en-US" i="1" dirty="0"/>
-              <a:t>has a </a:t>
+              <a:t> </a:t>
             </a:r>
             <a:r>
               <a:rPr lang="en-US" dirty="0"/>
@@ -10876,9 +10829,24 @@
         </p:nvSpPr>
         <p:spPr/>
         <p:txBody>
-          <a:bodyPr/>
+          <a:bodyPr>
+            <a:normAutofit fontScale="90000"/>
+          </a:bodyPr>
           <a:lstStyle/>
           <a:p>
+            <a:r>
+              <a:rPr lang="en-US" dirty="0">
+                <a:solidFill>
+                  <a:schemeClr val="accent6">
+                    <a:lumMod val="75000"/>
+                  </a:schemeClr>
+                </a:solidFill>
+              </a:rPr>
+              <a:t>Outro</a:t>
+            </a:r>
+            <a:br>
+              <a:rPr lang="en-US" dirty="0"/>
+            </a:br>
             <a:r>
               <a:rPr lang="en-US" dirty="0"/>
               <a:t>Key take-aways</a:t>
@@ -10909,7 +10877,7 @@
           <a:p>
             <a:r>
               <a:rPr lang="en-AU"/>
-              <a:t>OOP for Fun and Profit</a:t>
+              <a:t>Classy Code</a:t>
             </a:r>
             <a:endParaRPr lang="en-AU" dirty="0"/>
           </a:p>
@@ -11543,7 +11511,7 @@
           <a:p>
             <a:r>
               <a:rPr lang="en-AU"/>
-              <a:t>OOP for Fun and Profit</a:t>
+              <a:t>Classy Code</a:t>
             </a:r>
             <a:endParaRPr lang="en-AU" dirty="0"/>
           </a:p>
@@ -12860,7 +12828,7 @@
           <a:p>
             <a:r>
               <a:rPr lang="en-AU"/>
-              <a:t>OOP for Fun and Profit</a:t>
+              <a:t>Classy Code</a:t>
             </a:r>
             <a:endParaRPr lang="en-AU" dirty="0"/>
           </a:p>
@@ -13164,7 +13132,7 @@
           <a:p>
             <a:r>
               <a:rPr lang="en-AU"/>
-              <a:t>OOP for Fun and Profit</a:t>
+              <a:t>Classy Code</a:t>
             </a:r>
             <a:endParaRPr lang="en-AU" dirty="0"/>
           </a:p>
@@ -13651,7 +13619,7 @@
           <a:p>
             <a:r>
               <a:rPr lang="en-AU"/>
-              <a:t>OOP for Fun and Profit</a:t>
+              <a:t>Classy Code</a:t>
             </a:r>
             <a:endParaRPr lang="en-AU" dirty="0"/>
           </a:p>
@@ -14265,7 +14233,7 @@
           <a:p>
             <a:r>
               <a:rPr lang="en-US" dirty="0"/>
-              <a:t>Programming paradigm</a:t>
+              <a:t>Programming paradigm (cf. “procedural” or “functional”)</a:t>
             </a:r>
           </a:p>
           <a:p>
@@ -14377,7 +14345,7 @@
           <a:p>
             <a:r>
               <a:rPr lang="en-AU"/>
-              <a:t>OOP for Fun and Profit</a:t>
+              <a:t>Classy Code</a:t>
             </a:r>
             <a:endParaRPr lang="en-AU" dirty="0"/>
           </a:p>
@@ -14902,7 +14870,7 @@
           <a:p>
             <a:r>
               <a:rPr lang="en-AU"/>
-              <a:t>OOP for Fun and Profit</a:t>
+              <a:t>Classy Code</a:t>
             </a:r>
             <a:endParaRPr lang="en-AU" dirty="0"/>
           </a:p>
@@ -15447,7 +15415,7 @@
           <a:p>
             <a:r>
               <a:rPr lang="en-AU"/>
-              <a:t>OOP for Fun and Profit</a:t>
+              <a:t>Classy Code</a:t>
             </a:r>
             <a:endParaRPr lang="en-AU" dirty="0"/>
           </a:p>
@@ -15497,7 +15465,7 @@
         </p:nvSpPr>
         <p:spPr>
           <a:xfrm>
-            <a:off x="7366571" y="4101957"/>
+            <a:off x="7391400" y="3877053"/>
             <a:ext cx="1371600" cy="533400"/>
           </a:xfrm>
           <a:custGeom>
@@ -15646,7 +15614,7 @@
                             </p:stCondLst>
                             <p:childTnLst>
                               <p:par>
-                                <p:cTn id="5" presetID="21" presetClass="entr" presetSubtype="1" fill="hold" grpId="0" nodeType="clickEffect">
+                                <p:cTn id="5" presetID="10" presetClass="entr" presetSubtype="0" fill="hold" grpId="0" nodeType="clickEffect">
                                   <p:stCondLst>
                                     <p:cond delay="0"/>
                                   </p:stCondLst>
@@ -15659,7 +15627,11 @@
                                           </p:stCondLst>
                                         </p:cTn>
                                         <p:tgtEl>
-                                          <p:spTgt spid="7"/>
+                                          <p:spTgt spid="2">
+                                            <p:txEl>
+                                              <p:pRg st="0" end="0"/>
+                                            </p:txEl>
+                                          </p:spTgt>
                                         </p:tgtEl>
                                         <p:attrNameLst>
                                           <p:attrName>style.visibility</p:attrName>
@@ -15669,11 +15641,15 @@
                                         <p:strVal val="visible"/>
                                       </p:to>
                                     </p:set>
-                                    <p:animEffect transition="in" filter="wheel(1)">
+                                    <p:animEffect transition="in" filter="fade">
                                       <p:cBhvr>
-                                        <p:cTn id="7" dur="2000"/>
+                                        <p:cTn id="7" dur="500"/>
                                         <p:tgtEl>
-                                          <p:spTgt spid="7"/>
+                                          <p:spTgt spid="2">
+                                            <p:txEl>
+                                              <p:pRg st="0" end="0"/>
+                                            </p:txEl>
+                                          </p:spTgt>
                                         </p:tgtEl>
                                       </p:cBhvr>
                                     </p:animEffect>
@@ -15699,7 +15675,7 @@
                             </p:stCondLst>
                             <p:childTnLst>
                               <p:par>
-                                <p:cTn id="10" presetID="10" presetClass="entr" presetSubtype="0" fill="hold" nodeType="clickEffect">
+                                <p:cTn id="10" presetID="10" presetClass="entr" presetSubtype="0" fill="hold" grpId="0" nodeType="clickEffect">
                                   <p:stCondLst>
                                     <p:cond delay="0"/>
                                   </p:stCondLst>
@@ -15714,7 +15690,7 @@
                                         <p:tgtEl>
                                           <p:spTgt spid="2">
                                             <p:txEl>
-                                              <p:pRg st="3" end="3"/>
+                                              <p:pRg st="1" end="1"/>
                                             </p:txEl>
                                           </p:spTgt>
                                         </p:tgtEl>
@@ -15732,7 +15708,7 @@
                                         <p:tgtEl>
                                           <p:spTgt spid="2">
                                             <p:txEl>
-                                              <p:pRg st="3" end="3"/>
+                                              <p:pRg st="1" end="1"/>
                                             </p:txEl>
                                           </p:spTgt>
                                         </p:tgtEl>
@@ -15760,7 +15736,7 @@
                             </p:stCondLst>
                             <p:childTnLst>
                               <p:par>
-                                <p:cTn id="15" presetID="10" presetClass="entr" presetSubtype="0" fill="hold" grpId="0" nodeType="clickEffect">
+                                <p:cTn id="15" presetID="21" presetClass="entr" presetSubtype="1" fill="hold" grpId="0" nodeType="clickEffect">
                                   <p:stCondLst>
                                     <p:cond delay="0"/>
                                   </p:stCondLst>
@@ -15773,11 +15749,7 @@
                                           </p:stCondLst>
                                         </p:cTn>
                                         <p:tgtEl>
-                                          <p:spTgt spid="2">
-                                            <p:txEl>
-                                              <p:pRg st="0" end="0"/>
-                                            </p:txEl>
-                                          </p:spTgt>
+                                          <p:spTgt spid="7"/>
                                         </p:tgtEl>
                                         <p:attrNameLst>
                                           <p:attrName>style.visibility</p:attrName>
@@ -15787,15 +15759,11 @@
                                         <p:strVal val="visible"/>
                                       </p:to>
                                     </p:set>
-                                    <p:animEffect transition="in" filter="fade">
+                                    <p:animEffect transition="in" filter="wheel(1)">
                                       <p:cBhvr>
-                                        <p:cTn id="17" dur="500"/>
+                                        <p:cTn id="17" dur="2000"/>
                                         <p:tgtEl>
-                                          <p:spTgt spid="2">
-                                            <p:txEl>
-                                              <p:pRg st="0" end="0"/>
-                                            </p:txEl>
-                                          </p:spTgt>
+                                          <p:spTgt spid="7"/>
                                         </p:tgtEl>
                                       </p:cBhvr>
                                     </p:animEffect>
@@ -15836,7 +15804,7 @@
                                         <p:tgtEl>
                                           <p:spTgt spid="2">
                                             <p:txEl>
-                                              <p:pRg st="1" end="1"/>
+                                              <p:pRg st="3" end="3"/>
                                             </p:txEl>
                                           </p:spTgt>
                                         </p:tgtEl>
@@ -15851,67 +15819,6 @@
                                     <p:animEffect transition="in" filter="fade">
                                       <p:cBhvr>
                                         <p:cTn id="22" dur="500"/>
-                                        <p:tgtEl>
-                                          <p:spTgt spid="2">
-                                            <p:txEl>
-                                              <p:pRg st="1" end="1"/>
-                                            </p:txEl>
-                                          </p:spTgt>
-                                        </p:tgtEl>
-                                      </p:cBhvr>
-                                    </p:animEffect>
-                                  </p:childTnLst>
-                                </p:cTn>
-                              </p:par>
-                            </p:childTnLst>
-                          </p:cTn>
-                        </p:par>
-                      </p:childTnLst>
-                    </p:cTn>
-                  </p:par>
-                  <p:par>
-                    <p:cTn id="23" fill="hold">
-                      <p:stCondLst>
-                        <p:cond delay="indefinite"/>
-                      </p:stCondLst>
-                      <p:childTnLst>
-                        <p:par>
-                          <p:cTn id="24" fill="hold">
-                            <p:stCondLst>
-                              <p:cond delay="0"/>
-                            </p:stCondLst>
-                            <p:childTnLst>
-                              <p:par>
-                                <p:cTn id="25" presetID="10" presetClass="entr" presetSubtype="0" fill="hold" grpId="0" nodeType="clickEffect">
-                                  <p:stCondLst>
-                                    <p:cond delay="0"/>
-                                  </p:stCondLst>
-                                  <p:childTnLst>
-                                    <p:set>
-                                      <p:cBhvr>
-                                        <p:cTn id="26" dur="1" fill="hold">
-                                          <p:stCondLst>
-                                            <p:cond delay="0"/>
-                                          </p:stCondLst>
-                                        </p:cTn>
-                                        <p:tgtEl>
-                                          <p:spTgt spid="2">
-                                            <p:txEl>
-                                              <p:pRg st="3" end="3"/>
-                                            </p:txEl>
-                                          </p:spTgt>
-                                        </p:tgtEl>
-                                        <p:attrNameLst>
-                                          <p:attrName>style.visibility</p:attrName>
-                                        </p:attrNameLst>
-                                      </p:cBhvr>
-                                      <p:to>
-                                        <p:strVal val="visible"/>
-                                      </p:to>
-                                    </p:set>
-                                    <p:animEffect transition="in" filter="fade">
-                                      <p:cBhvr>
-                                        <p:cTn id="27" dur="500"/>
                                         <p:tgtEl>
                                           <p:spTgt spid="2">
                                             <p:txEl>
@@ -15952,7 +15859,7 @@
       </p:par>
     </p:tnLst>
     <p:bldLst>
-      <p:bldP spid="2" grpId="0" build="p"/>
+      <p:bldP spid="2" grpId="0" uiExpand="1" build="p"/>
       <p:bldP spid="7" grpId="0" animBg="1"/>
     </p:bldLst>
   </p:timing>
@@ -16131,7 +16038,7 @@
           <a:p>
             <a:r>
               <a:rPr lang="en-AU"/>
-              <a:t>OOP for Fun and Profit</a:t>
+              <a:t>Classy Code</a:t>
             </a:r>
             <a:endParaRPr lang="en-AU" dirty="0"/>
           </a:p>
@@ -16189,6 +16096,455 @@
       </p:transition>
     </mc:Fallback>
   </mc:AlternateContent>
+  <p:timing>
+    <p:tnLst>
+      <p:par>
+        <p:cTn id="1" dur="indefinite" restart="never" nodeType="tmRoot">
+          <p:childTnLst>
+            <p:seq concurrent="1" nextAc="seek">
+              <p:cTn id="2" dur="indefinite" nodeType="mainSeq">
+                <p:childTnLst>
+                  <p:par>
+                    <p:cTn id="3" fill="hold">
+                      <p:stCondLst>
+                        <p:cond delay="indefinite"/>
+                      </p:stCondLst>
+                      <p:childTnLst>
+                        <p:par>
+                          <p:cTn id="4" fill="hold">
+                            <p:stCondLst>
+                              <p:cond delay="0"/>
+                            </p:stCondLst>
+                            <p:childTnLst>
+                              <p:par>
+                                <p:cTn id="5" presetID="10" presetClass="entr" presetSubtype="0" fill="hold" grpId="0" nodeType="clickEffect">
+                                  <p:stCondLst>
+                                    <p:cond delay="0"/>
+                                  </p:stCondLst>
+                                  <p:childTnLst>
+                                    <p:set>
+                                      <p:cBhvr>
+                                        <p:cTn id="6" dur="1" fill="hold">
+                                          <p:stCondLst>
+                                            <p:cond delay="0"/>
+                                          </p:stCondLst>
+                                        </p:cTn>
+                                        <p:tgtEl>
+                                          <p:spTgt spid="2">
+                                            <p:txEl>
+                                              <p:pRg st="0" end="0"/>
+                                            </p:txEl>
+                                          </p:spTgt>
+                                        </p:tgtEl>
+                                        <p:attrNameLst>
+                                          <p:attrName>style.visibility</p:attrName>
+                                        </p:attrNameLst>
+                                      </p:cBhvr>
+                                      <p:to>
+                                        <p:strVal val="visible"/>
+                                      </p:to>
+                                    </p:set>
+                                    <p:animEffect transition="in" filter="fade">
+                                      <p:cBhvr>
+                                        <p:cTn id="7" dur="500"/>
+                                        <p:tgtEl>
+                                          <p:spTgt spid="2">
+                                            <p:txEl>
+                                              <p:pRg st="0" end="0"/>
+                                            </p:txEl>
+                                          </p:spTgt>
+                                        </p:tgtEl>
+                                      </p:cBhvr>
+                                    </p:animEffect>
+                                  </p:childTnLst>
+                                </p:cTn>
+                              </p:par>
+                            </p:childTnLst>
+                          </p:cTn>
+                        </p:par>
+                      </p:childTnLst>
+                    </p:cTn>
+                  </p:par>
+                  <p:par>
+                    <p:cTn id="8" fill="hold">
+                      <p:stCondLst>
+                        <p:cond delay="indefinite"/>
+                      </p:stCondLst>
+                      <p:childTnLst>
+                        <p:par>
+                          <p:cTn id="9" fill="hold">
+                            <p:stCondLst>
+                              <p:cond delay="0"/>
+                            </p:stCondLst>
+                            <p:childTnLst>
+                              <p:par>
+                                <p:cTn id="10" presetID="10" presetClass="entr" presetSubtype="0" fill="hold" grpId="0" nodeType="clickEffect">
+                                  <p:stCondLst>
+                                    <p:cond delay="0"/>
+                                  </p:stCondLst>
+                                  <p:childTnLst>
+                                    <p:set>
+                                      <p:cBhvr>
+                                        <p:cTn id="11" dur="1" fill="hold">
+                                          <p:stCondLst>
+                                            <p:cond delay="0"/>
+                                          </p:stCondLst>
+                                        </p:cTn>
+                                        <p:tgtEl>
+                                          <p:spTgt spid="2">
+                                            <p:txEl>
+                                              <p:pRg st="1" end="1"/>
+                                            </p:txEl>
+                                          </p:spTgt>
+                                        </p:tgtEl>
+                                        <p:attrNameLst>
+                                          <p:attrName>style.visibility</p:attrName>
+                                        </p:attrNameLst>
+                                      </p:cBhvr>
+                                      <p:to>
+                                        <p:strVal val="visible"/>
+                                      </p:to>
+                                    </p:set>
+                                    <p:animEffect transition="in" filter="fade">
+                                      <p:cBhvr>
+                                        <p:cTn id="12" dur="500"/>
+                                        <p:tgtEl>
+                                          <p:spTgt spid="2">
+                                            <p:txEl>
+                                              <p:pRg st="1" end="1"/>
+                                            </p:txEl>
+                                          </p:spTgt>
+                                        </p:tgtEl>
+                                      </p:cBhvr>
+                                    </p:animEffect>
+                                  </p:childTnLst>
+                                </p:cTn>
+                              </p:par>
+                              <p:par>
+                                <p:cTn id="13" presetID="10" presetClass="entr" presetSubtype="0" fill="hold" grpId="0" nodeType="withEffect">
+                                  <p:stCondLst>
+                                    <p:cond delay="0"/>
+                                  </p:stCondLst>
+                                  <p:childTnLst>
+                                    <p:set>
+                                      <p:cBhvr>
+                                        <p:cTn id="14" dur="1" fill="hold">
+                                          <p:stCondLst>
+                                            <p:cond delay="0"/>
+                                          </p:stCondLst>
+                                        </p:cTn>
+                                        <p:tgtEl>
+                                          <p:spTgt spid="2">
+                                            <p:txEl>
+                                              <p:pRg st="2" end="2"/>
+                                            </p:txEl>
+                                          </p:spTgt>
+                                        </p:tgtEl>
+                                        <p:attrNameLst>
+                                          <p:attrName>style.visibility</p:attrName>
+                                        </p:attrNameLst>
+                                      </p:cBhvr>
+                                      <p:to>
+                                        <p:strVal val="visible"/>
+                                      </p:to>
+                                    </p:set>
+                                    <p:animEffect transition="in" filter="fade">
+                                      <p:cBhvr>
+                                        <p:cTn id="15" dur="500"/>
+                                        <p:tgtEl>
+                                          <p:spTgt spid="2">
+                                            <p:txEl>
+                                              <p:pRg st="2" end="2"/>
+                                            </p:txEl>
+                                          </p:spTgt>
+                                        </p:tgtEl>
+                                      </p:cBhvr>
+                                    </p:animEffect>
+                                  </p:childTnLst>
+                                </p:cTn>
+                              </p:par>
+                              <p:par>
+                                <p:cTn id="16" presetID="10" presetClass="entr" presetSubtype="0" fill="hold" grpId="0" nodeType="withEffect">
+                                  <p:stCondLst>
+                                    <p:cond delay="0"/>
+                                  </p:stCondLst>
+                                  <p:childTnLst>
+                                    <p:set>
+                                      <p:cBhvr>
+                                        <p:cTn id="17" dur="1" fill="hold">
+                                          <p:stCondLst>
+                                            <p:cond delay="0"/>
+                                          </p:stCondLst>
+                                        </p:cTn>
+                                        <p:tgtEl>
+                                          <p:spTgt spid="2">
+                                            <p:txEl>
+                                              <p:pRg st="3" end="3"/>
+                                            </p:txEl>
+                                          </p:spTgt>
+                                        </p:tgtEl>
+                                        <p:attrNameLst>
+                                          <p:attrName>style.visibility</p:attrName>
+                                        </p:attrNameLst>
+                                      </p:cBhvr>
+                                      <p:to>
+                                        <p:strVal val="visible"/>
+                                      </p:to>
+                                    </p:set>
+                                    <p:animEffect transition="in" filter="fade">
+                                      <p:cBhvr>
+                                        <p:cTn id="18" dur="500"/>
+                                        <p:tgtEl>
+                                          <p:spTgt spid="2">
+                                            <p:txEl>
+                                              <p:pRg st="3" end="3"/>
+                                            </p:txEl>
+                                          </p:spTgt>
+                                        </p:tgtEl>
+                                      </p:cBhvr>
+                                    </p:animEffect>
+                                  </p:childTnLst>
+                                </p:cTn>
+                              </p:par>
+                              <p:par>
+                                <p:cTn id="19" presetID="10" presetClass="entr" presetSubtype="0" fill="hold" grpId="0" nodeType="withEffect">
+                                  <p:stCondLst>
+                                    <p:cond delay="0"/>
+                                  </p:stCondLst>
+                                  <p:childTnLst>
+                                    <p:set>
+                                      <p:cBhvr>
+                                        <p:cTn id="20" dur="1" fill="hold">
+                                          <p:stCondLst>
+                                            <p:cond delay="0"/>
+                                          </p:stCondLst>
+                                        </p:cTn>
+                                        <p:tgtEl>
+                                          <p:spTgt spid="2">
+                                            <p:txEl>
+                                              <p:pRg st="4" end="4"/>
+                                            </p:txEl>
+                                          </p:spTgt>
+                                        </p:tgtEl>
+                                        <p:attrNameLst>
+                                          <p:attrName>style.visibility</p:attrName>
+                                        </p:attrNameLst>
+                                      </p:cBhvr>
+                                      <p:to>
+                                        <p:strVal val="visible"/>
+                                      </p:to>
+                                    </p:set>
+                                    <p:animEffect transition="in" filter="fade">
+                                      <p:cBhvr>
+                                        <p:cTn id="21" dur="500"/>
+                                        <p:tgtEl>
+                                          <p:spTgt spid="2">
+                                            <p:txEl>
+                                              <p:pRg st="4" end="4"/>
+                                            </p:txEl>
+                                          </p:spTgt>
+                                        </p:tgtEl>
+                                      </p:cBhvr>
+                                    </p:animEffect>
+                                  </p:childTnLst>
+                                </p:cTn>
+                              </p:par>
+                              <p:par>
+                                <p:cTn id="22" presetID="10" presetClass="entr" presetSubtype="0" fill="hold" grpId="0" nodeType="withEffect">
+                                  <p:stCondLst>
+                                    <p:cond delay="0"/>
+                                  </p:stCondLst>
+                                  <p:childTnLst>
+                                    <p:set>
+                                      <p:cBhvr>
+                                        <p:cTn id="23" dur="1" fill="hold">
+                                          <p:stCondLst>
+                                            <p:cond delay="0"/>
+                                          </p:stCondLst>
+                                        </p:cTn>
+                                        <p:tgtEl>
+                                          <p:spTgt spid="2">
+                                            <p:txEl>
+                                              <p:pRg st="5" end="5"/>
+                                            </p:txEl>
+                                          </p:spTgt>
+                                        </p:tgtEl>
+                                        <p:attrNameLst>
+                                          <p:attrName>style.visibility</p:attrName>
+                                        </p:attrNameLst>
+                                      </p:cBhvr>
+                                      <p:to>
+                                        <p:strVal val="visible"/>
+                                      </p:to>
+                                    </p:set>
+                                    <p:animEffect transition="in" filter="fade">
+                                      <p:cBhvr>
+                                        <p:cTn id="24" dur="500"/>
+                                        <p:tgtEl>
+                                          <p:spTgt spid="2">
+                                            <p:txEl>
+                                              <p:pRg st="5" end="5"/>
+                                            </p:txEl>
+                                          </p:spTgt>
+                                        </p:tgtEl>
+                                      </p:cBhvr>
+                                    </p:animEffect>
+                                  </p:childTnLst>
+                                </p:cTn>
+                              </p:par>
+                            </p:childTnLst>
+                          </p:cTn>
+                        </p:par>
+                      </p:childTnLst>
+                    </p:cTn>
+                  </p:par>
+                  <p:par>
+                    <p:cTn id="25" fill="hold">
+                      <p:stCondLst>
+                        <p:cond delay="indefinite"/>
+                      </p:stCondLst>
+                      <p:childTnLst>
+                        <p:par>
+                          <p:cTn id="26" fill="hold">
+                            <p:stCondLst>
+                              <p:cond delay="0"/>
+                            </p:stCondLst>
+                            <p:childTnLst>
+                              <p:par>
+                                <p:cTn id="27" presetID="10" presetClass="entr" presetSubtype="0" fill="hold" grpId="0" nodeType="clickEffect">
+                                  <p:stCondLst>
+                                    <p:cond delay="0"/>
+                                  </p:stCondLst>
+                                  <p:childTnLst>
+                                    <p:set>
+                                      <p:cBhvr>
+                                        <p:cTn id="28" dur="1" fill="hold">
+                                          <p:stCondLst>
+                                            <p:cond delay="0"/>
+                                          </p:stCondLst>
+                                        </p:cTn>
+                                        <p:tgtEl>
+                                          <p:spTgt spid="2">
+                                            <p:txEl>
+                                              <p:pRg st="6" end="6"/>
+                                            </p:txEl>
+                                          </p:spTgt>
+                                        </p:tgtEl>
+                                        <p:attrNameLst>
+                                          <p:attrName>style.visibility</p:attrName>
+                                        </p:attrNameLst>
+                                      </p:cBhvr>
+                                      <p:to>
+                                        <p:strVal val="visible"/>
+                                      </p:to>
+                                    </p:set>
+                                    <p:animEffect transition="in" filter="fade">
+                                      <p:cBhvr>
+                                        <p:cTn id="29" dur="500"/>
+                                        <p:tgtEl>
+                                          <p:spTgt spid="2">
+                                            <p:txEl>
+                                              <p:pRg st="6" end="6"/>
+                                            </p:txEl>
+                                          </p:spTgt>
+                                        </p:tgtEl>
+                                      </p:cBhvr>
+                                    </p:animEffect>
+                                  </p:childTnLst>
+                                </p:cTn>
+                              </p:par>
+                            </p:childTnLst>
+                          </p:cTn>
+                        </p:par>
+                      </p:childTnLst>
+                    </p:cTn>
+                  </p:par>
+                  <p:par>
+                    <p:cTn id="30" fill="hold">
+                      <p:stCondLst>
+                        <p:cond delay="indefinite"/>
+                      </p:stCondLst>
+                      <p:childTnLst>
+                        <p:par>
+                          <p:cTn id="31" fill="hold">
+                            <p:stCondLst>
+                              <p:cond delay="0"/>
+                            </p:stCondLst>
+                            <p:childTnLst>
+                              <p:par>
+                                <p:cTn id="32" presetID="10" presetClass="entr" presetSubtype="0" fill="hold" grpId="0" nodeType="clickEffect">
+                                  <p:stCondLst>
+                                    <p:cond delay="0"/>
+                                  </p:stCondLst>
+                                  <p:childTnLst>
+                                    <p:set>
+                                      <p:cBhvr>
+                                        <p:cTn id="33" dur="1" fill="hold">
+                                          <p:stCondLst>
+                                            <p:cond delay="0"/>
+                                          </p:stCondLst>
+                                        </p:cTn>
+                                        <p:tgtEl>
+                                          <p:spTgt spid="2">
+                                            <p:txEl>
+                                              <p:pRg st="7" end="7"/>
+                                            </p:txEl>
+                                          </p:spTgt>
+                                        </p:tgtEl>
+                                        <p:attrNameLst>
+                                          <p:attrName>style.visibility</p:attrName>
+                                        </p:attrNameLst>
+                                      </p:cBhvr>
+                                      <p:to>
+                                        <p:strVal val="visible"/>
+                                      </p:to>
+                                    </p:set>
+                                    <p:animEffect transition="in" filter="fade">
+                                      <p:cBhvr>
+                                        <p:cTn id="34" dur="500"/>
+                                        <p:tgtEl>
+                                          <p:spTgt spid="2">
+                                            <p:txEl>
+                                              <p:pRg st="7" end="7"/>
+                                            </p:txEl>
+                                          </p:spTgt>
+                                        </p:tgtEl>
+                                      </p:cBhvr>
+                                    </p:animEffect>
+                                  </p:childTnLst>
+                                </p:cTn>
+                              </p:par>
+                            </p:childTnLst>
+                          </p:cTn>
+                        </p:par>
+                      </p:childTnLst>
+                    </p:cTn>
+                  </p:par>
+                </p:childTnLst>
+              </p:cTn>
+              <p:prevCondLst>
+                <p:cond evt="onPrev" delay="0">
+                  <p:tgtEl>
+                    <p:sldTgt/>
+                  </p:tgtEl>
+                </p:cond>
+              </p:prevCondLst>
+              <p:nextCondLst>
+                <p:cond evt="onNext" delay="0">
+                  <p:tgtEl>
+                    <p:sldTgt/>
+                  </p:tgtEl>
+                </p:cond>
+              </p:nextCondLst>
+            </p:seq>
+          </p:childTnLst>
+        </p:cTn>
+      </p:par>
+    </p:tnLst>
+    <p:bldLst>
+      <p:bldP spid="2" grpId="0" build="p"/>
+    </p:bldLst>
+  </p:timing>
 </p:sld>
 </file>
 

--- a/ppt/OOP-for-Fun-and-Profit.pptx
+++ b/ppt/OOP-for-Fun-and-Profit.pptx
@@ -10101,6 +10101,79 @@
               <a:t>‹#›</a:t>
             </a:fld>
             <a:endParaRPr lang="en-AU" dirty="0"/>
+          </a:p>
+        </p:txBody>
+      </p:sp>
+      <p:sp>
+        <p:nvSpPr>
+          <p:cNvPr id="4" name="TextBox 3">
+            <a:extLst>
+              <a:ext uri="{FF2B5EF4-FFF2-40B4-BE49-F238E27FC236}">
+                <a16:creationId xmlns:a16="http://schemas.microsoft.com/office/drawing/2014/main" id="{1EBB4FB4-9EAC-441E-FAD0-0E151001BF02}"/>
+              </a:ext>
+            </a:extLst>
+          </p:cNvPr>
+          <p:cNvSpPr txBox="1"/>
+          <p:nvPr userDrawn="1"/>
+        </p:nvSpPr>
+        <p:spPr>
+          <a:xfrm>
+            <a:off x="4875311" y="6519446"/>
+            <a:ext cx="2438400" cy="338554"/>
+          </a:xfrm>
+          <a:prstGeom prst="rect">
+            <a:avLst/>
+          </a:prstGeom>
+          <a:noFill/>
+        </p:spPr>
+        <p:txBody>
+          <a:bodyPr wrap="square" rtlCol="0">
+            <a:spAutoFit/>
+          </a:bodyPr>
+          <a:lstStyle/>
+          <a:p>
+            <a:pPr algn="ctr"/>
+            <a:r>
+              <a:rPr lang="en-US" sz="1600" dirty="0" err="1">
+                <a:solidFill>
+                  <a:schemeClr val="accent6">
+                    <a:lumMod val="50000"/>
+                  </a:schemeClr>
+                </a:solidFill>
+                <a:latin typeface="National 2" panose="020B0504030502020203" pitchFamily="34" charset="77"/>
+              </a:rPr>
+              <a:t>www.dartgo.org</a:t>
+            </a:r>
+            <a:r>
+              <a:rPr lang="en-US" sz="1600" dirty="0">
+                <a:solidFill>
+                  <a:schemeClr val="accent6">
+                    <a:lumMod val="50000"/>
+                  </a:schemeClr>
+                </a:solidFill>
+                <a:latin typeface="National 2" panose="020B0504030502020203" pitchFamily="34" charset="77"/>
+              </a:rPr>
+              <a:t>/</a:t>
+            </a:r>
+            <a:r>
+              <a:rPr lang="en-US" sz="1600" dirty="0" err="1">
+                <a:solidFill>
+                  <a:schemeClr val="accent6">
+                    <a:lumMod val="50000"/>
+                  </a:schemeClr>
+                </a:solidFill>
+                <a:latin typeface="National 2" panose="020B0504030502020203" pitchFamily="34" charset="77"/>
+              </a:rPr>
+              <a:t>rr-oop</a:t>
+            </a:r>
+            <a:endParaRPr lang="en-US" sz="1600" dirty="0">
+              <a:solidFill>
+                <a:schemeClr val="accent6">
+                  <a:lumMod val="50000"/>
+                </a:schemeClr>
+              </a:solidFill>
+              <a:latin typeface="National 2" panose="020B0504030502020203" pitchFamily="34" charset="77"/>
+            </a:endParaRPr>
           </a:p>
         </p:txBody>
       </p:sp>

--- a/ppt/OOP-for-Fun-and-Profit.pptx
+++ b/ppt/OOP-for-Fun-and-Profit.pptx
@@ -5,24 +5,21 @@
     <p:sldMasterId id="2147483648" r:id="rId1"/>
   </p:sldMasterIdLst>
   <p:notesMasterIdLst>
-    <p:notesMasterId r:id="rId14"/>
+    <p:notesMasterId r:id="rId11"/>
   </p:notesMasterIdLst>
   <p:handoutMasterIdLst>
-    <p:handoutMasterId r:id="rId15"/>
+    <p:handoutMasterId r:id="rId12"/>
   </p:handoutMasterIdLst>
   <p:sldIdLst>
     <p:sldId id="295" r:id="rId2"/>
     <p:sldId id="284" r:id="rId3"/>
-    <p:sldId id="302" r:id="rId4"/>
-    <p:sldId id="300" r:id="rId5"/>
-    <p:sldId id="301" r:id="rId6"/>
-    <p:sldId id="303" r:id="rId7"/>
-    <p:sldId id="305" r:id="rId8"/>
-    <p:sldId id="307" r:id="rId9"/>
-    <p:sldId id="306" r:id="rId10"/>
-    <p:sldId id="309" r:id="rId11"/>
-    <p:sldId id="311" r:id="rId12"/>
-    <p:sldId id="310" r:id="rId13"/>
+    <p:sldId id="303" r:id="rId4"/>
+    <p:sldId id="305" r:id="rId5"/>
+    <p:sldId id="307" r:id="rId6"/>
+    <p:sldId id="306" r:id="rId7"/>
+    <p:sldId id="309" r:id="rId8"/>
+    <p:sldId id="311" r:id="rId9"/>
+    <p:sldId id="310" r:id="rId10"/>
   </p:sldIdLst>
   <p:sldSz cx="12192000" cy="6858000"/>
   <p:notesSz cx="6858000" cy="9144000"/>
@@ -128,9 +125,6 @@
           <p14:sldIdLst>
             <p14:sldId id="295"/>
             <p14:sldId id="284"/>
-            <p14:sldId id="302"/>
-            <p14:sldId id="300"/>
-            <p14:sldId id="301"/>
             <p14:sldId id="303"/>
             <p14:sldId id="305"/>
             <p14:sldId id="307"/>
@@ -256,7 +250,7 @@
           <a:p>
             <a:fld id="{412A36AD-C140-47B5-A0AA-2808AF1C1C9D}" type="datetimeFigureOut">
               <a:rPr lang="en-AU" smtClean="0"/>
-              <a:t>19/4/2023</a:t>
+              <a:t>5/4/2024</a:t>
             </a:fld>
             <a:endParaRPr lang="en-AU"/>
           </a:p>
@@ -421,7 +415,7 @@
           <a:p>
             <a:fld id="{2763829E-EB69-4A98-9D54-8D6822520B27}" type="datetimeFigureOut">
               <a:rPr lang="en-AU" smtClean="0"/>
-              <a:t>19/4/2023</a:t>
+              <a:t>5/4/2024</a:t>
             </a:fld>
             <a:endParaRPr lang="en-AU"/>
           </a:p>
@@ -758,40 +752,6 @@
           </a:p>
         </p:txBody>
       </p:sp>
-      <p:pic>
-        <p:nvPicPr>
-          <p:cNvPr id="12" name="Picture 11">
-            <a:extLst>
-              <a:ext uri="{FF2B5EF4-FFF2-40B4-BE49-F238E27FC236}">
-                <a16:creationId xmlns:a16="http://schemas.microsoft.com/office/drawing/2014/main" id="{3AD6D95E-88C9-4F51-9A96-C6DC690C4E41}"/>
-              </a:ext>
-            </a:extLst>
-          </p:cNvPr>
-          <p:cNvPicPr>
-            <a:picLocks noChangeAspect="1"/>
-          </p:cNvPicPr>
-          <p:nvPr userDrawn="1"/>
-        </p:nvPicPr>
-        <p:blipFill>
-          <a:blip r:embed="rId2"/>
-          <a:stretch>
-            <a:fillRect/>
-          </a:stretch>
-        </p:blipFill>
-        <p:spPr>
-          <a:xfrm>
-            <a:off x="10590996" y="244059"/>
-            <a:ext cx="1274064" cy="138684"/>
-          </a:xfrm>
-          <a:prstGeom prst="rect">
-            <a:avLst/>
-          </a:prstGeom>
-          <a:noFill/>
-          <a:ln>
-            <a:noFill/>
-          </a:ln>
-        </p:spPr>
-      </p:pic>
       <p:sp>
         <p:nvSpPr>
           <p:cNvPr id="9" name="Text Placeholder 8">
@@ -874,42 +834,6 @@
           </a:p>
         </p:txBody>
       </p:sp>
-      <p:pic>
-        <p:nvPicPr>
-          <p:cNvPr id="7" name="Picture 6">
-            <a:extLst>
-              <a:ext uri="{FF2B5EF4-FFF2-40B4-BE49-F238E27FC236}">
-                <a16:creationId xmlns:a16="http://schemas.microsoft.com/office/drawing/2014/main" id="{B48D68E9-7018-4336-9CC4-C1AD98D0949C}"/>
-              </a:ext>
-            </a:extLst>
-          </p:cNvPr>
-          <p:cNvPicPr>
-            <a:picLocks noChangeAspect="1"/>
-          </p:cNvPicPr>
-          <p:nvPr userDrawn="1"/>
-        </p:nvPicPr>
-        <p:blipFill>
-          <a:blip r:embed="rId3">
-            <a:extLst>
-              <a:ext uri="{28A0092B-C50C-407E-A947-70E740481C1C}">
-                <a14:useLocalDpi xmlns:a14="http://schemas.microsoft.com/office/drawing/2010/main" val="0"/>
-              </a:ext>
-            </a:extLst>
-          </a:blip>
-          <a:stretch>
-            <a:fillRect/>
-          </a:stretch>
-        </p:blipFill>
-        <p:spPr>
-          <a:xfrm>
-            <a:off x="4249981" y="1428599"/>
-            <a:ext cx="3912001" cy="4000802"/>
-          </a:xfrm>
-          <a:prstGeom prst="rect">
-            <a:avLst/>
-          </a:prstGeom>
-        </p:spPr>
-      </p:pic>
       <p:sp>
         <p:nvSpPr>
           <p:cNvPr id="2" name="Slide Number Placeholder 1">
@@ -990,6 +914,66 @@
           </a:p>
         </p:txBody>
       </p:sp>
+      <p:pic>
+        <p:nvPicPr>
+          <p:cNvPr id="5" name="Picture 4" descr="A green and white arrow pointing up&#10;&#10;Description automatically generated">
+            <a:extLst>
+              <a:ext uri="{FF2B5EF4-FFF2-40B4-BE49-F238E27FC236}">
+                <a16:creationId xmlns:a16="http://schemas.microsoft.com/office/drawing/2014/main" id="{B0DFFA90-E6CF-25CE-5E9E-28240DAF2F67}"/>
+              </a:ext>
+            </a:extLst>
+          </p:cNvPr>
+          <p:cNvPicPr>
+            <a:picLocks noChangeAspect="1"/>
+          </p:cNvPicPr>
+          <p:nvPr userDrawn="1"/>
+        </p:nvPicPr>
+        <p:blipFill>
+          <a:blip r:embed="rId2"/>
+          <a:stretch>
+            <a:fillRect/>
+          </a:stretch>
+        </p:blipFill>
+        <p:spPr>
+          <a:xfrm>
+            <a:off x="4129531" y="1530350"/>
+            <a:ext cx="4152900" cy="3797300"/>
+          </a:xfrm>
+          <a:prstGeom prst="rect">
+            <a:avLst/>
+          </a:prstGeom>
+        </p:spPr>
+      </p:pic>
+      <p:pic>
+        <p:nvPicPr>
+          <p:cNvPr id="8" name="Picture 7" descr="A green frog on a black background&#10;&#10;Description automatically generated">
+            <a:extLst>
+              <a:ext uri="{FF2B5EF4-FFF2-40B4-BE49-F238E27FC236}">
+                <a16:creationId xmlns:a16="http://schemas.microsoft.com/office/drawing/2014/main" id="{29E01AD8-6DA1-844C-B4B8-4B2516BA0A72}"/>
+              </a:ext>
+            </a:extLst>
+          </p:cNvPr>
+          <p:cNvPicPr>
+            <a:picLocks noChangeAspect="1"/>
+          </p:cNvPicPr>
+          <p:nvPr userDrawn="1"/>
+        </p:nvPicPr>
+        <p:blipFill>
+          <a:blip r:embed="rId3"/>
+          <a:stretch>
+            <a:fillRect/>
+          </a:stretch>
+        </p:blipFill>
+        <p:spPr>
+          <a:xfrm>
+            <a:off x="10696660" y="184205"/>
+            <a:ext cx="1168400" cy="558495"/>
+          </a:xfrm>
+          <a:prstGeom prst="rect">
+            <a:avLst/>
+          </a:prstGeom>
+        </p:spPr>
+      </p:pic>
     </p:spTree>
     <p:extLst>
       <p:ext uri="{BB962C8B-B14F-4D97-AF65-F5344CB8AC3E}">
@@ -1303,10 +1287,10 @@
       </p:sp>
       <p:pic>
         <p:nvPicPr>
-          <p:cNvPr id="11" name="Picture 10">
-            <a:extLst>
-              <a:ext uri="{FF2B5EF4-FFF2-40B4-BE49-F238E27FC236}">
-                <a16:creationId xmlns:a16="http://schemas.microsoft.com/office/drawing/2014/main" id="{55C3957F-CBD5-45F4-9139-BE2AD9F3D778}"/>
+          <p:cNvPr id="2" name="Picture 1">
+            <a:extLst>
+              <a:ext uri="{FF2B5EF4-FFF2-40B4-BE49-F238E27FC236}">
+                <a16:creationId xmlns:a16="http://schemas.microsoft.com/office/drawing/2014/main" id="{FA72CB33-285B-1A61-0F00-5AB734B01B3B}"/>
               </a:ext>
             </a:extLst>
           </p:cNvPr>
@@ -1317,30 +1301,25 @@
         </p:nvPicPr>
         <p:blipFill>
           <a:blip r:embed="rId2"/>
-          <a:stretch>
-            <a:fillRect/>
-          </a:stretch>
+          <a:srcRect/>
+          <a:stretch/>
         </p:blipFill>
         <p:spPr>
           <a:xfrm>
-            <a:off x="10580328" y="244059"/>
-            <a:ext cx="1284732" cy="144780"/>
+            <a:off x="10696660" y="184205"/>
+            <a:ext cx="1168399" cy="558495"/>
           </a:xfrm>
           <a:prstGeom prst="rect">
             <a:avLst/>
           </a:prstGeom>
-          <a:noFill/>
-          <a:ln>
-            <a:noFill/>
-          </a:ln>
         </p:spPr>
       </p:pic>
       <p:pic>
         <p:nvPicPr>
-          <p:cNvPr id="12" name="Picture 11">
-            <a:extLst>
-              <a:ext uri="{FF2B5EF4-FFF2-40B4-BE49-F238E27FC236}">
-                <a16:creationId xmlns:a16="http://schemas.microsoft.com/office/drawing/2014/main" id="{1D7466EE-1402-4AD3-84F3-D1DF7AB79A5C}"/>
+          <p:cNvPr id="8" name="Picture 7" descr="A green arrow pointing up&#10;&#10;Description automatically generated">
+            <a:extLst>
+              <a:ext uri="{FF2B5EF4-FFF2-40B4-BE49-F238E27FC236}">
+                <a16:creationId xmlns:a16="http://schemas.microsoft.com/office/drawing/2014/main" id="{D908FD35-F8CE-9B60-1CB4-ABB83F2088B1}"/>
               </a:ext>
             </a:extLst>
           </p:cNvPr>
@@ -1350,21 +1329,15 @@
           <p:nvPr userDrawn="1"/>
         </p:nvPicPr>
         <p:blipFill>
-          <a:blip r:embed="rId3">
-            <a:extLst>
-              <a:ext uri="{28A0092B-C50C-407E-A947-70E740481C1C}">
-                <a14:useLocalDpi xmlns:a14="http://schemas.microsoft.com/office/drawing/2010/main" val="0"/>
-              </a:ext>
-            </a:extLst>
-          </a:blip>
+          <a:blip r:embed="rId3"/>
           <a:stretch>
             <a:fillRect/>
           </a:stretch>
         </p:blipFill>
         <p:spPr>
           <a:xfrm>
-            <a:off x="366963" y="246362"/>
-            <a:ext cx="272301" cy="278483"/>
+            <a:off x="321507" y="184261"/>
+            <a:ext cx="320603" cy="293151"/>
           </a:xfrm>
           <a:prstGeom prst="rect">
             <a:avLst/>
@@ -1775,10 +1748,10 @@
       </p:sp>
       <p:pic>
         <p:nvPicPr>
-          <p:cNvPr id="11" name="Picture 10">
-            <a:extLst>
-              <a:ext uri="{FF2B5EF4-FFF2-40B4-BE49-F238E27FC236}">
-                <a16:creationId xmlns:a16="http://schemas.microsoft.com/office/drawing/2014/main" id="{0A945B0B-FD87-427B-B1C8-DF115B45F61B}"/>
+          <p:cNvPr id="2" name="Picture 1">
+            <a:extLst>
+              <a:ext uri="{FF2B5EF4-FFF2-40B4-BE49-F238E27FC236}">
+                <a16:creationId xmlns:a16="http://schemas.microsoft.com/office/drawing/2014/main" id="{5C451684-4F4B-39AE-4411-19D4E79696AB}"/>
               </a:ext>
             </a:extLst>
           </p:cNvPr>
@@ -1789,30 +1762,25 @@
         </p:nvPicPr>
         <p:blipFill>
           <a:blip r:embed="rId2"/>
-          <a:stretch>
-            <a:fillRect/>
-          </a:stretch>
+          <a:srcRect/>
+          <a:stretch/>
         </p:blipFill>
         <p:spPr>
           <a:xfrm>
-            <a:off x="10580328" y="244059"/>
-            <a:ext cx="1284732" cy="144780"/>
+            <a:off x="10696660" y="184205"/>
+            <a:ext cx="1168399" cy="558495"/>
           </a:xfrm>
           <a:prstGeom prst="rect">
             <a:avLst/>
           </a:prstGeom>
-          <a:noFill/>
-          <a:ln>
-            <a:noFill/>
-          </a:ln>
         </p:spPr>
       </p:pic>
       <p:pic>
         <p:nvPicPr>
-          <p:cNvPr id="13" name="Picture 12">
-            <a:extLst>
-              <a:ext uri="{FF2B5EF4-FFF2-40B4-BE49-F238E27FC236}">
-                <a16:creationId xmlns:a16="http://schemas.microsoft.com/office/drawing/2014/main" id="{3054FC01-F717-4A46-B98F-96CECAD73C5A}"/>
+          <p:cNvPr id="8" name="Picture 7" descr="A green arrow pointing up&#10;&#10;Description automatically generated">
+            <a:extLst>
+              <a:ext uri="{FF2B5EF4-FFF2-40B4-BE49-F238E27FC236}">
+                <a16:creationId xmlns:a16="http://schemas.microsoft.com/office/drawing/2014/main" id="{E381EC23-43A5-B977-C2EA-D348BFC850FB}"/>
               </a:ext>
             </a:extLst>
           </p:cNvPr>
@@ -1822,21 +1790,15 @@
           <p:nvPr userDrawn="1"/>
         </p:nvPicPr>
         <p:blipFill>
-          <a:blip r:embed="rId3">
-            <a:extLst>
-              <a:ext uri="{28A0092B-C50C-407E-A947-70E740481C1C}">
-                <a14:useLocalDpi xmlns:a14="http://schemas.microsoft.com/office/drawing/2010/main" val="0"/>
-              </a:ext>
-            </a:extLst>
-          </a:blip>
+          <a:blip r:embed="rId3"/>
           <a:stretch>
             <a:fillRect/>
           </a:stretch>
         </p:blipFill>
         <p:spPr>
           <a:xfrm>
-            <a:off x="366963" y="246362"/>
-            <a:ext cx="272301" cy="278483"/>
+            <a:off x="321507" y="184261"/>
+            <a:ext cx="320603" cy="293151"/>
           </a:xfrm>
           <a:prstGeom prst="rect">
             <a:avLst/>
@@ -2135,10 +2097,10 @@
       </p:sp>
       <p:pic>
         <p:nvPicPr>
-          <p:cNvPr id="11" name="Picture 10">
-            <a:extLst>
-              <a:ext uri="{FF2B5EF4-FFF2-40B4-BE49-F238E27FC236}">
-                <a16:creationId xmlns:a16="http://schemas.microsoft.com/office/drawing/2014/main" id="{AD7A19B3-ADC4-46A3-BF00-57B86B7CFAE1}"/>
+          <p:cNvPr id="5" name="Picture 4">
+            <a:extLst>
+              <a:ext uri="{FF2B5EF4-FFF2-40B4-BE49-F238E27FC236}">
+                <a16:creationId xmlns:a16="http://schemas.microsoft.com/office/drawing/2014/main" id="{5E156778-5C5F-64C2-4D80-066AE5C27A62}"/>
               </a:ext>
             </a:extLst>
           </p:cNvPr>
@@ -2148,21 +2110,14 @@
           <p:nvPr userDrawn="1"/>
         </p:nvPicPr>
         <p:blipFill>
-          <a:blip r:embed="rId2">
-            <a:extLst>
-              <a:ext uri="{28A0092B-C50C-407E-A947-70E740481C1C}">
-                <a14:useLocalDpi xmlns:a14="http://schemas.microsoft.com/office/drawing/2010/main" val="0"/>
-              </a:ext>
-            </a:extLst>
-          </a:blip>
-          <a:stretch>
-            <a:fillRect/>
-          </a:stretch>
+          <a:blip r:embed="rId2"/>
+          <a:srcRect/>
+          <a:stretch/>
         </p:blipFill>
         <p:spPr>
           <a:xfrm>
-            <a:off x="366963" y="246362"/>
-            <a:ext cx="272301" cy="278483"/>
+            <a:off x="10696660" y="184205"/>
+            <a:ext cx="1168399" cy="558495"/>
           </a:xfrm>
           <a:prstGeom prst="rect">
             <a:avLst/>
@@ -2171,28 +2126,28 @@
       </p:pic>
       <p:pic>
         <p:nvPicPr>
-          <p:cNvPr id="2" name="Picture 1"/>
+          <p:cNvPr id="8" name="Picture 7" descr="A green arrow pointing up&#10;&#10;Description automatically generated">
+            <a:extLst>
+              <a:ext uri="{FF2B5EF4-FFF2-40B4-BE49-F238E27FC236}">
+                <a16:creationId xmlns:a16="http://schemas.microsoft.com/office/drawing/2014/main" id="{3DB9C870-1932-463F-1E4C-A35CBBEE1E59}"/>
+              </a:ext>
+            </a:extLst>
+          </p:cNvPr>
           <p:cNvPicPr>
             <a:picLocks noChangeAspect="1"/>
           </p:cNvPicPr>
           <p:nvPr userDrawn="1"/>
         </p:nvPicPr>
         <p:blipFill>
-          <a:blip r:embed="rId3">
-            <a:extLst>
-              <a:ext uri="{28A0092B-C50C-407E-A947-70E740481C1C}">
-                <a14:useLocalDpi xmlns:a14="http://schemas.microsoft.com/office/drawing/2010/main" val="0"/>
-              </a:ext>
-            </a:extLst>
-          </a:blip>
+          <a:blip r:embed="rId3"/>
           <a:stretch>
             <a:fillRect/>
           </a:stretch>
         </p:blipFill>
         <p:spPr>
           <a:xfrm>
-            <a:off x="10576560" y="246362"/>
-            <a:ext cx="1288500" cy="134985"/>
+            <a:off x="321507" y="184261"/>
+            <a:ext cx="320603" cy="293151"/>
           </a:xfrm>
           <a:prstGeom prst="rect">
             <a:avLst/>
@@ -2491,10 +2446,10 @@
       </p:sp>
       <p:pic>
         <p:nvPicPr>
-          <p:cNvPr id="12" name="Picture 11">
-            <a:extLst>
-              <a:ext uri="{FF2B5EF4-FFF2-40B4-BE49-F238E27FC236}">
-                <a16:creationId xmlns:a16="http://schemas.microsoft.com/office/drawing/2014/main" id="{95B49BA5-9018-4446-A86F-4EE58D7173D4}"/>
+          <p:cNvPr id="8" name="Picture 7">
+            <a:extLst>
+              <a:ext uri="{FF2B5EF4-FFF2-40B4-BE49-F238E27FC236}">
+                <a16:creationId xmlns:a16="http://schemas.microsoft.com/office/drawing/2014/main" id="{AD7A19B3-ADC4-46A3-BF00-57B86B7CFAE1}"/>
               </a:ext>
             </a:extLst>
           </p:cNvPr>
@@ -2504,31 +2459,33 @@
           <p:nvPr userDrawn="1"/>
         </p:nvPicPr>
         <p:blipFill>
-          <a:blip r:embed="rId2"/>
+          <a:blip r:embed="rId2">
+            <a:extLst>
+              <a:ext uri="{28A0092B-C50C-407E-A947-70E740481C1C}">
+                <a14:useLocalDpi xmlns:a14="http://schemas.microsoft.com/office/drawing/2010/main" val="0"/>
+              </a:ext>
+            </a:extLst>
+          </a:blip>
           <a:stretch>
             <a:fillRect/>
           </a:stretch>
         </p:blipFill>
         <p:spPr>
           <a:xfrm>
-            <a:off x="10580328" y="244059"/>
-            <a:ext cx="1284732" cy="144780"/>
+            <a:off x="366963" y="246362"/>
+            <a:ext cx="272301" cy="278482"/>
           </a:xfrm>
           <a:prstGeom prst="rect">
             <a:avLst/>
           </a:prstGeom>
-          <a:noFill/>
-          <a:ln>
-            <a:noFill/>
-          </a:ln>
         </p:spPr>
       </p:pic>
       <p:pic>
         <p:nvPicPr>
-          <p:cNvPr id="8" name="Picture 7">
-            <a:extLst>
-              <a:ext uri="{FF2B5EF4-FFF2-40B4-BE49-F238E27FC236}">
-                <a16:creationId xmlns:a16="http://schemas.microsoft.com/office/drawing/2014/main" id="{AD7A19B3-ADC4-46A3-BF00-57B86B7CFAE1}"/>
+          <p:cNvPr id="2" name="Picture 1">
+            <a:extLst>
+              <a:ext uri="{FF2B5EF4-FFF2-40B4-BE49-F238E27FC236}">
+                <a16:creationId xmlns:a16="http://schemas.microsoft.com/office/drawing/2014/main" id="{FAF5BB25-582E-AF23-916B-45590EEA1F6F}"/>
               </a:ext>
             </a:extLst>
           </p:cNvPr>
@@ -2538,21 +2495,14 @@
           <p:nvPr userDrawn="1"/>
         </p:nvPicPr>
         <p:blipFill>
-          <a:blip r:embed="rId3">
-            <a:extLst>
-              <a:ext uri="{28A0092B-C50C-407E-A947-70E740481C1C}">
-                <a14:useLocalDpi xmlns:a14="http://schemas.microsoft.com/office/drawing/2010/main" val="0"/>
-              </a:ext>
-            </a:extLst>
-          </a:blip>
-          <a:stretch>
-            <a:fillRect/>
-          </a:stretch>
+          <a:blip r:embed="rId3"/>
+          <a:srcRect/>
+          <a:stretch/>
         </p:blipFill>
         <p:spPr>
           <a:xfrm>
-            <a:off x="366963" y="246362"/>
-            <a:ext cx="272301" cy="278482"/>
+            <a:off x="10696660" y="184205"/>
+            <a:ext cx="1168399" cy="558495"/>
           </a:xfrm>
           <a:prstGeom prst="rect">
             <a:avLst/>
@@ -3104,10 +3054,10 @@
       </p:sp>
       <p:pic>
         <p:nvPicPr>
-          <p:cNvPr id="10" name="Picture 9">
-            <a:extLst>
-              <a:ext uri="{FF2B5EF4-FFF2-40B4-BE49-F238E27FC236}">
-                <a16:creationId xmlns:a16="http://schemas.microsoft.com/office/drawing/2014/main" id="{B308A26F-06F2-4E9D-90D3-59B5F0517015}"/>
+          <p:cNvPr id="6" name="Picture 5">
+            <a:extLst>
+              <a:ext uri="{FF2B5EF4-FFF2-40B4-BE49-F238E27FC236}">
+                <a16:creationId xmlns:a16="http://schemas.microsoft.com/office/drawing/2014/main" id="{5F38A18C-CA3B-6FDD-9DC5-B7EB5AB26641}"/>
               </a:ext>
             </a:extLst>
           </p:cNvPr>
@@ -3118,30 +3068,25 @@
         </p:nvPicPr>
         <p:blipFill>
           <a:blip r:embed="rId2"/>
-          <a:stretch>
-            <a:fillRect/>
-          </a:stretch>
+          <a:srcRect/>
+          <a:stretch/>
         </p:blipFill>
         <p:spPr>
           <a:xfrm>
-            <a:off x="10580328" y="244059"/>
-            <a:ext cx="1284732" cy="144780"/>
+            <a:off x="10696660" y="184205"/>
+            <a:ext cx="1168399" cy="558495"/>
           </a:xfrm>
           <a:prstGeom prst="rect">
             <a:avLst/>
           </a:prstGeom>
-          <a:noFill/>
-          <a:ln>
-            <a:noFill/>
-          </a:ln>
         </p:spPr>
       </p:pic>
       <p:pic>
         <p:nvPicPr>
-          <p:cNvPr id="12" name="Picture 11">
-            <a:extLst>
-              <a:ext uri="{FF2B5EF4-FFF2-40B4-BE49-F238E27FC236}">
-                <a16:creationId xmlns:a16="http://schemas.microsoft.com/office/drawing/2014/main" id="{00F2FEF4-AC70-4D84-9B67-5A54BD0F33A9}"/>
+          <p:cNvPr id="8" name="Picture 7" descr="A green arrow pointing up&#10;&#10;Description automatically generated">
+            <a:extLst>
+              <a:ext uri="{FF2B5EF4-FFF2-40B4-BE49-F238E27FC236}">
+                <a16:creationId xmlns:a16="http://schemas.microsoft.com/office/drawing/2014/main" id="{7D141AED-349C-1FA7-07AE-09623EC1956F}"/>
               </a:ext>
             </a:extLst>
           </p:cNvPr>
@@ -3151,21 +3096,15 @@
           <p:nvPr userDrawn="1"/>
         </p:nvPicPr>
         <p:blipFill>
-          <a:blip r:embed="rId3">
-            <a:extLst>
-              <a:ext uri="{28A0092B-C50C-407E-A947-70E740481C1C}">
-                <a14:useLocalDpi xmlns:a14="http://schemas.microsoft.com/office/drawing/2010/main" val="0"/>
-              </a:ext>
-            </a:extLst>
-          </a:blip>
+          <a:blip r:embed="rId3"/>
           <a:stretch>
             <a:fillRect/>
           </a:stretch>
         </p:blipFill>
         <p:spPr>
           <a:xfrm>
-            <a:off x="366963" y="246362"/>
-            <a:ext cx="272301" cy="278483"/>
+            <a:off x="321507" y="184261"/>
+            <a:ext cx="320603" cy="293151"/>
           </a:xfrm>
           <a:prstGeom prst="rect">
             <a:avLst/>
@@ -3481,10 +3420,10 @@
       </p:sp>
       <p:pic>
         <p:nvPicPr>
-          <p:cNvPr id="12" name="Picture 11">
-            <a:extLst>
-              <a:ext uri="{FF2B5EF4-FFF2-40B4-BE49-F238E27FC236}">
-                <a16:creationId xmlns:a16="http://schemas.microsoft.com/office/drawing/2014/main" id="{040F9683-AEE5-4C7C-8337-8F0333B05ADC}"/>
+          <p:cNvPr id="6" name="Picture 5">
+            <a:extLst>
+              <a:ext uri="{FF2B5EF4-FFF2-40B4-BE49-F238E27FC236}">
+                <a16:creationId xmlns:a16="http://schemas.microsoft.com/office/drawing/2014/main" id="{F9E75A27-8F98-5C41-46C0-BF4A326EC9D0}"/>
               </a:ext>
             </a:extLst>
           </p:cNvPr>
@@ -3495,30 +3434,25 @@
         </p:nvPicPr>
         <p:blipFill>
           <a:blip r:embed="rId2"/>
-          <a:stretch>
-            <a:fillRect/>
-          </a:stretch>
+          <a:srcRect/>
+          <a:stretch/>
         </p:blipFill>
         <p:spPr>
           <a:xfrm>
-            <a:off x="10580328" y="244059"/>
-            <a:ext cx="1284732" cy="144780"/>
+            <a:off x="10696660" y="184205"/>
+            <a:ext cx="1168399" cy="558495"/>
           </a:xfrm>
           <a:prstGeom prst="rect">
             <a:avLst/>
           </a:prstGeom>
-          <a:noFill/>
-          <a:ln>
-            <a:noFill/>
-          </a:ln>
         </p:spPr>
       </p:pic>
       <p:pic>
         <p:nvPicPr>
-          <p:cNvPr id="13" name="Picture 12">
-            <a:extLst>
-              <a:ext uri="{FF2B5EF4-FFF2-40B4-BE49-F238E27FC236}">
-                <a16:creationId xmlns:a16="http://schemas.microsoft.com/office/drawing/2014/main" id="{04A82EE6-5B2A-4D35-9636-3FF0F8DEBCC9}"/>
+          <p:cNvPr id="8" name="Picture 7" descr="A green arrow pointing up&#10;&#10;Description automatically generated">
+            <a:extLst>
+              <a:ext uri="{FF2B5EF4-FFF2-40B4-BE49-F238E27FC236}">
+                <a16:creationId xmlns:a16="http://schemas.microsoft.com/office/drawing/2014/main" id="{A8D0648D-2386-EA72-A7DA-FE8A7D88B93B}"/>
               </a:ext>
             </a:extLst>
           </p:cNvPr>
@@ -3528,21 +3462,15 @@
           <p:nvPr userDrawn="1"/>
         </p:nvPicPr>
         <p:blipFill>
-          <a:blip r:embed="rId3">
-            <a:extLst>
-              <a:ext uri="{28A0092B-C50C-407E-A947-70E740481C1C}">
-                <a14:useLocalDpi xmlns:a14="http://schemas.microsoft.com/office/drawing/2010/main" val="0"/>
-              </a:ext>
-            </a:extLst>
-          </a:blip>
+          <a:blip r:embed="rId3"/>
           <a:stretch>
             <a:fillRect/>
           </a:stretch>
         </p:blipFill>
         <p:spPr>
           <a:xfrm>
-            <a:off x="366963" y="246362"/>
-            <a:ext cx="272301" cy="278483"/>
+            <a:off x="321507" y="184261"/>
+            <a:ext cx="320603" cy="293151"/>
           </a:xfrm>
           <a:prstGeom prst="rect">
             <a:avLst/>
@@ -3824,10 +3752,10 @@
       </p:sp>
       <p:pic>
         <p:nvPicPr>
-          <p:cNvPr id="11" name="Picture 10">
-            <a:extLst>
-              <a:ext uri="{FF2B5EF4-FFF2-40B4-BE49-F238E27FC236}">
-                <a16:creationId xmlns:a16="http://schemas.microsoft.com/office/drawing/2014/main" id="{1EE7CF56-F1E5-4795-9265-7AD96EC856CD}"/>
+          <p:cNvPr id="6" name="Picture 5">
+            <a:extLst>
+              <a:ext uri="{FF2B5EF4-FFF2-40B4-BE49-F238E27FC236}">
+                <a16:creationId xmlns:a16="http://schemas.microsoft.com/office/drawing/2014/main" id="{89A38CE4-6C43-A94C-4D8A-AC4BE0F8D431}"/>
               </a:ext>
             </a:extLst>
           </p:cNvPr>
@@ -3838,30 +3766,25 @@
         </p:nvPicPr>
         <p:blipFill>
           <a:blip r:embed="rId2"/>
-          <a:stretch>
-            <a:fillRect/>
-          </a:stretch>
+          <a:srcRect/>
+          <a:stretch/>
         </p:blipFill>
         <p:spPr>
           <a:xfrm>
-            <a:off x="10580328" y="244059"/>
-            <a:ext cx="1284732" cy="144780"/>
+            <a:off x="10696660" y="184205"/>
+            <a:ext cx="1168399" cy="558495"/>
           </a:xfrm>
           <a:prstGeom prst="rect">
             <a:avLst/>
           </a:prstGeom>
-          <a:noFill/>
-          <a:ln>
-            <a:noFill/>
-          </a:ln>
         </p:spPr>
       </p:pic>
       <p:pic>
         <p:nvPicPr>
-          <p:cNvPr id="12" name="Picture 11">
-            <a:extLst>
-              <a:ext uri="{FF2B5EF4-FFF2-40B4-BE49-F238E27FC236}">
-                <a16:creationId xmlns:a16="http://schemas.microsoft.com/office/drawing/2014/main" id="{4389AB79-1006-4785-9565-5855A6C4642E}"/>
+          <p:cNvPr id="8" name="Picture 7" descr="A green arrow pointing up&#10;&#10;Description automatically generated">
+            <a:extLst>
+              <a:ext uri="{FF2B5EF4-FFF2-40B4-BE49-F238E27FC236}">
+                <a16:creationId xmlns:a16="http://schemas.microsoft.com/office/drawing/2014/main" id="{1756B287-D069-1375-80C5-A1A3F0E4582C}"/>
               </a:ext>
             </a:extLst>
           </p:cNvPr>
@@ -3871,21 +3794,15 @@
           <p:nvPr userDrawn="1"/>
         </p:nvPicPr>
         <p:blipFill>
-          <a:blip r:embed="rId3">
-            <a:extLst>
-              <a:ext uri="{28A0092B-C50C-407E-A947-70E740481C1C}">
-                <a14:useLocalDpi xmlns:a14="http://schemas.microsoft.com/office/drawing/2010/main" val="0"/>
-              </a:ext>
-            </a:extLst>
-          </a:blip>
+          <a:blip r:embed="rId3"/>
           <a:stretch>
             <a:fillRect/>
           </a:stretch>
         </p:blipFill>
         <p:spPr>
           <a:xfrm>
-            <a:off x="366963" y="246362"/>
-            <a:ext cx="272301" cy="278483"/>
+            <a:off x="321507" y="184261"/>
+            <a:ext cx="320603" cy="293151"/>
           </a:xfrm>
           <a:prstGeom prst="rect">
             <a:avLst/>
@@ -4630,42 +4547,6 @@
           </a:p>
         </p:txBody>
       </p:sp>
-      <p:pic>
-        <p:nvPicPr>
-          <p:cNvPr id="6" name="Picture 5">
-            <a:extLst>
-              <a:ext uri="{FF2B5EF4-FFF2-40B4-BE49-F238E27FC236}">
-                <a16:creationId xmlns:a16="http://schemas.microsoft.com/office/drawing/2014/main" id="{EC3B3AAE-1896-4A98-A246-9A4E80DA46A9}"/>
-              </a:ext>
-            </a:extLst>
-          </p:cNvPr>
-          <p:cNvPicPr>
-            <a:picLocks noChangeAspect="1"/>
-          </p:cNvPicPr>
-          <p:nvPr userDrawn="1"/>
-        </p:nvPicPr>
-        <p:blipFill>
-          <a:blip r:embed="rId2">
-            <a:extLst>
-              <a:ext uri="{28A0092B-C50C-407E-A947-70E740481C1C}">
-                <a14:useLocalDpi xmlns:a14="http://schemas.microsoft.com/office/drawing/2010/main" val="0"/>
-              </a:ext>
-            </a:extLst>
-          </a:blip>
-          <a:stretch>
-            <a:fillRect/>
-          </a:stretch>
-        </p:blipFill>
-        <p:spPr>
-          <a:xfrm>
-            <a:off x="366963" y="246362"/>
-            <a:ext cx="272301" cy="278483"/>
-          </a:xfrm>
-          <a:prstGeom prst="rect">
-            <a:avLst/>
-          </a:prstGeom>
-        </p:spPr>
-      </p:pic>
       <p:sp>
         <p:nvSpPr>
           <p:cNvPr id="8" name="Footer Placeholder 7">
@@ -4748,10 +4629,40 @@
       </p:sp>
       <p:pic>
         <p:nvPicPr>
-          <p:cNvPr id="10" name="Picture 9">
-            <a:extLst>
-              <a:ext uri="{FF2B5EF4-FFF2-40B4-BE49-F238E27FC236}">
-                <a16:creationId xmlns:a16="http://schemas.microsoft.com/office/drawing/2014/main" id="{918A2211-08DC-44ED-BA4C-EA9B5E049F50}"/>
+          <p:cNvPr id="4" name="Picture 3" descr="A green and white arrow pointing up&#10;&#10;Description automatically generated">
+            <a:extLst>
+              <a:ext uri="{FF2B5EF4-FFF2-40B4-BE49-F238E27FC236}">
+                <a16:creationId xmlns:a16="http://schemas.microsoft.com/office/drawing/2014/main" id="{7E8EEDBB-0010-E518-0FA1-66E94DEB745A}"/>
+              </a:ext>
+            </a:extLst>
+          </p:cNvPr>
+          <p:cNvPicPr>
+            <a:picLocks noChangeAspect="1"/>
+          </p:cNvPicPr>
+          <p:nvPr userDrawn="1"/>
+        </p:nvPicPr>
+        <p:blipFill>
+          <a:blip r:embed="rId2"/>
+          <a:stretch>
+            <a:fillRect/>
+          </a:stretch>
+        </p:blipFill>
+        <p:spPr>
+          <a:xfrm>
+            <a:off x="321508" y="238349"/>
+            <a:ext cx="355638" cy="325186"/>
+          </a:xfrm>
+          <a:prstGeom prst="rect">
+            <a:avLst/>
+          </a:prstGeom>
+        </p:spPr>
+      </p:pic>
+      <p:pic>
+        <p:nvPicPr>
+          <p:cNvPr id="5" name="Picture 4" descr="A green frog on a black background&#10;&#10;Description automatically generated">
+            <a:extLst>
+              <a:ext uri="{FF2B5EF4-FFF2-40B4-BE49-F238E27FC236}">
+                <a16:creationId xmlns:a16="http://schemas.microsoft.com/office/drawing/2014/main" id="{F419C4A8-B8E5-E896-D17E-4459ACFC3D7E}"/>
               </a:ext>
             </a:extLst>
           </p:cNvPr>
@@ -4768,16 +4679,12 @@
         </p:blipFill>
         <p:spPr>
           <a:xfrm>
-            <a:off x="10590996" y="244059"/>
-            <a:ext cx="1274064" cy="138684"/>
+            <a:off x="10696660" y="184205"/>
+            <a:ext cx="1168400" cy="558495"/>
           </a:xfrm>
           <a:prstGeom prst="rect">
             <a:avLst/>
           </a:prstGeom>
-          <a:noFill/>
-          <a:ln>
-            <a:noFill/>
-          </a:ln>
         </p:spPr>
       </p:pic>
     </p:spTree>
@@ -7217,10 +7124,10 @@
       </p:sp>
       <p:pic>
         <p:nvPicPr>
-          <p:cNvPr id="9" name="Picture 8">
-            <a:extLst>
-              <a:ext uri="{FF2B5EF4-FFF2-40B4-BE49-F238E27FC236}">
-                <a16:creationId xmlns:a16="http://schemas.microsoft.com/office/drawing/2014/main" id="{DEF0F960-7B3B-462A-AC2C-5591D208268E}"/>
+          <p:cNvPr id="2" name="Picture 1">
+            <a:extLst>
+              <a:ext uri="{FF2B5EF4-FFF2-40B4-BE49-F238E27FC236}">
+                <a16:creationId xmlns:a16="http://schemas.microsoft.com/office/drawing/2014/main" id="{AF2F5149-0976-B049-FEAF-B5C154E30307}"/>
               </a:ext>
             </a:extLst>
           </p:cNvPr>
@@ -7231,30 +7138,25 @@
         </p:nvPicPr>
         <p:blipFill>
           <a:blip r:embed="rId2"/>
-          <a:stretch>
-            <a:fillRect/>
-          </a:stretch>
+          <a:srcRect/>
+          <a:stretch/>
         </p:blipFill>
         <p:spPr>
           <a:xfrm>
-            <a:off x="10580328" y="244059"/>
-            <a:ext cx="1284732" cy="144780"/>
+            <a:off x="10696660" y="184205"/>
+            <a:ext cx="1168399" cy="558495"/>
           </a:xfrm>
           <a:prstGeom prst="rect">
             <a:avLst/>
           </a:prstGeom>
-          <a:noFill/>
-          <a:ln>
-            <a:noFill/>
-          </a:ln>
         </p:spPr>
       </p:pic>
       <p:pic>
         <p:nvPicPr>
-          <p:cNvPr id="10" name="Picture 9">
-            <a:extLst>
-              <a:ext uri="{FF2B5EF4-FFF2-40B4-BE49-F238E27FC236}">
-                <a16:creationId xmlns:a16="http://schemas.microsoft.com/office/drawing/2014/main" id="{36EE6E5A-4BD9-4D77-8176-009D70AE84CF}"/>
+          <p:cNvPr id="6" name="Picture 5" descr="A green arrow pointing up&#10;&#10;Description automatically generated">
+            <a:extLst>
+              <a:ext uri="{FF2B5EF4-FFF2-40B4-BE49-F238E27FC236}">
+                <a16:creationId xmlns:a16="http://schemas.microsoft.com/office/drawing/2014/main" id="{2931A402-53EE-7239-5FD2-385D7C481BF3}"/>
               </a:ext>
             </a:extLst>
           </p:cNvPr>
@@ -7264,21 +7166,15 @@
           <p:nvPr userDrawn="1"/>
         </p:nvPicPr>
         <p:blipFill>
-          <a:blip r:embed="rId3">
-            <a:extLst>
-              <a:ext uri="{28A0092B-C50C-407E-A947-70E740481C1C}">
-                <a14:useLocalDpi xmlns:a14="http://schemas.microsoft.com/office/drawing/2010/main" val="0"/>
-              </a:ext>
-            </a:extLst>
-          </a:blip>
+          <a:blip r:embed="rId3"/>
           <a:stretch>
             <a:fillRect/>
           </a:stretch>
         </p:blipFill>
         <p:spPr>
           <a:xfrm>
-            <a:off x="366963" y="246362"/>
-            <a:ext cx="272301" cy="278483"/>
+            <a:off x="321507" y="184261"/>
+            <a:ext cx="320603" cy="293151"/>
           </a:xfrm>
           <a:prstGeom prst="rect">
             <a:avLst/>
@@ -7629,10 +7525,10 @@
       </p:sp>
       <p:pic>
         <p:nvPicPr>
-          <p:cNvPr id="12" name="Picture 11">
-            <a:extLst>
-              <a:ext uri="{FF2B5EF4-FFF2-40B4-BE49-F238E27FC236}">
-                <a16:creationId xmlns:a16="http://schemas.microsoft.com/office/drawing/2014/main" id="{7AF41DB6-5AEA-408D-A5BF-F2AA2A9AA071}"/>
+          <p:cNvPr id="10" name="Picture 9">
+            <a:extLst>
+              <a:ext uri="{FF2B5EF4-FFF2-40B4-BE49-F238E27FC236}">
+                <a16:creationId xmlns:a16="http://schemas.microsoft.com/office/drawing/2014/main" id="{0E47D3B9-F438-E24F-9DFF-6C0E3C11CA76}"/>
               </a:ext>
             </a:extLst>
           </p:cNvPr>
@@ -7642,21 +7538,14 @@
           <p:nvPr userDrawn="1"/>
         </p:nvPicPr>
         <p:blipFill>
-          <a:blip r:embed="rId2">
-            <a:extLst>
-              <a:ext uri="{28A0092B-C50C-407E-A947-70E740481C1C}">
-                <a14:useLocalDpi xmlns:a14="http://schemas.microsoft.com/office/drawing/2010/main" val="0"/>
-              </a:ext>
-            </a:extLst>
-          </a:blip>
-          <a:stretch>
-            <a:fillRect/>
-          </a:stretch>
+          <a:blip r:embed="rId2"/>
+          <a:srcRect/>
+          <a:stretch/>
         </p:blipFill>
         <p:spPr>
           <a:xfrm>
-            <a:off x="366963" y="246362"/>
-            <a:ext cx="272301" cy="278483"/>
+            <a:off x="8915400" y="819552"/>
+            <a:ext cx="2108111" cy="5523861"/>
           </a:xfrm>
           <a:prstGeom prst="rect">
             <a:avLst/>
@@ -7665,10 +7554,10 @@
       </p:pic>
       <p:pic>
         <p:nvPicPr>
-          <p:cNvPr id="13" name="Picture 12">
-            <a:extLst>
-              <a:ext uri="{FF2B5EF4-FFF2-40B4-BE49-F238E27FC236}">
-                <a16:creationId xmlns:a16="http://schemas.microsoft.com/office/drawing/2014/main" id="{E400AA1C-D441-4635-902A-1D054715368D}"/>
+          <p:cNvPr id="3" name="Picture 2" descr="A green frog on a black background&#10;&#10;Description automatically generated">
+            <a:extLst>
+              <a:ext uri="{FF2B5EF4-FFF2-40B4-BE49-F238E27FC236}">
+                <a16:creationId xmlns:a16="http://schemas.microsoft.com/office/drawing/2014/main" id="{57138CD8-8A83-B305-9B6B-09BE4C8DE3AD}"/>
               </a:ext>
             </a:extLst>
           </p:cNvPr>
@@ -7685,24 +7574,20 @@
         </p:blipFill>
         <p:spPr>
           <a:xfrm>
-            <a:off x="10590996" y="244059"/>
-            <a:ext cx="1274064" cy="138684"/>
+            <a:off x="10696660" y="184205"/>
+            <a:ext cx="1168400" cy="558495"/>
           </a:xfrm>
           <a:prstGeom prst="rect">
             <a:avLst/>
           </a:prstGeom>
-          <a:noFill/>
-          <a:ln>
-            <a:noFill/>
-          </a:ln>
         </p:spPr>
       </p:pic>
       <p:pic>
         <p:nvPicPr>
-          <p:cNvPr id="10" name="Picture 9">
-            <a:extLst>
-              <a:ext uri="{FF2B5EF4-FFF2-40B4-BE49-F238E27FC236}">
-                <a16:creationId xmlns:a16="http://schemas.microsoft.com/office/drawing/2014/main" id="{0E47D3B9-F438-E24F-9DFF-6C0E3C11CA76}"/>
+          <p:cNvPr id="5" name="Picture 4" descr="A green and white arrow pointing up&#10;&#10;Description automatically generated">
+            <a:extLst>
+              <a:ext uri="{FF2B5EF4-FFF2-40B4-BE49-F238E27FC236}">
+                <a16:creationId xmlns:a16="http://schemas.microsoft.com/office/drawing/2014/main" id="{322B3269-04B1-F2B6-8199-707287AA6736}"/>
               </a:ext>
             </a:extLst>
           </p:cNvPr>
@@ -7713,13 +7598,14 @@
         </p:nvPicPr>
         <p:blipFill>
           <a:blip r:embed="rId4"/>
-          <a:srcRect/>
-          <a:stretch/>
+          <a:stretch>
+            <a:fillRect/>
+          </a:stretch>
         </p:blipFill>
         <p:spPr>
           <a:xfrm>
-            <a:off x="8915400" y="819552"/>
-            <a:ext cx="2108111" cy="5523861"/>
+            <a:off x="321508" y="238349"/>
+            <a:ext cx="355638" cy="325186"/>
           </a:xfrm>
           <a:prstGeom prst="rect">
             <a:avLst/>
@@ -8011,10 +7897,10 @@
       </p:pic>
       <p:pic>
         <p:nvPicPr>
-          <p:cNvPr id="12" name="Picture 11">
-            <a:extLst>
-              <a:ext uri="{FF2B5EF4-FFF2-40B4-BE49-F238E27FC236}">
-                <a16:creationId xmlns:a16="http://schemas.microsoft.com/office/drawing/2014/main" id="{0E12473B-6F9B-4A83-8856-23C5641F0535}"/>
+          <p:cNvPr id="3" name="Picture 2" descr="A green frog on a black background&#10;&#10;Description automatically generated">
+            <a:extLst>
+              <a:ext uri="{FF2B5EF4-FFF2-40B4-BE49-F238E27FC236}">
+                <a16:creationId xmlns:a16="http://schemas.microsoft.com/office/drawing/2014/main" id="{3C5A771D-04B4-0CA5-5321-1F7C79E12ABF}"/>
               </a:ext>
             </a:extLst>
           </p:cNvPr>
@@ -8024,21 +7910,15 @@
           <p:nvPr userDrawn="1"/>
         </p:nvPicPr>
         <p:blipFill>
-          <a:blip r:embed="rId3">
-            <a:extLst>
-              <a:ext uri="{28A0092B-C50C-407E-A947-70E740481C1C}">
-                <a14:useLocalDpi xmlns:a14="http://schemas.microsoft.com/office/drawing/2010/main" val="0"/>
-              </a:ext>
-            </a:extLst>
-          </a:blip>
+          <a:blip r:embed="rId3"/>
           <a:stretch>
             <a:fillRect/>
           </a:stretch>
         </p:blipFill>
         <p:spPr>
           <a:xfrm>
-            <a:off x="366963" y="246362"/>
-            <a:ext cx="272301" cy="278483"/>
+            <a:off x="10696660" y="184205"/>
+            <a:ext cx="1168400" cy="558495"/>
           </a:xfrm>
           <a:prstGeom prst="rect">
             <a:avLst/>
@@ -8047,10 +7927,10 @@
       </p:pic>
       <p:pic>
         <p:nvPicPr>
-          <p:cNvPr id="13" name="Picture 12">
-            <a:extLst>
-              <a:ext uri="{FF2B5EF4-FFF2-40B4-BE49-F238E27FC236}">
-                <a16:creationId xmlns:a16="http://schemas.microsoft.com/office/drawing/2014/main" id="{0F56D179-7759-497B-8880-790CAAFA9560}"/>
+          <p:cNvPr id="6" name="Picture 5" descr="A green and white arrow pointing up&#10;&#10;Description automatically generated">
+            <a:extLst>
+              <a:ext uri="{FF2B5EF4-FFF2-40B4-BE49-F238E27FC236}">
+                <a16:creationId xmlns:a16="http://schemas.microsoft.com/office/drawing/2014/main" id="{AAFB1E84-0D1B-0A1D-9601-A874E9EA3E0D}"/>
               </a:ext>
             </a:extLst>
           </p:cNvPr>
@@ -8067,16 +7947,12 @@
         </p:blipFill>
         <p:spPr>
           <a:xfrm>
-            <a:off x="10590996" y="244059"/>
-            <a:ext cx="1274064" cy="138684"/>
+            <a:off x="321508" y="238349"/>
+            <a:ext cx="355638" cy="325186"/>
           </a:xfrm>
           <a:prstGeom prst="rect">
             <a:avLst/>
           </a:prstGeom>
-          <a:noFill/>
-          <a:ln>
-            <a:noFill/>
-          </a:ln>
         </p:spPr>
       </p:pic>
     </p:spTree>
@@ -8364,10 +8240,10 @@
       </p:pic>
       <p:pic>
         <p:nvPicPr>
-          <p:cNvPr id="12" name="Picture 11">
-            <a:extLst>
-              <a:ext uri="{FF2B5EF4-FFF2-40B4-BE49-F238E27FC236}">
-                <a16:creationId xmlns:a16="http://schemas.microsoft.com/office/drawing/2014/main" id="{0DA09E0F-9A3D-42E9-BF40-D380876817F5}"/>
+          <p:cNvPr id="3" name="Picture 2" descr="A green frog on a black background&#10;&#10;Description automatically generated">
+            <a:extLst>
+              <a:ext uri="{FF2B5EF4-FFF2-40B4-BE49-F238E27FC236}">
+                <a16:creationId xmlns:a16="http://schemas.microsoft.com/office/drawing/2014/main" id="{06244D51-B275-BB43-BD44-375CD8E8BB5A}"/>
               </a:ext>
             </a:extLst>
           </p:cNvPr>
@@ -8377,21 +8253,15 @@
           <p:nvPr userDrawn="1"/>
         </p:nvPicPr>
         <p:blipFill>
-          <a:blip r:embed="rId3">
-            <a:extLst>
-              <a:ext uri="{28A0092B-C50C-407E-A947-70E740481C1C}">
-                <a14:useLocalDpi xmlns:a14="http://schemas.microsoft.com/office/drawing/2010/main" val="0"/>
-              </a:ext>
-            </a:extLst>
-          </a:blip>
+          <a:blip r:embed="rId3"/>
           <a:stretch>
             <a:fillRect/>
           </a:stretch>
         </p:blipFill>
         <p:spPr>
           <a:xfrm>
-            <a:off x="366963" y="246362"/>
-            <a:ext cx="272301" cy="278483"/>
+            <a:off x="10696660" y="184205"/>
+            <a:ext cx="1168400" cy="558495"/>
           </a:xfrm>
           <a:prstGeom prst="rect">
             <a:avLst/>
@@ -8400,10 +8270,10 @@
       </p:pic>
       <p:pic>
         <p:nvPicPr>
-          <p:cNvPr id="14" name="Picture 13">
-            <a:extLst>
-              <a:ext uri="{FF2B5EF4-FFF2-40B4-BE49-F238E27FC236}">
-                <a16:creationId xmlns:a16="http://schemas.microsoft.com/office/drawing/2014/main" id="{99F43727-5D9C-4050-8B4D-49535AB73D83}"/>
+          <p:cNvPr id="5" name="Picture 4" descr="A green and white arrow pointing up&#10;&#10;Description automatically generated">
+            <a:extLst>
+              <a:ext uri="{FF2B5EF4-FFF2-40B4-BE49-F238E27FC236}">
+                <a16:creationId xmlns:a16="http://schemas.microsoft.com/office/drawing/2014/main" id="{272A5302-A4D9-06DD-E14E-063E0E601C91}"/>
               </a:ext>
             </a:extLst>
           </p:cNvPr>
@@ -8420,16 +8290,12 @@
         </p:blipFill>
         <p:spPr>
           <a:xfrm>
-            <a:off x="10590996" y="244059"/>
-            <a:ext cx="1274064" cy="138684"/>
+            <a:off x="321508" y="238349"/>
+            <a:ext cx="355638" cy="325186"/>
           </a:xfrm>
           <a:prstGeom prst="rect">
             <a:avLst/>
           </a:prstGeom>
-          <a:noFill/>
-          <a:ln>
-            <a:noFill/>
-          </a:ln>
         </p:spPr>
       </p:pic>
     </p:spTree>
@@ -8474,40 +8340,6 @@
           <a:chExt cx="0" cy="0"/>
         </a:xfrm>
       </p:grpSpPr>
-      <p:pic>
-        <p:nvPicPr>
-          <p:cNvPr id="11" name="Picture 10">
-            <a:extLst>
-              <a:ext uri="{FF2B5EF4-FFF2-40B4-BE49-F238E27FC236}">
-                <a16:creationId xmlns:a16="http://schemas.microsoft.com/office/drawing/2014/main" id="{E6EFBB34-E7A6-446F-8461-EDE7FE5D0D75}"/>
-              </a:ext>
-            </a:extLst>
-          </p:cNvPr>
-          <p:cNvPicPr>
-            <a:picLocks noChangeAspect="1"/>
-          </p:cNvPicPr>
-          <p:nvPr userDrawn="1"/>
-        </p:nvPicPr>
-        <p:blipFill>
-          <a:blip r:embed="rId2"/>
-          <a:stretch>
-            <a:fillRect/>
-          </a:stretch>
-        </p:blipFill>
-        <p:spPr>
-          <a:xfrm>
-            <a:off x="10580328" y="244059"/>
-            <a:ext cx="1284732" cy="144780"/>
-          </a:xfrm>
-          <a:prstGeom prst="rect">
-            <a:avLst/>
-          </a:prstGeom>
-          <a:noFill/>
-          <a:ln>
-            <a:noFill/>
-          </a:ln>
-        </p:spPr>
-      </p:pic>
       <p:sp>
         <p:nvSpPr>
           <p:cNvPr id="4" name="Content Placeholder 3"/>
@@ -8693,10 +8525,10 @@
       </p:sp>
       <p:pic>
         <p:nvPicPr>
-          <p:cNvPr id="9" name="Picture 8">
-            <a:extLst>
-              <a:ext uri="{FF2B5EF4-FFF2-40B4-BE49-F238E27FC236}">
-                <a16:creationId xmlns:a16="http://schemas.microsoft.com/office/drawing/2014/main" id="{3157881E-E143-4217-816A-8C4E380EDD75}"/>
+          <p:cNvPr id="10" name="Picture 9">
+            <a:extLst>
+              <a:ext uri="{FF2B5EF4-FFF2-40B4-BE49-F238E27FC236}">
+                <a16:creationId xmlns:a16="http://schemas.microsoft.com/office/drawing/2014/main" id="{8FAF4D3D-F50B-59B5-E52F-FFF7455C5073}"/>
               </a:ext>
             </a:extLst>
           </p:cNvPr>
@@ -8706,21 +8538,44 @@
           <p:nvPr userDrawn="1"/>
         </p:nvPicPr>
         <p:blipFill>
-          <a:blip r:embed="rId3">
-            <a:extLst>
-              <a:ext uri="{28A0092B-C50C-407E-A947-70E740481C1C}">
-                <a14:useLocalDpi xmlns:a14="http://schemas.microsoft.com/office/drawing/2010/main" val="0"/>
-              </a:ext>
-            </a:extLst>
-          </a:blip>
+          <a:blip r:embed="rId2"/>
+          <a:srcRect/>
+          <a:stretch/>
+        </p:blipFill>
+        <p:spPr>
+          <a:xfrm>
+            <a:off x="10696660" y="184205"/>
+            <a:ext cx="1168399" cy="558495"/>
+          </a:xfrm>
+          <a:prstGeom prst="rect">
+            <a:avLst/>
+          </a:prstGeom>
+        </p:spPr>
+      </p:pic>
+      <p:pic>
+        <p:nvPicPr>
+          <p:cNvPr id="12" name="Picture 11" descr="A green arrow pointing up&#10;&#10;Description automatically generated">
+            <a:extLst>
+              <a:ext uri="{FF2B5EF4-FFF2-40B4-BE49-F238E27FC236}">
+                <a16:creationId xmlns:a16="http://schemas.microsoft.com/office/drawing/2014/main" id="{F2BC468A-4158-55C3-5C83-546D1352F858}"/>
+              </a:ext>
+            </a:extLst>
+          </p:cNvPr>
+          <p:cNvPicPr>
+            <a:picLocks noChangeAspect="1"/>
+          </p:cNvPicPr>
+          <p:nvPr userDrawn="1"/>
+        </p:nvPicPr>
+        <p:blipFill>
+          <a:blip r:embed="rId3"/>
           <a:stretch>
             <a:fillRect/>
           </a:stretch>
         </p:blipFill>
         <p:spPr>
           <a:xfrm>
-            <a:off x="366963" y="246362"/>
-            <a:ext cx="272301" cy="278483"/>
+            <a:off x="321507" y="184261"/>
+            <a:ext cx="320603" cy="293151"/>
           </a:xfrm>
           <a:prstGeom prst="rect">
             <a:avLst/>
@@ -9030,10 +8885,10 @@
       </p:sp>
       <p:pic>
         <p:nvPicPr>
-          <p:cNvPr id="10" name="Picture 9">
-            <a:extLst>
-              <a:ext uri="{FF2B5EF4-FFF2-40B4-BE49-F238E27FC236}">
-                <a16:creationId xmlns:a16="http://schemas.microsoft.com/office/drawing/2014/main" id="{EEB0B422-09F3-401B-BCC9-0BD19CBF8F13}"/>
+          <p:cNvPr id="8" name="Picture 7" descr="A green arrow pointing up&#10;&#10;Description automatically generated">
+            <a:extLst>
+              <a:ext uri="{FF2B5EF4-FFF2-40B4-BE49-F238E27FC236}">
+                <a16:creationId xmlns:a16="http://schemas.microsoft.com/office/drawing/2014/main" id="{FBE6E185-7D1D-5016-2783-88ED44F389DA}"/>
               </a:ext>
             </a:extLst>
           </p:cNvPr>
@@ -9050,24 +8905,20 @@
         </p:blipFill>
         <p:spPr>
           <a:xfrm>
-            <a:off x="10580328" y="244059"/>
-            <a:ext cx="1284732" cy="144780"/>
+            <a:off x="321507" y="184261"/>
+            <a:ext cx="320603" cy="293151"/>
           </a:xfrm>
           <a:prstGeom prst="rect">
             <a:avLst/>
           </a:prstGeom>
-          <a:noFill/>
-          <a:ln>
-            <a:noFill/>
-          </a:ln>
         </p:spPr>
       </p:pic>
       <p:pic>
         <p:nvPicPr>
-          <p:cNvPr id="11" name="Picture 10">
-            <a:extLst>
-              <a:ext uri="{FF2B5EF4-FFF2-40B4-BE49-F238E27FC236}">
-                <a16:creationId xmlns:a16="http://schemas.microsoft.com/office/drawing/2014/main" id="{DB79A268-DC64-46CE-B24E-6EA4998BFC0F}"/>
+          <p:cNvPr id="9" name="Picture 8">
+            <a:extLst>
+              <a:ext uri="{FF2B5EF4-FFF2-40B4-BE49-F238E27FC236}">
+                <a16:creationId xmlns:a16="http://schemas.microsoft.com/office/drawing/2014/main" id="{9824C603-8393-C51A-FA83-AA97CFEC3FC4}"/>
               </a:ext>
             </a:extLst>
           </p:cNvPr>
@@ -9077,21 +8928,14 @@
           <p:nvPr userDrawn="1"/>
         </p:nvPicPr>
         <p:blipFill>
-          <a:blip r:embed="rId3">
-            <a:extLst>
-              <a:ext uri="{28A0092B-C50C-407E-A947-70E740481C1C}">
-                <a14:useLocalDpi xmlns:a14="http://schemas.microsoft.com/office/drawing/2010/main" val="0"/>
-              </a:ext>
-            </a:extLst>
-          </a:blip>
-          <a:stretch>
-            <a:fillRect/>
-          </a:stretch>
+          <a:blip r:embed="rId3"/>
+          <a:srcRect/>
+          <a:stretch/>
         </p:blipFill>
         <p:spPr>
           <a:xfrm>
-            <a:off x="366963" y="246362"/>
-            <a:ext cx="272301" cy="278483"/>
+            <a:off x="10696660" y="184205"/>
+            <a:ext cx="1168399" cy="558495"/>
           </a:xfrm>
           <a:prstGeom prst="rect">
             <a:avLst/>
@@ -9431,10 +9275,10 @@
       </p:sp>
       <p:pic>
         <p:nvPicPr>
-          <p:cNvPr id="10" name="Picture 9">
-            <a:extLst>
-              <a:ext uri="{FF2B5EF4-FFF2-40B4-BE49-F238E27FC236}">
-                <a16:creationId xmlns:a16="http://schemas.microsoft.com/office/drawing/2014/main" id="{EE222980-9FEA-47AB-8160-1C2959753276}"/>
+          <p:cNvPr id="7" name="Picture 6">
+            <a:extLst>
+              <a:ext uri="{FF2B5EF4-FFF2-40B4-BE49-F238E27FC236}">
+                <a16:creationId xmlns:a16="http://schemas.microsoft.com/office/drawing/2014/main" id="{0B6B65BE-FA85-AF0C-4D68-CFCB61C106C4}"/>
               </a:ext>
             </a:extLst>
           </p:cNvPr>
@@ -9445,30 +9289,25 @@
         </p:nvPicPr>
         <p:blipFill>
           <a:blip r:embed="rId2"/>
-          <a:stretch>
-            <a:fillRect/>
-          </a:stretch>
+          <a:srcRect/>
+          <a:stretch/>
         </p:blipFill>
         <p:spPr>
           <a:xfrm>
-            <a:off x="10580328" y="244059"/>
-            <a:ext cx="1284732" cy="144780"/>
+            <a:off x="10696660" y="184205"/>
+            <a:ext cx="1168399" cy="558495"/>
           </a:xfrm>
           <a:prstGeom prst="rect">
             <a:avLst/>
           </a:prstGeom>
-          <a:noFill/>
-          <a:ln>
-            <a:noFill/>
-          </a:ln>
         </p:spPr>
       </p:pic>
       <p:pic>
         <p:nvPicPr>
-          <p:cNvPr id="11" name="Picture 10">
-            <a:extLst>
-              <a:ext uri="{FF2B5EF4-FFF2-40B4-BE49-F238E27FC236}">
-                <a16:creationId xmlns:a16="http://schemas.microsoft.com/office/drawing/2014/main" id="{C759DED6-E107-4AF2-B3B8-51B167296C6C}"/>
+          <p:cNvPr id="8" name="Picture 7" descr="A green arrow pointing up&#10;&#10;Description automatically generated">
+            <a:extLst>
+              <a:ext uri="{FF2B5EF4-FFF2-40B4-BE49-F238E27FC236}">
+                <a16:creationId xmlns:a16="http://schemas.microsoft.com/office/drawing/2014/main" id="{7E963120-4B23-580E-1722-07B1CEFD317D}"/>
               </a:ext>
             </a:extLst>
           </p:cNvPr>
@@ -9478,21 +9317,15 @@
           <p:nvPr userDrawn="1"/>
         </p:nvPicPr>
         <p:blipFill>
-          <a:blip r:embed="rId3">
-            <a:extLst>
-              <a:ext uri="{28A0092B-C50C-407E-A947-70E740481C1C}">
-                <a14:useLocalDpi xmlns:a14="http://schemas.microsoft.com/office/drawing/2010/main" val="0"/>
-              </a:ext>
-            </a:extLst>
-          </a:blip>
+          <a:blip r:embed="rId3"/>
           <a:stretch>
             <a:fillRect/>
           </a:stretch>
         </p:blipFill>
         <p:spPr>
           <a:xfrm>
-            <a:off x="366963" y="246362"/>
-            <a:ext cx="272301" cy="278483"/>
+            <a:off x="321507" y="184261"/>
+            <a:ext cx="320603" cy="293151"/>
           </a:xfrm>
           <a:prstGeom prst="rect">
             <a:avLst/>
@@ -9812,10 +9645,10 @@
       </p:sp>
       <p:pic>
         <p:nvPicPr>
-          <p:cNvPr id="11" name="Picture 10">
-            <a:extLst>
-              <a:ext uri="{FF2B5EF4-FFF2-40B4-BE49-F238E27FC236}">
-                <a16:creationId xmlns:a16="http://schemas.microsoft.com/office/drawing/2014/main" id="{F177E974-6222-4E14-8F53-1A35F8F2DE91}"/>
+          <p:cNvPr id="2" name="Picture 1">
+            <a:extLst>
+              <a:ext uri="{FF2B5EF4-FFF2-40B4-BE49-F238E27FC236}">
+                <a16:creationId xmlns:a16="http://schemas.microsoft.com/office/drawing/2014/main" id="{E7A520DB-BE4E-E408-3F4F-A1F6ACEB2EC1}"/>
               </a:ext>
             </a:extLst>
           </p:cNvPr>
@@ -9826,30 +9659,25 @@
         </p:nvPicPr>
         <p:blipFill>
           <a:blip r:embed="rId2"/>
-          <a:stretch>
-            <a:fillRect/>
-          </a:stretch>
+          <a:srcRect/>
+          <a:stretch/>
         </p:blipFill>
         <p:spPr>
           <a:xfrm>
-            <a:off x="10580328" y="244059"/>
-            <a:ext cx="1284732" cy="144780"/>
+            <a:off x="10696660" y="184205"/>
+            <a:ext cx="1168399" cy="558495"/>
           </a:xfrm>
           <a:prstGeom prst="rect">
             <a:avLst/>
           </a:prstGeom>
-          <a:noFill/>
-          <a:ln>
-            <a:noFill/>
-          </a:ln>
         </p:spPr>
       </p:pic>
       <p:pic>
         <p:nvPicPr>
-          <p:cNvPr id="12" name="Picture 11">
-            <a:extLst>
-              <a:ext uri="{FF2B5EF4-FFF2-40B4-BE49-F238E27FC236}">
-                <a16:creationId xmlns:a16="http://schemas.microsoft.com/office/drawing/2014/main" id="{20A0BD44-827B-47CD-8BFA-2A4BD387B408}"/>
+          <p:cNvPr id="8" name="Picture 7" descr="A green arrow pointing up&#10;&#10;Description automatically generated">
+            <a:extLst>
+              <a:ext uri="{FF2B5EF4-FFF2-40B4-BE49-F238E27FC236}">
+                <a16:creationId xmlns:a16="http://schemas.microsoft.com/office/drawing/2014/main" id="{EA5E60A1-09F1-AD6D-79EF-7A72C5130C99}"/>
               </a:ext>
             </a:extLst>
           </p:cNvPr>
@@ -9859,21 +9687,15 @@
           <p:nvPr userDrawn="1"/>
         </p:nvPicPr>
         <p:blipFill>
-          <a:blip r:embed="rId3">
-            <a:extLst>
-              <a:ext uri="{28A0092B-C50C-407E-A947-70E740481C1C}">
-                <a14:useLocalDpi xmlns:a14="http://schemas.microsoft.com/office/drawing/2010/main" val="0"/>
-              </a:ext>
-            </a:extLst>
-          </a:blip>
+          <a:blip r:embed="rId3"/>
           <a:stretch>
             <a:fillRect/>
           </a:stretch>
         </p:blipFill>
         <p:spPr>
           <a:xfrm>
-            <a:off x="366963" y="246362"/>
-            <a:ext cx="272301" cy="278483"/>
+            <a:off x="321507" y="184261"/>
+            <a:ext cx="320603" cy="293151"/>
           </a:xfrm>
           <a:prstGeom prst="rect">
             <a:avLst/>
@@ -10118,8 +9940,8 @@
         </p:nvSpPr>
         <p:spPr>
           <a:xfrm>
-            <a:off x="4875311" y="6519446"/>
-            <a:ext cx="2438400" cy="338554"/>
+            <a:off x="4647456" y="6519446"/>
+            <a:ext cx="2897089" cy="338554"/>
           </a:xfrm>
           <a:prstGeom prst="rect">
             <a:avLst/>
@@ -10164,7 +9986,7 @@
                 </a:solidFill>
                 <a:latin typeface="National 2" panose="020B0504030502020203" pitchFamily="34" charset="77"/>
               </a:rPr>
-              <a:t>rr-oop</a:t>
+              <a:t>raux-oop</a:t>
             </a:r>
             <a:endParaRPr lang="en-US" sz="1600" dirty="0">
               <a:solidFill>
@@ -10598,7 +10420,7 @@
           <a:p>
             <a:r>
               <a:rPr lang="en-US" dirty="0"/>
-              <a:t>April 19, 2023</a:t>
+              <a:t>April 5, 2024</a:t>
             </a:r>
           </a:p>
         </p:txBody>
@@ -10624,7 +10446,7 @@
 </p:sld>
 </file>
 
-<file path=ppt/slides/slide10.xml><?xml version="1.0" encoding="utf-8"?>
+<file path=ppt/slides/slide2.xml><?xml version="1.0" encoding="utf-8"?>
 <p:sld xmlns:a="http://schemas.openxmlformats.org/drawingml/2006/main" xmlns:r="http://schemas.openxmlformats.org/officeDocument/2006/relationships" xmlns:p="http://schemas.openxmlformats.org/presentationml/2006/main">
   <p:cSld>
     <p:spTree>
@@ -10643,13 +10465,7 @@
       </p:grpSpPr>
       <p:sp>
         <p:nvSpPr>
-          <p:cNvPr id="6" name="Title 5">
-            <a:extLst>
-              <a:ext uri="{FF2B5EF4-FFF2-40B4-BE49-F238E27FC236}">
-                <a16:creationId xmlns:a16="http://schemas.microsoft.com/office/drawing/2014/main" id="{E2022F1B-185B-988B-0431-8AC0FFCEA3EF}"/>
-              </a:ext>
-            </a:extLst>
-          </p:cNvPr>
+          <p:cNvPr id="10" name="Title 9"/>
           <p:cNvSpPr>
             <a:spLocks noGrp="1"/>
           </p:cNvSpPr>
@@ -10657,27 +10473,37 @@
             <p:ph type="title"/>
           </p:nvPr>
         </p:nvSpPr>
-        <p:spPr/>
-        <p:txBody>
-          <a:bodyPr/>
+        <p:spPr>
+          <a:xfrm>
+            <a:off x="321510" y="2590800"/>
+            <a:ext cx="11641890" cy="838200"/>
+          </a:xfrm>
+        </p:spPr>
+        <p:txBody>
+          <a:bodyPr>
+            <a:noAutofit/>
+          </a:bodyPr>
           <a:lstStyle/>
           <a:p>
             <a:r>
-              <a:rPr lang="en-US" dirty="0"/>
-              <a:t>Let’s get classy…</a:t>
-            </a:r>
-          </a:p>
-        </p:txBody>
-      </p:sp>
-      <p:sp>
-        <p:nvSpPr>
-          <p:cNvPr id="7" name="Text Placeholder 6">
-            <a:extLst>
-              <a:ext uri="{FF2B5EF4-FFF2-40B4-BE49-F238E27FC236}">
-                <a16:creationId xmlns:a16="http://schemas.microsoft.com/office/drawing/2014/main" id="{E9B030BA-0A93-C5F8-CCD7-869E7F48C8C8}"/>
-              </a:ext>
-            </a:extLst>
-          </p:cNvPr>
+              <a:rPr lang="en-AU" sz="4400" dirty="0"/>
+              <a:t>Classy Code: </a:t>
+            </a:r>
+            <a:br>
+              <a:rPr lang="en-AU" sz="4400" dirty="0"/>
+            </a:br>
+            <a:r>
+              <a:rPr lang="en-AU" sz="4000" dirty="0">
+                <a:latin typeface="National 2" panose="020B0504030502020203" pitchFamily="34" charset="77"/>
+              </a:rPr>
+              <a:t>Object-Oriented Programming for Fun and Profit</a:t>
+            </a:r>
+          </a:p>
+        </p:txBody>
+      </p:sp>
+      <p:sp>
+        <p:nvSpPr>
+          <p:cNvPr id="11" name="Text Placeholder 10"/>
           <p:cNvSpPr>
             <a:spLocks noGrp="1"/>
           </p:cNvSpPr>
@@ -10685,6 +10511,2902 @@
             <p:ph type="body" sz="quarter" idx="10"/>
           </p:nvPr>
         </p:nvSpPr>
+        <p:spPr>
+          <a:xfrm>
+            <a:off x="359010" y="4653034"/>
+            <a:ext cx="8176156" cy="1519166"/>
+          </a:xfrm>
+        </p:spPr>
+        <p:txBody>
+          <a:bodyPr>
+            <a:normAutofit/>
+          </a:bodyPr>
+          <a:lstStyle/>
+          <a:p>
+            <a:pPr>
+              <a:lnSpc>
+                <a:spcPct val="100000"/>
+              </a:lnSpc>
+              <a:spcBef>
+                <a:spcPts val="0"/>
+              </a:spcBef>
+              <a:spcAft>
+                <a:spcPts val="0"/>
+              </a:spcAft>
+            </a:pPr>
+            <a:r>
+              <a:rPr lang="en-AU" sz="3200" dirty="0"/>
+              <a:t>Simon Stone</a:t>
+            </a:r>
+          </a:p>
+          <a:p>
+            <a:pPr>
+              <a:lnSpc>
+                <a:spcPct val="100000"/>
+              </a:lnSpc>
+              <a:spcBef>
+                <a:spcPts val="0"/>
+              </a:spcBef>
+              <a:spcAft>
+                <a:spcPts val="0"/>
+              </a:spcAft>
+            </a:pPr>
+            <a:r>
+              <a:rPr lang="en-AU" sz="2800" i="1" dirty="0"/>
+              <a:t>Research Data Services</a:t>
+            </a:r>
+          </a:p>
+          <a:p>
+            <a:pPr>
+              <a:lnSpc>
+                <a:spcPct val="100000"/>
+              </a:lnSpc>
+              <a:spcBef>
+                <a:spcPts val="0"/>
+              </a:spcBef>
+              <a:spcAft>
+                <a:spcPts val="0"/>
+              </a:spcAft>
+            </a:pPr>
+            <a:r>
+              <a:rPr lang="en-AU" sz="2800" i="1" dirty="0"/>
+              <a:t>Dartmouth College Libraries</a:t>
+            </a:r>
+            <a:endParaRPr lang="en-AU" sz="3200" i="1" dirty="0"/>
+          </a:p>
+        </p:txBody>
+      </p:sp>
+      <p:sp>
+        <p:nvSpPr>
+          <p:cNvPr id="2" name="Text Placeholder 10">
+            <a:extLst>
+              <a:ext uri="{FF2B5EF4-FFF2-40B4-BE49-F238E27FC236}">
+                <a16:creationId xmlns:a16="http://schemas.microsoft.com/office/drawing/2014/main" id="{E1542F83-1431-A4F1-BAE7-7C73FFADD24E}"/>
+              </a:ext>
+            </a:extLst>
+          </p:cNvPr>
+          <p:cNvSpPr txBox="1">
+            <a:spLocks/>
+          </p:cNvSpPr>
+          <p:nvPr/>
+        </p:nvSpPr>
+        <p:spPr>
+          <a:xfrm>
+            <a:off x="359010" y="3776094"/>
+            <a:ext cx="10461390" cy="1219200"/>
+          </a:xfrm>
+          <a:prstGeom prst="rect">
+            <a:avLst/>
+          </a:prstGeom>
+        </p:spPr>
+        <p:txBody>
+          <a:bodyPr vert="horz" lIns="0" tIns="0" rIns="0" bIns="0" rtlCol="0">
+            <a:normAutofit/>
+          </a:bodyPr>
+          <a:lstStyle>
+            <a:lvl1pPr marL="0" indent="0" algn="l" defTabSz="642974" rtl="0" eaLnBrk="1" latinLnBrk="0" hangingPunct="1">
+              <a:lnSpc>
+                <a:spcPct val="120000"/>
+              </a:lnSpc>
+              <a:spcBef>
+                <a:spcPts val="600"/>
+              </a:spcBef>
+              <a:spcAft>
+                <a:spcPts val="600"/>
+              </a:spcAft>
+              <a:buClr>
+                <a:schemeClr val="accent1"/>
+              </a:buClr>
+              <a:buFont typeface="Arial" charset="0"/>
+              <a:buNone/>
+              <a:defRPr sz="4079" b="0" i="0" kern="1200">
+                <a:solidFill>
+                  <a:schemeClr val="bg1"/>
+                </a:solidFill>
+                <a:latin typeface="National 2" charset="0"/>
+                <a:ea typeface="National 2" charset="0"/>
+                <a:cs typeface="National 2" charset="0"/>
+              </a:defRPr>
+            </a:lvl1pPr>
+            <a:lvl2pPr marL="640080" indent="-228600" algn="l" defTabSz="642974" rtl="0" eaLnBrk="1" latinLnBrk="0" hangingPunct="1">
+              <a:lnSpc>
+                <a:spcPct val="120000"/>
+              </a:lnSpc>
+              <a:spcBef>
+                <a:spcPts val="600"/>
+              </a:spcBef>
+              <a:spcAft>
+                <a:spcPts val="600"/>
+              </a:spcAft>
+              <a:buClr>
+                <a:schemeClr val="accent1"/>
+              </a:buClr>
+              <a:buFont typeface="Arial" charset="0"/>
+              <a:buChar char="•"/>
+              <a:defRPr sz="1600" b="0" i="0" kern="1200">
+                <a:solidFill>
+                  <a:schemeClr val="accent1"/>
+                </a:solidFill>
+                <a:latin typeface="National 2" charset="0"/>
+                <a:ea typeface="National 2" charset="0"/>
+                <a:cs typeface="National 2" charset="0"/>
+              </a:defRPr>
+            </a:lvl2pPr>
+            <a:lvl3pPr marL="1097280" indent="-228600" algn="l" defTabSz="642974" rtl="0" eaLnBrk="1" latinLnBrk="0" hangingPunct="1">
+              <a:lnSpc>
+                <a:spcPct val="120000"/>
+              </a:lnSpc>
+              <a:spcBef>
+                <a:spcPts val="600"/>
+              </a:spcBef>
+              <a:spcAft>
+                <a:spcPts val="600"/>
+              </a:spcAft>
+              <a:buClr>
+                <a:schemeClr val="accent1"/>
+              </a:buClr>
+              <a:buFont typeface="Arial" charset="0"/>
+              <a:buChar char="•"/>
+              <a:defRPr sz="1600" b="0" i="0" kern="1200">
+                <a:solidFill>
+                  <a:schemeClr val="accent1"/>
+                </a:solidFill>
+                <a:latin typeface="National 2" charset="0"/>
+                <a:ea typeface="National 2" charset="0"/>
+                <a:cs typeface="National 2" charset="0"/>
+              </a:defRPr>
+            </a:lvl3pPr>
+            <a:lvl4pPr marL="1554480" indent="-228600" algn="l" defTabSz="642974" rtl="0" eaLnBrk="1" latinLnBrk="0" hangingPunct="1">
+              <a:lnSpc>
+                <a:spcPct val="120000"/>
+              </a:lnSpc>
+              <a:spcBef>
+                <a:spcPts val="600"/>
+              </a:spcBef>
+              <a:spcAft>
+                <a:spcPts val="600"/>
+              </a:spcAft>
+              <a:buClr>
+                <a:schemeClr val="accent1"/>
+              </a:buClr>
+              <a:buFont typeface="Arial" charset="0"/>
+              <a:buChar char="•"/>
+              <a:defRPr sz="1600" b="0" i="0" kern="1200" baseline="0">
+                <a:solidFill>
+                  <a:schemeClr val="accent1"/>
+                </a:solidFill>
+                <a:latin typeface="National 2" charset="0"/>
+                <a:ea typeface="National 2" charset="0"/>
+                <a:cs typeface="National 2" charset="0"/>
+              </a:defRPr>
+            </a:lvl4pPr>
+            <a:lvl5pPr marL="2011680" indent="-285750" algn="l" defTabSz="642974" rtl="0" eaLnBrk="1" latinLnBrk="0" hangingPunct="1">
+              <a:spcBef>
+                <a:spcPts val="422"/>
+              </a:spcBef>
+              <a:spcAft>
+                <a:spcPts val="211"/>
+              </a:spcAft>
+              <a:buClr>
+                <a:schemeClr val="accent1"/>
+              </a:buClr>
+              <a:buFont typeface="Arial" charset="0"/>
+              <a:buChar char="•"/>
+              <a:defRPr sz="1406" b="0" i="0" kern="1200" baseline="0">
+                <a:solidFill>
+                  <a:schemeClr val="accent1"/>
+                </a:solidFill>
+                <a:latin typeface="National 2" charset="0"/>
+                <a:ea typeface="National 2" charset="0"/>
+                <a:cs typeface="National 2" charset="0"/>
+              </a:defRPr>
+            </a:lvl5pPr>
+            <a:lvl6pPr marL="2468880" indent="-228600" algn="l" defTabSz="642974" rtl="0" eaLnBrk="1" latinLnBrk="0" hangingPunct="1">
+              <a:lnSpc>
+                <a:spcPct val="120000"/>
+              </a:lnSpc>
+              <a:spcBef>
+                <a:spcPts val="600"/>
+              </a:spcBef>
+              <a:spcAft>
+                <a:spcPts val="600"/>
+              </a:spcAft>
+              <a:buFont typeface="Arial" pitchFamily="34" charset="0"/>
+              <a:buChar char="•"/>
+              <a:defRPr sz="1406" kern="1200" baseline="0">
+                <a:solidFill>
+                  <a:schemeClr val="accent1"/>
+                </a:solidFill>
+                <a:latin typeface="+mn-lt"/>
+                <a:ea typeface="+mn-ea"/>
+                <a:cs typeface="+mn-cs"/>
+              </a:defRPr>
+            </a:lvl6pPr>
+            <a:lvl7pPr marL="2089666" indent="-160744" algn="l" defTabSz="642974" rtl="0" eaLnBrk="1" latinLnBrk="0" hangingPunct="1">
+              <a:spcBef>
+                <a:spcPct val="20000"/>
+              </a:spcBef>
+              <a:buFont typeface="Arial" pitchFamily="34" charset="0"/>
+              <a:buChar char="•"/>
+              <a:defRPr sz="1406" kern="1200">
+                <a:solidFill>
+                  <a:schemeClr val="tx1"/>
+                </a:solidFill>
+                <a:latin typeface="+mn-lt"/>
+                <a:ea typeface="+mn-ea"/>
+                <a:cs typeface="+mn-cs"/>
+              </a:defRPr>
+            </a:lvl7pPr>
+            <a:lvl8pPr marL="2411153" indent="-160744" algn="l" defTabSz="642974" rtl="0" eaLnBrk="1" latinLnBrk="0" hangingPunct="1">
+              <a:spcBef>
+                <a:spcPct val="20000"/>
+              </a:spcBef>
+              <a:buFont typeface="Arial" pitchFamily="34" charset="0"/>
+              <a:buChar char="•"/>
+              <a:defRPr sz="1406" kern="1200">
+                <a:solidFill>
+                  <a:schemeClr val="tx1"/>
+                </a:solidFill>
+                <a:latin typeface="+mn-lt"/>
+                <a:ea typeface="+mn-ea"/>
+                <a:cs typeface="+mn-cs"/>
+              </a:defRPr>
+            </a:lvl8pPr>
+            <a:lvl9pPr marL="2732640" indent="-160744" algn="l" defTabSz="642974" rtl="0" eaLnBrk="1" latinLnBrk="0" hangingPunct="1">
+              <a:spcBef>
+                <a:spcPct val="20000"/>
+              </a:spcBef>
+              <a:buFont typeface="Arial" pitchFamily="34" charset="0"/>
+              <a:buChar char="•"/>
+              <a:defRPr sz="1406" kern="1200">
+                <a:solidFill>
+                  <a:schemeClr val="tx1"/>
+                </a:solidFill>
+                <a:latin typeface="+mn-lt"/>
+                <a:ea typeface="+mn-ea"/>
+                <a:cs typeface="+mn-cs"/>
+              </a:defRPr>
+            </a:lvl9pPr>
+          </a:lstStyle>
+          <a:p>
+            <a:r>
+              <a:rPr lang="en-AU" dirty="0"/>
+              <a:t>RAUX Training</a:t>
+            </a:r>
+          </a:p>
+        </p:txBody>
+      </p:sp>
+      <p:pic>
+        <p:nvPicPr>
+          <p:cNvPr id="16" name="Picture 15" descr="Logo, company name&#10;&#10;Description automatically generated">
+            <a:extLst>
+              <a:ext uri="{FF2B5EF4-FFF2-40B4-BE49-F238E27FC236}">
+                <a16:creationId xmlns:a16="http://schemas.microsoft.com/office/drawing/2014/main" id="{A3644AC0-49F1-6100-6FE1-457D4E0C66F4}"/>
+              </a:ext>
+            </a:extLst>
+          </p:cNvPr>
+          <p:cNvPicPr>
+            <a:picLocks noChangeAspect="1"/>
+          </p:cNvPicPr>
+          <p:nvPr/>
+        </p:nvPicPr>
+        <p:blipFill>
+          <a:blip r:embed="rId2"/>
+          <a:stretch>
+            <a:fillRect/>
+          </a:stretch>
+        </p:blipFill>
+        <p:spPr>
+          <a:xfrm>
+            <a:off x="10108433" y="4724400"/>
+            <a:ext cx="2219325" cy="2219325"/>
+          </a:xfrm>
+          <a:prstGeom prst="rect">
+            <a:avLst/>
+          </a:prstGeom>
+        </p:spPr>
+      </p:pic>
+      <p:sp>
+        <p:nvSpPr>
+          <p:cNvPr id="8" name="Slide Number Placeholder 7">
+            <a:extLst>
+              <a:ext uri="{FF2B5EF4-FFF2-40B4-BE49-F238E27FC236}">
+                <a16:creationId xmlns:a16="http://schemas.microsoft.com/office/drawing/2014/main" id="{E42EE419-3E1C-288D-5C6F-4343FE7E2473}"/>
+              </a:ext>
+            </a:extLst>
+          </p:cNvPr>
+          <p:cNvSpPr>
+            <a:spLocks noGrp="1"/>
+          </p:cNvSpPr>
+          <p:nvPr>
+            <p:ph type="sldNum" sz="quarter" idx="12"/>
+          </p:nvPr>
+        </p:nvSpPr>
+        <p:spPr/>
+        <p:txBody>
+          <a:bodyPr/>
+          <a:lstStyle/>
+          <a:p>
+            <a:fld id="{E917DE0E-AFB1-41FD-BC35-27DB61CA125F}" type="slidenum">
+              <a:rPr lang="en-AU" smtClean="0"/>
+              <a:pPr/>
+              <a:t>2</a:t>
+            </a:fld>
+            <a:endParaRPr lang="en-AU" dirty="0"/>
+          </a:p>
+        </p:txBody>
+      </p:sp>
+    </p:spTree>
+    <p:extLst>
+      <p:ext uri="{BB962C8B-B14F-4D97-AF65-F5344CB8AC3E}">
+        <p14:creationId xmlns:p14="http://schemas.microsoft.com/office/powerpoint/2010/main" val="2934808045"/>
+      </p:ext>
+    </p:extLst>
+  </p:cSld>
+  <p:clrMapOvr>
+    <a:masterClrMapping/>
+  </p:clrMapOvr>
+  <mc:AlternateContent xmlns:mc="http://schemas.openxmlformats.org/markup-compatibility/2006" xmlns:p14="http://schemas.microsoft.com/office/powerpoint/2010/main">
+    <mc:Choice Requires="p14">
+      <p:transition spd="med" p14:dur="700">
+        <p:fade/>
+      </p:transition>
+    </mc:Choice>
+    <mc:Fallback xmlns="">
+      <p:transition spd="med">
+        <p:fade/>
+      </p:transition>
+    </mc:Fallback>
+  </mc:AlternateContent>
+</p:sld>
+</file>
+
+<file path=ppt/slides/slide3.xml><?xml version="1.0" encoding="utf-8"?>
+<p:sld xmlns:a="http://schemas.openxmlformats.org/drawingml/2006/main" xmlns:r="http://schemas.openxmlformats.org/officeDocument/2006/relationships" xmlns:p="http://schemas.openxmlformats.org/presentationml/2006/main">
+  <p:cSld>
+    <p:spTree>
+      <p:nvGrpSpPr>
+        <p:cNvPr id="1" name=""/>
+        <p:cNvGrpSpPr/>
+        <p:nvPr/>
+      </p:nvGrpSpPr>
+      <p:grpSpPr>
+        <a:xfrm>
+          <a:off x="0" y="0"/>
+          <a:ext cx="0" cy="0"/>
+          <a:chOff x="0" y="0"/>
+          <a:chExt cx="0" cy="0"/>
+        </a:xfrm>
+      </p:grpSpPr>
+      <p:sp>
+        <p:nvSpPr>
+          <p:cNvPr id="2" name="Content Placeholder 1">
+            <a:extLst>
+              <a:ext uri="{FF2B5EF4-FFF2-40B4-BE49-F238E27FC236}">
+                <a16:creationId xmlns:a16="http://schemas.microsoft.com/office/drawing/2014/main" id="{2202ED9A-C8B6-432D-0DEC-A527D02AB679}"/>
+              </a:ext>
+            </a:extLst>
+          </p:cNvPr>
+          <p:cNvSpPr>
+            <a:spLocks noGrp="1"/>
+          </p:cNvSpPr>
+          <p:nvPr>
+            <p:ph sz="quarter" idx="11"/>
+          </p:nvPr>
+        </p:nvSpPr>
+        <p:spPr/>
+        <p:txBody>
+          <a:bodyPr anchor="ctr">
+            <a:normAutofit/>
+          </a:bodyPr>
+          <a:lstStyle/>
+          <a:p>
+            <a:r>
+              <a:rPr lang="en-US" dirty="0"/>
+              <a:t>Programming paradigm (cf. “procedural” or “functional”)</a:t>
+            </a:r>
+          </a:p>
+          <a:p>
+            <a:r>
+              <a:rPr lang="en-US" dirty="0"/>
+              <a:t>Based on the concept of “objects”</a:t>
+            </a:r>
+          </a:p>
+          <a:p>
+            <a:r>
+              <a:rPr lang="en-US" dirty="0"/>
+              <a:t>Objects contain data and procedures to do things with that data</a:t>
+            </a:r>
+          </a:p>
+          <a:p>
+            <a:r>
+              <a:rPr lang="en-US" dirty="0"/>
+              <a:t>Structure of a program is expressed in the interactions between the objects:</a:t>
+            </a:r>
+          </a:p>
+          <a:p>
+            <a:pPr lvl="1"/>
+            <a:r>
+              <a:rPr lang="en-US" dirty="0"/>
+              <a:t>“The ‘</a:t>
+            </a:r>
+            <a:r>
+              <a:rPr lang="en-US" dirty="0" err="1"/>
+              <a:t>DataPreprocessor</a:t>
+            </a:r>
+            <a:r>
+              <a:rPr lang="en-US" dirty="0"/>
+              <a:t>’ uses the ‘</a:t>
+            </a:r>
+            <a:r>
+              <a:rPr lang="en-US" dirty="0" err="1"/>
+              <a:t>FileReader</a:t>
+            </a:r>
+            <a:r>
+              <a:rPr lang="en-US" dirty="0"/>
+              <a:t>’ to import the measurements”</a:t>
+            </a:r>
+          </a:p>
+        </p:txBody>
+      </p:sp>
+      <p:sp>
+        <p:nvSpPr>
+          <p:cNvPr id="3" name="Title 2">
+            <a:extLst>
+              <a:ext uri="{FF2B5EF4-FFF2-40B4-BE49-F238E27FC236}">
+                <a16:creationId xmlns:a16="http://schemas.microsoft.com/office/drawing/2014/main" id="{5C0935C7-9A91-F8F9-B955-3560E8DE9DFA}"/>
+              </a:ext>
+            </a:extLst>
+          </p:cNvPr>
+          <p:cNvSpPr>
+            <a:spLocks noGrp="1"/>
+          </p:cNvSpPr>
+          <p:nvPr>
+            <p:ph type="title"/>
+          </p:nvPr>
+        </p:nvSpPr>
+        <p:spPr/>
+        <p:txBody>
+          <a:bodyPr>
+            <a:normAutofit fontScale="90000"/>
+          </a:bodyPr>
+          <a:lstStyle/>
+          <a:p>
+            <a:r>
+              <a:rPr lang="en-US" dirty="0">
+                <a:solidFill>
+                  <a:schemeClr val="accent6">
+                    <a:lumMod val="75000"/>
+                  </a:schemeClr>
+                </a:solidFill>
+              </a:rPr>
+              <a:t>Intro</a:t>
+            </a:r>
+            <a:br>
+              <a:rPr lang="en-US" dirty="0"/>
+            </a:br>
+            <a:r>
+              <a:rPr lang="en-US" dirty="0"/>
+              <a:t>What is Object-Oriented Programming (OOP)?</a:t>
+            </a:r>
+          </a:p>
+        </p:txBody>
+      </p:sp>
+      <p:sp>
+        <p:nvSpPr>
+          <p:cNvPr id="4" name="Footer Placeholder 3">
+            <a:extLst>
+              <a:ext uri="{FF2B5EF4-FFF2-40B4-BE49-F238E27FC236}">
+                <a16:creationId xmlns:a16="http://schemas.microsoft.com/office/drawing/2014/main" id="{0C4A958B-FDA2-F8B1-CD16-754823A5C9C0}"/>
+              </a:ext>
+            </a:extLst>
+          </p:cNvPr>
+          <p:cNvSpPr>
+            <a:spLocks noGrp="1"/>
+          </p:cNvSpPr>
+          <p:nvPr>
+            <p:ph type="ftr" sz="quarter" idx="12"/>
+          </p:nvPr>
+        </p:nvSpPr>
+        <p:spPr/>
+        <p:txBody>
+          <a:bodyPr/>
+          <a:lstStyle/>
+          <a:p>
+            <a:r>
+              <a:rPr lang="en-AU"/>
+              <a:t>Classy Code</a:t>
+            </a:r>
+            <a:endParaRPr lang="en-AU" dirty="0"/>
+          </a:p>
+        </p:txBody>
+      </p:sp>
+      <p:sp>
+        <p:nvSpPr>
+          <p:cNvPr id="5" name="Slide Number Placeholder 4">
+            <a:extLst>
+              <a:ext uri="{FF2B5EF4-FFF2-40B4-BE49-F238E27FC236}">
+                <a16:creationId xmlns:a16="http://schemas.microsoft.com/office/drawing/2014/main" id="{2C4DFBE4-4D48-F433-E072-E1FCCCBDA669}"/>
+              </a:ext>
+            </a:extLst>
+          </p:cNvPr>
+          <p:cNvSpPr>
+            <a:spLocks noGrp="1"/>
+          </p:cNvSpPr>
+          <p:nvPr>
+            <p:ph type="sldNum" sz="quarter" idx="13"/>
+          </p:nvPr>
+        </p:nvSpPr>
+        <p:spPr/>
+        <p:txBody>
+          <a:bodyPr/>
+          <a:lstStyle/>
+          <a:p>
+            <a:fld id="{E917DE0E-AFB1-41FD-BC35-27DB61CA125F}" type="slidenum">
+              <a:rPr lang="en-AU" smtClean="0"/>
+              <a:pPr/>
+              <a:t>3</a:t>
+            </a:fld>
+            <a:endParaRPr lang="en-AU" dirty="0"/>
+          </a:p>
+        </p:txBody>
+      </p:sp>
+    </p:spTree>
+    <p:extLst>
+      <p:ext uri="{BB962C8B-B14F-4D97-AF65-F5344CB8AC3E}">
+        <p14:creationId xmlns:p14="http://schemas.microsoft.com/office/powerpoint/2010/main" val="2799968488"/>
+      </p:ext>
+    </p:extLst>
+  </p:cSld>
+  <p:clrMapOvr>
+    <a:masterClrMapping/>
+  </p:clrMapOvr>
+  <mc:AlternateContent xmlns:mc="http://schemas.openxmlformats.org/markup-compatibility/2006" xmlns:p14="http://schemas.microsoft.com/office/powerpoint/2010/main">
+    <mc:Choice Requires="p14">
+      <p:transition spd="med" p14:dur="700">
+        <p:fade/>
+      </p:transition>
+    </mc:Choice>
+    <mc:Fallback xmlns="">
+      <p:transition spd="med">
+        <p:fade/>
+      </p:transition>
+    </mc:Fallback>
+  </mc:AlternateContent>
+  <p:timing>
+    <p:tnLst>
+      <p:par>
+        <p:cTn id="1" dur="indefinite" restart="never" nodeType="tmRoot">
+          <p:childTnLst>
+            <p:seq concurrent="1" nextAc="seek">
+              <p:cTn id="2" dur="indefinite" nodeType="mainSeq">
+                <p:childTnLst>
+                  <p:par>
+                    <p:cTn id="3" fill="hold">
+                      <p:stCondLst>
+                        <p:cond delay="indefinite"/>
+                      </p:stCondLst>
+                      <p:childTnLst>
+                        <p:par>
+                          <p:cTn id="4" fill="hold">
+                            <p:stCondLst>
+                              <p:cond delay="0"/>
+                            </p:stCondLst>
+                            <p:childTnLst>
+                              <p:par>
+                                <p:cTn id="5" presetID="10" presetClass="entr" presetSubtype="0" fill="hold" grpId="0" nodeType="clickEffect">
+                                  <p:stCondLst>
+                                    <p:cond delay="0"/>
+                                  </p:stCondLst>
+                                  <p:childTnLst>
+                                    <p:set>
+                                      <p:cBhvr>
+                                        <p:cTn id="6" dur="1" fill="hold">
+                                          <p:stCondLst>
+                                            <p:cond delay="0"/>
+                                          </p:stCondLst>
+                                        </p:cTn>
+                                        <p:tgtEl>
+                                          <p:spTgt spid="2">
+                                            <p:txEl>
+                                              <p:pRg st="0" end="0"/>
+                                            </p:txEl>
+                                          </p:spTgt>
+                                        </p:tgtEl>
+                                        <p:attrNameLst>
+                                          <p:attrName>style.visibility</p:attrName>
+                                        </p:attrNameLst>
+                                      </p:cBhvr>
+                                      <p:to>
+                                        <p:strVal val="visible"/>
+                                      </p:to>
+                                    </p:set>
+                                    <p:animEffect transition="in" filter="fade">
+                                      <p:cBhvr>
+                                        <p:cTn id="7" dur="500"/>
+                                        <p:tgtEl>
+                                          <p:spTgt spid="2">
+                                            <p:txEl>
+                                              <p:pRg st="0" end="0"/>
+                                            </p:txEl>
+                                          </p:spTgt>
+                                        </p:tgtEl>
+                                      </p:cBhvr>
+                                    </p:animEffect>
+                                  </p:childTnLst>
+                                </p:cTn>
+                              </p:par>
+                            </p:childTnLst>
+                          </p:cTn>
+                        </p:par>
+                      </p:childTnLst>
+                    </p:cTn>
+                  </p:par>
+                  <p:par>
+                    <p:cTn id="8" fill="hold">
+                      <p:stCondLst>
+                        <p:cond delay="indefinite"/>
+                      </p:stCondLst>
+                      <p:childTnLst>
+                        <p:par>
+                          <p:cTn id="9" fill="hold">
+                            <p:stCondLst>
+                              <p:cond delay="0"/>
+                            </p:stCondLst>
+                            <p:childTnLst>
+                              <p:par>
+                                <p:cTn id="10" presetID="10" presetClass="entr" presetSubtype="0" fill="hold" grpId="0" nodeType="clickEffect">
+                                  <p:stCondLst>
+                                    <p:cond delay="0"/>
+                                  </p:stCondLst>
+                                  <p:childTnLst>
+                                    <p:set>
+                                      <p:cBhvr>
+                                        <p:cTn id="11" dur="1" fill="hold">
+                                          <p:stCondLst>
+                                            <p:cond delay="0"/>
+                                          </p:stCondLst>
+                                        </p:cTn>
+                                        <p:tgtEl>
+                                          <p:spTgt spid="2">
+                                            <p:txEl>
+                                              <p:pRg st="1" end="1"/>
+                                            </p:txEl>
+                                          </p:spTgt>
+                                        </p:tgtEl>
+                                        <p:attrNameLst>
+                                          <p:attrName>style.visibility</p:attrName>
+                                        </p:attrNameLst>
+                                      </p:cBhvr>
+                                      <p:to>
+                                        <p:strVal val="visible"/>
+                                      </p:to>
+                                    </p:set>
+                                    <p:animEffect transition="in" filter="fade">
+                                      <p:cBhvr>
+                                        <p:cTn id="12" dur="500"/>
+                                        <p:tgtEl>
+                                          <p:spTgt spid="2">
+                                            <p:txEl>
+                                              <p:pRg st="1" end="1"/>
+                                            </p:txEl>
+                                          </p:spTgt>
+                                        </p:tgtEl>
+                                      </p:cBhvr>
+                                    </p:animEffect>
+                                  </p:childTnLst>
+                                </p:cTn>
+                              </p:par>
+                            </p:childTnLst>
+                          </p:cTn>
+                        </p:par>
+                      </p:childTnLst>
+                    </p:cTn>
+                  </p:par>
+                  <p:par>
+                    <p:cTn id="13" fill="hold">
+                      <p:stCondLst>
+                        <p:cond delay="indefinite"/>
+                      </p:stCondLst>
+                      <p:childTnLst>
+                        <p:par>
+                          <p:cTn id="14" fill="hold">
+                            <p:stCondLst>
+                              <p:cond delay="0"/>
+                            </p:stCondLst>
+                            <p:childTnLst>
+                              <p:par>
+                                <p:cTn id="15" presetID="10" presetClass="entr" presetSubtype="0" fill="hold" grpId="0" nodeType="clickEffect">
+                                  <p:stCondLst>
+                                    <p:cond delay="0"/>
+                                  </p:stCondLst>
+                                  <p:childTnLst>
+                                    <p:set>
+                                      <p:cBhvr>
+                                        <p:cTn id="16" dur="1" fill="hold">
+                                          <p:stCondLst>
+                                            <p:cond delay="0"/>
+                                          </p:stCondLst>
+                                        </p:cTn>
+                                        <p:tgtEl>
+                                          <p:spTgt spid="2">
+                                            <p:txEl>
+                                              <p:pRg st="2" end="2"/>
+                                            </p:txEl>
+                                          </p:spTgt>
+                                        </p:tgtEl>
+                                        <p:attrNameLst>
+                                          <p:attrName>style.visibility</p:attrName>
+                                        </p:attrNameLst>
+                                      </p:cBhvr>
+                                      <p:to>
+                                        <p:strVal val="visible"/>
+                                      </p:to>
+                                    </p:set>
+                                    <p:animEffect transition="in" filter="fade">
+                                      <p:cBhvr>
+                                        <p:cTn id="17" dur="500"/>
+                                        <p:tgtEl>
+                                          <p:spTgt spid="2">
+                                            <p:txEl>
+                                              <p:pRg st="2" end="2"/>
+                                            </p:txEl>
+                                          </p:spTgt>
+                                        </p:tgtEl>
+                                      </p:cBhvr>
+                                    </p:animEffect>
+                                  </p:childTnLst>
+                                </p:cTn>
+                              </p:par>
+                            </p:childTnLst>
+                          </p:cTn>
+                        </p:par>
+                      </p:childTnLst>
+                    </p:cTn>
+                  </p:par>
+                  <p:par>
+                    <p:cTn id="18" fill="hold">
+                      <p:stCondLst>
+                        <p:cond delay="indefinite"/>
+                      </p:stCondLst>
+                      <p:childTnLst>
+                        <p:par>
+                          <p:cTn id="19" fill="hold">
+                            <p:stCondLst>
+                              <p:cond delay="0"/>
+                            </p:stCondLst>
+                            <p:childTnLst>
+                              <p:par>
+                                <p:cTn id="20" presetID="10" presetClass="entr" presetSubtype="0" fill="hold" grpId="0" nodeType="clickEffect">
+                                  <p:stCondLst>
+                                    <p:cond delay="0"/>
+                                  </p:stCondLst>
+                                  <p:childTnLst>
+                                    <p:set>
+                                      <p:cBhvr>
+                                        <p:cTn id="21" dur="1" fill="hold">
+                                          <p:stCondLst>
+                                            <p:cond delay="0"/>
+                                          </p:stCondLst>
+                                        </p:cTn>
+                                        <p:tgtEl>
+                                          <p:spTgt spid="2">
+                                            <p:txEl>
+                                              <p:pRg st="3" end="3"/>
+                                            </p:txEl>
+                                          </p:spTgt>
+                                        </p:tgtEl>
+                                        <p:attrNameLst>
+                                          <p:attrName>style.visibility</p:attrName>
+                                        </p:attrNameLst>
+                                      </p:cBhvr>
+                                      <p:to>
+                                        <p:strVal val="visible"/>
+                                      </p:to>
+                                    </p:set>
+                                    <p:animEffect transition="in" filter="fade">
+                                      <p:cBhvr>
+                                        <p:cTn id="22" dur="500"/>
+                                        <p:tgtEl>
+                                          <p:spTgt spid="2">
+                                            <p:txEl>
+                                              <p:pRg st="3" end="3"/>
+                                            </p:txEl>
+                                          </p:spTgt>
+                                        </p:tgtEl>
+                                      </p:cBhvr>
+                                    </p:animEffect>
+                                  </p:childTnLst>
+                                </p:cTn>
+                              </p:par>
+                              <p:par>
+                                <p:cTn id="23" presetID="10" presetClass="entr" presetSubtype="0" fill="hold" grpId="0" nodeType="withEffect">
+                                  <p:stCondLst>
+                                    <p:cond delay="0"/>
+                                  </p:stCondLst>
+                                  <p:childTnLst>
+                                    <p:set>
+                                      <p:cBhvr>
+                                        <p:cTn id="24" dur="1" fill="hold">
+                                          <p:stCondLst>
+                                            <p:cond delay="0"/>
+                                          </p:stCondLst>
+                                        </p:cTn>
+                                        <p:tgtEl>
+                                          <p:spTgt spid="2">
+                                            <p:txEl>
+                                              <p:pRg st="4" end="4"/>
+                                            </p:txEl>
+                                          </p:spTgt>
+                                        </p:tgtEl>
+                                        <p:attrNameLst>
+                                          <p:attrName>style.visibility</p:attrName>
+                                        </p:attrNameLst>
+                                      </p:cBhvr>
+                                      <p:to>
+                                        <p:strVal val="visible"/>
+                                      </p:to>
+                                    </p:set>
+                                    <p:animEffect transition="in" filter="fade">
+                                      <p:cBhvr>
+                                        <p:cTn id="25" dur="500"/>
+                                        <p:tgtEl>
+                                          <p:spTgt spid="2">
+                                            <p:txEl>
+                                              <p:pRg st="4" end="4"/>
+                                            </p:txEl>
+                                          </p:spTgt>
+                                        </p:tgtEl>
+                                      </p:cBhvr>
+                                    </p:animEffect>
+                                  </p:childTnLst>
+                                </p:cTn>
+                              </p:par>
+                            </p:childTnLst>
+                          </p:cTn>
+                        </p:par>
+                      </p:childTnLst>
+                    </p:cTn>
+                  </p:par>
+                </p:childTnLst>
+              </p:cTn>
+              <p:prevCondLst>
+                <p:cond evt="onPrev" delay="0">
+                  <p:tgtEl>
+                    <p:sldTgt/>
+                  </p:tgtEl>
+                </p:cond>
+              </p:prevCondLst>
+              <p:nextCondLst>
+                <p:cond evt="onNext" delay="0">
+                  <p:tgtEl>
+                    <p:sldTgt/>
+                  </p:tgtEl>
+                </p:cond>
+              </p:nextCondLst>
+            </p:seq>
+          </p:childTnLst>
+        </p:cTn>
+      </p:par>
+    </p:tnLst>
+    <p:bldLst>
+      <p:bldP spid="2" grpId="0" build="p"/>
+    </p:bldLst>
+  </p:timing>
+</p:sld>
+</file>
+
+<file path=ppt/slides/slide4.xml><?xml version="1.0" encoding="utf-8"?>
+<p:sld xmlns:a="http://schemas.openxmlformats.org/drawingml/2006/main" xmlns:r="http://schemas.openxmlformats.org/officeDocument/2006/relationships" xmlns:p="http://schemas.openxmlformats.org/presentationml/2006/main">
+  <p:cSld>
+    <p:spTree>
+      <p:nvGrpSpPr>
+        <p:cNvPr id="1" name=""/>
+        <p:cNvGrpSpPr/>
+        <p:nvPr/>
+      </p:nvGrpSpPr>
+      <p:grpSpPr>
+        <a:xfrm>
+          <a:off x="0" y="0"/>
+          <a:ext cx="0" cy="0"/>
+          <a:chOff x="0" y="0"/>
+          <a:chExt cx="0" cy="0"/>
+        </a:xfrm>
+      </p:grpSpPr>
+      <p:sp>
+        <p:nvSpPr>
+          <p:cNvPr id="2" name="Content Placeholder 1">
+            <a:extLst>
+              <a:ext uri="{FF2B5EF4-FFF2-40B4-BE49-F238E27FC236}">
+                <a16:creationId xmlns:a16="http://schemas.microsoft.com/office/drawing/2014/main" id="{2202ED9A-C8B6-432D-0DEC-A527D02AB679}"/>
+              </a:ext>
+            </a:extLst>
+          </p:cNvPr>
+          <p:cNvSpPr>
+            <a:spLocks noGrp="1"/>
+          </p:cNvSpPr>
+          <p:nvPr>
+            <p:ph sz="quarter" idx="11"/>
+          </p:nvPr>
+        </p:nvSpPr>
+        <p:spPr/>
+        <p:txBody>
+          <a:bodyPr anchor="ctr">
+            <a:normAutofit/>
+          </a:bodyPr>
+          <a:lstStyle/>
+          <a:p>
+            <a:pPr marL="0" indent="0">
+              <a:buNone/>
+            </a:pPr>
+            <a:r>
+              <a:rPr lang="en-US" dirty="0"/>
+              <a:t>OOP can help to increase:</a:t>
+            </a:r>
+          </a:p>
+          <a:p>
+            <a:pPr marL="457200" indent="-457200"/>
+            <a:r>
+              <a:rPr lang="en-US" dirty="0"/>
+              <a:t>Modularity of code for easier testing and troubleshooting</a:t>
+            </a:r>
+          </a:p>
+          <a:p>
+            <a:pPr marL="457200" indent="-457200"/>
+            <a:r>
+              <a:rPr lang="en-US" dirty="0"/>
+              <a:t>Reuse of code within and across projects</a:t>
+            </a:r>
+          </a:p>
+          <a:p>
+            <a:pPr marL="457200" indent="-457200"/>
+            <a:r>
+              <a:rPr lang="en-US" dirty="0"/>
+              <a:t>Expressiveness of the code by using real-world analogies</a:t>
+            </a:r>
+          </a:p>
+          <a:p>
+            <a:pPr marL="457200" indent="-457200"/>
+            <a:r>
+              <a:rPr lang="en-US" dirty="0"/>
+              <a:t>The portability of code between platforms or languages</a:t>
+            </a:r>
+          </a:p>
+        </p:txBody>
+      </p:sp>
+      <p:sp>
+        <p:nvSpPr>
+          <p:cNvPr id="3" name="Title 2">
+            <a:extLst>
+              <a:ext uri="{FF2B5EF4-FFF2-40B4-BE49-F238E27FC236}">
+                <a16:creationId xmlns:a16="http://schemas.microsoft.com/office/drawing/2014/main" id="{5C0935C7-9A91-F8F9-B955-3560E8DE9DFA}"/>
+              </a:ext>
+            </a:extLst>
+          </p:cNvPr>
+          <p:cNvSpPr>
+            <a:spLocks noGrp="1"/>
+          </p:cNvSpPr>
+          <p:nvPr>
+            <p:ph type="title"/>
+          </p:nvPr>
+        </p:nvSpPr>
+        <p:spPr/>
+        <p:txBody>
+          <a:bodyPr>
+            <a:normAutofit fontScale="90000"/>
+          </a:bodyPr>
+          <a:lstStyle/>
+          <a:p>
+            <a:r>
+              <a:rPr lang="en-US" dirty="0">
+                <a:solidFill>
+                  <a:schemeClr val="accent6">
+                    <a:lumMod val="75000"/>
+                  </a:schemeClr>
+                </a:solidFill>
+              </a:rPr>
+              <a:t>Intro</a:t>
+            </a:r>
+            <a:br>
+              <a:rPr lang="en-US" dirty="0"/>
+            </a:br>
+            <a:r>
+              <a:rPr lang="en-US" dirty="0"/>
+              <a:t>Why bother?</a:t>
+            </a:r>
+          </a:p>
+        </p:txBody>
+      </p:sp>
+      <p:sp>
+        <p:nvSpPr>
+          <p:cNvPr id="4" name="Footer Placeholder 3">
+            <a:extLst>
+              <a:ext uri="{FF2B5EF4-FFF2-40B4-BE49-F238E27FC236}">
+                <a16:creationId xmlns:a16="http://schemas.microsoft.com/office/drawing/2014/main" id="{0C4A958B-FDA2-F8B1-CD16-754823A5C9C0}"/>
+              </a:ext>
+            </a:extLst>
+          </p:cNvPr>
+          <p:cNvSpPr>
+            <a:spLocks noGrp="1"/>
+          </p:cNvSpPr>
+          <p:nvPr>
+            <p:ph type="ftr" sz="quarter" idx="12"/>
+          </p:nvPr>
+        </p:nvSpPr>
+        <p:spPr/>
+        <p:txBody>
+          <a:bodyPr/>
+          <a:lstStyle/>
+          <a:p>
+            <a:r>
+              <a:rPr lang="en-AU"/>
+              <a:t>Classy Code</a:t>
+            </a:r>
+            <a:endParaRPr lang="en-AU" dirty="0"/>
+          </a:p>
+        </p:txBody>
+      </p:sp>
+      <p:sp>
+        <p:nvSpPr>
+          <p:cNvPr id="5" name="Slide Number Placeholder 4">
+            <a:extLst>
+              <a:ext uri="{FF2B5EF4-FFF2-40B4-BE49-F238E27FC236}">
+                <a16:creationId xmlns:a16="http://schemas.microsoft.com/office/drawing/2014/main" id="{2C4DFBE4-4D48-F433-E072-E1FCCCBDA669}"/>
+              </a:ext>
+            </a:extLst>
+          </p:cNvPr>
+          <p:cNvSpPr>
+            <a:spLocks noGrp="1"/>
+          </p:cNvSpPr>
+          <p:nvPr>
+            <p:ph type="sldNum" sz="quarter" idx="13"/>
+          </p:nvPr>
+        </p:nvSpPr>
+        <p:spPr/>
+        <p:txBody>
+          <a:bodyPr/>
+          <a:lstStyle/>
+          <a:p>
+            <a:fld id="{E917DE0E-AFB1-41FD-BC35-27DB61CA125F}" type="slidenum">
+              <a:rPr lang="en-AU" smtClean="0"/>
+              <a:pPr/>
+              <a:t>4</a:t>
+            </a:fld>
+            <a:endParaRPr lang="en-AU" dirty="0"/>
+          </a:p>
+        </p:txBody>
+      </p:sp>
+    </p:spTree>
+    <p:extLst>
+      <p:ext uri="{BB962C8B-B14F-4D97-AF65-F5344CB8AC3E}">
+        <p14:creationId xmlns:p14="http://schemas.microsoft.com/office/powerpoint/2010/main" val="2910938781"/>
+      </p:ext>
+    </p:extLst>
+  </p:cSld>
+  <p:clrMapOvr>
+    <a:masterClrMapping/>
+  </p:clrMapOvr>
+  <mc:AlternateContent xmlns:mc="http://schemas.openxmlformats.org/markup-compatibility/2006" xmlns:p14="http://schemas.microsoft.com/office/powerpoint/2010/main">
+    <mc:Choice Requires="p14">
+      <p:transition spd="med" p14:dur="700">
+        <p:fade/>
+      </p:transition>
+    </mc:Choice>
+    <mc:Fallback xmlns="">
+      <p:transition spd="med">
+        <p:fade/>
+      </p:transition>
+    </mc:Fallback>
+  </mc:AlternateContent>
+  <p:timing>
+    <p:tnLst>
+      <p:par>
+        <p:cTn id="1" dur="indefinite" restart="never" nodeType="tmRoot">
+          <p:childTnLst>
+            <p:seq concurrent="1" nextAc="seek">
+              <p:cTn id="2" dur="indefinite" nodeType="mainSeq">
+                <p:childTnLst>
+                  <p:par>
+                    <p:cTn id="3" fill="hold">
+                      <p:stCondLst>
+                        <p:cond delay="indefinite"/>
+                      </p:stCondLst>
+                      <p:childTnLst>
+                        <p:par>
+                          <p:cTn id="4" fill="hold">
+                            <p:stCondLst>
+                              <p:cond delay="0"/>
+                            </p:stCondLst>
+                            <p:childTnLst>
+                              <p:par>
+                                <p:cTn id="5" presetID="10" presetClass="entr" presetSubtype="0" fill="hold" grpId="0" nodeType="clickEffect">
+                                  <p:stCondLst>
+                                    <p:cond delay="0"/>
+                                  </p:stCondLst>
+                                  <p:childTnLst>
+                                    <p:set>
+                                      <p:cBhvr>
+                                        <p:cTn id="6" dur="1" fill="hold">
+                                          <p:stCondLst>
+                                            <p:cond delay="0"/>
+                                          </p:stCondLst>
+                                        </p:cTn>
+                                        <p:tgtEl>
+                                          <p:spTgt spid="2">
+                                            <p:txEl>
+                                              <p:pRg st="0" end="0"/>
+                                            </p:txEl>
+                                          </p:spTgt>
+                                        </p:tgtEl>
+                                        <p:attrNameLst>
+                                          <p:attrName>style.visibility</p:attrName>
+                                        </p:attrNameLst>
+                                      </p:cBhvr>
+                                      <p:to>
+                                        <p:strVal val="visible"/>
+                                      </p:to>
+                                    </p:set>
+                                    <p:animEffect transition="in" filter="fade">
+                                      <p:cBhvr>
+                                        <p:cTn id="7" dur="500"/>
+                                        <p:tgtEl>
+                                          <p:spTgt spid="2">
+                                            <p:txEl>
+                                              <p:pRg st="0" end="0"/>
+                                            </p:txEl>
+                                          </p:spTgt>
+                                        </p:tgtEl>
+                                      </p:cBhvr>
+                                    </p:animEffect>
+                                  </p:childTnLst>
+                                </p:cTn>
+                              </p:par>
+                            </p:childTnLst>
+                          </p:cTn>
+                        </p:par>
+                      </p:childTnLst>
+                    </p:cTn>
+                  </p:par>
+                  <p:par>
+                    <p:cTn id="8" fill="hold">
+                      <p:stCondLst>
+                        <p:cond delay="indefinite"/>
+                      </p:stCondLst>
+                      <p:childTnLst>
+                        <p:par>
+                          <p:cTn id="9" fill="hold">
+                            <p:stCondLst>
+                              <p:cond delay="0"/>
+                            </p:stCondLst>
+                            <p:childTnLst>
+                              <p:par>
+                                <p:cTn id="10" presetID="10" presetClass="entr" presetSubtype="0" fill="hold" grpId="0" nodeType="clickEffect">
+                                  <p:stCondLst>
+                                    <p:cond delay="0"/>
+                                  </p:stCondLst>
+                                  <p:childTnLst>
+                                    <p:set>
+                                      <p:cBhvr>
+                                        <p:cTn id="11" dur="1" fill="hold">
+                                          <p:stCondLst>
+                                            <p:cond delay="0"/>
+                                          </p:stCondLst>
+                                        </p:cTn>
+                                        <p:tgtEl>
+                                          <p:spTgt spid="2">
+                                            <p:txEl>
+                                              <p:pRg st="1" end="1"/>
+                                            </p:txEl>
+                                          </p:spTgt>
+                                        </p:tgtEl>
+                                        <p:attrNameLst>
+                                          <p:attrName>style.visibility</p:attrName>
+                                        </p:attrNameLst>
+                                      </p:cBhvr>
+                                      <p:to>
+                                        <p:strVal val="visible"/>
+                                      </p:to>
+                                    </p:set>
+                                    <p:animEffect transition="in" filter="fade">
+                                      <p:cBhvr>
+                                        <p:cTn id="12" dur="500"/>
+                                        <p:tgtEl>
+                                          <p:spTgt spid="2">
+                                            <p:txEl>
+                                              <p:pRg st="1" end="1"/>
+                                            </p:txEl>
+                                          </p:spTgt>
+                                        </p:tgtEl>
+                                      </p:cBhvr>
+                                    </p:animEffect>
+                                  </p:childTnLst>
+                                </p:cTn>
+                              </p:par>
+                            </p:childTnLst>
+                          </p:cTn>
+                        </p:par>
+                      </p:childTnLst>
+                    </p:cTn>
+                  </p:par>
+                  <p:par>
+                    <p:cTn id="13" fill="hold">
+                      <p:stCondLst>
+                        <p:cond delay="indefinite"/>
+                      </p:stCondLst>
+                      <p:childTnLst>
+                        <p:par>
+                          <p:cTn id="14" fill="hold">
+                            <p:stCondLst>
+                              <p:cond delay="0"/>
+                            </p:stCondLst>
+                            <p:childTnLst>
+                              <p:par>
+                                <p:cTn id="15" presetID="10" presetClass="entr" presetSubtype="0" fill="hold" grpId="0" nodeType="clickEffect">
+                                  <p:stCondLst>
+                                    <p:cond delay="0"/>
+                                  </p:stCondLst>
+                                  <p:childTnLst>
+                                    <p:set>
+                                      <p:cBhvr>
+                                        <p:cTn id="16" dur="1" fill="hold">
+                                          <p:stCondLst>
+                                            <p:cond delay="0"/>
+                                          </p:stCondLst>
+                                        </p:cTn>
+                                        <p:tgtEl>
+                                          <p:spTgt spid="2">
+                                            <p:txEl>
+                                              <p:pRg st="2" end="2"/>
+                                            </p:txEl>
+                                          </p:spTgt>
+                                        </p:tgtEl>
+                                        <p:attrNameLst>
+                                          <p:attrName>style.visibility</p:attrName>
+                                        </p:attrNameLst>
+                                      </p:cBhvr>
+                                      <p:to>
+                                        <p:strVal val="visible"/>
+                                      </p:to>
+                                    </p:set>
+                                    <p:animEffect transition="in" filter="fade">
+                                      <p:cBhvr>
+                                        <p:cTn id="17" dur="500"/>
+                                        <p:tgtEl>
+                                          <p:spTgt spid="2">
+                                            <p:txEl>
+                                              <p:pRg st="2" end="2"/>
+                                            </p:txEl>
+                                          </p:spTgt>
+                                        </p:tgtEl>
+                                      </p:cBhvr>
+                                    </p:animEffect>
+                                  </p:childTnLst>
+                                </p:cTn>
+                              </p:par>
+                            </p:childTnLst>
+                          </p:cTn>
+                        </p:par>
+                      </p:childTnLst>
+                    </p:cTn>
+                  </p:par>
+                  <p:par>
+                    <p:cTn id="18" fill="hold">
+                      <p:stCondLst>
+                        <p:cond delay="indefinite"/>
+                      </p:stCondLst>
+                      <p:childTnLst>
+                        <p:par>
+                          <p:cTn id="19" fill="hold">
+                            <p:stCondLst>
+                              <p:cond delay="0"/>
+                            </p:stCondLst>
+                            <p:childTnLst>
+                              <p:par>
+                                <p:cTn id="20" presetID="10" presetClass="entr" presetSubtype="0" fill="hold" grpId="0" nodeType="clickEffect">
+                                  <p:stCondLst>
+                                    <p:cond delay="0"/>
+                                  </p:stCondLst>
+                                  <p:childTnLst>
+                                    <p:set>
+                                      <p:cBhvr>
+                                        <p:cTn id="21" dur="1" fill="hold">
+                                          <p:stCondLst>
+                                            <p:cond delay="0"/>
+                                          </p:stCondLst>
+                                        </p:cTn>
+                                        <p:tgtEl>
+                                          <p:spTgt spid="2">
+                                            <p:txEl>
+                                              <p:pRg st="3" end="3"/>
+                                            </p:txEl>
+                                          </p:spTgt>
+                                        </p:tgtEl>
+                                        <p:attrNameLst>
+                                          <p:attrName>style.visibility</p:attrName>
+                                        </p:attrNameLst>
+                                      </p:cBhvr>
+                                      <p:to>
+                                        <p:strVal val="visible"/>
+                                      </p:to>
+                                    </p:set>
+                                    <p:animEffect transition="in" filter="fade">
+                                      <p:cBhvr>
+                                        <p:cTn id="22" dur="500"/>
+                                        <p:tgtEl>
+                                          <p:spTgt spid="2">
+                                            <p:txEl>
+                                              <p:pRg st="3" end="3"/>
+                                            </p:txEl>
+                                          </p:spTgt>
+                                        </p:tgtEl>
+                                      </p:cBhvr>
+                                    </p:animEffect>
+                                  </p:childTnLst>
+                                </p:cTn>
+                              </p:par>
+                            </p:childTnLst>
+                          </p:cTn>
+                        </p:par>
+                      </p:childTnLst>
+                    </p:cTn>
+                  </p:par>
+                  <p:par>
+                    <p:cTn id="23" fill="hold">
+                      <p:stCondLst>
+                        <p:cond delay="indefinite"/>
+                      </p:stCondLst>
+                      <p:childTnLst>
+                        <p:par>
+                          <p:cTn id="24" fill="hold">
+                            <p:stCondLst>
+                              <p:cond delay="0"/>
+                            </p:stCondLst>
+                            <p:childTnLst>
+                              <p:par>
+                                <p:cTn id="25" presetID="10" presetClass="entr" presetSubtype="0" fill="hold" grpId="0" nodeType="clickEffect">
+                                  <p:stCondLst>
+                                    <p:cond delay="0"/>
+                                  </p:stCondLst>
+                                  <p:childTnLst>
+                                    <p:set>
+                                      <p:cBhvr>
+                                        <p:cTn id="26" dur="1" fill="hold">
+                                          <p:stCondLst>
+                                            <p:cond delay="0"/>
+                                          </p:stCondLst>
+                                        </p:cTn>
+                                        <p:tgtEl>
+                                          <p:spTgt spid="2">
+                                            <p:txEl>
+                                              <p:pRg st="4" end="4"/>
+                                            </p:txEl>
+                                          </p:spTgt>
+                                        </p:tgtEl>
+                                        <p:attrNameLst>
+                                          <p:attrName>style.visibility</p:attrName>
+                                        </p:attrNameLst>
+                                      </p:cBhvr>
+                                      <p:to>
+                                        <p:strVal val="visible"/>
+                                      </p:to>
+                                    </p:set>
+                                    <p:animEffect transition="in" filter="fade">
+                                      <p:cBhvr>
+                                        <p:cTn id="27" dur="500"/>
+                                        <p:tgtEl>
+                                          <p:spTgt spid="2">
+                                            <p:txEl>
+                                              <p:pRg st="4" end="4"/>
+                                            </p:txEl>
+                                          </p:spTgt>
+                                        </p:tgtEl>
+                                      </p:cBhvr>
+                                    </p:animEffect>
+                                  </p:childTnLst>
+                                </p:cTn>
+                              </p:par>
+                            </p:childTnLst>
+                          </p:cTn>
+                        </p:par>
+                      </p:childTnLst>
+                    </p:cTn>
+                  </p:par>
+                </p:childTnLst>
+              </p:cTn>
+              <p:prevCondLst>
+                <p:cond evt="onPrev" delay="0">
+                  <p:tgtEl>
+                    <p:sldTgt/>
+                  </p:tgtEl>
+                </p:cond>
+              </p:prevCondLst>
+              <p:nextCondLst>
+                <p:cond evt="onNext" delay="0">
+                  <p:tgtEl>
+                    <p:sldTgt/>
+                  </p:tgtEl>
+                </p:cond>
+              </p:nextCondLst>
+            </p:seq>
+          </p:childTnLst>
+        </p:cTn>
+      </p:par>
+    </p:tnLst>
+    <p:bldLst>
+      <p:bldP spid="2" grpId="0" build="p"/>
+    </p:bldLst>
+  </p:timing>
+</p:sld>
+</file>
+
+<file path=ppt/slides/slide5.xml><?xml version="1.0" encoding="utf-8"?>
+<p:sld xmlns:a="http://schemas.openxmlformats.org/drawingml/2006/main" xmlns:r="http://schemas.openxmlformats.org/officeDocument/2006/relationships" xmlns:p="http://schemas.openxmlformats.org/presentationml/2006/main">
+  <p:cSld>
+    <p:spTree>
+      <p:nvGrpSpPr>
+        <p:cNvPr id="1" name=""/>
+        <p:cNvGrpSpPr/>
+        <p:nvPr/>
+      </p:nvGrpSpPr>
+      <p:grpSpPr>
+        <a:xfrm>
+          <a:off x="0" y="0"/>
+          <a:ext cx="0" cy="0"/>
+          <a:chOff x="0" y="0"/>
+          <a:chExt cx="0" cy="0"/>
+        </a:xfrm>
+      </p:grpSpPr>
+      <p:sp>
+        <p:nvSpPr>
+          <p:cNvPr id="2" name="Content Placeholder 1">
+            <a:extLst>
+              <a:ext uri="{FF2B5EF4-FFF2-40B4-BE49-F238E27FC236}">
+                <a16:creationId xmlns:a16="http://schemas.microsoft.com/office/drawing/2014/main" id="{2202ED9A-C8B6-432D-0DEC-A527D02AB679}"/>
+              </a:ext>
+            </a:extLst>
+          </p:cNvPr>
+          <p:cNvSpPr>
+            <a:spLocks noGrp="1"/>
+          </p:cNvSpPr>
+          <p:nvPr>
+            <p:ph sz="quarter" idx="11"/>
+          </p:nvPr>
+        </p:nvSpPr>
+        <p:spPr/>
+        <p:txBody>
+          <a:bodyPr anchor="ctr">
+            <a:normAutofit/>
+          </a:bodyPr>
+          <a:lstStyle/>
+          <a:p>
+            <a:pPr marL="0" indent="0">
+              <a:buNone/>
+            </a:pPr>
+            <a:r>
+              <a:rPr lang="en-US" dirty="0"/>
+              <a:t>Most modern programming languages offer some form of support for OOP in addition to other paradigms (</a:t>
+            </a:r>
+            <a:r>
+              <a:rPr lang="en-US" i="1" dirty="0"/>
+              <a:t>multi-paradigm</a:t>
+            </a:r>
+            <a:r>
+              <a:rPr lang="en-US" dirty="0"/>
+              <a:t>):</a:t>
+            </a:r>
+          </a:p>
+          <a:p>
+            <a:pPr marL="457200" indent="-457200"/>
+            <a:r>
+              <a:rPr lang="en-US" dirty="0"/>
+              <a:t>C++, C#, Java, JavaScript, MATLAB, PHP, Python, R, Swift, …</a:t>
+            </a:r>
+          </a:p>
+          <a:p>
+            <a:pPr marL="0" indent="0">
+              <a:buNone/>
+            </a:pPr>
+            <a:endParaRPr lang="en-US" dirty="0"/>
+          </a:p>
+          <a:p>
+            <a:pPr marL="0" indent="0">
+              <a:buNone/>
+            </a:pPr>
+            <a:r>
+              <a:rPr lang="en-US" dirty="0"/>
+              <a:t>Even if you are not going to use OOP yourself, the frameworks you use probably do!</a:t>
+            </a:r>
+          </a:p>
+        </p:txBody>
+      </p:sp>
+      <p:sp>
+        <p:nvSpPr>
+          <p:cNvPr id="3" name="Title 2">
+            <a:extLst>
+              <a:ext uri="{FF2B5EF4-FFF2-40B4-BE49-F238E27FC236}">
+                <a16:creationId xmlns:a16="http://schemas.microsoft.com/office/drawing/2014/main" id="{5C0935C7-9A91-F8F9-B955-3560E8DE9DFA}"/>
+              </a:ext>
+            </a:extLst>
+          </p:cNvPr>
+          <p:cNvSpPr>
+            <a:spLocks noGrp="1"/>
+          </p:cNvSpPr>
+          <p:nvPr>
+            <p:ph type="title"/>
+          </p:nvPr>
+        </p:nvSpPr>
+        <p:spPr/>
+        <p:txBody>
+          <a:bodyPr>
+            <a:normAutofit fontScale="90000"/>
+          </a:bodyPr>
+          <a:lstStyle/>
+          <a:p>
+            <a:r>
+              <a:rPr lang="en-US" dirty="0">
+                <a:solidFill>
+                  <a:schemeClr val="accent6">
+                    <a:lumMod val="75000"/>
+                  </a:schemeClr>
+                </a:solidFill>
+              </a:rPr>
+              <a:t>Intro</a:t>
+            </a:r>
+            <a:br>
+              <a:rPr lang="en-US" dirty="0"/>
+            </a:br>
+            <a:r>
+              <a:rPr lang="en-US" dirty="0"/>
+              <a:t>Where can I do OOP?</a:t>
+            </a:r>
+          </a:p>
+        </p:txBody>
+      </p:sp>
+      <p:sp>
+        <p:nvSpPr>
+          <p:cNvPr id="4" name="Footer Placeholder 3">
+            <a:extLst>
+              <a:ext uri="{FF2B5EF4-FFF2-40B4-BE49-F238E27FC236}">
+                <a16:creationId xmlns:a16="http://schemas.microsoft.com/office/drawing/2014/main" id="{0C4A958B-FDA2-F8B1-CD16-754823A5C9C0}"/>
+              </a:ext>
+            </a:extLst>
+          </p:cNvPr>
+          <p:cNvSpPr>
+            <a:spLocks noGrp="1"/>
+          </p:cNvSpPr>
+          <p:nvPr>
+            <p:ph type="ftr" sz="quarter" idx="12"/>
+          </p:nvPr>
+        </p:nvSpPr>
+        <p:spPr/>
+        <p:txBody>
+          <a:bodyPr/>
+          <a:lstStyle/>
+          <a:p>
+            <a:r>
+              <a:rPr lang="en-AU"/>
+              <a:t>Classy Code</a:t>
+            </a:r>
+            <a:endParaRPr lang="en-AU" dirty="0"/>
+          </a:p>
+        </p:txBody>
+      </p:sp>
+      <p:sp>
+        <p:nvSpPr>
+          <p:cNvPr id="5" name="Slide Number Placeholder 4">
+            <a:extLst>
+              <a:ext uri="{FF2B5EF4-FFF2-40B4-BE49-F238E27FC236}">
+                <a16:creationId xmlns:a16="http://schemas.microsoft.com/office/drawing/2014/main" id="{2C4DFBE4-4D48-F433-E072-E1FCCCBDA669}"/>
+              </a:ext>
+            </a:extLst>
+          </p:cNvPr>
+          <p:cNvSpPr>
+            <a:spLocks noGrp="1"/>
+          </p:cNvSpPr>
+          <p:nvPr>
+            <p:ph type="sldNum" sz="quarter" idx="13"/>
+          </p:nvPr>
+        </p:nvSpPr>
+        <p:spPr/>
+        <p:txBody>
+          <a:bodyPr/>
+          <a:lstStyle/>
+          <a:p>
+            <a:fld id="{E917DE0E-AFB1-41FD-BC35-27DB61CA125F}" type="slidenum">
+              <a:rPr lang="en-AU" smtClean="0"/>
+              <a:pPr/>
+              <a:t>5</a:t>
+            </a:fld>
+            <a:endParaRPr lang="en-AU" dirty="0"/>
+          </a:p>
+        </p:txBody>
+      </p:sp>
+      <p:sp>
+        <p:nvSpPr>
+          <p:cNvPr id="7" name="Oval 6">
+            <a:extLst>
+              <a:ext uri="{FF2B5EF4-FFF2-40B4-BE49-F238E27FC236}">
+                <a16:creationId xmlns:a16="http://schemas.microsoft.com/office/drawing/2014/main" id="{FC2591B8-09D1-EEE7-69FA-AEDA124206A3}"/>
+              </a:ext>
+            </a:extLst>
+          </p:cNvPr>
+          <p:cNvSpPr/>
+          <p:nvPr/>
+        </p:nvSpPr>
+        <p:spPr>
+          <a:xfrm>
+            <a:off x="7391400" y="3877053"/>
+            <a:ext cx="1371600" cy="533400"/>
+          </a:xfrm>
+          <a:custGeom>
+            <a:avLst/>
+            <a:gdLst>
+              <a:gd name="connsiteX0" fmla="*/ 0 w 1371600"/>
+              <a:gd name="connsiteY0" fmla="*/ 266700 h 533400"/>
+              <a:gd name="connsiteX1" fmla="*/ 685800 w 1371600"/>
+              <a:gd name="connsiteY1" fmla="*/ 0 h 533400"/>
+              <a:gd name="connsiteX2" fmla="*/ 1371600 w 1371600"/>
+              <a:gd name="connsiteY2" fmla="*/ 266700 h 533400"/>
+              <a:gd name="connsiteX3" fmla="*/ 685800 w 1371600"/>
+              <a:gd name="connsiteY3" fmla="*/ 533400 h 533400"/>
+              <a:gd name="connsiteX4" fmla="*/ 0 w 1371600"/>
+              <a:gd name="connsiteY4" fmla="*/ 266700 h 533400"/>
+            </a:gdLst>
+            <a:ahLst/>
+            <a:cxnLst>
+              <a:cxn ang="0">
+                <a:pos x="connsiteX0" y="connsiteY0"/>
+              </a:cxn>
+              <a:cxn ang="0">
+                <a:pos x="connsiteX1" y="connsiteY1"/>
+              </a:cxn>
+              <a:cxn ang="0">
+                <a:pos x="connsiteX2" y="connsiteY2"/>
+              </a:cxn>
+              <a:cxn ang="0">
+                <a:pos x="connsiteX3" y="connsiteY3"/>
+              </a:cxn>
+              <a:cxn ang="0">
+                <a:pos x="connsiteX4" y="connsiteY4"/>
+              </a:cxn>
+            </a:cxnLst>
+            <a:rect l="l" t="t" r="r" b="b"/>
+            <a:pathLst>
+              <a:path w="1371600" h="533400" extrusionOk="0">
+                <a:moveTo>
+                  <a:pt x="0" y="266700"/>
+                </a:moveTo>
+                <a:cubicBezTo>
+                  <a:pt x="-34609" y="98059"/>
+                  <a:pt x="266091" y="15370"/>
+                  <a:pt x="685800" y="0"/>
+                </a:cubicBezTo>
+                <a:cubicBezTo>
+                  <a:pt x="1100497" y="7566"/>
+                  <a:pt x="1345702" y="120229"/>
+                  <a:pt x="1371600" y="266700"/>
+                </a:cubicBezTo>
+                <a:cubicBezTo>
+                  <a:pt x="1302997" y="480989"/>
+                  <a:pt x="1053977" y="591880"/>
+                  <a:pt x="685800" y="533400"/>
+                </a:cubicBezTo>
+                <a:cubicBezTo>
+                  <a:pt x="271980" y="514216"/>
+                  <a:pt x="9899" y="418724"/>
+                  <a:pt x="0" y="266700"/>
+                </a:cubicBezTo>
+                <a:close/>
+              </a:path>
+            </a:pathLst>
+          </a:custGeom>
+          <a:noFill/>
+          <a:ln>
+            <a:extLst>
+              <a:ext uri="{C807C97D-BFC1-408E-A445-0C87EB9F89A2}">
+                <ask:lineSketchStyleProps xmlns:ask="http://schemas.microsoft.com/office/drawing/2018/sketchyshapes" sd="1219033472">
+                  <a:prstGeom prst="ellipse">
+                    <a:avLst/>
+                  </a:prstGeom>
+                  <ask:type>
+                    <ask:lineSketchScribble/>
+                  </ask:type>
+                </ask:lineSketchStyleProps>
+              </a:ext>
+            </a:extLst>
+          </a:ln>
+        </p:spPr>
+        <p:style>
+          <a:lnRef idx="2">
+            <a:schemeClr val="accent1">
+              <a:shade val="50000"/>
+            </a:schemeClr>
+          </a:lnRef>
+          <a:fillRef idx="1">
+            <a:schemeClr val="accent1"/>
+          </a:fillRef>
+          <a:effectRef idx="0">
+            <a:schemeClr val="accent1"/>
+          </a:effectRef>
+          <a:fontRef idx="minor">
+            <a:schemeClr val="lt1"/>
+          </a:fontRef>
+        </p:style>
+        <p:txBody>
+          <a:bodyPr rtlCol="0" anchor="ctr"/>
+          <a:lstStyle/>
+          <a:p>
+            <a:pPr algn="ctr"/>
+            <a:endParaRPr lang="en-US"/>
+          </a:p>
+        </p:txBody>
+      </p:sp>
+    </p:spTree>
+    <p:extLst>
+      <p:ext uri="{BB962C8B-B14F-4D97-AF65-F5344CB8AC3E}">
+        <p14:creationId xmlns:p14="http://schemas.microsoft.com/office/powerpoint/2010/main" val="1335771419"/>
+      </p:ext>
+    </p:extLst>
+  </p:cSld>
+  <p:clrMapOvr>
+    <a:masterClrMapping/>
+  </p:clrMapOvr>
+  <mc:AlternateContent xmlns:mc="http://schemas.openxmlformats.org/markup-compatibility/2006" xmlns:p14="http://schemas.microsoft.com/office/powerpoint/2010/main">
+    <mc:Choice Requires="p14">
+      <p:transition spd="med" p14:dur="700">
+        <p:fade/>
+      </p:transition>
+    </mc:Choice>
+    <mc:Fallback xmlns="">
+      <p:transition spd="med">
+        <p:fade/>
+      </p:transition>
+    </mc:Fallback>
+  </mc:AlternateContent>
+  <p:timing>
+    <p:tnLst>
+      <p:par>
+        <p:cTn id="1" dur="indefinite" restart="never" nodeType="tmRoot">
+          <p:childTnLst>
+            <p:seq concurrent="1" nextAc="seek">
+              <p:cTn id="2" dur="indefinite" nodeType="mainSeq">
+                <p:childTnLst>
+                  <p:par>
+                    <p:cTn id="3" fill="hold">
+                      <p:stCondLst>
+                        <p:cond delay="indefinite"/>
+                      </p:stCondLst>
+                      <p:childTnLst>
+                        <p:par>
+                          <p:cTn id="4" fill="hold">
+                            <p:stCondLst>
+                              <p:cond delay="0"/>
+                            </p:stCondLst>
+                            <p:childTnLst>
+                              <p:par>
+                                <p:cTn id="5" presetID="10" presetClass="entr" presetSubtype="0" fill="hold" grpId="0" nodeType="clickEffect">
+                                  <p:stCondLst>
+                                    <p:cond delay="0"/>
+                                  </p:stCondLst>
+                                  <p:childTnLst>
+                                    <p:set>
+                                      <p:cBhvr>
+                                        <p:cTn id="6" dur="1" fill="hold">
+                                          <p:stCondLst>
+                                            <p:cond delay="0"/>
+                                          </p:stCondLst>
+                                        </p:cTn>
+                                        <p:tgtEl>
+                                          <p:spTgt spid="2">
+                                            <p:txEl>
+                                              <p:pRg st="0" end="0"/>
+                                            </p:txEl>
+                                          </p:spTgt>
+                                        </p:tgtEl>
+                                        <p:attrNameLst>
+                                          <p:attrName>style.visibility</p:attrName>
+                                        </p:attrNameLst>
+                                      </p:cBhvr>
+                                      <p:to>
+                                        <p:strVal val="visible"/>
+                                      </p:to>
+                                    </p:set>
+                                    <p:animEffect transition="in" filter="fade">
+                                      <p:cBhvr>
+                                        <p:cTn id="7" dur="500"/>
+                                        <p:tgtEl>
+                                          <p:spTgt spid="2">
+                                            <p:txEl>
+                                              <p:pRg st="0" end="0"/>
+                                            </p:txEl>
+                                          </p:spTgt>
+                                        </p:tgtEl>
+                                      </p:cBhvr>
+                                    </p:animEffect>
+                                  </p:childTnLst>
+                                </p:cTn>
+                              </p:par>
+                            </p:childTnLst>
+                          </p:cTn>
+                        </p:par>
+                      </p:childTnLst>
+                    </p:cTn>
+                  </p:par>
+                  <p:par>
+                    <p:cTn id="8" fill="hold">
+                      <p:stCondLst>
+                        <p:cond delay="indefinite"/>
+                      </p:stCondLst>
+                      <p:childTnLst>
+                        <p:par>
+                          <p:cTn id="9" fill="hold">
+                            <p:stCondLst>
+                              <p:cond delay="0"/>
+                            </p:stCondLst>
+                            <p:childTnLst>
+                              <p:par>
+                                <p:cTn id="10" presetID="10" presetClass="entr" presetSubtype="0" fill="hold" grpId="0" nodeType="clickEffect">
+                                  <p:stCondLst>
+                                    <p:cond delay="0"/>
+                                  </p:stCondLst>
+                                  <p:childTnLst>
+                                    <p:set>
+                                      <p:cBhvr>
+                                        <p:cTn id="11" dur="1" fill="hold">
+                                          <p:stCondLst>
+                                            <p:cond delay="0"/>
+                                          </p:stCondLst>
+                                        </p:cTn>
+                                        <p:tgtEl>
+                                          <p:spTgt spid="2">
+                                            <p:txEl>
+                                              <p:pRg st="1" end="1"/>
+                                            </p:txEl>
+                                          </p:spTgt>
+                                        </p:tgtEl>
+                                        <p:attrNameLst>
+                                          <p:attrName>style.visibility</p:attrName>
+                                        </p:attrNameLst>
+                                      </p:cBhvr>
+                                      <p:to>
+                                        <p:strVal val="visible"/>
+                                      </p:to>
+                                    </p:set>
+                                    <p:animEffect transition="in" filter="fade">
+                                      <p:cBhvr>
+                                        <p:cTn id="12" dur="500"/>
+                                        <p:tgtEl>
+                                          <p:spTgt spid="2">
+                                            <p:txEl>
+                                              <p:pRg st="1" end="1"/>
+                                            </p:txEl>
+                                          </p:spTgt>
+                                        </p:tgtEl>
+                                      </p:cBhvr>
+                                    </p:animEffect>
+                                  </p:childTnLst>
+                                </p:cTn>
+                              </p:par>
+                            </p:childTnLst>
+                          </p:cTn>
+                        </p:par>
+                      </p:childTnLst>
+                    </p:cTn>
+                  </p:par>
+                  <p:par>
+                    <p:cTn id="13" fill="hold">
+                      <p:stCondLst>
+                        <p:cond delay="indefinite"/>
+                      </p:stCondLst>
+                      <p:childTnLst>
+                        <p:par>
+                          <p:cTn id="14" fill="hold">
+                            <p:stCondLst>
+                              <p:cond delay="0"/>
+                            </p:stCondLst>
+                            <p:childTnLst>
+                              <p:par>
+                                <p:cTn id="15" presetID="21" presetClass="entr" presetSubtype="1" fill="hold" grpId="0" nodeType="clickEffect">
+                                  <p:stCondLst>
+                                    <p:cond delay="0"/>
+                                  </p:stCondLst>
+                                  <p:childTnLst>
+                                    <p:set>
+                                      <p:cBhvr>
+                                        <p:cTn id="16" dur="1" fill="hold">
+                                          <p:stCondLst>
+                                            <p:cond delay="0"/>
+                                          </p:stCondLst>
+                                        </p:cTn>
+                                        <p:tgtEl>
+                                          <p:spTgt spid="7"/>
+                                        </p:tgtEl>
+                                        <p:attrNameLst>
+                                          <p:attrName>style.visibility</p:attrName>
+                                        </p:attrNameLst>
+                                      </p:cBhvr>
+                                      <p:to>
+                                        <p:strVal val="visible"/>
+                                      </p:to>
+                                    </p:set>
+                                    <p:animEffect transition="in" filter="wheel(1)">
+                                      <p:cBhvr>
+                                        <p:cTn id="17" dur="2000"/>
+                                        <p:tgtEl>
+                                          <p:spTgt spid="7"/>
+                                        </p:tgtEl>
+                                      </p:cBhvr>
+                                    </p:animEffect>
+                                  </p:childTnLst>
+                                </p:cTn>
+                              </p:par>
+                            </p:childTnLst>
+                          </p:cTn>
+                        </p:par>
+                      </p:childTnLst>
+                    </p:cTn>
+                  </p:par>
+                  <p:par>
+                    <p:cTn id="18" fill="hold">
+                      <p:stCondLst>
+                        <p:cond delay="indefinite"/>
+                      </p:stCondLst>
+                      <p:childTnLst>
+                        <p:par>
+                          <p:cTn id="19" fill="hold">
+                            <p:stCondLst>
+                              <p:cond delay="0"/>
+                            </p:stCondLst>
+                            <p:childTnLst>
+                              <p:par>
+                                <p:cTn id="20" presetID="10" presetClass="entr" presetSubtype="0" fill="hold" grpId="0" nodeType="clickEffect">
+                                  <p:stCondLst>
+                                    <p:cond delay="0"/>
+                                  </p:stCondLst>
+                                  <p:childTnLst>
+                                    <p:set>
+                                      <p:cBhvr>
+                                        <p:cTn id="21" dur="1" fill="hold">
+                                          <p:stCondLst>
+                                            <p:cond delay="0"/>
+                                          </p:stCondLst>
+                                        </p:cTn>
+                                        <p:tgtEl>
+                                          <p:spTgt spid="2">
+                                            <p:txEl>
+                                              <p:pRg st="3" end="3"/>
+                                            </p:txEl>
+                                          </p:spTgt>
+                                        </p:tgtEl>
+                                        <p:attrNameLst>
+                                          <p:attrName>style.visibility</p:attrName>
+                                        </p:attrNameLst>
+                                      </p:cBhvr>
+                                      <p:to>
+                                        <p:strVal val="visible"/>
+                                      </p:to>
+                                    </p:set>
+                                    <p:animEffect transition="in" filter="fade">
+                                      <p:cBhvr>
+                                        <p:cTn id="22" dur="500"/>
+                                        <p:tgtEl>
+                                          <p:spTgt spid="2">
+                                            <p:txEl>
+                                              <p:pRg st="3" end="3"/>
+                                            </p:txEl>
+                                          </p:spTgt>
+                                        </p:tgtEl>
+                                      </p:cBhvr>
+                                    </p:animEffect>
+                                  </p:childTnLst>
+                                </p:cTn>
+                              </p:par>
+                            </p:childTnLst>
+                          </p:cTn>
+                        </p:par>
+                      </p:childTnLst>
+                    </p:cTn>
+                  </p:par>
+                </p:childTnLst>
+              </p:cTn>
+              <p:prevCondLst>
+                <p:cond evt="onPrev" delay="0">
+                  <p:tgtEl>
+                    <p:sldTgt/>
+                  </p:tgtEl>
+                </p:cond>
+              </p:prevCondLst>
+              <p:nextCondLst>
+                <p:cond evt="onNext" delay="0">
+                  <p:tgtEl>
+                    <p:sldTgt/>
+                  </p:tgtEl>
+                </p:cond>
+              </p:nextCondLst>
+            </p:seq>
+          </p:childTnLst>
+        </p:cTn>
+      </p:par>
+    </p:tnLst>
+    <p:bldLst>
+      <p:bldP spid="2" grpId="0" uiExpand="1" build="p"/>
+      <p:bldP spid="7" grpId="0" animBg="1"/>
+    </p:bldLst>
+  </p:timing>
+</p:sld>
+</file>
+
+<file path=ppt/slides/slide6.xml><?xml version="1.0" encoding="utf-8"?>
+<p:sld xmlns:a="http://schemas.openxmlformats.org/drawingml/2006/main" xmlns:r="http://schemas.openxmlformats.org/officeDocument/2006/relationships" xmlns:p="http://schemas.openxmlformats.org/presentationml/2006/main">
+  <p:cSld>
+    <p:spTree>
+      <p:nvGrpSpPr>
+        <p:cNvPr id="1" name=""/>
+        <p:cNvGrpSpPr/>
+        <p:nvPr/>
+      </p:nvGrpSpPr>
+      <p:grpSpPr>
+        <a:xfrm>
+          <a:off x="0" y="0"/>
+          <a:ext cx="0" cy="0"/>
+          <a:chOff x="0" y="0"/>
+          <a:chExt cx="0" cy="0"/>
+        </a:xfrm>
+      </p:grpSpPr>
+      <p:sp>
+        <p:nvSpPr>
+          <p:cNvPr id="2" name="Content Placeholder 1">
+            <a:extLst>
+              <a:ext uri="{FF2B5EF4-FFF2-40B4-BE49-F238E27FC236}">
+                <a16:creationId xmlns:a16="http://schemas.microsoft.com/office/drawing/2014/main" id="{470DD639-4E34-1402-AC30-9EFCF549BE00}"/>
+              </a:ext>
+            </a:extLst>
+          </p:cNvPr>
+          <p:cNvSpPr>
+            <a:spLocks noGrp="1"/>
+          </p:cNvSpPr>
+          <p:nvPr>
+            <p:ph sz="quarter" idx="11"/>
+          </p:nvPr>
+        </p:nvSpPr>
+        <p:spPr/>
+        <p:txBody>
+          <a:bodyPr>
+            <a:normAutofit fontScale="92500" lnSpcReduction="20000"/>
+          </a:bodyPr>
+          <a:lstStyle/>
+          <a:p>
+            <a:r>
+              <a:rPr lang="en-US" dirty="0"/>
+              <a:t>Objects and classes</a:t>
+            </a:r>
+          </a:p>
+          <a:p>
+            <a:r>
+              <a:rPr lang="en-US" dirty="0"/>
+              <a:t>Four key concepts:</a:t>
+            </a:r>
+          </a:p>
+          <a:p>
+            <a:pPr lvl="1"/>
+            <a:r>
+              <a:rPr lang="en-US" dirty="0"/>
+              <a:t>Encapsulation</a:t>
+            </a:r>
+          </a:p>
+          <a:p>
+            <a:pPr lvl="1"/>
+            <a:r>
+              <a:rPr lang="en-US" dirty="0"/>
+              <a:t>Inheritance</a:t>
+            </a:r>
+          </a:p>
+          <a:p>
+            <a:pPr lvl="1"/>
+            <a:r>
+              <a:rPr lang="en-US" dirty="0"/>
+              <a:t>Composition</a:t>
+            </a:r>
+          </a:p>
+          <a:p>
+            <a:pPr lvl="1"/>
+            <a:r>
+              <a:rPr lang="en-US" dirty="0"/>
+              <a:t>Polymorphism</a:t>
+            </a:r>
+          </a:p>
+          <a:p>
+            <a:r>
+              <a:rPr lang="en-US" dirty="0"/>
+              <a:t>Design patterns</a:t>
+            </a:r>
+          </a:p>
+          <a:p>
+            <a:r>
+              <a:rPr lang="en-US" dirty="0"/>
+              <a:t>Summary and next steps</a:t>
+            </a:r>
+          </a:p>
+          <a:p>
+            <a:pPr lvl="1"/>
+            <a:endParaRPr lang="en-US" dirty="0"/>
+          </a:p>
+          <a:p>
+            <a:endParaRPr lang="en-US" dirty="0"/>
+          </a:p>
+        </p:txBody>
+      </p:sp>
+      <p:sp>
+        <p:nvSpPr>
+          <p:cNvPr id="3" name="Title 2">
+            <a:extLst>
+              <a:ext uri="{FF2B5EF4-FFF2-40B4-BE49-F238E27FC236}">
+                <a16:creationId xmlns:a16="http://schemas.microsoft.com/office/drawing/2014/main" id="{43E880DB-FD8E-89BE-FD91-08749C8A117C}"/>
+              </a:ext>
+            </a:extLst>
+          </p:cNvPr>
+          <p:cNvSpPr>
+            <a:spLocks noGrp="1"/>
+          </p:cNvSpPr>
+          <p:nvPr>
+            <p:ph type="title"/>
+          </p:nvPr>
+        </p:nvSpPr>
+        <p:spPr/>
+        <p:txBody>
+          <a:bodyPr>
+            <a:normAutofit fontScale="90000"/>
+          </a:bodyPr>
+          <a:lstStyle/>
+          <a:p>
+            <a:r>
+              <a:rPr lang="en-US" dirty="0">
+                <a:solidFill>
+                  <a:schemeClr val="accent6">
+                    <a:lumMod val="75000"/>
+                  </a:schemeClr>
+                </a:solidFill>
+              </a:rPr>
+              <a:t>Intro</a:t>
+            </a:r>
+            <a:br>
+              <a:rPr lang="en-US" dirty="0">
+                <a:solidFill>
+                  <a:schemeClr val="accent6">
+                    <a:lumMod val="75000"/>
+                  </a:schemeClr>
+                </a:solidFill>
+              </a:rPr>
+            </a:br>
+            <a:r>
+              <a:rPr lang="en-US" dirty="0"/>
+              <a:t>Agenda</a:t>
+            </a:r>
+          </a:p>
+        </p:txBody>
+      </p:sp>
+      <p:sp>
+        <p:nvSpPr>
+          <p:cNvPr id="4" name="Footer Placeholder 3">
+            <a:extLst>
+              <a:ext uri="{FF2B5EF4-FFF2-40B4-BE49-F238E27FC236}">
+                <a16:creationId xmlns:a16="http://schemas.microsoft.com/office/drawing/2014/main" id="{F8A84D93-974B-D105-65AF-9C8C575EC6B1}"/>
+              </a:ext>
+            </a:extLst>
+          </p:cNvPr>
+          <p:cNvSpPr>
+            <a:spLocks noGrp="1"/>
+          </p:cNvSpPr>
+          <p:nvPr>
+            <p:ph type="ftr" sz="quarter" idx="12"/>
+          </p:nvPr>
+        </p:nvSpPr>
+        <p:spPr/>
+        <p:txBody>
+          <a:bodyPr/>
+          <a:lstStyle/>
+          <a:p>
+            <a:r>
+              <a:rPr lang="en-AU"/>
+              <a:t>Classy Code</a:t>
+            </a:r>
+            <a:endParaRPr lang="en-AU" dirty="0"/>
+          </a:p>
+        </p:txBody>
+      </p:sp>
+      <p:sp>
+        <p:nvSpPr>
+          <p:cNvPr id="5" name="Slide Number Placeholder 4">
+            <a:extLst>
+              <a:ext uri="{FF2B5EF4-FFF2-40B4-BE49-F238E27FC236}">
+                <a16:creationId xmlns:a16="http://schemas.microsoft.com/office/drawing/2014/main" id="{9990845C-0D17-CF13-243F-8DA4EB8445B5}"/>
+              </a:ext>
+            </a:extLst>
+          </p:cNvPr>
+          <p:cNvSpPr>
+            <a:spLocks noGrp="1"/>
+          </p:cNvSpPr>
+          <p:nvPr>
+            <p:ph type="sldNum" sz="quarter" idx="13"/>
+          </p:nvPr>
+        </p:nvSpPr>
+        <p:spPr/>
+        <p:txBody>
+          <a:bodyPr/>
+          <a:lstStyle/>
+          <a:p>
+            <a:fld id="{E917DE0E-AFB1-41FD-BC35-27DB61CA125F}" type="slidenum">
+              <a:rPr lang="en-AU" smtClean="0"/>
+              <a:pPr/>
+              <a:t>6</a:t>
+            </a:fld>
+            <a:endParaRPr lang="en-AU" dirty="0"/>
+          </a:p>
+        </p:txBody>
+      </p:sp>
+      <p:sp>
+        <p:nvSpPr>
+          <p:cNvPr id="6" name="Rectangle 5">
+            <a:extLst>
+              <a:ext uri="{FF2B5EF4-FFF2-40B4-BE49-F238E27FC236}">
+                <a16:creationId xmlns:a16="http://schemas.microsoft.com/office/drawing/2014/main" id="{66A20137-CA17-6495-A625-7FE103E022C1}"/>
+              </a:ext>
+            </a:extLst>
+          </p:cNvPr>
+          <p:cNvSpPr/>
+          <p:nvPr/>
+        </p:nvSpPr>
+        <p:spPr>
+          <a:xfrm>
+            <a:off x="228600" y="4953000"/>
+            <a:ext cx="2895600" cy="914400"/>
+          </a:xfrm>
+          <a:prstGeom prst="rect">
+            <a:avLst/>
+          </a:prstGeom>
+          <a:solidFill>
+            <a:srgbClr val="FFFFFF">
+              <a:alpha val="49412"/>
+            </a:srgbClr>
+          </a:solidFill>
+          <a:ln>
+            <a:noFill/>
+          </a:ln>
+        </p:spPr>
+        <p:style>
+          <a:lnRef idx="2">
+            <a:schemeClr val="accent1">
+              <a:shade val="15000"/>
+            </a:schemeClr>
+          </a:lnRef>
+          <a:fillRef idx="1">
+            <a:schemeClr val="accent1"/>
+          </a:fillRef>
+          <a:effectRef idx="0">
+            <a:schemeClr val="accent1"/>
+          </a:effectRef>
+          <a:fontRef idx="minor">
+            <a:schemeClr val="lt1"/>
+          </a:fontRef>
+        </p:style>
+        <p:txBody>
+          <a:bodyPr rtlCol="0" anchor="ctr"/>
+          <a:lstStyle/>
+          <a:p>
+            <a:pPr algn="ctr"/>
+            <a:endParaRPr lang="en-US"/>
+          </a:p>
+        </p:txBody>
+      </p:sp>
+    </p:spTree>
+    <p:extLst>
+      <p:ext uri="{BB962C8B-B14F-4D97-AF65-F5344CB8AC3E}">
+        <p14:creationId xmlns:p14="http://schemas.microsoft.com/office/powerpoint/2010/main" val="380838017"/>
+      </p:ext>
+    </p:extLst>
+  </p:cSld>
+  <p:clrMapOvr>
+    <a:masterClrMapping/>
+  </p:clrMapOvr>
+  <mc:AlternateContent xmlns:mc="http://schemas.openxmlformats.org/markup-compatibility/2006" xmlns:p14="http://schemas.microsoft.com/office/powerpoint/2010/main">
+    <mc:Choice Requires="p14">
+      <p:transition spd="med" p14:dur="700">
+        <p:fade/>
+      </p:transition>
+    </mc:Choice>
+    <mc:Fallback xmlns="">
+      <p:transition spd="med">
+        <p:fade/>
+      </p:transition>
+    </mc:Fallback>
+  </mc:AlternateContent>
+  <p:timing>
+    <p:tnLst>
+      <p:par>
+        <p:cTn id="1" dur="indefinite" restart="never" nodeType="tmRoot">
+          <p:childTnLst>
+            <p:seq concurrent="1" nextAc="seek">
+              <p:cTn id="2" dur="indefinite" nodeType="mainSeq">
+                <p:childTnLst>
+                  <p:par>
+                    <p:cTn id="3" fill="hold">
+                      <p:stCondLst>
+                        <p:cond delay="indefinite"/>
+                      </p:stCondLst>
+                      <p:childTnLst>
+                        <p:par>
+                          <p:cTn id="4" fill="hold">
+                            <p:stCondLst>
+                              <p:cond delay="0"/>
+                            </p:stCondLst>
+                            <p:childTnLst>
+                              <p:par>
+                                <p:cTn id="5" presetID="10" presetClass="entr" presetSubtype="0" fill="hold" grpId="0" nodeType="clickEffect">
+                                  <p:stCondLst>
+                                    <p:cond delay="0"/>
+                                  </p:stCondLst>
+                                  <p:childTnLst>
+                                    <p:set>
+                                      <p:cBhvr>
+                                        <p:cTn id="6" dur="1" fill="hold">
+                                          <p:stCondLst>
+                                            <p:cond delay="0"/>
+                                          </p:stCondLst>
+                                        </p:cTn>
+                                        <p:tgtEl>
+                                          <p:spTgt spid="2">
+                                            <p:txEl>
+                                              <p:pRg st="0" end="0"/>
+                                            </p:txEl>
+                                          </p:spTgt>
+                                        </p:tgtEl>
+                                        <p:attrNameLst>
+                                          <p:attrName>style.visibility</p:attrName>
+                                        </p:attrNameLst>
+                                      </p:cBhvr>
+                                      <p:to>
+                                        <p:strVal val="visible"/>
+                                      </p:to>
+                                    </p:set>
+                                    <p:animEffect transition="in" filter="fade">
+                                      <p:cBhvr>
+                                        <p:cTn id="7" dur="500"/>
+                                        <p:tgtEl>
+                                          <p:spTgt spid="2">
+                                            <p:txEl>
+                                              <p:pRg st="0" end="0"/>
+                                            </p:txEl>
+                                          </p:spTgt>
+                                        </p:tgtEl>
+                                      </p:cBhvr>
+                                    </p:animEffect>
+                                  </p:childTnLst>
+                                </p:cTn>
+                              </p:par>
+                            </p:childTnLst>
+                          </p:cTn>
+                        </p:par>
+                      </p:childTnLst>
+                    </p:cTn>
+                  </p:par>
+                  <p:par>
+                    <p:cTn id="8" fill="hold">
+                      <p:stCondLst>
+                        <p:cond delay="indefinite"/>
+                      </p:stCondLst>
+                      <p:childTnLst>
+                        <p:par>
+                          <p:cTn id="9" fill="hold">
+                            <p:stCondLst>
+                              <p:cond delay="0"/>
+                            </p:stCondLst>
+                            <p:childTnLst>
+                              <p:par>
+                                <p:cTn id="10" presetID="10" presetClass="entr" presetSubtype="0" fill="hold" grpId="0" nodeType="clickEffect">
+                                  <p:stCondLst>
+                                    <p:cond delay="0"/>
+                                  </p:stCondLst>
+                                  <p:childTnLst>
+                                    <p:set>
+                                      <p:cBhvr>
+                                        <p:cTn id="11" dur="1" fill="hold">
+                                          <p:stCondLst>
+                                            <p:cond delay="0"/>
+                                          </p:stCondLst>
+                                        </p:cTn>
+                                        <p:tgtEl>
+                                          <p:spTgt spid="2">
+                                            <p:txEl>
+                                              <p:pRg st="1" end="1"/>
+                                            </p:txEl>
+                                          </p:spTgt>
+                                        </p:tgtEl>
+                                        <p:attrNameLst>
+                                          <p:attrName>style.visibility</p:attrName>
+                                        </p:attrNameLst>
+                                      </p:cBhvr>
+                                      <p:to>
+                                        <p:strVal val="visible"/>
+                                      </p:to>
+                                    </p:set>
+                                    <p:animEffect transition="in" filter="fade">
+                                      <p:cBhvr>
+                                        <p:cTn id="12" dur="500"/>
+                                        <p:tgtEl>
+                                          <p:spTgt spid="2">
+                                            <p:txEl>
+                                              <p:pRg st="1" end="1"/>
+                                            </p:txEl>
+                                          </p:spTgt>
+                                        </p:tgtEl>
+                                      </p:cBhvr>
+                                    </p:animEffect>
+                                  </p:childTnLst>
+                                </p:cTn>
+                              </p:par>
+                              <p:par>
+                                <p:cTn id="13" presetID="10" presetClass="entr" presetSubtype="0" fill="hold" grpId="0" nodeType="withEffect">
+                                  <p:stCondLst>
+                                    <p:cond delay="0"/>
+                                  </p:stCondLst>
+                                  <p:childTnLst>
+                                    <p:set>
+                                      <p:cBhvr>
+                                        <p:cTn id="14" dur="1" fill="hold">
+                                          <p:stCondLst>
+                                            <p:cond delay="0"/>
+                                          </p:stCondLst>
+                                        </p:cTn>
+                                        <p:tgtEl>
+                                          <p:spTgt spid="2">
+                                            <p:txEl>
+                                              <p:pRg st="2" end="2"/>
+                                            </p:txEl>
+                                          </p:spTgt>
+                                        </p:tgtEl>
+                                        <p:attrNameLst>
+                                          <p:attrName>style.visibility</p:attrName>
+                                        </p:attrNameLst>
+                                      </p:cBhvr>
+                                      <p:to>
+                                        <p:strVal val="visible"/>
+                                      </p:to>
+                                    </p:set>
+                                    <p:animEffect transition="in" filter="fade">
+                                      <p:cBhvr>
+                                        <p:cTn id="15" dur="500"/>
+                                        <p:tgtEl>
+                                          <p:spTgt spid="2">
+                                            <p:txEl>
+                                              <p:pRg st="2" end="2"/>
+                                            </p:txEl>
+                                          </p:spTgt>
+                                        </p:tgtEl>
+                                      </p:cBhvr>
+                                    </p:animEffect>
+                                  </p:childTnLst>
+                                </p:cTn>
+                              </p:par>
+                              <p:par>
+                                <p:cTn id="16" presetID="10" presetClass="entr" presetSubtype="0" fill="hold" grpId="0" nodeType="withEffect">
+                                  <p:stCondLst>
+                                    <p:cond delay="0"/>
+                                  </p:stCondLst>
+                                  <p:childTnLst>
+                                    <p:set>
+                                      <p:cBhvr>
+                                        <p:cTn id="17" dur="1" fill="hold">
+                                          <p:stCondLst>
+                                            <p:cond delay="0"/>
+                                          </p:stCondLst>
+                                        </p:cTn>
+                                        <p:tgtEl>
+                                          <p:spTgt spid="2">
+                                            <p:txEl>
+                                              <p:pRg st="3" end="3"/>
+                                            </p:txEl>
+                                          </p:spTgt>
+                                        </p:tgtEl>
+                                        <p:attrNameLst>
+                                          <p:attrName>style.visibility</p:attrName>
+                                        </p:attrNameLst>
+                                      </p:cBhvr>
+                                      <p:to>
+                                        <p:strVal val="visible"/>
+                                      </p:to>
+                                    </p:set>
+                                    <p:animEffect transition="in" filter="fade">
+                                      <p:cBhvr>
+                                        <p:cTn id="18" dur="500"/>
+                                        <p:tgtEl>
+                                          <p:spTgt spid="2">
+                                            <p:txEl>
+                                              <p:pRg st="3" end="3"/>
+                                            </p:txEl>
+                                          </p:spTgt>
+                                        </p:tgtEl>
+                                      </p:cBhvr>
+                                    </p:animEffect>
+                                  </p:childTnLst>
+                                </p:cTn>
+                              </p:par>
+                              <p:par>
+                                <p:cTn id="19" presetID="10" presetClass="entr" presetSubtype="0" fill="hold" grpId="0" nodeType="withEffect">
+                                  <p:stCondLst>
+                                    <p:cond delay="0"/>
+                                  </p:stCondLst>
+                                  <p:childTnLst>
+                                    <p:set>
+                                      <p:cBhvr>
+                                        <p:cTn id="20" dur="1" fill="hold">
+                                          <p:stCondLst>
+                                            <p:cond delay="0"/>
+                                          </p:stCondLst>
+                                        </p:cTn>
+                                        <p:tgtEl>
+                                          <p:spTgt spid="2">
+                                            <p:txEl>
+                                              <p:pRg st="4" end="4"/>
+                                            </p:txEl>
+                                          </p:spTgt>
+                                        </p:tgtEl>
+                                        <p:attrNameLst>
+                                          <p:attrName>style.visibility</p:attrName>
+                                        </p:attrNameLst>
+                                      </p:cBhvr>
+                                      <p:to>
+                                        <p:strVal val="visible"/>
+                                      </p:to>
+                                    </p:set>
+                                    <p:animEffect transition="in" filter="fade">
+                                      <p:cBhvr>
+                                        <p:cTn id="21" dur="500"/>
+                                        <p:tgtEl>
+                                          <p:spTgt spid="2">
+                                            <p:txEl>
+                                              <p:pRg st="4" end="4"/>
+                                            </p:txEl>
+                                          </p:spTgt>
+                                        </p:tgtEl>
+                                      </p:cBhvr>
+                                    </p:animEffect>
+                                  </p:childTnLst>
+                                </p:cTn>
+                              </p:par>
+                              <p:par>
+                                <p:cTn id="22" presetID="10" presetClass="entr" presetSubtype="0" fill="hold" grpId="0" nodeType="withEffect">
+                                  <p:stCondLst>
+                                    <p:cond delay="0"/>
+                                  </p:stCondLst>
+                                  <p:childTnLst>
+                                    <p:set>
+                                      <p:cBhvr>
+                                        <p:cTn id="23" dur="1" fill="hold">
+                                          <p:stCondLst>
+                                            <p:cond delay="0"/>
+                                          </p:stCondLst>
+                                        </p:cTn>
+                                        <p:tgtEl>
+                                          <p:spTgt spid="2">
+                                            <p:txEl>
+                                              <p:pRg st="5" end="5"/>
+                                            </p:txEl>
+                                          </p:spTgt>
+                                        </p:tgtEl>
+                                        <p:attrNameLst>
+                                          <p:attrName>style.visibility</p:attrName>
+                                        </p:attrNameLst>
+                                      </p:cBhvr>
+                                      <p:to>
+                                        <p:strVal val="visible"/>
+                                      </p:to>
+                                    </p:set>
+                                    <p:animEffect transition="in" filter="fade">
+                                      <p:cBhvr>
+                                        <p:cTn id="24" dur="500"/>
+                                        <p:tgtEl>
+                                          <p:spTgt spid="2">
+                                            <p:txEl>
+                                              <p:pRg st="5" end="5"/>
+                                            </p:txEl>
+                                          </p:spTgt>
+                                        </p:tgtEl>
+                                      </p:cBhvr>
+                                    </p:animEffect>
+                                  </p:childTnLst>
+                                </p:cTn>
+                              </p:par>
+                            </p:childTnLst>
+                          </p:cTn>
+                        </p:par>
+                      </p:childTnLst>
+                    </p:cTn>
+                  </p:par>
+                  <p:par>
+                    <p:cTn id="25" fill="hold">
+                      <p:stCondLst>
+                        <p:cond delay="indefinite"/>
+                      </p:stCondLst>
+                      <p:childTnLst>
+                        <p:par>
+                          <p:cTn id="26" fill="hold">
+                            <p:stCondLst>
+                              <p:cond delay="0"/>
+                            </p:stCondLst>
+                            <p:childTnLst>
+                              <p:par>
+                                <p:cTn id="27" presetID="10" presetClass="entr" presetSubtype="0" fill="hold" grpId="0" nodeType="clickEffect">
+                                  <p:stCondLst>
+                                    <p:cond delay="0"/>
+                                  </p:stCondLst>
+                                  <p:childTnLst>
+                                    <p:set>
+                                      <p:cBhvr>
+                                        <p:cTn id="28" dur="1" fill="hold">
+                                          <p:stCondLst>
+                                            <p:cond delay="0"/>
+                                          </p:stCondLst>
+                                        </p:cTn>
+                                        <p:tgtEl>
+                                          <p:spTgt spid="2">
+                                            <p:txEl>
+                                              <p:pRg st="6" end="6"/>
+                                            </p:txEl>
+                                          </p:spTgt>
+                                        </p:tgtEl>
+                                        <p:attrNameLst>
+                                          <p:attrName>style.visibility</p:attrName>
+                                        </p:attrNameLst>
+                                      </p:cBhvr>
+                                      <p:to>
+                                        <p:strVal val="visible"/>
+                                      </p:to>
+                                    </p:set>
+                                    <p:animEffect transition="in" filter="fade">
+                                      <p:cBhvr>
+                                        <p:cTn id="29" dur="500"/>
+                                        <p:tgtEl>
+                                          <p:spTgt spid="2">
+                                            <p:txEl>
+                                              <p:pRg st="6" end="6"/>
+                                            </p:txEl>
+                                          </p:spTgt>
+                                        </p:tgtEl>
+                                      </p:cBhvr>
+                                    </p:animEffect>
+                                  </p:childTnLst>
+                                </p:cTn>
+                              </p:par>
+                            </p:childTnLst>
+                          </p:cTn>
+                        </p:par>
+                      </p:childTnLst>
+                    </p:cTn>
+                  </p:par>
+                  <p:par>
+                    <p:cTn id="30" fill="hold">
+                      <p:stCondLst>
+                        <p:cond delay="indefinite"/>
+                      </p:stCondLst>
+                      <p:childTnLst>
+                        <p:par>
+                          <p:cTn id="31" fill="hold">
+                            <p:stCondLst>
+                              <p:cond delay="0"/>
+                            </p:stCondLst>
+                            <p:childTnLst>
+                              <p:par>
+                                <p:cTn id="32" presetID="10" presetClass="entr" presetSubtype="0" fill="hold" grpId="0" nodeType="clickEffect">
+                                  <p:stCondLst>
+                                    <p:cond delay="0"/>
+                                  </p:stCondLst>
+                                  <p:childTnLst>
+                                    <p:set>
+                                      <p:cBhvr>
+                                        <p:cTn id="33" dur="1" fill="hold">
+                                          <p:stCondLst>
+                                            <p:cond delay="0"/>
+                                          </p:stCondLst>
+                                        </p:cTn>
+                                        <p:tgtEl>
+                                          <p:spTgt spid="6"/>
+                                        </p:tgtEl>
+                                        <p:attrNameLst>
+                                          <p:attrName>style.visibility</p:attrName>
+                                        </p:attrNameLst>
+                                      </p:cBhvr>
+                                      <p:to>
+                                        <p:strVal val="visible"/>
+                                      </p:to>
+                                    </p:set>
+                                    <p:animEffect transition="in" filter="fade">
+                                      <p:cBhvr>
+                                        <p:cTn id="34" dur="500"/>
+                                        <p:tgtEl>
+                                          <p:spTgt spid="6"/>
+                                        </p:tgtEl>
+                                      </p:cBhvr>
+                                    </p:animEffect>
+                                  </p:childTnLst>
+                                </p:cTn>
+                              </p:par>
+                            </p:childTnLst>
+                          </p:cTn>
+                        </p:par>
+                      </p:childTnLst>
+                    </p:cTn>
+                  </p:par>
+                  <p:par>
+                    <p:cTn id="35" fill="hold">
+                      <p:stCondLst>
+                        <p:cond delay="indefinite"/>
+                      </p:stCondLst>
+                      <p:childTnLst>
+                        <p:par>
+                          <p:cTn id="36" fill="hold">
+                            <p:stCondLst>
+                              <p:cond delay="0"/>
+                            </p:stCondLst>
+                            <p:childTnLst>
+                              <p:par>
+                                <p:cTn id="37" presetID="10" presetClass="entr" presetSubtype="0" fill="hold" grpId="0" nodeType="clickEffect">
+                                  <p:stCondLst>
+                                    <p:cond delay="0"/>
+                                  </p:stCondLst>
+                                  <p:childTnLst>
+                                    <p:set>
+                                      <p:cBhvr>
+                                        <p:cTn id="38" dur="1" fill="hold">
+                                          <p:stCondLst>
+                                            <p:cond delay="0"/>
+                                          </p:stCondLst>
+                                        </p:cTn>
+                                        <p:tgtEl>
+                                          <p:spTgt spid="2">
+                                            <p:txEl>
+                                              <p:pRg st="7" end="7"/>
+                                            </p:txEl>
+                                          </p:spTgt>
+                                        </p:tgtEl>
+                                        <p:attrNameLst>
+                                          <p:attrName>style.visibility</p:attrName>
+                                        </p:attrNameLst>
+                                      </p:cBhvr>
+                                      <p:to>
+                                        <p:strVal val="visible"/>
+                                      </p:to>
+                                    </p:set>
+                                    <p:animEffect transition="in" filter="fade">
+                                      <p:cBhvr>
+                                        <p:cTn id="39" dur="500"/>
+                                        <p:tgtEl>
+                                          <p:spTgt spid="2">
+                                            <p:txEl>
+                                              <p:pRg st="7" end="7"/>
+                                            </p:txEl>
+                                          </p:spTgt>
+                                        </p:tgtEl>
+                                      </p:cBhvr>
+                                    </p:animEffect>
+                                  </p:childTnLst>
+                                </p:cTn>
+                              </p:par>
+                            </p:childTnLst>
+                          </p:cTn>
+                        </p:par>
+                      </p:childTnLst>
+                    </p:cTn>
+                  </p:par>
+                </p:childTnLst>
+              </p:cTn>
+              <p:prevCondLst>
+                <p:cond evt="onPrev" delay="0">
+                  <p:tgtEl>
+                    <p:sldTgt/>
+                  </p:tgtEl>
+                </p:cond>
+              </p:prevCondLst>
+              <p:nextCondLst>
+                <p:cond evt="onNext" delay="0">
+                  <p:tgtEl>
+                    <p:sldTgt/>
+                  </p:tgtEl>
+                </p:cond>
+              </p:nextCondLst>
+            </p:seq>
+          </p:childTnLst>
+        </p:cTn>
+      </p:par>
+    </p:tnLst>
+    <p:bldLst>
+      <p:bldP spid="2" grpId="0" uiExpand="1" build="p"/>
+      <p:bldP spid="6" grpId="0" animBg="1"/>
+    </p:bldLst>
+  </p:timing>
+</p:sld>
+</file>
+
+<file path=ppt/slides/slide7.xml><?xml version="1.0" encoding="utf-8"?>
+<p:sld xmlns:a="http://schemas.openxmlformats.org/drawingml/2006/main" xmlns:r="http://schemas.openxmlformats.org/officeDocument/2006/relationships" xmlns:p="http://schemas.openxmlformats.org/presentationml/2006/main">
+  <p:cSld>
+    <p:spTree>
+      <p:nvGrpSpPr>
+        <p:cNvPr id="1" name=""/>
+        <p:cNvGrpSpPr/>
+        <p:nvPr/>
+      </p:nvGrpSpPr>
+      <p:grpSpPr>
+        <a:xfrm>
+          <a:off x="0" y="0"/>
+          <a:ext cx="0" cy="0"/>
+          <a:chOff x="0" y="0"/>
+          <a:chExt cx="0" cy="0"/>
+        </a:xfrm>
+      </p:grpSpPr>
+      <p:sp>
+        <p:nvSpPr>
+          <p:cNvPr id="6" name="Title 5">
+            <a:extLst>
+              <a:ext uri="{FF2B5EF4-FFF2-40B4-BE49-F238E27FC236}">
+                <a16:creationId xmlns:a16="http://schemas.microsoft.com/office/drawing/2014/main" id="{E2022F1B-185B-988B-0431-8AC0FFCEA3EF}"/>
+              </a:ext>
+            </a:extLst>
+          </p:cNvPr>
+          <p:cNvSpPr>
+            <a:spLocks noGrp="1"/>
+          </p:cNvSpPr>
+          <p:nvPr>
+            <p:ph type="title"/>
+          </p:nvPr>
+        </p:nvSpPr>
+        <p:spPr/>
+        <p:txBody>
+          <a:bodyPr/>
+          <a:lstStyle/>
+          <a:p>
+            <a:r>
+              <a:rPr lang="en-US" dirty="0"/>
+              <a:t>Let’s get classy…</a:t>
+            </a:r>
+          </a:p>
+        </p:txBody>
+      </p:sp>
+      <p:sp>
+        <p:nvSpPr>
+          <p:cNvPr id="7" name="Text Placeholder 6">
+            <a:extLst>
+              <a:ext uri="{FF2B5EF4-FFF2-40B4-BE49-F238E27FC236}">
+                <a16:creationId xmlns:a16="http://schemas.microsoft.com/office/drawing/2014/main" id="{E9B030BA-0A93-C5F8-CCD7-869E7F48C8C8}"/>
+              </a:ext>
+            </a:extLst>
+          </p:cNvPr>
+          <p:cNvSpPr>
+            <a:spLocks noGrp="1"/>
+          </p:cNvSpPr>
+          <p:nvPr>
+            <p:ph type="body" sz="quarter" idx="10"/>
+          </p:nvPr>
+        </p:nvSpPr>
         <p:spPr/>
         <p:txBody>
           <a:bodyPr/>
@@ -10750,7 +13472,7 @@
             <a:fld id="{E917DE0E-AFB1-41FD-BC35-27DB61CA125F}" type="slidenum">
               <a:rPr lang="en-AU" smtClean="0"/>
               <a:pPr/>
-              <a:t>10</a:t>
+              <a:t>7</a:t>
             </a:fld>
             <a:endParaRPr lang="en-AU" dirty="0"/>
           </a:p>
@@ -10781,7 +13503,7 @@
 </p:sld>
 </file>
 
-<file path=ppt/slides/slide11.xml><?xml version="1.0" encoding="utf-8"?>
+<file path=ppt/slides/slide8.xml><?xml version="1.0" encoding="utf-8"?>
 <p:sld xmlns:a="http://schemas.openxmlformats.org/drawingml/2006/main" xmlns:r="http://schemas.openxmlformats.org/officeDocument/2006/relationships" xmlns:p="http://schemas.openxmlformats.org/presentationml/2006/main">
   <p:cSld>
     <p:spTree>
@@ -10821,7 +13543,23 @@
           <a:p>
             <a:r>
               <a:rPr lang="en-US" dirty="0"/>
-              <a:t>Think about your problem in terms of objects and their interactions</a:t>
+              <a:t>Think about your problem in terms of </a:t>
+            </a:r>
+            <a:r>
+              <a:rPr lang="en-US" dirty="0">
+                <a:latin typeface="National 2 Medium" panose="020B0504030502020203" pitchFamily="34" charset="77"/>
+              </a:rPr>
+              <a:t>objects</a:t>
+            </a:r>
+            <a:r>
+              <a:rPr lang="en-US" dirty="0"/>
+              <a:t> and their </a:t>
+            </a:r>
+            <a:r>
+              <a:rPr lang="en-US" dirty="0">
+                <a:latin typeface="National 2 Medium" panose="020B0504030502020203" pitchFamily="34" charset="77"/>
+              </a:rPr>
+              <a:t>interactions</a:t>
             </a:r>
           </a:p>
           <a:p>
@@ -10980,7 +13718,7 @@
             <a:fld id="{E917DE0E-AFB1-41FD-BC35-27DB61CA125F}" type="slidenum">
               <a:rPr lang="en-AU" smtClean="0"/>
               <a:pPr/>
-              <a:t>11</a:t>
+              <a:t>8</a:t>
             </a:fld>
             <a:endParaRPr lang="en-AU" dirty="0"/>
           </a:p>
@@ -11410,7 +14148,7 @@
 </p:sld>
 </file>
 
-<file path=ppt/slides/slide12.xml><?xml version="1.0" encoding="utf-8"?>
+<file path=ppt/slides/slide9.xml><?xml version="1.0" encoding="utf-8"?>
 <p:sld xmlns:a="http://schemas.openxmlformats.org/drawingml/2006/main" xmlns:r="http://schemas.openxmlformats.org/officeDocument/2006/relationships" xmlns:p="http://schemas.openxmlformats.org/presentationml/2006/main">
   <p:cSld>
     <p:spTree>
@@ -11614,7 +14352,7 @@
             <a:fld id="{E917DE0E-AFB1-41FD-BC35-27DB61CA125F}" type="slidenum">
               <a:rPr lang="en-AU" smtClean="0"/>
               <a:pPr/>
-              <a:t>12</a:t>
+              <a:t>9</a:t>
             </a:fld>
             <a:endParaRPr lang="en-AU" dirty="0"/>
           </a:p>
@@ -12039,4583 +14777,6 @@
     </p:tnLst>
     <p:bldLst>
       <p:bldP spid="7" grpId="0" build="p"/>
-    </p:bldLst>
-  </p:timing>
-</p:sld>
-</file>
-
-<file path=ppt/slides/slide2.xml><?xml version="1.0" encoding="utf-8"?>
-<p:sld xmlns:a="http://schemas.openxmlformats.org/drawingml/2006/main" xmlns:r="http://schemas.openxmlformats.org/officeDocument/2006/relationships" xmlns:p="http://schemas.openxmlformats.org/presentationml/2006/main">
-  <p:cSld>
-    <p:spTree>
-      <p:nvGrpSpPr>
-        <p:cNvPr id="1" name=""/>
-        <p:cNvGrpSpPr/>
-        <p:nvPr/>
-      </p:nvGrpSpPr>
-      <p:grpSpPr>
-        <a:xfrm>
-          <a:off x="0" y="0"/>
-          <a:ext cx="0" cy="0"/>
-          <a:chOff x="0" y="0"/>
-          <a:chExt cx="0" cy="0"/>
-        </a:xfrm>
-      </p:grpSpPr>
-      <p:sp>
-        <p:nvSpPr>
-          <p:cNvPr id="10" name="Title 9"/>
-          <p:cNvSpPr>
-            <a:spLocks noGrp="1"/>
-          </p:cNvSpPr>
-          <p:nvPr>
-            <p:ph type="title"/>
-          </p:nvPr>
-        </p:nvSpPr>
-        <p:spPr>
-          <a:xfrm>
-            <a:off x="321510" y="2590800"/>
-            <a:ext cx="11641890" cy="838200"/>
-          </a:xfrm>
-        </p:spPr>
-        <p:txBody>
-          <a:bodyPr>
-            <a:noAutofit/>
-          </a:bodyPr>
-          <a:lstStyle/>
-          <a:p>
-            <a:r>
-              <a:rPr lang="en-AU" sz="4400" dirty="0"/>
-              <a:t>Classy Code: Object-Oriented Programming </a:t>
-            </a:r>
-            <a:br>
-              <a:rPr lang="en-AU" sz="4400" dirty="0"/>
-            </a:br>
-            <a:r>
-              <a:rPr lang="en-AU" sz="4400" dirty="0">
-                <a:latin typeface="National 2" panose="020B0504030502020203" pitchFamily="34" charset="77"/>
-              </a:rPr>
-              <a:t>for Fun and Profit</a:t>
-            </a:r>
-          </a:p>
-        </p:txBody>
-      </p:sp>
-      <p:sp>
-        <p:nvSpPr>
-          <p:cNvPr id="11" name="Text Placeholder 10"/>
-          <p:cNvSpPr>
-            <a:spLocks noGrp="1"/>
-          </p:cNvSpPr>
-          <p:nvPr>
-            <p:ph type="body" sz="quarter" idx="10"/>
-          </p:nvPr>
-        </p:nvSpPr>
-        <p:spPr>
-          <a:xfrm>
-            <a:off x="359010" y="4653034"/>
-            <a:ext cx="8176156" cy="1519166"/>
-          </a:xfrm>
-        </p:spPr>
-        <p:txBody>
-          <a:bodyPr>
-            <a:normAutofit/>
-          </a:bodyPr>
-          <a:lstStyle/>
-          <a:p>
-            <a:pPr>
-              <a:lnSpc>
-                <a:spcPct val="100000"/>
-              </a:lnSpc>
-              <a:spcBef>
-                <a:spcPts val="0"/>
-              </a:spcBef>
-              <a:spcAft>
-                <a:spcPts val="0"/>
-              </a:spcAft>
-            </a:pPr>
-            <a:r>
-              <a:rPr lang="en-AU" sz="3200" dirty="0"/>
-              <a:t>Simon Stone</a:t>
-            </a:r>
-          </a:p>
-          <a:p>
-            <a:pPr>
-              <a:lnSpc>
-                <a:spcPct val="100000"/>
-              </a:lnSpc>
-              <a:spcBef>
-                <a:spcPts val="0"/>
-              </a:spcBef>
-              <a:spcAft>
-                <a:spcPts val="0"/>
-              </a:spcAft>
-            </a:pPr>
-            <a:r>
-              <a:rPr lang="en-AU" sz="2800" i="1" dirty="0"/>
-              <a:t>Research Data Services</a:t>
-            </a:r>
-          </a:p>
-          <a:p>
-            <a:pPr>
-              <a:lnSpc>
-                <a:spcPct val="100000"/>
-              </a:lnSpc>
-              <a:spcBef>
-                <a:spcPts val="0"/>
-              </a:spcBef>
-              <a:spcAft>
-                <a:spcPts val="0"/>
-              </a:spcAft>
-            </a:pPr>
-            <a:r>
-              <a:rPr lang="en-AU" sz="2800" i="1" dirty="0"/>
-              <a:t>Dartmouth College</a:t>
-            </a:r>
-            <a:endParaRPr lang="en-AU" sz="3200" i="1" dirty="0"/>
-          </a:p>
-        </p:txBody>
-      </p:sp>
-      <p:sp>
-        <p:nvSpPr>
-          <p:cNvPr id="2" name="Text Placeholder 10">
-            <a:extLst>
-              <a:ext uri="{FF2B5EF4-FFF2-40B4-BE49-F238E27FC236}">
-                <a16:creationId xmlns:a16="http://schemas.microsoft.com/office/drawing/2014/main" id="{E1542F83-1431-A4F1-BAE7-7C73FFADD24E}"/>
-              </a:ext>
-            </a:extLst>
-          </p:cNvPr>
-          <p:cNvSpPr txBox="1">
-            <a:spLocks/>
-          </p:cNvSpPr>
-          <p:nvPr/>
-        </p:nvSpPr>
-        <p:spPr>
-          <a:xfrm>
-            <a:off x="359010" y="3776094"/>
-            <a:ext cx="10461390" cy="1219200"/>
-          </a:xfrm>
-          <a:prstGeom prst="rect">
-            <a:avLst/>
-          </a:prstGeom>
-        </p:spPr>
-        <p:txBody>
-          <a:bodyPr vert="horz" lIns="0" tIns="0" rIns="0" bIns="0" rtlCol="0">
-            <a:normAutofit/>
-          </a:bodyPr>
-          <a:lstStyle>
-            <a:lvl1pPr marL="0" indent="0" algn="l" defTabSz="642974" rtl="0" eaLnBrk="1" latinLnBrk="0" hangingPunct="1">
-              <a:lnSpc>
-                <a:spcPct val="120000"/>
-              </a:lnSpc>
-              <a:spcBef>
-                <a:spcPts val="600"/>
-              </a:spcBef>
-              <a:spcAft>
-                <a:spcPts val="600"/>
-              </a:spcAft>
-              <a:buClr>
-                <a:schemeClr val="accent1"/>
-              </a:buClr>
-              <a:buFont typeface="Arial" charset="0"/>
-              <a:buNone/>
-              <a:defRPr sz="4079" b="0" i="0" kern="1200">
-                <a:solidFill>
-                  <a:schemeClr val="bg1"/>
-                </a:solidFill>
-                <a:latin typeface="National 2" charset="0"/>
-                <a:ea typeface="National 2" charset="0"/>
-                <a:cs typeface="National 2" charset="0"/>
-              </a:defRPr>
-            </a:lvl1pPr>
-            <a:lvl2pPr marL="640080" indent="-228600" algn="l" defTabSz="642974" rtl="0" eaLnBrk="1" latinLnBrk="0" hangingPunct="1">
-              <a:lnSpc>
-                <a:spcPct val="120000"/>
-              </a:lnSpc>
-              <a:spcBef>
-                <a:spcPts val="600"/>
-              </a:spcBef>
-              <a:spcAft>
-                <a:spcPts val="600"/>
-              </a:spcAft>
-              <a:buClr>
-                <a:schemeClr val="accent1"/>
-              </a:buClr>
-              <a:buFont typeface="Arial" charset="0"/>
-              <a:buChar char="•"/>
-              <a:defRPr sz="1600" b="0" i="0" kern="1200">
-                <a:solidFill>
-                  <a:schemeClr val="accent1"/>
-                </a:solidFill>
-                <a:latin typeface="National 2" charset="0"/>
-                <a:ea typeface="National 2" charset="0"/>
-                <a:cs typeface="National 2" charset="0"/>
-              </a:defRPr>
-            </a:lvl2pPr>
-            <a:lvl3pPr marL="1097280" indent="-228600" algn="l" defTabSz="642974" rtl="0" eaLnBrk="1" latinLnBrk="0" hangingPunct="1">
-              <a:lnSpc>
-                <a:spcPct val="120000"/>
-              </a:lnSpc>
-              <a:spcBef>
-                <a:spcPts val="600"/>
-              </a:spcBef>
-              <a:spcAft>
-                <a:spcPts val="600"/>
-              </a:spcAft>
-              <a:buClr>
-                <a:schemeClr val="accent1"/>
-              </a:buClr>
-              <a:buFont typeface="Arial" charset="0"/>
-              <a:buChar char="•"/>
-              <a:defRPr sz="1600" b="0" i="0" kern="1200">
-                <a:solidFill>
-                  <a:schemeClr val="accent1"/>
-                </a:solidFill>
-                <a:latin typeface="National 2" charset="0"/>
-                <a:ea typeface="National 2" charset="0"/>
-                <a:cs typeface="National 2" charset="0"/>
-              </a:defRPr>
-            </a:lvl3pPr>
-            <a:lvl4pPr marL="1554480" indent="-228600" algn="l" defTabSz="642974" rtl="0" eaLnBrk="1" latinLnBrk="0" hangingPunct="1">
-              <a:lnSpc>
-                <a:spcPct val="120000"/>
-              </a:lnSpc>
-              <a:spcBef>
-                <a:spcPts val="600"/>
-              </a:spcBef>
-              <a:spcAft>
-                <a:spcPts val="600"/>
-              </a:spcAft>
-              <a:buClr>
-                <a:schemeClr val="accent1"/>
-              </a:buClr>
-              <a:buFont typeface="Arial" charset="0"/>
-              <a:buChar char="•"/>
-              <a:defRPr sz="1600" b="0" i="0" kern="1200" baseline="0">
-                <a:solidFill>
-                  <a:schemeClr val="accent1"/>
-                </a:solidFill>
-                <a:latin typeface="National 2" charset="0"/>
-                <a:ea typeface="National 2" charset="0"/>
-                <a:cs typeface="National 2" charset="0"/>
-              </a:defRPr>
-            </a:lvl4pPr>
-            <a:lvl5pPr marL="2011680" indent="-285750" algn="l" defTabSz="642974" rtl="0" eaLnBrk="1" latinLnBrk="0" hangingPunct="1">
-              <a:spcBef>
-                <a:spcPts val="422"/>
-              </a:spcBef>
-              <a:spcAft>
-                <a:spcPts val="211"/>
-              </a:spcAft>
-              <a:buClr>
-                <a:schemeClr val="accent1"/>
-              </a:buClr>
-              <a:buFont typeface="Arial" charset="0"/>
-              <a:buChar char="•"/>
-              <a:defRPr sz="1406" b="0" i="0" kern="1200" baseline="0">
-                <a:solidFill>
-                  <a:schemeClr val="accent1"/>
-                </a:solidFill>
-                <a:latin typeface="National 2" charset="0"/>
-                <a:ea typeface="National 2" charset="0"/>
-                <a:cs typeface="National 2" charset="0"/>
-              </a:defRPr>
-            </a:lvl5pPr>
-            <a:lvl6pPr marL="2468880" indent="-228600" algn="l" defTabSz="642974" rtl="0" eaLnBrk="1" latinLnBrk="0" hangingPunct="1">
-              <a:lnSpc>
-                <a:spcPct val="120000"/>
-              </a:lnSpc>
-              <a:spcBef>
-                <a:spcPts val="600"/>
-              </a:spcBef>
-              <a:spcAft>
-                <a:spcPts val="600"/>
-              </a:spcAft>
-              <a:buFont typeface="Arial" pitchFamily="34" charset="0"/>
-              <a:buChar char="•"/>
-              <a:defRPr sz="1406" kern="1200" baseline="0">
-                <a:solidFill>
-                  <a:schemeClr val="accent1"/>
-                </a:solidFill>
-                <a:latin typeface="+mn-lt"/>
-                <a:ea typeface="+mn-ea"/>
-                <a:cs typeface="+mn-cs"/>
-              </a:defRPr>
-            </a:lvl6pPr>
-            <a:lvl7pPr marL="2089666" indent="-160744" algn="l" defTabSz="642974" rtl="0" eaLnBrk="1" latinLnBrk="0" hangingPunct="1">
-              <a:spcBef>
-                <a:spcPct val="20000"/>
-              </a:spcBef>
-              <a:buFont typeface="Arial" pitchFamily="34" charset="0"/>
-              <a:buChar char="•"/>
-              <a:defRPr sz="1406" kern="1200">
-                <a:solidFill>
-                  <a:schemeClr val="tx1"/>
-                </a:solidFill>
-                <a:latin typeface="+mn-lt"/>
-                <a:ea typeface="+mn-ea"/>
-                <a:cs typeface="+mn-cs"/>
-              </a:defRPr>
-            </a:lvl7pPr>
-            <a:lvl8pPr marL="2411153" indent="-160744" algn="l" defTabSz="642974" rtl="0" eaLnBrk="1" latinLnBrk="0" hangingPunct="1">
-              <a:spcBef>
-                <a:spcPct val="20000"/>
-              </a:spcBef>
-              <a:buFont typeface="Arial" pitchFamily="34" charset="0"/>
-              <a:buChar char="•"/>
-              <a:defRPr sz="1406" kern="1200">
-                <a:solidFill>
-                  <a:schemeClr val="tx1"/>
-                </a:solidFill>
-                <a:latin typeface="+mn-lt"/>
-                <a:ea typeface="+mn-ea"/>
-                <a:cs typeface="+mn-cs"/>
-              </a:defRPr>
-            </a:lvl8pPr>
-            <a:lvl9pPr marL="2732640" indent="-160744" algn="l" defTabSz="642974" rtl="0" eaLnBrk="1" latinLnBrk="0" hangingPunct="1">
-              <a:spcBef>
-                <a:spcPct val="20000"/>
-              </a:spcBef>
-              <a:buFont typeface="Arial" pitchFamily="34" charset="0"/>
-              <a:buChar char="•"/>
-              <a:defRPr sz="1406" kern="1200">
-                <a:solidFill>
-                  <a:schemeClr val="tx1"/>
-                </a:solidFill>
-                <a:latin typeface="+mn-lt"/>
-                <a:ea typeface="+mn-ea"/>
-                <a:cs typeface="+mn-cs"/>
-              </a:defRPr>
-            </a:lvl9pPr>
-          </a:lstStyle>
-          <a:p>
-            <a:r>
-              <a:rPr lang="en-AU" dirty="0"/>
-              <a:t>A Reproducible Research Workshop</a:t>
-            </a:r>
-          </a:p>
-        </p:txBody>
-      </p:sp>
-      <p:pic>
-        <p:nvPicPr>
-          <p:cNvPr id="16" name="Picture 15" descr="Logo, company name&#10;&#10;Description automatically generated">
-            <a:extLst>
-              <a:ext uri="{FF2B5EF4-FFF2-40B4-BE49-F238E27FC236}">
-                <a16:creationId xmlns:a16="http://schemas.microsoft.com/office/drawing/2014/main" id="{A3644AC0-49F1-6100-6FE1-457D4E0C66F4}"/>
-              </a:ext>
-            </a:extLst>
-          </p:cNvPr>
-          <p:cNvPicPr>
-            <a:picLocks noChangeAspect="1"/>
-          </p:cNvPicPr>
-          <p:nvPr/>
-        </p:nvPicPr>
-        <p:blipFill>
-          <a:blip r:embed="rId2"/>
-          <a:stretch>
-            <a:fillRect/>
-          </a:stretch>
-        </p:blipFill>
-        <p:spPr>
-          <a:xfrm>
-            <a:off x="10108433" y="4724400"/>
-            <a:ext cx="2219325" cy="2219325"/>
-          </a:xfrm>
-          <a:prstGeom prst="rect">
-            <a:avLst/>
-          </a:prstGeom>
-        </p:spPr>
-      </p:pic>
-      <p:sp>
-        <p:nvSpPr>
-          <p:cNvPr id="8" name="Slide Number Placeholder 7">
-            <a:extLst>
-              <a:ext uri="{FF2B5EF4-FFF2-40B4-BE49-F238E27FC236}">
-                <a16:creationId xmlns:a16="http://schemas.microsoft.com/office/drawing/2014/main" id="{E42EE419-3E1C-288D-5C6F-4343FE7E2473}"/>
-              </a:ext>
-            </a:extLst>
-          </p:cNvPr>
-          <p:cNvSpPr>
-            <a:spLocks noGrp="1"/>
-          </p:cNvSpPr>
-          <p:nvPr>
-            <p:ph type="sldNum" sz="quarter" idx="12"/>
-          </p:nvPr>
-        </p:nvSpPr>
-        <p:spPr/>
-        <p:txBody>
-          <a:bodyPr/>
-          <a:lstStyle/>
-          <a:p>
-            <a:fld id="{E917DE0E-AFB1-41FD-BC35-27DB61CA125F}" type="slidenum">
-              <a:rPr lang="en-AU" smtClean="0"/>
-              <a:pPr/>
-              <a:t>2</a:t>
-            </a:fld>
-            <a:endParaRPr lang="en-AU" dirty="0"/>
-          </a:p>
-        </p:txBody>
-      </p:sp>
-    </p:spTree>
-    <p:extLst>
-      <p:ext uri="{BB962C8B-B14F-4D97-AF65-F5344CB8AC3E}">
-        <p14:creationId xmlns:p14="http://schemas.microsoft.com/office/powerpoint/2010/main" val="2934808045"/>
-      </p:ext>
-    </p:extLst>
-  </p:cSld>
-  <p:clrMapOvr>
-    <a:masterClrMapping/>
-  </p:clrMapOvr>
-  <mc:AlternateContent xmlns:mc="http://schemas.openxmlformats.org/markup-compatibility/2006" xmlns:p14="http://schemas.microsoft.com/office/powerpoint/2010/main">
-    <mc:Choice Requires="p14">
-      <p:transition spd="med" p14:dur="700">
-        <p:fade/>
-      </p:transition>
-    </mc:Choice>
-    <mc:Fallback xmlns="">
-      <p:transition spd="med">
-        <p:fade/>
-      </p:transition>
-    </mc:Fallback>
-  </mc:AlternateContent>
-</p:sld>
-</file>
-
-<file path=ppt/slides/slide3.xml><?xml version="1.0" encoding="utf-8"?>
-<p:sld xmlns:a="http://schemas.openxmlformats.org/drawingml/2006/main" xmlns:r="http://schemas.openxmlformats.org/officeDocument/2006/relationships" xmlns:p="http://schemas.openxmlformats.org/presentationml/2006/main">
-  <p:cSld>
-    <p:spTree>
-      <p:nvGrpSpPr>
-        <p:cNvPr id="1" name=""/>
-        <p:cNvGrpSpPr/>
-        <p:nvPr/>
-      </p:nvGrpSpPr>
-      <p:grpSpPr>
-        <a:xfrm>
-          <a:off x="0" y="0"/>
-          <a:ext cx="0" cy="0"/>
-          <a:chOff x="0" y="0"/>
-          <a:chExt cx="0" cy="0"/>
-        </a:xfrm>
-      </p:grpSpPr>
-      <p:sp>
-        <p:nvSpPr>
-          <p:cNvPr id="7" name="Content Placeholder 6">
-            <a:extLst>
-              <a:ext uri="{FF2B5EF4-FFF2-40B4-BE49-F238E27FC236}">
-                <a16:creationId xmlns:a16="http://schemas.microsoft.com/office/drawing/2014/main" id="{8CDD89B0-BE2F-C1D6-B084-9A89548D6294}"/>
-              </a:ext>
-            </a:extLst>
-          </p:cNvPr>
-          <p:cNvSpPr>
-            <a:spLocks noGrp="1"/>
-          </p:cNvSpPr>
-          <p:nvPr>
-            <p:ph sz="quarter" idx="11"/>
-          </p:nvPr>
-        </p:nvSpPr>
-        <p:spPr/>
-        <p:txBody>
-          <a:bodyPr>
-            <a:normAutofit fontScale="92500" lnSpcReduction="20000"/>
-          </a:bodyPr>
-          <a:lstStyle/>
-          <a:p>
-            <a:pPr marL="285750" indent="-285750" fontAlgn="base">
-              <a:spcBef>
-                <a:spcPts val="0"/>
-              </a:spcBef>
-              <a:spcAft>
-                <a:spcPts val="1200"/>
-              </a:spcAft>
-            </a:pPr>
-            <a:r>
-              <a:rPr lang="en-US" sz="1800" b="0" i="0" u="none" strike="noStrike" dirty="0">
-                <a:solidFill>
-                  <a:schemeClr val="accent6">
-                    <a:lumMod val="50000"/>
-                  </a:schemeClr>
-                </a:solidFill>
-                <a:effectLst/>
-                <a:latin typeface="National 2" panose="020B0504030502020203" pitchFamily="34" charset="77"/>
-              </a:rPr>
-              <a:t>Joint venture of </a:t>
-            </a:r>
-            <a:r>
-              <a:rPr lang="en-US" sz="1800" u="none" strike="noStrike" dirty="0">
-                <a:effectLst/>
-                <a:latin typeface="National 2 Medium" panose="020B0504030502020203" pitchFamily="34" charset="77"/>
-              </a:rPr>
-              <a:t>Research Computing @ ITC</a:t>
-            </a:r>
-            <a:r>
-              <a:rPr lang="en-US" sz="1800" b="0" i="0" u="none" strike="noStrike" dirty="0">
-                <a:effectLst/>
-                <a:latin typeface="National 2" panose="020B0504030502020203" pitchFamily="34" charset="77"/>
-              </a:rPr>
-              <a:t> </a:t>
-            </a:r>
-            <a:r>
-              <a:rPr lang="en-US" sz="1800" dirty="0">
-                <a:solidFill>
-                  <a:schemeClr val="accent6">
-                    <a:lumMod val="50000"/>
-                  </a:schemeClr>
-                </a:solidFill>
-                <a:latin typeface="National 2" panose="020B0504030502020203" pitchFamily="34" charset="77"/>
-              </a:rPr>
-              <a:t>and</a:t>
-            </a:r>
-            <a:r>
-              <a:rPr lang="en-US" sz="1800" b="0" i="0" u="none" strike="noStrike" dirty="0">
-                <a:effectLst/>
-                <a:latin typeface="National 2" panose="020B0504030502020203" pitchFamily="34" charset="77"/>
-              </a:rPr>
-              <a:t> </a:t>
-            </a:r>
-            <a:r>
-              <a:rPr lang="en-US" sz="1800" dirty="0">
-                <a:latin typeface="National 2 Medium" panose="020B0504030502020203" pitchFamily="34" charset="77"/>
-              </a:rPr>
-              <a:t>Research Data Services @ Library</a:t>
-            </a:r>
-          </a:p>
-          <a:p>
-            <a:pPr marL="285750" indent="-285750" fontAlgn="base">
-              <a:spcBef>
-                <a:spcPts val="0"/>
-              </a:spcBef>
-              <a:spcAft>
-                <a:spcPts val="1200"/>
-              </a:spcAft>
-            </a:pPr>
-            <a:r>
-              <a:rPr lang="en-US" sz="1800" dirty="0">
-                <a:solidFill>
-                  <a:schemeClr val="accent6">
-                    <a:lumMod val="50000"/>
-                  </a:schemeClr>
-                </a:solidFill>
-                <a:latin typeface="National 2" panose="020B0504030502020203" pitchFamily="34" charset="77"/>
-              </a:rPr>
-              <a:t>Consult with </a:t>
-            </a:r>
-            <a:r>
-              <a:rPr lang="en-US" sz="1800" dirty="0">
-                <a:latin typeface="National 2 Medium" panose="020B0504030502020203" pitchFamily="34" charset="77"/>
-              </a:rPr>
-              <a:t>experts</a:t>
-            </a:r>
-            <a:r>
-              <a:rPr lang="en-US" sz="1800" b="0" i="0" u="none" strike="noStrike" dirty="0">
-                <a:effectLst/>
-                <a:latin typeface="National 2" panose="020B0504030502020203" pitchFamily="34" charset="77"/>
-              </a:rPr>
-              <a:t> </a:t>
-            </a:r>
-            <a:r>
-              <a:rPr lang="en-US" sz="1800" dirty="0">
-                <a:solidFill>
-                  <a:schemeClr val="accent6">
-                    <a:lumMod val="50000"/>
-                  </a:schemeClr>
-                </a:solidFill>
-                <a:latin typeface="National 2" panose="020B0504030502020203" pitchFamily="34" charset="77"/>
-              </a:rPr>
-              <a:t>on</a:t>
-            </a:r>
-            <a:r>
-              <a:rPr lang="en-US" sz="1800" b="0" i="0" u="none" strike="noStrike" dirty="0">
-                <a:effectLst/>
-                <a:latin typeface="National 2" panose="020B0504030502020203" pitchFamily="34" charset="77"/>
-              </a:rPr>
-              <a:t> </a:t>
-            </a:r>
-          </a:p>
-          <a:p>
-            <a:pPr marL="742950" lvl="1" indent="-285750" fontAlgn="base">
-              <a:spcBef>
-                <a:spcPts val="0"/>
-              </a:spcBef>
-            </a:pPr>
-            <a:r>
-              <a:rPr lang="en-US" sz="1400" b="0" i="0" u="none" strike="noStrike" dirty="0">
-                <a:effectLst/>
-                <a:latin typeface="National 2" panose="020B0504030502020203" pitchFamily="34" charset="77"/>
-              </a:rPr>
-              <a:t>research data management, </a:t>
-            </a:r>
-          </a:p>
-          <a:p>
-            <a:pPr marL="742950" lvl="1" indent="-285750" fontAlgn="base">
-              <a:spcBef>
-                <a:spcPts val="0"/>
-              </a:spcBef>
-            </a:pPr>
-            <a:r>
-              <a:rPr lang="en-US" sz="1400" b="0" i="0" u="none" strike="noStrike" dirty="0">
-                <a:effectLst/>
-                <a:latin typeface="National 2" panose="020B0504030502020203" pitchFamily="34" charset="77"/>
-              </a:rPr>
-              <a:t>data visualization, </a:t>
-            </a:r>
-          </a:p>
-          <a:p>
-            <a:pPr marL="742950" lvl="1" indent="-285750" fontAlgn="base">
-              <a:spcBef>
-                <a:spcPts val="0"/>
-              </a:spcBef>
-            </a:pPr>
-            <a:r>
-              <a:rPr lang="en-US" sz="1400" b="0" i="0" u="none" strike="noStrike" dirty="0">
-                <a:effectLst/>
-                <a:latin typeface="National 2" panose="020B0504030502020203" pitchFamily="34" charset="77"/>
-              </a:rPr>
-              <a:t>biomedical research support, </a:t>
-            </a:r>
-          </a:p>
-          <a:p>
-            <a:pPr marL="742950" lvl="1" indent="-285750" fontAlgn="base">
-              <a:spcBef>
-                <a:spcPts val="0"/>
-              </a:spcBef>
-            </a:pPr>
-            <a:r>
-              <a:rPr lang="en-US" sz="1400" b="0" i="0" u="none" strike="noStrike" dirty="0">
-                <a:effectLst/>
-                <a:latin typeface="National 2" panose="020B0504030502020203" pitchFamily="34" charset="77"/>
-              </a:rPr>
-              <a:t>spatial data and GIS, </a:t>
-            </a:r>
-          </a:p>
-          <a:p>
-            <a:pPr marL="742950" lvl="1" indent="-285750" fontAlgn="base">
-              <a:spcBef>
-                <a:spcPts val="0"/>
-              </a:spcBef>
-            </a:pPr>
-            <a:r>
-              <a:rPr lang="en-US" sz="1400" b="0" i="0" u="none" strike="noStrike" dirty="0">
-                <a:effectLst/>
-                <a:latin typeface="National 2" panose="020B0504030502020203" pitchFamily="34" charset="77"/>
-              </a:rPr>
-              <a:t>high performance and research computing, </a:t>
-            </a:r>
-          </a:p>
-          <a:p>
-            <a:pPr marL="742950" lvl="1" indent="-285750" fontAlgn="base">
-              <a:spcBef>
-                <a:spcPts val="0"/>
-              </a:spcBef>
-            </a:pPr>
-            <a:r>
-              <a:rPr lang="en-US" sz="1400" b="0" i="0" u="none" strike="noStrike" dirty="0">
-                <a:effectLst/>
-                <a:latin typeface="National 2" panose="020B0504030502020203" pitchFamily="34" charset="77"/>
-              </a:rPr>
-              <a:t>statistical analysis, </a:t>
-            </a:r>
-            <a:endParaRPr lang="en-US" sz="1400" dirty="0">
-              <a:latin typeface="National 2" panose="020B0504030502020203" pitchFamily="34" charset="77"/>
-            </a:endParaRPr>
-          </a:p>
-          <a:p>
-            <a:pPr marL="742950" lvl="1" indent="-285750" fontAlgn="base">
-              <a:spcBef>
-                <a:spcPts val="0"/>
-              </a:spcBef>
-            </a:pPr>
-            <a:r>
-              <a:rPr lang="en-US" sz="1400" b="0" i="0" u="none" strike="noStrike" dirty="0">
-                <a:effectLst/>
-                <a:latin typeface="National 2" panose="020B0504030502020203" pitchFamily="34" charset="77"/>
-              </a:rPr>
-              <a:t>economics and social sciences data</a:t>
-            </a:r>
-          </a:p>
-          <a:p>
-            <a:pPr marL="285750" indent="-285750" fontAlgn="base">
-              <a:spcBef>
-                <a:spcPts val="0"/>
-              </a:spcBef>
-              <a:spcAft>
-                <a:spcPts val="1200"/>
-              </a:spcAft>
-            </a:pPr>
-            <a:r>
-              <a:rPr lang="en-US" sz="1800" dirty="0">
-                <a:latin typeface="National 2 Medium" panose="020B0504030502020203" pitchFamily="34" charset="77"/>
-              </a:rPr>
-              <a:t>Meet</a:t>
-            </a:r>
-            <a:r>
-              <a:rPr lang="en-US" sz="1800" b="0" i="0" u="none" strike="noStrike" dirty="0">
-                <a:effectLst/>
-                <a:latin typeface="National 2" panose="020B0504030502020203" pitchFamily="34" charset="77"/>
-              </a:rPr>
-              <a:t> </a:t>
-            </a:r>
-            <a:r>
-              <a:rPr lang="en-US" sz="1800" dirty="0">
-                <a:solidFill>
-                  <a:schemeClr val="accent6">
-                    <a:lumMod val="50000"/>
-                  </a:schemeClr>
-                </a:solidFill>
-                <a:latin typeface="National 2" panose="020B0504030502020203" pitchFamily="34" charset="77"/>
-              </a:rPr>
-              <a:t>the people on campus that support your reproducible research lifecycle </a:t>
-            </a:r>
-          </a:p>
-          <a:p>
-            <a:pPr marL="285750" indent="-285750" fontAlgn="base">
-              <a:spcBef>
-                <a:spcPts val="0"/>
-              </a:spcBef>
-              <a:spcAft>
-                <a:spcPts val="1200"/>
-              </a:spcAft>
-            </a:pPr>
-            <a:r>
-              <a:rPr lang="en-US" sz="1800" dirty="0">
-                <a:latin typeface="National 2 Medium" panose="020B0504030502020203" pitchFamily="34" charset="77"/>
-              </a:rPr>
-              <a:t>Engage</a:t>
-            </a:r>
-            <a:r>
-              <a:rPr lang="en-US" sz="1800" b="0" i="0" u="none" strike="noStrike" dirty="0">
-                <a:effectLst/>
-                <a:latin typeface="National 2" panose="020B0504030502020203" pitchFamily="34" charset="77"/>
-              </a:rPr>
-              <a:t> </a:t>
-            </a:r>
-            <a:r>
-              <a:rPr lang="en-US" sz="1800" dirty="0">
-                <a:solidFill>
-                  <a:schemeClr val="accent6">
-                    <a:lumMod val="50000"/>
-                  </a:schemeClr>
-                </a:solidFill>
-                <a:latin typeface="National 2" panose="020B0504030502020203" pitchFamily="34" charset="77"/>
-              </a:rPr>
-              <a:t>in community discussions to learn from other researchers on campus </a:t>
-            </a:r>
-          </a:p>
-          <a:p>
-            <a:pPr marL="285750" indent="-285750" fontAlgn="base">
-              <a:spcBef>
-                <a:spcPts val="0"/>
-              </a:spcBef>
-              <a:spcAft>
-                <a:spcPts val="1200"/>
-              </a:spcAft>
-            </a:pPr>
-            <a:r>
-              <a:rPr lang="en-US" sz="1800" dirty="0">
-                <a:solidFill>
-                  <a:schemeClr val="accent6">
-                    <a:lumMod val="50000"/>
-                  </a:schemeClr>
-                </a:solidFill>
-                <a:latin typeface="National 2" panose="020B0504030502020203" pitchFamily="34" charset="77"/>
-              </a:rPr>
-              <a:t>Attend a workshop to </a:t>
-            </a:r>
-            <a:r>
-              <a:rPr lang="en-US" sz="1800" dirty="0">
-                <a:latin typeface="National 2 Medium" panose="020B0504030502020203" pitchFamily="34" charset="77"/>
-              </a:rPr>
-              <a:t>learn</a:t>
-            </a:r>
-            <a:r>
-              <a:rPr lang="en-US" sz="1800" b="0" i="0" u="none" strike="noStrike" dirty="0">
-                <a:effectLst/>
-                <a:latin typeface="National 2" panose="020B0504030502020203" pitchFamily="34" charset="77"/>
-              </a:rPr>
-              <a:t> </a:t>
-            </a:r>
-            <a:r>
-              <a:rPr lang="en-US" sz="1800" dirty="0">
-                <a:solidFill>
-                  <a:schemeClr val="accent6">
-                    <a:lumMod val="50000"/>
-                  </a:schemeClr>
-                </a:solidFill>
-                <a:latin typeface="National 2" panose="020B0504030502020203" pitchFamily="34" charset="77"/>
-              </a:rPr>
-              <a:t>practical tools and tips</a:t>
-            </a:r>
-          </a:p>
-          <a:p>
-            <a:pPr marL="457200" indent="-457200"/>
-            <a:endParaRPr lang="en-US" dirty="0"/>
-          </a:p>
-        </p:txBody>
-      </p:sp>
-      <p:sp>
-        <p:nvSpPr>
-          <p:cNvPr id="6" name="Title 5">
-            <a:extLst>
-              <a:ext uri="{FF2B5EF4-FFF2-40B4-BE49-F238E27FC236}">
-                <a16:creationId xmlns:a16="http://schemas.microsoft.com/office/drawing/2014/main" id="{33EFAAFE-F299-CB01-B265-4390886E4CBE}"/>
-              </a:ext>
-            </a:extLst>
-          </p:cNvPr>
-          <p:cNvSpPr>
-            <a:spLocks noGrp="1"/>
-          </p:cNvSpPr>
-          <p:nvPr>
-            <p:ph type="title"/>
-          </p:nvPr>
-        </p:nvSpPr>
-        <p:spPr/>
-        <p:txBody>
-          <a:bodyPr/>
-          <a:lstStyle/>
-          <a:p>
-            <a:r>
-              <a:rPr lang="en-US" dirty="0"/>
-              <a:t>About the Reproducible Research Group</a:t>
-            </a:r>
-          </a:p>
-        </p:txBody>
-      </p:sp>
-      <p:sp>
-        <p:nvSpPr>
-          <p:cNvPr id="4" name="Footer Placeholder 3">
-            <a:extLst>
-              <a:ext uri="{FF2B5EF4-FFF2-40B4-BE49-F238E27FC236}">
-                <a16:creationId xmlns:a16="http://schemas.microsoft.com/office/drawing/2014/main" id="{DBAA4C2E-4DDD-7236-8DAA-2512FC40C00E}"/>
-              </a:ext>
-            </a:extLst>
-          </p:cNvPr>
-          <p:cNvSpPr>
-            <a:spLocks noGrp="1"/>
-          </p:cNvSpPr>
-          <p:nvPr>
-            <p:ph type="ftr" sz="quarter" idx="12"/>
-          </p:nvPr>
-        </p:nvSpPr>
-        <p:spPr/>
-        <p:txBody>
-          <a:bodyPr/>
-          <a:lstStyle/>
-          <a:p>
-            <a:r>
-              <a:rPr lang="en-AU"/>
-              <a:t>Classy Code</a:t>
-            </a:r>
-            <a:endParaRPr lang="en-AU" dirty="0"/>
-          </a:p>
-        </p:txBody>
-      </p:sp>
-      <p:sp>
-        <p:nvSpPr>
-          <p:cNvPr id="5" name="Slide Number Placeholder 4">
-            <a:extLst>
-              <a:ext uri="{FF2B5EF4-FFF2-40B4-BE49-F238E27FC236}">
-                <a16:creationId xmlns:a16="http://schemas.microsoft.com/office/drawing/2014/main" id="{35607D80-341E-529D-1DC0-0DD6E6F69FA0}"/>
-              </a:ext>
-            </a:extLst>
-          </p:cNvPr>
-          <p:cNvSpPr>
-            <a:spLocks noGrp="1"/>
-          </p:cNvSpPr>
-          <p:nvPr>
-            <p:ph type="sldNum" sz="quarter" idx="13"/>
-          </p:nvPr>
-        </p:nvSpPr>
-        <p:spPr/>
-        <p:txBody>
-          <a:bodyPr/>
-          <a:lstStyle/>
-          <a:p>
-            <a:fld id="{E917DE0E-AFB1-41FD-BC35-27DB61CA125F}" type="slidenum">
-              <a:rPr lang="en-AU" smtClean="0"/>
-              <a:pPr/>
-              <a:t>3</a:t>
-            </a:fld>
-            <a:endParaRPr lang="en-AU" dirty="0"/>
-          </a:p>
-        </p:txBody>
-      </p:sp>
-    </p:spTree>
-    <p:extLst>
-      <p:ext uri="{BB962C8B-B14F-4D97-AF65-F5344CB8AC3E}">
-        <p14:creationId xmlns:p14="http://schemas.microsoft.com/office/powerpoint/2010/main" val="4159471641"/>
-      </p:ext>
-    </p:extLst>
-  </p:cSld>
-  <p:clrMapOvr>
-    <a:masterClrMapping/>
-  </p:clrMapOvr>
-  <p:transition spd="slow">
-    <p:push dir="u"/>
-  </p:transition>
-</p:sld>
-</file>
-
-<file path=ppt/slides/slide4.xml><?xml version="1.0" encoding="utf-8"?>
-<p:sld xmlns:a="http://schemas.openxmlformats.org/drawingml/2006/main" xmlns:r="http://schemas.openxmlformats.org/officeDocument/2006/relationships" xmlns:p="http://schemas.openxmlformats.org/presentationml/2006/main">
-  <p:cSld>
-    <p:spTree>
-      <p:nvGrpSpPr>
-        <p:cNvPr id="1" name=""/>
-        <p:cNvGrpSpPr/>
-        <p:nvPr/>
-      </p:nvGrpSpPr>
-      <p:grpSpPr>
-        <a:xfrm>
-          <a:off x="0" y="0"/>
-          <a:ext cx="0" cy="0"/>
-          <a:chOff x="0" y="0"/>
-          <a:chExt cx="0" cy="0"/>
-        </a:xfrm>
-      </p:grpSpPr>
-      <p:sp>
-        <p:nvSpPr>
-          <p:cNvPr id="11" name="Content Placeholder 10">
-            <a:extLst>
-              <a:ext uri="{FF2B5EF4-FFF2-40B4-BE49-F238E27FC236}">
-                <a16:creationId xmlns:a16="http://schemas.microsoft.com/office/drawing/2014/main" id="{D7A48A0D-ACDA-1B72-26D2-CA576390F862}"/>
-              </a:ext>
-            </a:extLst>
-          </p:cNvPr>
-          <p:cNvSpPr>
-            <a:spLocks noGrp="1"/>
-          </p:cNvSpPr>
-          <p:nvPr>
-            <p:ph sz="half" idx="1"/>
-          </p:nvPr>
-        </p:nvSpPr>
-        <p:spPr>
-          <a:xfrm>
-            <a:off x="336425" y="2365635"/>
-            <a:ext cx="3657603" cy="4127304"/>
-          </a:xfrm>
-        </p:spPr>
-        <p:txBody>
-          <a:bodyPr/>
-          <a:lstStyle/>
-          <a:p>
-            <a:pPr marL="0" indent="0">
-              <a:buNone/>
-            </a:pPr>
-            <a:r>
-              <a:rPr lang="en-US" dirty="0">
-                <a:latin typeface="National 2 Medium" panose="020B0504030502020203" pitchFamily="34" charset="77"/>
-              </a:rPr>
-              <a:t>Research Data Management</a:t>
-            </a:r>
-          </a:p>
-          <a:p>
-            <a:pPr marL="0" indent="0">
-              <a:buNone/>
-            </a:pPr>
-            <a:r>
-              <a:rPr lang="en-US" dirty="0"/>
-              <a:t>Data Management Plans (DMPs) for sponsored projects</a:t>
-            </a:r>
-          </a:p>
-          <a:p>
-            <a:pPr marL="0" indent="0">
-              <a:buNone/>
-            </a:pPr>
-            <a:r>
-              <a:rPr lang="en-US" dirty="0"/>
-              <a:t>Finding and using 3rd party data</a:t>
-            </a:r>
-          </a:p>
-          <a:p>
-            <a:pPr marL="0" indent="0">
-              <a:buNone/>
-            </a:pPr>
-            <a:r>
-              <a:rPr lang="en-US" dirty="0"/>
-              <a:t>Collection and cleaning of data</a:t>
-            </a:r>
-          </a:p>
-          <a:p>
-            <a:pPr marL="0" indent="0">
-              <a:buNone/>
-            </a:pPr>
-            <a:r>
-              <a:rPr lang="en-US" dirty="0"/>
-              <a:t>Organization and documentation</a:t>
-            </a:r>
-          </a:p>
-          <a:p>
-            <a:pPr marL="0" indent="0">
-              <a:buNone/>
-            </a:pPr>
-            <a:r>
-              <a:rPr lang="en-US" dirty="0"/>
-              <a:t>Publishing and Repositories</a:t>
-            </a:r>
-            <a:br>
-              <a:rPr lang="en-US" dirty="0"/>
-            </a:br>
-            <a:endParaRPr lang="en-US" dirty="0"/>
-          </a:p>
-        </p:txBody>
-      </p:sp>
-      <p:sp>
-        <p:nvSpPr>
-          <p:cNvPr id="12" name="Content Placeholder 11">
-            <a:extLst>
-              <a:ext uri="{FF2B5EF4-FFF2-40B4-BE49-F238E27FC236}">
-                <a16:creationId xmlns:a16="http://schemas.microsoft.com/office/drawing/2014/main" id="{8255FF06-2CB5-C4D0-4260-EA6C29511D38}"/>
-              </a:ext>
-            </a:extLst>
-          </p:cNvPr>
-          <p:cNvSpPr>
-            <a:spLocks noGrp="1"/>
-          </p:cNvSpPr>
-          <p:nvPr>
-            <p:ph sz="half" idx="2"/>
-          </p:nvPr>
-        </p:nvSpPr>
-        <p:spPr>
-          <a:xfrm>
-            <a:off x="8229597" y="2365635"/>
-            <a:ext cx="3657603" cy="4127304"/>
-          </a:xfrm>
-        </p:spPr>
-        <p:txBody>
-          <a:bodyPr>
-            <a:normAutofit/>
-          </a:bodyPr>
-          <a:lstStyle/>
-          <a:p>
-            <a:pPr marL="0" indent="0">
-              <a:buNone/>
-            </a:pPr>
-            <a:r>
-              <a:rPr lang="en-US" dirty="0">
-                <a:latin typeface="National 2 Medium" panose="020B0504030502020203" pitchFamily="34" charset="77"/>
-              </a:rPr>
-              <a:t>Computational Scholarship</a:t>
-            </a:r>
-          </a:p>
-          <a:p>
-            <a:pPr marL="0" indent="0">
-              <a:buNone/>
-            </a:pPr>
-            <a:r>
-              <a:rPr lang="en-US" dirty="0"/>
-              <a:t>Computational project planning </a:t>
-            </a:r>
-          </a:p>
-          <a:p>
-            <a:pPr marL="0" indent="0">
-              <a:buNone/>
-            </a:pPr>
-            <a:r>
-              <a:rPr lang="en-US" dirty="0"/>
-              <a:t>Collections as Data</a:t>
-            </a:r>
-          </a:p>
-          <a:p>
-            <a:pPr marL="0" indent="0">
-              <a:buNone/>
-            </a:pPr>
-            <a:r>
-              <a:rPr lang="en-US" dirty="0"/>
-              <a:t>Storytelling with data and visualizations</a:t>
-            </a:r>
-          </a:p>
-          <a:p>
-            <a:pPr marL="0" indent="0">
-              <a:buNone/>
-            </a:pPr>
-            <a:r>
-              <a:rPr lang="en-US" dirty="0"/>
-              <a:t>Text and data mining</a:t>
-            </a:r>
-          </a:p>
-          <a:p>
-            <a:pPr marL="0" indent="0">
-              <a:buNone/>
-            </a:pPr>
-            <a:r>
-              <a:rPr lang="en-US" dirty="0"/>
-              <a:t>Digital Humanities support</a:t>
-            </a:r>
-          </a:p>
-          <a:p>
-            <a:pPr marL="0" indent="0">
-              <a:buNone/>
-            </a:pPr>
-            <a:r>
-              <a:rPr lang="en-US" dirty="0"/>
-              <a:t>Computational Pedagogy</a:t>
-            </a:r>
-          </a:p>
-        </p:txBody>
-      </p:sp>
-      <p:sp>
-        <p:nvSpPr>
-          <p:cNvPr id="10" name="Title 9">
-            <a:extLst>
-              <a:ext uri="{FF2B5EF4-FFF2-40B4-BE49-F238E27FC236}">
-                <a16:creationId xmlns:a16="http://schemas.microsoft.com/office/drawing/2014/main" id="{EA868607-AE9B-8ED1-AC68-AFCE637BED33}"/>
-              </a:ext>
-            </a:extLst>
-          </p:cNvPr>
-          <p:cNvSpPr>
-            <a:spLocks noGrp="1"/>
-          </p:cNvSpPr>
-          <p:nvPr>
-            <p:ph type="title"/>
-          </p:nvPr>
-        </p:nvSpPr>
-        <p:spPr/>
-        <p:txBody>
-          <a:bodyPr>
-            <a:normAutofit/>
-          </a:bodyPr>
-          <a:lstStyle/>
-          <a:p>
-            <a:r>
-              <a:rPr lang="en-US" sz="4000" dirty="0"/>
-              <a:t>About Research Data Services</a:t>
-            </a:r>
-            <a:endParaRPr lang="en-US" dirty="0"/>
-          </a:p>
-        </p:txBody>
-      </p:sp>
-      <p:sp>
-        <p:nvSpPr>
-          <p:cNvPr id="4" name="Footer Placeholder 3">
-            <a:extLst>
-              <a:ext uri="{FF2B5EF4-FFF2-40B4-BE49-F238E27FC236}">
-                <a16:creationId xmlns:a16="http://schemas.microsoft.com/office/drawing/2014/main" id="{D85862A9-3E02-EE6F-A862-F5B23FD02293}"/>
-              </a:ext>
-            </a:extLst>
-          </p:cNvPr>
-          <p:cNvSpPr>
-            <a:spLocks noGrp="1"/>
-          </p:cNvSpPr>
-          <p:nvPr>
-            <p:ph type="ftr" sz="quarter" idx="10"/>
-          </p:nvPr>
-        </p:nvSpPr>
-        <p:spPr/>
-        <p:txBody>
-          <a:bodyPr/>
-          <a:lstStyle/>
-          <a:p>
-            <a:r>
-              <a:rPr lang="en-AU"/>
-              <a:t>Classy Code</a:t>
-            </a:r>
-            <a:endParaRPr lang="en-AU" dirty="0"/>
-          </a:p>
-        </p:txBody>
-      </p:sp>
-      <p:sp>
-        <p:nvSpPr>
-          <p:cNvPr id="5" name="Slide Number Placeholder 4">
-            <a:extLst>
-              <a:ext uri="{FF2B5EF4-FFF2-40B4-BE49-F238E27FC236}">
-                <a16:creationId xmlns:a16="http://schemas.microsoft.com/office/drawing/2014/main" id="{BA8B0BB9-449D-E0B4-274F-AC088AEBD8BE}"/>
-              </a:ext>
-            </a:extLst>
-          </p:cNvPr>
-          <p:cNvSpPr>
-            <a:spLocks noGrp="1"/>
-          </p:cNvSpPr>
-          <p:nvPr>
-            <p:ph type="sldNum" sz="quarter" idx="11"/>
-          </p:nvPr>
-        </p:nvSpPr>
-        <p:spPr/>
-        <p:txBody>
-          <a:bodyPr/>
-          <a:lstStyle/>
-          <a:p>
-            <a:fld id="{E917DE0E-AFB1-41FD-BC35-27DB61CA125F}" type="slidenum">
-              <a:rPr lang="en-AU" smtClean="0"/>
-              <a:pPr/>
-              <a:t>4</a:t>
-            </a:fld>
-            <a:endParaRPr lang="en-AU" dirty="0"/>
-          </a:p>
-        </p:txBody>
-      </p:sp>
-      <p:sp>
-        <p:nvSpPr>
-          <p:cNvPr id="13" name="Content Placeholder 11">
-            <a:extLst>
-              <a:ext uri="{FF2B5EF4-FFF2-40B4-BE49-F238E27FC236}">
-                <a16:creationId xmlns:a16="http://schemas.microsoft.com/office/drawing/2014/main" id="{A5368F4C-049B-235F-BE13-1E8BA5F439A8}"/>
-              </a:ext>
-            </a:extLst>
-          </p:cNvPr>
-          <p:cNvSpPr txBox="1">
-            <a:spLocks/>
-          </p:cNvSpPr>
-          <p:nvPr/>
-        </p:nvSpPr>
-        <p:spPr>
-          <a:xfrm>
-            <a:off x="4283011" y="2365635"/>
-            <a:ext cx="3657603" cy="4127304"/>
-          </a:xfrm>
-          <a:prstGeom prst="rect">
-            <a:avLst/>
-          </a:prstGeom>
-        </p:spPr>
-        <p:txBody>
-          <a:bodyPr vert="horz" lIns="0" tIns="0" rIns="0" bIns="0" rtlCol="0">
-            <a:normAutofit/>
-          </a:bodyPr>
-          <a:lstStyle>
-            <a:lvl1pPr marL="182880" indent="-228600" algn="l" defTabSz="642974" rtl="0" eaLnBrk="1" latinLnBrk="0" hangingPunct="1">
-              <a:lnSpc>
-                <a:spcPct val="120000"/>
-              </a:lnSpc>
-              <a:spcBef>
-                <a:spcPts val="600"/>
-              </a:spcBef>
-              <a:spcAft>
-                <a:spcPts val="600"/>
-              </a:spcAft>
-              <a:buClr>
-                <a:schemeClr val="accent1"/>
-              </a:buClr>
-              <a:buFont typeface="Arial" charset="0"/>
-              <a:buChar char="•"/>
-              <a:defRPr lang="en-US" sz="1600" b="0" i="0" kern="1200" dirty="0" smtClean="0">
-                <a:solidFill>
-                  <a:schemeClr val="accent1"/>
-                </a:solidFill>
-                <a:latin typeface="National 2" charset="0"/>
-                <a:ea typeface="National 2" charset="0"/>
-                <a:cs typeface="National 2" charset="0"/>
-              </a:defRPr>
-            </a:lvl1pPr>
-            <a:lvl2pPr marL="640080" indent="-228600" algn="l" defTabSz="642974" rtl="0" eaLnBrk="1" latinLnBrk="0" hangingPunct="1">
-              <a:lnSpc>
-                <a:spcPct val="120000"/>
-              </a:lnSpc>
-              <a:spcBef>
-                <a:spcPts val="600"/>
-              </a:spcBef>
-              <a:spcAft>
-                <a:spcPts val="600"/>
-              </a:spcAft>
-              <a:buClr>
-                <a:schemeClr val="accent1"/>
-              </a:buClr>
-              <a:buFont typeface="Arial" charset="0"/>
-              <a:buChar char="•"/>
-              <a:defRPr lang="en-US" sz="1600" b="0" i="0" kern="1200" dirty="0" smtClean="0">
-                <a:solidFill>
-                  <a:schemeClr val="accent1"/>
-                </a:solidFill>
-                <a:latin typeface="National 2" charset="0"/>
-                <a:ea typeface="National 2" charset="0"/>
-                <a:cs typeface="National 2" charset="0"/>
-              </a:defRPr>
-            </a:lvl2pPr>
-            <a:lvl3pPr marL="1097280" indent="-228600" algn="l" defTabSz="642974" rtl="0" eaLnBrk="1" latinLnBrk="0" hangingPunct="1">
-              <a:lnSpc>
-                <a:spcPct val="120000"/>
-              </a:lnSpc>
-              <a:spcBef>
-                <a:spcPts val="600"/>
-              </a:spcBef>
-              <a:spcAft>
-                <a:spcPts val="600"/>
-              </a:spcAft>
-              <a:buClr>
-                <a:schemeClr val="accent1"/>
-              </a:buClr>
-              <a:buFont typeface="Arial" charset="0"/>
-              <a:buChar char="•"/>
-              <a:defRPr lang="en-US" sz="1600" b="0" i="0" kern="1200" dirty="0" smtClean="0">
-                <a:solidFill>
-                  <a:schemeClr val="accent1"/>
-                </a:solidFill>
-                <a:latin typeface="National 2" charset="0"/>
-                <a:ea typeface="National 2" charset="0"/>
-                <a:cs typeface="National 2" charset="0"/>
-              </a:defRPr>
-            </a:lvl3pPr>
-            <a:lvl4pPr marL="1554480" indent="-228600" algn="l" defTabSz="642974" rtl="0" eaLnBrk="1" latinLnBrk="0" hangingPunct="1">
-              <a:lnSpc>
-                <a:spcPct val="120000"/>
-              </a:lnSpc>
-              <a:spcBef>
-                <a:spcPts val="600"/>
-              </a:spcBef>
-              <a:spcAft>
-                <a:spcPts val="600"/>
-              </a:spcAft>
-              <a:buClr>
-                <a:schemeClr val="accent1"/>
-              </a:buClr>
-              <a:buFont typeface="Arial" charset="0"/>
-              <a:buChar char="•"/>
-              <a:defRPr lang="en-US" sz="1600" b="0" i="0" kern="1200" baseline="0" dirty="0" smtClean="0">
-                <a:solidFill>
-                  <a:schemeClr val="accent1"/>
-                </a:solidFill>
-                <a:latin typeface="National 2" charset="0"/>
-                <a:ea typeface="National 2" charset="0"/>
-                <a:cs typeface="National 2" charset="0"/>
-              </a:defRPr>
-            </a:lvl4pPr>
-            <a:lvl5pPr marL="2011680" indent="-285750" algn="l" defTabSz="642974" rtl="0" eaLnBrk="1" latinLnBrk="0" hangingPunct="1">
-              <a:spcBef>
-                <a:spcPts val="422"/>
-              </a:spcBef>
-              <a:spcAft>
-                <a:spcPts val="211"/>
-              </a:spcAft>
-              <a:buClr>
-                <a:schemeClr val="accent1"/>
-              </a:buClr>
-              <a:buFont typeface="Arial" charset="0"/>
-              <a:buChar char="•"/>
-              <a:defRPr lang="en-US" sz="1406" b="0" i="0" kern="1200" baseline="0" dirty="0">
-                <a:solidFill>
-                  <a:schemeClr val="accent1"/>
-                </a:solidFill>
-                <a:latin typeface="National 2" charset="0"/>
-                <a:ea typeface="National 2" charset="0"/>
-                <a:cs typeface="National 2" charset="0"/>
-              </a:defRPr>
-            </a:lvl5pPr>
-            <a:lvl6pPr marL="2468880" indent="-228600" algn="l" defTabSz="642974" rtl="0" eaLnBrk="1" latinLnBrk="0" hangingPunct="1">
-              <a:lnSpc>
-                <a:spcPct val="120000"/>
-              </a:lnSpc>
-              <a:spcBef>
-                <a:spcPts val="600"/>
-              </a:spcBef>
-              <a:spcAft>
-                <a:spcPts val="600"/>
-              </a:spcAft>
-              <a:buFont typeface="Arial" pitchFamily="34" charset="0"/>
-              <a:buChar char="•"/>
-              <a:defRPr sz="1266" kern="1200" baseline="0">
-                <a:solidFill>
-                  <a:schemeClr val="accent1"/>
-                </a:solidFill>
-                <a:latin typeface="+mn-lt"/>
-                <a:ea typeface="+mn-ea"/>
-                <a:cs typeface="+mn-cs"/>
-              </a:defRPr>
-            </a:lvl6pPr>
-            <a:lvl7pPr marL="2089666" indent="-160744" algn="l" defTabSz="642974" rtl="0" eaLnBrk="1" latinLnBrk="0" hangingPunct="1">
-              <a:spcBef>
-                <a:spcPct val="20000"/>
-              </a:spcBef>
-              <a:buFont typeface="Arial" pitchFamily="34" charset="0"/>
-              <a:buChar char="•"/>
-              <a:defRPr sz="1266" kern="1200">
-                <a:solidFill>
-                  <a:schemeClr val="tx1"/>
-                </a:solidFill>
-                <a:latin typeface="+mn-lt"/>
-                <a:ea typeface="+mn-ea"/>
-                <a:cs typeface="+mn-cs"/>
-              </a:defRPr>
-            </a:lvl7pPr>
-            <a:lvl8pPr marL="2411153" indent="-160744" algn="l" defTabSz="642974" rtl="0" eaLnBrk="1" latinLnBrk="0" hangingPunct="1">
-              <a:spcBef>
-                <a:spcPct val="20000"/>
-              </a:spcBef>
-              <a:buFont typeface="Arial" pitchFamily="34" charset="0"/>
-              <a:buChar char="•"/>
-              <a:defRPr sz="1266" kern="1200">
-                <a:solidFill>
-                  <a:schemeClr val="tx1"/>
-                </a:solidFill>
-                <a:latin typeface="+mn-lt"/>
-                <a:ea typeface="+mn-ea"/>
-                <a:cs typeface="+mn-cs"/>
-              </a:defRPr>
-            </a:lvl8pPr>
-            <a:lvl9pPr marL="2732640" indent="-160744" algn="l" defTabSz="642974" rtl="0" eaLnBrk="1" latinLnBrk="0" hangingPunct="1">
-              <a:spcBef>
-                <a:spcPct val="20000"/>
-              </a:spcBef>
-              <a:buFont typeface="Arial" pitchFamily="34" charset="0"/>
-              <a:buChar char="•"/>
-              <a:defRPr sz="1266" kern="1200">
-                <a:solidFill>
-                  <a:schemeClr val="tx1"/>
-                </a:solidFill>
-                <a:latin typeface="+mn-lt"/>
-                <a:ea typeface="+mn-ea"/>
-                <a:cs typeface="+mn-cs"/>
-              </a:defRPr>
-            </a:lvl9pPr>
-          </a:lstStyle>
-          <a:p>
-            <a:pPr marL="0" indent="0">
-              <a:buNone/>
-            </a:pPr>
-            <a:r>
-              <a:rPr lang="en-US" dirty="0">
-                <a:latin typeface="National 2 Medium" panose="020B0504030502020203" pitchFamily="34" charset="77"/>
-              </a:rPr>
-              <a:t>Data Analysis/Visualization</a:t>
-            </a:r>
-          </a:p>
-          <a:p>
-            <a:pPr marL="0" indent="0">
-              <a:buNone/>
-            </a:pPr>
-            <a:r>
-              <a:rPr lang="en-US" dirty="0"/>
-              <a:t>Textual, numeric, spatial data</a:t>
-            </a:r>
-          </a:p>
-          <a:p>
-            <a:pPr marL="0" indent="0">
-              <a:buNone/>
-            </a:pPr>
-            <a:r>
-              <a:rPr lang="en-US" dirty="0"/>
-              <a:t>Reproducible research workflows</a:t>
-            </a:r>
-          </a:p>
-          <a:p>
-            <a:pPr marL="0" indent="0">
-              <a:buNone/>
-            </a:pPr>
-            <a:r>
-              <a:rPr lang="en-US" dirty="0"/>
-              <a:t>Scripting in R: </a:t>
-            </a:r>
-            <a:r>
-              <a:rPr lang="en-US" dirty="0" err="1"/>
-              <a:t>tidyverse</a:t>
-            </a:r>
-            <a:r>
-              <a:rPr lang="en-US" dirty="0"/>
-              <a:t> core package (i.e. </a:t>
-            </a:r>
-            <a:r>
-              <a:rPr lang="en-US" dirty="0" err="1"/>
-              <a:t>ggplot</a:t>
-            </a:r>
-            <a:r>
-              <a:rPr lang="en-US" dirty="0"/>
-              <a:t>, </a:t>
-            </a:r>
-            <a:r>
-              <a:rPr lang="en-US" dirty="0" err="1"/>
-              <a:t>dplyr</a:t>
-            </a:r>
-            <a:r>
-              <a:rPr lang="en-US" dirty="0"/>
-              <a:t>, </a:t>
-            </a:r>
-            <a:r>
-              <a:rPr lang="en-US" dirty="0" err="1"/>
-              <a:t>tydr</a:t>
-            </a:r>
-            <a:r>
-              <a:rPr lang="en-US" dirty="0"/>
-              <a:t>, </a:t>
-            </a:r>
-            <a:r>
-              <a:rPr lang="en-US" dirty="0" err="1"/>
-              <a:t>tibble</a:t>
-            </a:r>
-            <a:r>
-              <a:rPr lang="en-US" dirty="0"/>
-              <a:t>, etc.)</a:t>
-            </a:r>
-          </a:p>
-          <a:p>
-            <a:pPr marL="0" indent="0">
-              <a:buNone/>
-            </a:pPr>
-            <a:r>
-              <a:rPr lang="en-US" dirty="0"/>
-              <a:t>Scripting in Python: NumPy, SciPy, Pandas, Scikit-learn, Matplotlib, Seaborn, (OpenCV, </a:t>
-            </a:r>
-            <a:r>
-              <a:rPr lang="en-US" dirty="0" err="1"/>
-              <a:t>PyTorch</a:t>
-            </a:r>
-            <a:r>
-              <a:rPr lang="en-US" dirty="0"/>
-              <a:t>, TensorFlow, Tesseract, NLTK, etc.)</a:t>
-            </a:r>
-            <a:br>
-              <a:rPr lang="en-US" dirty="0"/>
-            </a:br>
-            <a:endParaRPr lang="en-US" dirty="0"/>
-          </a:p>
-          <a:p>
-            <a:endParaRPr lang="en-US" dirty="0"/>
-          </a:p>
-        </p:txBody>
-      </p:sp>
-    </p:spTree>
-    <p:extLst>
-      <p:ext uri="{BB962C8B-B14F-4D97-AF65-F5344CB8AC3E}">
-        <p14:creationId xmlns:p14="http://schemas.microsoft.com/office/powerpoint/2010/main" val="1491347699"/>
-      </p:ext>
-    </p:extLst>
-  </p:cSld>
-  <p:clrMapOvr>
-    <a:masterClrMapping/>
-  </p:clrMapOvr>
-  <p:transition spd="slow">
-    <p:push dir="u"/>
-  </p:transition>
-</p:sld>
-</file>
-
-<file path=ppt/slides/slide5.xml><?xml version="1.0" encoding="utf-8"?>
-<p:sld xmlns:a="http://schemas.openxmlformats.org/drawingml/2006/main" xmlns:r="http://schemas.openxmlformats.org/officeDocument/2006/relationships" xmlns:p="http://schemas.openxmlformats.org/presentationml/2006/main">
-  <p:cSld>
-    <p:spTree>
-      <p:nvGrpSpPr>
-        <p:cNvPr id="1" name=""/>
-        <p:cNvGrpSpPr/>
-        <p:nvPr/>
-      </p:nvGrpSpPr>
-      <p:grpSpPr>
-        <a:xfrm>
-          <a:off x="0" y="0"/>
-          <a:ext cx="0" cy="0"/>
-          <a:chOff x="0" y="0"/>
-          <a:chExt cx="0" cy="0"/>
-        </a:xfrm>
-      </p:grpSpPr>
-      <p:sp>
-        <p:nvSpPr>
-          <p:cNvPr id="7" name="Content Placeholder 6">
-            <a:extLst>
-              <a:ext uri="{FF2B5EF4-FFF2-40B4-BE49-F238E27FC236}">
-                <a16:creationId xmlns:a16="http://schemas.microsoft.com/office/drawing/2014/main" id="{17954B20-8DF3-F4C6-644C-14333118987C}"/>
-              </a:ext>
-            </a:extLst>
-          </p:cNvPr>
-          <p:cNvSpPr>
-            <a:spLocks noGrp="1"/>
-          </p:cNvSpPr>
-          <p:nvPr>
-            <p:ph sz="quarter" idx="11"/>
-          </p:nvPr>
-        </p:nvSpPr>
-        <p:spPr>
-          <a:xfrm>
-            <a:off x="304800" y="2365638"/>
-            <a:ext cx="11546007" cy="4127303"/>
-          </a:xfrm>
-        </p:spPr>
-        <p:txBody>
-          <a:bodyPr/>
-          <a:lstStyle/>
-          <a:p>
-            <a:pPr marL="0" indent="0" algn="ctr">
-              <a:buNone/>
-            </a:pPr>
-            <a:r>
-              <a:rPr lang="en-US" dirty="0"/>
-              <a:t>ResearchDataHelp@groups.dartmouth.edu</a:t>
-            </a:r>
-          </a:p>
-          <a:p>
-            <a:pPr marL="0" indent="0">
-              <a:buNone/>
-            </a:pPr>
-            <a:endParaRPr lang="en-US" dirty="0"/>
-          </a:p>
-          <a:p>
-            <a:pPr marL="0" indent="0">
-              <a:buNone/>
-            </a:pPr>
-            <a:endParaRPr lang="en-US" dirty="0"/>
-          </a:p>
-        </p:txBody>
-      </p:sp>
-      <p:sp>
-        <p:nvSpPr>
-          <p:cNvPr id="6" name="Title 5">
-            <a:extLst>
-              <a:ext uri="{FF2B5EF4-FFF2-40B4-BE49-F238E27FC236}">
-                <a16:creationId xmlns:a16="http://schemas.microsoft.com/office/drawing/2014/main" id="{6C74EF21-FA60-699E-0393-2EE10F654F2E}"/>
-              </a:ext>
-            </a:extLst>
-          </p:cNvPr>
-          <p:cNvSpPr>
-            <a:spLocks noGrp="1"/>
-          </p:cNvSpPr>
-          <p:nvPr>
-            <p:ph type="title"/>
-          </p:nvPr>
-        </p:nvSpPr>
-        <p:spPr/>
-        <p:txBody>
-          <a:bodyPr>
-            <a:normAutofit/>
-          </a:bodyPr>
-          <a:lstStyle/>
-          <a:p>
-            <a:r>
-              <a:rPr lang="en-US" sz="4000" dirty="0"/>
-              <a:t>Work with us</a:t>
-            </a:r>
-            <a:endParaRPr lang="en-US" dirty="0"/>
-          </a:p>
-        </p:txBody>
-      </p:sp>
-      <p:sp>
-        <p:nvSpPr>
-          <p:cNvPr id="4" name="Footer Placeholder 3">
-            <a:extLst>
-              <a:ext uri="{FF2B5EF4-FFF2-40B4-BE49-F238E27FC236}">
-                <a16:creationId xmlns:a16="http://schemas.microsoft.com/office/drawing/2014/main" id="{A3A761E8-EEE8-3606-A0FF-A4A0D04A1A5B}"/>
-              </a:ext>
-            </a:extLst>
-          </p:cNvPr>
-          <p:cNvSpPr>
-            <a:spLocks noGrp="1"/>
-          </p:cNvSpPr>
-          <p:nvPr>
-            <p:ph type="ftr" sz="quarter" idx="12"/>
-          </p:nvPr>
-        </p:nvSpPr>
-        <p:spPr/>
-        <p:txBody>
-          <a:bodyPr/>
-          <a:lstStyle/>
-          <a:p>
-            <a:r>
-              <a:rPr lang="en-AU"/>
-              <a:t>Classy Code</a:t>
-            </a:r>
-            <a:endParaRPr lang="en-AU" dirty="0"/>
-          </a:p>
-        </p:txBody>
-      </p:sp>
-      <p:sp>
-        <p:nvSpPr>
-          <p:cNvPr id="5" name="Slide Number Placeholder 4">
-            <a:extLst>
-              <a:ext uri="{FF2B5EF4-FFF2-40B4-BE49-F238E27FC236}">
-                <a16:creationId xmlns:a16="http://schemas.microsoft.com/office/drawing/2014/main" id="{4BE89BAE-3F21-8CCD-7FF7-215325C714DC}"/>
-              </a:ext>
-            </a:extLst>
-          </p:cNvPr>
-          <p:cNvSpPr>
-            <a:spLocks noGrp="1"/>
-          </p:cNvSpPr>
-          <p:nvPr>
-            <p:ph type="sldNum" sz="quarter" idx="13"/>
-          </p:nvPr>
-        </p:nvSpPr>
-        <p:spPr/>
-        <p:txBody>
-          <a:bodyPr/>
-          <a:lstStyle/>
-          <a:p>
-            <a:fld id="{E917DE0E-AFB1-41FD-BC35-27DB61CA125F}" type="slidenum">
-              <a:rPr lang="en-AU" smtClean="0"/>
-              <a:pPr/>
-              <a:t>5</a:t>
-            </a:fld>
-            <a:endParaRPr lang="en-AU" dirty="0"/>
-          </a:p>
-        </p:txBody>
-      </p:sp>
-      <p:graphicFrame>
-        <p:nvGraphicFramePr>
-          <p:cNvPr id="10" name="Table 10">
-            <a:extLst>
-              <a:ext uri="{FF2B5EF4-FFF2-40B4-BE49-F238E27FC236}">
-                <a16:creationId xmlns:a16="http://schemas.microsoft.com/office/drawing/2014/main" id="{D2C0BBD2-2B45-CCAD-16C4-7806E1B5E499}"/>
-              </a:ext>
-            </a:extLst>
-          </p:cNvPr>
-          <p:cNvGraphicFramePr>
-            <a:graphicFrameLocks noGrp="1"/>
-          </p:cNvGraphicFramePr>
-          <p:nvPr>
-            <p:extLst>
-              <p:ext uri="{D42A27DB-BD31-4B8C-83A1-F6EECF244321}">
-                <p14:modId xmlns:p14="http://schemas.microsoft.com/office/powerpoint/2010/main" val="3992013637"/>
-              </p:ext>
-            </p:extLst>
-          </p:nvPr>
-        </p:nvGraphicFramePr>
-        <p:xfrm>
-          <a:off x="2032000" y="3691529"/>
-          <a:ext cx="8128000" cy="1726184"/>
-        </p:xfrm>
-        <a:graphic>
-          <a:graphicData uri="http://schemas.openxmlformats.org/drawingml/2006/table">
-            <a:tbl>
-              <a:tblPr firstRow="1" bandRow="1">
-                <a:tableStyleId>{5940675A-B579-460E-94D1-54222C63F5DA}</a:tableStyleId>
-              </a:tblPr>
-              <a:tblGrid>
-                <a:gridCol w="4064000">
-                  <a:extLst>
-                    <a:ext uri="{9D8B030D-6E8A-4147-A177-3AD203B41FA5}">
-                      <a16:colId xmlns:a16="http://schemas.microsoft.com/office/drawing/2014/main" val="3462301418"/>
-                    </a:ext>
-                  </a:extLst>
-                </a:gridCol>
-                <a:gridCol w="4064000">
-                  <a:extLst>
-                    <a:ext uri="{9D8B030D-6E8A-4147-A177-3AD203B41FA5}">
-                      <a16:colId xmlns:a16="http://schemas.microsoft.com/office/drawing/2014/main" val="1275708721"/>
-                    </a:ext>
-                  </a:extLst>
-                </a:gridCol>
-              </a:tblGrid>
-              <a:tr h="370840">
-                <a:tc>
-                  <a:txBody>
-                    <a:bodyPr/>
-                    <a:lstStyle/>
-                    <a:p>
-                      <a:pPr marL="0" marR="0" indent="0" algn="ctr" defTabSz="642974" rtl="0" eaLnBrk="1" fontAlgn="auto" latinLnBrk="0" hangingPunct="1">
-                        <a:lnSpc>
-                          <a:spcPct val="100000"/>
-                        </a:lnSpc>
-                        <a:spcBef>
-                          <a:spcPts val="0"/>
-                        </a:spcBef>
-                        <a:spcAft>
-                          <a:spcPts val="0"/>
-                        </a:spcAft>
-                        <a:buClrTx/>
-                        <a:buSzTx/>
-                        <a:buFontTx/>
-                        <a:buNone/>
-                        <a:tabLst/>
-                        <a:defRPr/>
-                      </a:pPr>
-                      <a:r>
-                        <a:rPr lang="en-US" sz="1266" b="0" i="0" u="none" strike="noStrike" kern="1200" dirty="0">
-                          <a:solidFill>
-                            <a:schemeClr val="accent1"/>
-                          </a:solidFill>
-                          <a:effectLst/>
-                          <a:latin typeface="National 2 Medium" panose="020B0504030502020203" pitchFamily="34" charset="77"/>
-                          <a:ea typeface="+mn-ea"/>
-                          <a:cs typeface="+mn-cs"/>
-                        </a:rPr>
-                        <a:t>Jeremy </a:t>
-                      </a:r>
-                      <a:r>
-                        <a:rPr lang="en-US" sz="1266" b="0" i="0" u="none" strike="noStrike" kern="1200" dirty="0" err="1">
-                          <a:solidFill>
-                            <a:schemeClr val="accent1"/>
-                          </a:solidFill>
-                          <a:effectLst/>
-                          <a:latin typeface="National 2 Medium" panose="020B0504030502020203" pitchFamily="34" charset="77"/>
-                          <a:ea typeface="+mn-ea"/>
-                          <a:cs typeface="+mn-cs"/>
-                        </a:rPr>
-                        <a:t>Mikecz</a:t>
-                      </a:r>
-                      <a:endParaRPr lang="en-US" b="0" i="0" dirty="0">
-                        <a:solidFill>
-                          <a:schemeClr val="accent1"/>
-                        </a:solidFill>
-                        <a:effectLst/>
-                        <a:latin typeface="National 2 Medium" panose="020B0504030502020203" pitchFamily="34" charset="77"/>
-                      </a:endParaRPr>
-                    </a:p>
-                    <a:p>
-                      <a:pPr algn="ctr" rtl="0"/>
-                      <a:r>
-                        <a:rPr lang="en-US" sz="1266" b="0" i="0" u="none" strike="noStrike" kern="1200" dirty="0">
-                          <a:solidFill>
-                            <a:schemeClr val="accent1"/>
-                          </a:solidFill>
-                          <a:effectLst/>
-                          <a:latin typeface="National 2" panose="020B0504030502020203" pitchFamily="34" charset="77"/>
-                          <a:ea typeface="+mn-ea"/>
-                          <a:cs typeface="+mn-cs"/>
-                        </a:rPr>
-                        <a:t>Research Data Science Specialist</a:t>
-                      </a:r>
-                      <a:endParaRPr lang="en-US" b="0" dirty="0">
-                        <a:solidFill>
-                          <a:schemeClr val="accent1"/>
-                        </a:solidFill>
-                        <a:effectLst/>
-                        <a:latin typeface="National 2" panose="020B0504030502020203" pitchFamily="34" charset="77"/>
-                      </a:endParaRPr>
-                    </a:p>
-                    <a:p>
-                      <a:pPr algn="ctr" rtl="0"/>
-                      <a:r>
-                        <a:rPr lang="en-US" sz="1266" b="0" i="0" u="none" strike="noStrike" kern="1200" dirty="0">
-                          <a:solidFill>
-                            <a:schemeClr val="accent1"/>
-                          </a:solidFill>
-                          <a:effectLst/>
-                          <a:latin typeface="National 2" panose="020B0504030502020203" pitchFamily="34" charset="77"/>
-                          <a:ea typeface="+mn-ea"/>
-                          <a:cs typeface="+mn-cs"/>
-                        </a:rPr>
-                        <a:t>jeremy.m.mikecz@dartmouth.edu</a:t>
-                      </a:r>
-                      <a:endParaRPr lang="en-US" b="0" u="none" dirty="0">
-                        <a:solidFill>
-                          <a:schemeClr val="accent1"/>
-                        </a:solidFill>
-                        <a:effectLst/>
-                        <a:latin typeface="National 2" panose="020B0504030502020203" pitchFamily="34" charset="77"/>
-                      </a:endParaRPr>
-                    </a:p>
-                    <a:p>
-                      <a:pPr algn="ctr"/>
-                      <a:r>
-                        <a:rPr lang="en-US" sz="1266" b="0" i="0" u="none" strike="noStrike" kern="1200" dirty="0">
-                          <a:solidFill>
-                            <a:schemeClr val="accent1"/>
-                          </a:solidFill>
-                          <a:effectLst/>
-                          <a:latin typeface="National 2" panose="020B0504030502020203" pitchFamily="34" charset="77"/>
-                          <a:ea typeface="+mn-ea"/>
-                          <a:cs typeface="+mn-cs"/>
-                        </a:rPr>
-                        <a:t>dartgo.org/jeremyappts </a:t>
-                      </a:r>
-                      <a:endParaRPr lang="en-US" u="none" dirty="0">
-                        <a:solidFill>
-                          <a:schemeClr val="accent1"/>
-                        </a:solidFill>
-                        <a:latin typeface="National 2" panose="020B0504030502020203" pitchFamily="34" charset="77"/>
-                      </a:endParaRPr>
-                    </a:p>
-                  </a:txBody>
-                  <a:tcPr>
-                    <a:lnL w="12700" cmpd="sng">
-                      <a:noFill/>
-                    </a:lnL>
-                    <a:lnR w="12700" cmpd="sng">
-                      <a:noFill/>
-                    </a:lnR>
-                    <a:lnT w="12700" cmpd="sng">
-                      <a:noFill/>
-                    </a:lnT>
-                    <a:lnB w="12700" cmpd="sng">
-                      <a:noFill/>
-                    </a:lnB>
-                    <a:lnTlToBr w="12700" cmpd="sng">
-                      <a:noFill/>
-                      <a:prstDash val="solid"/>
-                    </a:lnTlToBr>
-                    <a:lnBlToTr w="12700" cmpd="sng">
-                      <a:noFill/>
-                      <a:prstDash val="solid"/>
-                    </a:lnBlToTr>
-                  </a:tcPr>
-                </a:tc>
-                <a:tc>
-                  <a:txBody>
-                    <a:bodyPr/>
-                    <a:lstStyle/>
-                    <a:p>
-                      <a:pPr marL="0" marR="0" indent="0" algn="ctr" defTabSz="642974" rtl="0" eaLnBrk="1" fontAlgn="auto" latinLnBrk="0" hangingPunct="1">
-                        <a:lnSpc>
-                          <a:spcPct val="100000"/>
-                        </a:lnSpc>
-                        <a:spcBef>
-                          <a:spcPts val="0"/>
-                        </a:spcBef>
-                        <a:spcAft>
-                          <a:spcPts val="0"/>
-                        </a:spcAft>
-                        <a:buClrTx/>
-                        <a:buSzTx/>
-                        <a:buFontTx/>
-                        <a:buNone/>
-                        <a:tabLst/>
-                        <a:defRPr/>
-                      </a:pPr>
-                      <a:r>
-                        <a:rPr lang="en-US" sz="1266" b="0" i="0" u="none" strike="noStrike" kern="1200" dirty="0">
-                          <a:solidFill>
-                            <a:schemeClr val="accent1"/>
-                          </a:solidFill>
-                          <a:effectLst/>
-                          <a:latin typeface="National 2 Medium" panose="020B0504030502020203" pitchFamily="34" charset="77"/>
-                          <a:ea typeface="+mn-ea"/>
-                          <a:cs typeface="+mn-cs"/>
-                        </a:rPr>
-                        <a:t>Simon Stone</a:t>
-                      </a:r>
-                    </a:p>
-                    <a:p>
-                      <a:pPr marL="0" marR="0" indent="0" algn="ctr" defTabSz="642974" rtl="0" eaLnBrk="1" fontAlgn="auto" latinLnBrk="0" hangingPunct="1">
-                        <a:lnSpc>
-                          <a:spcPct val="100000"/>
-                        </a:lnSpc>
-                        <a:spcBef>
-                          <a:spcPts val="0"/>
-                        </a:spcBef>
-                        <a:spcAft>
-                          <a:spcPts val="0"/>
-                        </a:spcAft>
-                        <a:buClrTx/>
-                        <a:buSzTx/>
-                        <a:buFontTx/>
-                        <a:buNone/>
-                        <a:tabLst/>
-                        <a:defRPr/>
-                      </a:pPr>
-                      <a:r>
-                        <a:rPr lang="en-US" sz="1266" b="0" i="0" u="none" strike="noStrike" kern="1200" dirty="0">
-                          <a:solidFill>
-                            <a:schemeClr val="accent1"/>
-                          </a:solidFill>
-                          <a:effectLst/>
-                          <a:latin typeface="National 2" panose="020B0504030502020203" pitchFamily="34" charset="77"/>
-                          <a:ea typeface="+mn-ea"/>
-                          <a:cs typeface="+mn-cs"/>
-                        </a:rPr>
-                        <a:t>Research Data Science Specialist</a:t>
-                      </a:r>
-                    </a:p>
-                    <a:p>
-                      <a:pPr marL="0" marR="0" indent="0" algn="ctr" defTabSz="642974" rtl="0" eaLnBrk="1" fontAlgn="auto" latinLnBrk="0" hangingPunct="1">
-                        <a:lnSpc>
-                          <a:spcPct val="100000"/>
-                        </a:lnSpc>
-                        <a:spcBef>
-                          <a:spcPts val="0"/>
-                        </a:spcBef>
-                        <a:spcAft>
-                          <a:spcPts val="0"/>
-                        </a:spcAft>
-                        <a:buClrTx/>
-                        <a:buSzTx/>
-                        <a:buFontTx/>
-                        <a:buNone/>
-                        <a:tabLst/>
-                        <a:defRPr/>
-                      </a:pPr>
-                      <a:r>
-                        <a:rPr lang="en-US" sz="1266" b="0" i="0" u="none" strike="noStrike" kern="1200" dirty="0" err="1">
-                          <a:solidFill>
-                            <a:schemeClr val="accent1"/>
-                          </a:solidFill>
-                          <a:effectLst/>
-                          <a:latin typeface="National 2" panose="020B0504030502020203" pitchFamily="34" charset="77"/>
-                          <a:ea typeface="+mn-ea"/>
-                          <a:cs typeface="+mn-cs"/>
-                        </a:rPr>
-                        <a:t>simon.stone@dartmouth.edu</a:t>
-                      </a:r>
-                      <a:endParaRPr lang="en-US" sz="1266" b="0" i="0" u="none" strike="noStrike" kern="1200" dirty="0">
-                        <a:solidFill>
-                          <a:schemeClr val="accent1"/>
-                        </a:solidFill>
-                        <a:effectLst/>
-                        <a:latin typeface="National 2" panose="020B0504030502020203" pitchFamily="34" charset="77"/>
-                        <a:ea typeface="+mn-ea"/>
-                        <a:cs typeface="+mn-cs"/>
-                      </a:endParaRPr>
-                    </a:p>
-                    <a:p>
-                      <a:pPr marL="0" marR="0" indent="0" algn="ctr" defTabSz="642974" rtl="0" eaLnBrk="1" fontAlgn="auto" latinLnBrk="0" hangingPunct="1">
-                        <a:lnSpc>
-                          <a:spcPct val="100000"/>
-                        </a:lnSpc>
-                        <a:spcBef>
-                          <a:spcPts val="0"/>
-                        </a:spcBef>
-                        <a:spcAft>
-                          <a:spcPts val="0"/>
-                        </a:spcAft>
-                        <a:buClrTx/>
-                        <a:buSzTx/>
-                        <a:buFontTx/>
-                        <a:buNone/>
-                        <a:tabLst/>
-                        <a:defRPr/>
-                      </a:pPr>
-                      <a:r>
-                        <a:rPr lang="en-US" sz="1266" b="0" i="0" u="none" strike="noStrike" kern="1200" dirty="0" err="1">
-                          <a:solidFill>
-                            <a:schemeClr val="accent1"/>
-                          </a:solidFill>
-                          <a:effectLst/>
-                          <a:latin typeface="National 2" panose="020B0504030502020203" pitchFamily="34" charset="77"/>
-                          <a:ea typeface="+mn-ea"/>
-                          <a:cs typeface="+mn-cs"/>
-                        </a:rPr>
-                        <a:t>dartgo.org</a:t>
-                      </a:r>
-                      <a:r>
-                        <a:rPr lang="en-US" sz="1266" b="0" i="0" u="none" strike="noStrike" kern="1200" dirty="0">
-                          <a:solidFill>
-                            <a:schemeClr val="accent1"/>
-                          </a:solidFill>
-                          <a:effectLst/>
-                          <a:latin typeface="National 2" panose="020B0504030502020203" pitchFamily="34" charset="77"/>
-                          <a:ea typeface="+mn-ea"/>
-                          <a:cs typeface="+mn-cs"/>
-                        </a:rPr>
-                        <a:t>/</a:t>
-                      </a:r>
-                      <a:r>
-                        <a:rPr lang="en-US" sz="1266" b="0" i="0" u="none" strike="noStrike" kern="1200" dirty="0" err="1">
-                          <a:solidFill>
-                            <a:schemeClr val="accent1"/>
-                          </a:solidFill>
-                          <a:effectLst/>
-                          <a:latin typeface="National 2" panose="020B0504030502020203" pitchFamily="34" charset="77"/>
-                          <a:ea typeface="+mn-ea"/>
-                          <a:cs typeface="+mn-cs"/>
-                        </a:rPr>
-                        <a:t>meetwithsimon</a:t>
-                      </a:r>
-                      <a:endParaRPr lang="en-US" sz="1266" b="0" i="0" u="none" strike="noStrike" kern="1200" dirty="0">
-                        <a:solidFill>
-                          <a:schemeClr val="accent1"/>
-                        </a:solidFill>
-                        <a:effectLst/>
-                        <a:latin typeface="National 2" panose="020B0504030502020203" pitchFamily="34" charset="77"/>
-                        <a:ea typeface="+mn-ea"/>
-                        <a:cs typeface="+mn-cs"/>
-                      </a:endParaRPr>
-                    </a:p>
-                  </a:txBody>
-                  <a:tcPr>
-                    <a:lnL w="12700" cmpd="sng">
-                      <a:noFill/>
-                    </a:lnL>
-                    <a:lnR w="12700" cmpd="sng">
-                      <a:noFill/>
-                    </a:lnR>
-                    <a:lnT w="12700" cmpd="sng">
-                      <a:noFill/>
-                    </a:lnT>
-                    <a:lnB w="12700" cmpd="sng">
-                      <a:noFill/>
-                    </a:lnB>
-                    <a:lnTlToBr w="12700" cmpd="sng">
-                      <a:noFill/>
-                      <a:prstDash val="solid"/>
-                    </a:lnTlToBr>
-                    <a:lnBlToTr w="12700" cmpd="sng">
-                      <a:noFill/>
-                      <a:prstDash val="solid"/>
-                    </a:lnBlToTr>
-                  </a:tcPr>
-                </a:tc>
-                <a:extLst>
-                  <a:ext uri="{0D108BD9-81ED-4DB2-BD59-A6C34878D82A}">
-                    <a16:rowId xmlns:a16="http://schemas.microsoft.com/office/drawing/2014/main" val="1811515020"/>
-                  </a:ext>
-                </a:extLst>
-              </a:tr>
-              <a:tr h="370840">
-                <a:tc gridSpan="2">
-                  <a:txBody>
-                    <a:bodyPr/>
-                    <a:lstStyle/>
-                    <a:p>
-                      <a:pPr marL="0" algn="ctr" defTabSz="642974" rtl="0" eaLnBrk="1" latinLnBrk="0" hangingPunct="1"/>
-                      <a:r>
-                        <a:rPr lang="en-US" sz="1266" b="0" i="0" u="none" strike="noStrike" kern="1200" dirty="0">
-                          <a:solidFill>
-                            <a:schemeClr val="accent1"/>
-                          </a:solidFill>
-                          <a:effectLst/>
-                          <a:latin typeface="National 2 Medium" panose="020B0504030502020203" pitchFamily="34" charset="77"/>
-                          <a:ea typeface="+mn-ea"/>
-                          <a:cs typeface="+mn-cs"/>
-                        </a:rPr>
-                        <a:t>Lora </a:t>
-                      </a:r>
-                      <a:r>
-                        <a:rPr lang="en-US" sz="1266" b="0" i="0" u="none" strike="noStrike" kern="1200" dirty="0" err="1">
-                          <a:solidFill>
-                            <a:schemeClr val="accent1"/>
-                          </a:solidFill>
-                          <a:effectLst/>
-                          <a:latin typeface="National 2 Medium" panose="020B0504030502020203" pitchFamily="34" charset="77"/>
-                          <a:ea typeface="+mn-ea"/>
-                          <a:cs typeface="+mn-cs"/>
-                        </a:rPr>
-                        <a:t>Leligdon</a:t>
-                      </a:r>
-                      <a:endParaRPr lang="en-US" sz="1266" b="0" i="0" u="none" strike="noStrike" kern="1200" dirty="0">
-                        <a:solidFill>
-                          <a:schemeClr val="accent1"/>
-                        </a:solidFill>
-                        <a:effectLst/>
-                        <a:latin typeface="National 2 Medium" panose="020B0504030502020203" pitchFamily="34" charset="77"/>
-                        <a:ea typeface="+mn-ea"/>
-                        <a:cs typeface="+mn-cs"/>
-                      </a:endParaRPr>
-                    </a:p>
-                    <a:p>
-                      <a:pPr marL="0" algn="ctr" defTabSz="642974" rtl="0" eaLnBrk="1" latinLnBrk="0" hangingPunct="1"/>
-                      <a:r>
-                        <a:rPr lang="en-US" sz="1266" b="0" i="0" u="none" strike="noStrike" kern="1200" dirty="0">
-                          <a:solidFill>
-                            <a:schemeClr val="accent1"/>
-                          </a:solidFill>
-                          <a:effectLst/>
-                          <a:latin typeface="National 2" panose="020B0504030502020203" pitchFamily="34" charset="77"/>
-                          <a:ea typeface="+mn-ea"/>
-                          <a:cs typeface="+mn-cs"/>
-                        </a:rPr>
-                        <a:t>Head of Research Data Services</a:t>
-                      </a:r>
-                    </a:p>
-                    <a:p>
-                      <a:pPr marL="0" algn="ctr" defTabSz="642974" rtl="0" eaLnBrk="1" latinLnBrk="0" hangingPunct="1"/>
-                      <a:r>
-                        <a:rPr lang="en-US" sz="1266" b="0" i="0" u="none" strike="noStrike" kern="1200" dirty="0">
-                          <a:solidFill>
-                            <a:schemeClr val="accent1"/>
-                          </a:solidFill>
-                          <a:effectLst/>
-                          <a:latin typeface="National 2" panose="020B0504030502020203" pitchFamily="34" charset="77"/>
-                          <a:ea typeface="+mn-ea"/>
-                          <a:cs typeface="+mn-cs"/>
-                        </a:rPr>
-                        <a:t>lora.c.leligdon@dartmouth.edu</a:t>
-                      </a:r>
-                    </a:p>
-                    <a:p>
-                      <a:pPr marL="0" algn="ctr" defTabSz="642974" rtl="0" eaLnBrk="1" latinLnBrk="0" hangingPunct="1"/>
-                      <a:r>
-                        <a:rPr lang="en-US" sz="1266" b="0" i="0" u="none" strike="noStrike" kern="1200" dirty="0">
-                          <a:solidFill>
-                            <a:schemeClr val="accent1"/>
-                          </a:solidFill>
-                          <a:effectLst/>
-                          <a:latin typeface="National 2" panose="020B0504030502020203" pitchFamily="34" charset="77"/>
-                          <a:ea typeface="+mn-ea"/>
-                          <a:cs typeface="+mn-cs"/>
-                        </a:rPr>
-                        <a:t>dartgo.org/lora</a:t>
-                      </a:r>
-                    </a:p>
-                  </a:txBody>
-                  <a:tcPr>
-                    <a:lnL w="12700" cmpd="sng">
-                      <a:noFill/>
-                    </a:lnL>
-                    <a:lnR w="12700" cmpd="sng">
-                      <a:noFill/>
-                    </a:lnR>
-                    <a:lnT w="12700" cmpd="sng">
-                      <a:noFill/>
-                    </a:lnT>
-                    <a:lnB w="12700" cmpd="sng">
-                      <a:noFill/>
-                    </a:lnB>
-                    <a:lnTlToBr w="12700" cmpd="sng">
-                      <a:noFill/>
-                      <a:prstDash val="solid"/>
-                    </a:lnTlToBr>
-                    <a:lnBlToTr w="12700" cmpd="sng">
-                      <a:noFill/>
-                      <a:prstDash val="solid"/>
-                    </a:lnBlToTr>
-                  </a:tcPr>
-                </a:tc>
-                <a:tc hMerge="1">
-                  <a:txBody>
-                    <a:bodyPr/>
-                    <a:lstStyle/>
-                    <a:p>
-                      <a:endParaRPr lang="en-US" dirty="0"/>
-                    </a:p>
-                  </a:txBody>
-                  <a:tcPr/>
-                </a:tc>
-                <a:extLst>
-                  <a:ext uri="{0D108BD9-81ED-4DB2-BD59-A6C34878D82A}">
-                    <a16:rowId xmlns:a16="http://schemas.microsoft.com/office/drawing/2014/main" val="3385812882"/>
-                  </a:ext>
-                </a:extLst>
-              </a:tr>
-            </a:tbl>
-          </a:graphicData>
-        </a:graphic>
-      </p:graphicFrame>
-    </p:spTree>
-    <p:extLst>
-      <p:ext uri="{BB962C8B-B14F-4D97-AF65-F5344CB8AC3E}">
-        <p14:creationId xmlns:p14="http://schemas.microsoft.com/office/powerpoint/2010/main" val="3588170548"/>
-      </p:ext>
-    </p:extLst>
-  </p:cSld>
-  <p:clrMapOvr>
-    <a:masterClrMapping/>
-  </p:clrMapOvr>
-  <p:transition spd="slow">
-    <p:push dir="u"/>
-  </p:transition>
-</p:sld>
-</file>
-
-<file path=ppt/slides/slide6.xml><?xml version="1.0" encoding="utf-8"?>
-<p:sld xmlns:a="http://schemas.openxmlformats.org/drawingml/2006/main" xmlns:r="http://schemas.openxmlformats.org/officeDocument/2006/relationships" xmlns:p="http://schemas.openxmlformats.org/presentationml/2006/main">
-  <p:cSld>
-    <p:spTree>
-      <p:nvGrpSpPr>
-        <p:cNvPr id="1" name=""/>
-        <p:cNvGrpSpPr/>
-        <p:nvPr/>
-      </p:nvGrpSpPr>
-      <p:grpSpPr>
-        <a:xfrm>
-          <a:off x="0" y="0"/>
-          <a:ext cx="0" cy="0"/>
-          <a:chOff x="0" y="0"/>
-          <a:chExt cx="0" cy="0"/>
-        </a:xfrm>
-      </p:grpSpPr>
-      <p:sp>
-        <p:nvSpPr>
-          <p:cNvPr id="2" name="Content Placeholder 1">
-            <a:extLst>
-              <a:ext uri="{FF2B5EF4-FFF2-40B4-BE49-F238E27FC236}">
-                <a16:creationId xmlns:a16="http://schemas.microsoft.com/office/drawing/2014/main" id="{2202ED9A-C8B6-432D-0DEC-A527D02AB679}"/>
-              </a:ext>
-            </a:extLst>
-          </p:cNvPr>
-          <p:cNvSpPr>
-            <a:spLocks noGrp="1"/>
-          </p:cNvSpPr>
-          <p:nvPr>
-            <p:ph sz="quarter" idx="11"/>
-          </p:nvPr>
-        </p:nvSpPr>
-        <p:spPr/>
-        <p:txBody>
-          <a:bodyPr anchor="ctr">
-            <a:normAutofit/>
-          </a:bodyPr>
-          <a:lstStyle/>
-          <a:p>
-            <a:r>
-              <a:rPr lang="en-US" dirty="0"/>
-              <a:t>Programming paradigm (cf. “procedural” or “functional”)</a:t>
-            </a:r>
-          </a:p>
-          <a:p>
-            <a:r>
-              <a:rPr lang="en-US" dirty="0"/>
-              <a:t>Based on the concept of “objects”</a:t>
-            </a:r>
-          </a:p>
-          <a:p>
-            <a:r>
-              <a:rPr lang="en-US" dirty="0"/>
-              <a:t>Objects contain data and procedures to do things with that data</a:t>
-            </a:r>
-          </a:p>
-          <a:p>
-            <a:r>
-              <a:rPr lang="en-US" dirty="0"/>
-              <a:t>Structure of a program is expressed in the interactions between the objects:</a:t>
-            </a:r>
-          </a:p>
-          <a:p>
-            <a:pPr lvl="1"/>
-            <a:r>
-              <a:rPr lang="en-US" dirty="0"/>
-              <a:t>“The ‘</a:t>
-            </a:r>
-            <a:r>
-              <a:rPr lang="en-US" dirty="0" err="1"/>
-              <a:t>DataPreprocessor</a:t>
-            </a:r>
-            <a:r>
-              <a:rPr lang="en-US" dirty="0"/>
-              <a:t>’ uses the ‘</a:t>
-            </a:r>
-            <a:r>
-              <a:rPr lang="en-US" dirty="0" err="1"/>
-              <a:t>FileReader</a:t>
-            </a:r>
-            <a:r>
-              <a:rPr lang="en-US" dirty="0"/>
-              <a:t>’ to import the measurements”</a:t>
-            </a:r>
-          </a:p>
-        </p:txBody>
-      </p:sp>
-      <p:sp>
-        <p:nvSpPr>
-          <p:cNvPr id="3" name="Title 2">
-            <a:extLst>
-              <a:ext uri="{FF2B5EF4-FFF2-40B4-BE49-F238E27FC236}">
-                <a16:creationId xmlns:a16="http://schemas.microsoft.com/office/drawing/2014/main" id="{5C0935C7-9A91-F8F9-B955-3560E8DE9DFA}"/>
-              </a:ext>
-            </a:extLst>
-          </p:cNvPr>
-          <p:cNvSpPr>
-            <a:spLocks noGrp="1"/>
-          </p:cNvSpPr>
-          <p:nvPr>
-            <p:ph type="title"/>
-          </p:nvPr>
-        </p:nvSpPr>
-        <p:spPr/>
-        <p:txBody>
-          <a:bodyPr>
-            <a:normAutofit fontScale="90000"/>
-          </a:bodyPr>
-          <a:lstStyle/>
-          <a:p>
-            <a:r>
-              <a:rPr lang="en-US" dirty="0">
-                <a:solidFill>
-                  <a:schemeClr val="accent6">
-                    <a:lumMod val="75000"/>
-                  </a:schemeClr>
-                </a:solidFill>
-              </a:rPr>
-              <a:t>Intro</a:t>
-            </a:r>
-            <a:br>
-              <a:rPr lang="en-US" dirty="0"/>
-            </a:br>
-            <a:r>
-              <a:rPr lang="en-US" dirty="0"/>
-              <a:t>What is Object-Oriented Programming (OOP)?</a:t>
-            </a:r>
-          </a:p>
-        </p:txBody>
-      </p:sp>
-      <p:sp>
-        <p:nvSpPr>
-          <p:cNvPr id="4" name="Footer Placeholder 3">
-            <a:extLst>
-              <a:ext uri="{FF2B5EF4-FFF2-40B4-BE49-F238E27FC236}">
-                <a16:creationId xmlns:a16="http://schemas.microsoft.com/office/drawing/2014/main" id="{0C4A958B-FDA2-F8B1-CD16-754823A5C9C0}"/>
-              </a:ext>
-            </a:extLst>
-          </p:cNvPr>
-          <p:cNvSpPr>
-            <a:spLocks noGrp="1"/>
-          </p:cNvSpPr>
-          <p:nvPr>
-            <p:ph type="ftr" sz="quarter" idx="12"/>
-          </p:nvPr>
-        </p:nvSpPr>
-        <p:spPr/>
-        <p:txBody>
-          <a:bodyPr/>
-          <a:lstStyle/>
-          <a:p>
-            <a:r>
-              <a:rPr lang="en-AU"/>
-              <a:t>Classy Code</a:t>
-            </a:r>
-            <a:endParaRPr lang="en-AU" dirty="0"/>
-          </a:p>
-        </p:txBody>
-      </p:sp>
-      <p:sp>
-        <p:nvSpPr>
-          <p:cNvPr id="5" name="Slide Number Placeholder 4">
-            <a:extLst>
-              <a:ext uri="{FF2B5EF4-FFF2-40B4-BE49-F238E27FC236}">
-                <a16:creationId xmlns:a16="http://schemas.microsoft.com/office/drawing/2014/main" id="{2C4DFBE4-4D48-F433-E072-E1FCCCBDA669}"/>
-              </a:ext>
-            </a:extLst>
-          </p:cNvPr>
-          <p:cNvSpPr>
-            <a:spLocks noGrp="1"/>
-          </p:cNvSpPr>
-          <p:nvPr>
-            <p:ph type="sldNum" sz="quarter" idx="13"/>
-          </p:nvPr>
-        </p:nvSpPr>
-        <p:spPr/>
-        <p:txBody>
-          <a:bodyPr/>
-          <a:lstStyle/>
-          <a:p>
-            <a:fld id="{E917DE0E-AFB1-41FD-BC35-27DB61CA125F}" type="slidenum">
-              <a:rPr lang="en-AU" smtClean="0"/>
-              <a:pPr/>
-              <a:t>6</a:t>
-            </a:fld>
-            <a:endParaRPr lang="en-AU" dirty="0"/>
-          </a:p>
-        </p:txBody>
-      </p:sp>
-    </p:spTree>
-    <p:extLst>
-      <p:ext uri="{BB962C8B-B14F-4D97-AF65-F5344CB8AC3E}">
-        <p14:creationId xmlns:p14="http://schemas.microsoft.com/office/powerpoint/2010/main" val="2799968488"/>
-      </p:ext>
-    </p:extLst>
-  </p:cSld>
-  <p:clrMapOvr>
-    <a:masterClrMapping/>
-  </p:clrMapOvr>
-  <mc:AlternateContent xmlns:mc="http://schemas.openxmlformats.org/markup-compatibility/2006" xmlns:p14="http://schemas.microsoft.com/office/powerpoint/2010/main">
-    <mc:Choice Requires="p14">
-      <p:transition spd="med" p14:dur="700">
-        <p:fade/>
-      </p:transition>
-    </mc:Choice>
-    <mc:Fallback xmlns="">
-      <p:transition spd="med">
-        <p:fade/>
-      </p:transition>
-    </mc:Fallback>
-  </mc:AlternateContent>
-  <p:timing>
-    <p:tnLst>
-      <p:par>
-        <p:cTn id="1" dur="indefinite" restart="never" nodeType="tmRoot">
-          <p:childTnLst>
-            <p:seq concurrent="1" nextAc="seek">
-              <p:cTn id="2" dur="indefinite" nodeType="mainSeq">
-                <p:childTnLst>
-                  <p:par>
-                    <p:cTn id="3" fill="hold">
-                      <p:stCondLst>
-                        <p:cond delay="indefinite"/>
-                      </p:stCondLst>
-                      <p:childTnLst>
-                        <p:par>
-                          <p:cTn id="4" fill="hold">
-                            <p:stCondLst>
-                              <p:cond delay="0"/>
-                            </p:stCondLst>
-                            <p:childTnLst>
-                              <p:par>
-                                <p:cTn id="5" presetID="10" presetClass="entr" presetSubtype="0" fill="hold" grpId="0" nodeType="clickEffect">
-                                  <p:stCondLst>
-                                    <p:cond delay="0"/>
-                                  </p:stCondLst>
-                                  <p:childTnLst>
-                                    <p:set>
-                                      <p:cBhvr>
-                                        <p:cTn id="6" dur="1" fill="hold">
-                                          <p:stCondLst>
-                                            <p:cond delay="0"/>
-                                          </p:stCondLst>
-                                        </p:cTn>
-                                        <p:tgtEl>
-                                          <p:spTgt spid="2">
-                                            <p:txEl>
-                                              <p:pRg st="0" end="0"/>
-                                            </p:txEl>
-                                          </p:spTgt>
-                                        </p:tgtEl>
-                                        <p:attrNameLst>
-                                          <p:attrName>style.visibility</p:attrName>
-                                        </p:attrNameLst>
-                                      </p:cBhvr>
-                                      <p:to>
-                                        <p:strVal val="visible"/>
-                                      </p:to>
-                                    </p:set>
-                                    <p:animEffect transition="in" filter="fade">
-                                      <p:cBhvr>
-                                        <p:cTn id="7" dur="500"/>
-                                        <p:tgtEl>
-                                          <p:spTgt spid="2">
-                                            <p:txEl>
-                                              <p:pRg st="0" end="0"/>
-                                            </p:txEl>
-                                          </p:spTgt>
-                                        </p:tgtEl>
-                                      </p:cBhvr>
-                                    </p:animEffect>
-                                  </p:childTnLst>
-                                </p:cTn>
-                              </p:par>
-                            </p:childTnLst>
-                          </p:cTn>
-                        </p:par>
-                      </p:childTnLst>
-                    </p:cTn>
-                  </p:par>
-                  <p:par>
-                    <p:cTn id="8" fill="hold">
-                      <p:stCondLst>
-                        <p:cond delay="indefinite"/>
-                      </p:stCondLst>
-                      <p:childTnLst>
-                        <p:par>
-                          <p:cTn id="9" fill="hold">
-                            <p:stCondLst>
-                              <p:cond delay="0"/>
-                            </p:stCondLst>
-                            <p:childTnLst>
-                              <p:par>
-                                <p:cTn id="10" presetID="10" presetClass="entr" presetSubtype="0" fill="hold" grpId="0" nodeType="clickEffect">
-                                  <p:stCondLst>
-                                    <p:cond delay="0"/>
-                                  </p:stCondLst>
-                                  <p:childTnLst>
-                                    <p:set>
-                                      <p:cBhvr>
-                                        <p:cTn id="11" dur="1" fill="hold">
-                                          <p:stCondLst>
-                                            <p:cond delay="0"/>
-                                          </p:stCondLst>
-                                        </p:cTn>
-                                        <p:tgtEl>
-                                          <p:spTgt spid="2">
-                                            <p:txEl>
-                                              <p:pRg st="1" end="1"/>
-                                            </p:txEl>
-                                          </p:spTgt>
-                                        </p:tgtEl>
-                                        <p:attrNameLst>
-                                          <p:attrName>style.visibility</p:attrName>
-                                        </p:attrNameLst>
-                                      </p:cBhvr>
-                                      <p:to>
-                                        <p:strVal val="visible"/>
-                                      </p:to>
-                                    </p:set>
-                                    <p:animEffect transition="in" filter="fade">
-                                      <p:cBhvr>
-                                        <p:cTn id="12" dur="500"/>
-                                        <p:tgtEl>
-                                          <p:spTgt spid="2">
-                                            <p:txEl>
-                                              <p:pRg st="1" end="1"/>
-                                            </p:txEl>
-                                          </p:spTgt>
-                                        </p:tgtEl>
-                                      </p:cBhvr>
-                                    </p:animEffect>
-                                  </p:childTnLst>
-                                </p:cTn>
-                              </p:par>
-                            </p:childTnLst>
-                          </p:cTn>
-                        </p:par>
-                      </p:childTnLst>
-                    </p:cTn>
-                  </p:par>
-                  <p:par>
-                    <p:cTn id="13" fill="hold">
-                      <p:stCondLst>
-                        <p:cond delay="indefinite"/>
-                      </p:stCondLst>
-                      <p:childTnLst>
-                        <p:par>
-                          <p:cTn id="14" fill="hold">
-                            <p:stCondLst>
-                              <p:cond delay="0"/>
-                            </p:stCondLst>
-                            <p:childTnLst>
-                              <p:par>
-                                <p:cTn id="15" presetID="10" presetClass="entr" presetSubtype="0" fill="hold" grpId="0" nodeType="clickEffect">
-                                  <p:stCondLst>
-                                    <p:cond delay="0"/>
-                                  </p:stCondLst>
-                                  <p:childTnLst>
-                                    <p:set>
-                                      <p:cBhvr>
-                                        <p:cTn id="16" dur="1" fill="hold">
-                                          <p:stCondLst>
-                                            <p:cond delay="0"/>
-                                          </p:stCondLst>
-                                        </p:cTn>
-                                        <p:tgtEl>
-                                          <p:spTgt spid="2">
-                                            <p:txEl>
-                                              <p:pRg st="2" end="2"/>
-                                            </p:txEl>
-                                          </p:spTgt>
-                                        </p:tgtEl>
-                                        <p:attrNameLst>
-                                          <p:attrName>style.visibility</p:attrName>
-                                        </p:attrNameLst>
-                                      </p:cBhvr>
-                                      <p:to>
-                                        <p:strVal val="visible"/>
-                                      </p:to>
-                                    </p:set>
-                                    <p:animEffect transition="in" filter="fade">
-                                      <p:cBhvr>
-                                        <p:cTn id="17" dur="500"/>
-                                        <p:tgtEl>
-                                          <p:spTgt spid="2">
-                                            <p:txEl>
-                                              <p:pRg st="2" end="2"/>
-                                            </p:txEl>
-                                          </p:spTgt>
-                                        </p:tgtEl>
-                                      </p:cBhvr>
-                                    </p:animEffect>
-                                  </p:childTnLst>
-                                </p:cTn>
-                              </p:par>
-                            </p:childTnLst>
-                          </p:cTn>
-                        </p:par>
-                      </p:childTnLst>
-                    </p:cTn>
-                  </p:par>
-                  <p:par>
-                    <p:cTn id="18" fill="hold">
-                      <p:stCondLst>
-                        <p:cond delay="indefinite"/>
-                      </p:stCondLst>
-                      <p:childTnLst>
-                        <p:par>
-                          <p:cTn id="19" fill="hold">
-                            <p:stCondLst>
-                              <p:cond delay="0"/>
-                            </p:stCondLst>
-                            <p:childTnLst>
-                              <p:par>
-                                <p:cTn id="20" presetID="10" presetClass="entr" presetSubtype="0" fill="hold" grpId="0" nodeType="clickEffect">
-                                  <p:stCondLst>
-                                    <p:cond delay="0"/>
-                                  </p:stCondLst>
-                                  <p:childTnLst>
-                                    <p:set>
-                                      <p:cBhvr>
-                                        <p:cTn id="21" dur="1" fill="hold">
-                                          <p:stCondLst>
-                                            <p:cond delay="0"/>
-                                          </p:stCondLst>
-                                        </p:cTn>
-                                        <p:tgtEl>
-                                          <p:spTgt spid="2">
-                                            <p:txEl>
-                                              <p:pRg st="3" end="3"/>
-                                            </p:txEl>
-                                          </p:spTgt>
-                                        </p:tgtEl>
-                                        <p:attrNameLst>
-                                          <p:attrName>style.visibility</p:attrName>
-                                        </p:attrNameLst>
-                                      </p:cBhvr>
-                                      <p:to>
-                                        <p:strVal val="visible"/>
-                                      </p:to>
-                                    </p:set>
-                                    <p:animEffect transition="in" filter="fade">
-                                      <p:cBhvr>
-                                        <p:cTn id="22" dur="500"/>
-                                        <p:tgtEl>
-                                          <p:spTgt spid="2">
-                                            <p:txEl>
-                                              <p:pRg st="3" end="3"/>
-                                            </p:txEl>
-                                          </p:spTgt>
-                                        </p:tgtEl>
-                                      </p:cBhvr>
-                                    </p:animEffect>
-                                  </p:childTnLst>
-                                </p:cTn>
-                              </p:par>
-                              <p:par>
-                                <p:cTn id="23" presetID="10" presetClass="entr" presetSubtype="0" fill="hold" grpId="0" nodeType="withEffect">
-                                  <p:stCondLst>
-                                    <p:cond delay="0"/>
-                                  </p:stCondLst>
-                                  <p:childTnLst>
-                                    <p:set>
-                                      <p:cBhvr>
-                                        <p:cTn id="24" dur="1" fill="hold">
-                                          <p:stCondLst>
-                                            <p:cond delay="0"/>
-                                          </p:stCondLst>
-                                        </p:cTn>
-                                        <p:tgtEl>
-                                          <p:spTgt spid="2">
-                                            <p:txEl>
-                                              <p:pRg st="4" end="4"/>
-                                            </p:txEl>
-                                          </p:spTgt>
-                                        </p:tgtEl>
-                                        <p:attrNameLst>
-                                          <p:attrName>style.visibility</p:attrName>
-                                        </p:attrNameLst>
-                                      </p:cBhvr>
-                                      <p:to>
-                                        <p:strVal val="visible"/>
-                                      </p:to>
-                                    </p:set>
-                                    <p:animEffect transition="in" filter="fade">
-                                      <p:cBhvr>
-                                        <p:cTn id="25" dur="500"/>
-                                        <p:tgtEl>
-                                          <p:spTgt spid="2">
-                                            <p:txEl>
-                                              <p:pRg st="4" end="4"/>
-                                            </p:txEl>
-                                          </p:spTgt>
-                                        </p:tgtEl>
-                                      </p:cBhvr>
-                                    </p:animEffect>
-                                  </p:childTnLst>
-                                </p:cTn>
-                              </p:par>
-                            </p:childTnLst>
-                          </p:cTn>
-                        </p:par>
-                      </p:childTnLst>
-                    </p:cTn>
-                  </p:par>
-                </p:childTnLst>
-              </p:cTn>
-              <p:prevCondLst>
-                <p:cond evt="onPrev" delay="0">
-                  <p:tgtEl>
-                    <p:sldTgt/>
-                  </p:tgtEl>
-                </p:cond>
-              </p:prevCondLst>
-              <p:nextCondLst>
-                <p:cond evt="onNext" delay="0">
-                  <p:tgtEl>
-                    <p:sldTgt/>
-                  </p:tgtEl>
-                </p:cond>
-              </p:nextCondLst>
-            </p:seq>
-          </p:childTnLst>
-        </p:cTn>
-      </p:par>
-    </p:tnLst>
-    <p:bldLst>
-      <p:bldP spid="2" grpId="0" build="p"/>
-    </p:bldLst>
-  </p:timing>
-</p:sld>
-</file>
-
-<file path=ppt/slides/slide7.xml><?xml version="1.0" encoding="utf-8"?>
-<p:sld xmlns:a="http://schemas.openxmlformats.org/drawingml/2006/main" xmlns:r="http://schemas.openxmlformats.org/officeDocument/2006/relationships" xmlns:p="http://schemas.openxmlformats.org/presentationml/2006/main">
-  <p:cSld>
-    <p:spTree>
-      <p:nvGrpSpPr>
-        <p:cNvPr id="1" name=""/>
-        <p:cNvGrpSpPr/>
-        <p:nvPr/>
-      </p:nvGrpSpPr>
-      <p:grpSpPr>
-        <a:xfrm>
-          <a:off x="0" y="0"/>
-          <a:ext cx="0" cy="0"/>
-          <a:chOff x="0" y="0"/>
-          <a:chExt cx="0" cy="0"/>
-        </a:xfrm>
-      </p:grpSpPr>
-      <p:sp>
-        <p:nvSpPr>
-          <p:cNvPr id="2" name="Content Placeholder 1">
-            <a:extLst>
-              <a:ext uri="{FF2B5EF4-FFF2-40B4-BE49-F238E27FC236}">
-                <a16:creationId xmlns:a16="http://schemas.microsoft.com/office/drawing/2014/main" id="{2202ED9A-C8B6-432D-0DEC-A527D02AB679}"/>
-              </a:ext>
-            </a:extLst>
-          </p:cNvPr>
-          <p:cNvSpPr>
-            <a:spLocks noGrp="1"/>
-          </p:cNvSpPr>
-          <p:nvPr>
-            <p:ph sz="quarter" idx="11"/>
-          </p:nvPr>
-        </p:nvSpPr>
-        <p:spPr/>
-        <p:txBody>
-          <a:bodyPr anchor="ctr">
-            <a:normAutofit/>
-          </a:bodyPr>
-          <a:lstStyle/>
-          <a:p>
-            <a:pPr marL="0" indent="0">
-              <a:buNone/>
-            </a:pPr>
-            <a:r>
-              <a:rPr lang="en-US" dirty="0"/>
-              <a:t>OOP can help to increase:</a:t>
-            </a:r>
-          </a:p>
-          <a:p>
-            <a:pPr marL="457200" indent="-457200"/>
-            <a:r>
-              <a:rPr lang="en-US" dirty="0"/>
-              <a:t>Modularity of code for easier testing and troubleshooting</a:t>
-            </a:r>
-          </a:p>
-          <a:p>
-            <a:pPr marL="457200" indent="-457200"/>
-            <a:r>
-              <a:rPr lang="en-US" dirty="0"/>
-              <a:t>Reuse of code within and across projects</a:t>
-            </a:r>
-          </a:p>
-          <a:p>
-            <a:pPr marL="457200" indent="-457200"/>
-            <a:r>
-              <a:rPr lang="en-US" dirty="0"/>
-              <a:t>Expressiveness of the code by using real-world analogies</a:t>
-            </a:r>
-          </a:p>
-          <a:p>
-            <a:pPr marL="457200" indent="-457200"/>
-            <a:r>
-              <a:rPr lang="en-US" dirty="0"/>
-              <a:t>The portability of code between platforms or languages</a:t>
-            </a:r>
-          </a:p>
-        </p:txBody>
-      </p:sp>
-      <p:sp>
-        <p:nvSpPr>
-          <p:cNvPr id="3" name="Title 2">
-            <a:extLst>
-              <a:ext uri="{FF2B5EF4-FFF2-40B4-BE49-F238E27FC236}">
-                <a16:creationId xmlns:a16="http://schemas.microsoft.com/office/drawing/2014/main" id="{5C0935C7-9A91-F8F9-B955-3560E8DE9DFA}"/>
-              </a:ext>
-            </a:extLst>
-          </p:cNvPr>
-          <p:cNvSpPr>
-            <a:spLocks noGrp="1"/>
-          </p:cNvSpPr>
-          <p:nvPr>
-            <p:ph type="title"/>
-          </p:nvPr>
-        </p:nvSpPr>
-        <p:spPr/>
-        <p:txBody>
-          <a:bodyPr>
-            <a:normAutofit fontScale="90000"/>
-          </a:bodyPr>
-          <a:lstStyle/>
-          <a:p>
-            <a:r>
-              <a:rPr lang="en-US" dirty="0">
-                <a:solidFill>
-                  <a:schemeClr val="accent6">
-                    <a:lumMod val="75000"/>
-                  </a:schemeClr>
-                </a:solidFill>
-              </a:rPr>
-              <a:t>Intro</a:t>
-            </a:r>
-            <a:br>
-              <a:rPr lang="en-US" dirty="0"/>
-            </a:br>
-            <a:r>
-              <a:rPr lang="en-US" dirty="0"/>
-              <a:t>Why bother?</a:t>
-            </a:r>
-          </a:p>
-        </p:txBody>
-      </p:sp>
-      <p:sp>
-        <p:nvSpPr>
-          <p:cNvPr id="4" name="Footer Placeholder 3">
-            <a:extLst>
-              <a:ext uri="{FF2B5EF4-FFF2-40B4-BE49-F238E27FC236}">
-                <a16:creationId xmlns:a16="http://schemas.microsoft.com/office/drawing/2014/main" id="{0C4A958B-FDA2-F8B1-CD16-754823A5C9C0}"/>
-              </a:ext>
-            </a:extLst>
-          </p:cNvPr>
-          <p:cNvSpPr>
-            <a:spLocks noGrp="1"/>
-          </p:cNvSpPr>
-          <p:nvPr>
-            <p:ph type="ftr" sz="quarter" idx="12"/>
-          </p:nvPr>
-        </p:nvSpPr>
-        <p:spPr/>
-        <p:txBody>
-          <a:bodyPr/>
-          <a:lstStyle/>
-          <a:p>
-            <a:r>
-              <a:rPr lang="en-AU"/>
-              <a:t>Classy Code</a:t>
-            </a:r>
-            <a:endParaRPr lang="en-AU" dirty="0"/>
-          </a:p>
-        </p:txBody>
-      </p:sp>
-      <p:sp>
-        <p:nvSpPr>
-          <p:cNvPr id="5" name="Slide Number Placeholder 4">
-            <a:extLst>
-              <a:ext uri="{FF2B5EF4-FFF2-40B4-BE49-F238E27FC236}">
-                <a16:creationId xmlns:a16="http://schemas.microsoft.com/office/drawing/2014/main" id="{2C4DFBE4-4D48-F433-E072-E1FCCCBDA669}"/>
-              </a:ext>
-            </a:extLst>
-          </p:cNvPr>
-          <p:cNvSpPr>
-            <a:spLocks noGrp="1"/>
-          </p:cNvSpPr>
-          <p:nvPr>
-            <p:ph type="sldNum" sz="quarter" idx="13"/>
-          </p:nvPr>
-        </p:nvSpPr>
-        <p:spPr/>
-        <p:txBody>
-          <a:bodyPr/>
-          <a:lstStyle/>
-          <a:p>
-            <a:fld id="{E917DE0E-AFB1-41FD-BC35-27DB61CA125F}" type="slidenum">
-              <a:rPr lang="en-AU" smtClean="0"/>
-              <a:pPr/>
-              <a:t>7</a:t>
-            </a:fld>
-            <a:endParaRPr lang="en-AU" dirty="0"/>
-          </a:p>
-        </p:txBody>
-      </p:sp>
-    </p:spTree>
-    <p:extLst>
-      <p:ext uri="{BB962C8B-B14F-4D97-AF65-F5344CB8AC3E}">
-        <p14:creationId xmlns:p14="http://schemas.microsoft.com/office/powerpoint/2010/main" val="2910938781"/>
-      </p:ext>
-    </p:extLst>
-  </p:cSld>
-  <p:clrMapOvr>
-    <a:masterClrMapping/>
-  </p:clrMapOvr>
-  <mc:AlternateContent xmlns:mc="http://schemas.openxmlformats.org/markup-compatibility/2006" xmlns:p14="http://schemas.microsoft.com/office/powerpoint/2010/main">
-    <mc:Choice Requires="p14">
-      <p:transition spd="med" p14:dur="700">
-        <p:fade/>
-      </p:transition>
-    </mc:Choice>
-    <mc:Fallback xmlns="">
-      <p:transition spd="med">
-        <p:fade/>
-      </p:transition>
-    </mc:Fallback>
-  </mc:AlternateContent>
-  <p:timing>
-    <p:tnLst>
-      <p:par>
-        <p:cTn id="1" dur="indefinite" restart="never" nodeType="tmRoot">
-          <p:childTnLst>
-            <p:seq concurrent="1" nextAc="seek">
-              <p:cTn id="2" dur="indefinite" nodeType="mainSeq">
-                <p:childTnLst>
-                  <p:par>
-                    <p:cTn id="3" fill="hold">
-                      <p:stCondLst>
-                        <p:cond delay="indefinite"/>
-                      </p:stCondLst>
-                      <p:childTnLst>
-                        <p:par>
-                          <p:cTn id="4" fill="hold">
-                            <p:stCondLst>
-                              <p:cond delay="0"/>
-                            </p:stCondLst>
-                            <p:childTnLst>
-                              <p:par>
-                                <p:cTn id="5" presetID="10" presetClass="entr" presetSubtype="0" fill="hold" grpId="0" nodeType="clickEffect">
-                                  <p:stCondLst>
-                                    <p:cond delay="0"/>
-                                  </p:stCondLst>
-                                  <p:childTnLst>
-                                    <p:set>
-                                      <p:cBhvr>
-                                        <p:cTn id="6" dur="1" fill="hold">
-                                          <p:stCondLst>
-                                            <p:cond delay="0"/>
-                                          </p:stCondLst>
-                                        </p:cTn>
-                                        <p:tgtEl>
-                                          <p:spTgt spid="2">
-                                            <p:txEl>
-                                              <p:pRg st="0" end="0"/>
-                                            </p:txEl>
-                                          </p:spTgt>
-                                        </p:tgtEl>
-                                        <p:attrNameLst>
-                                          <p:attrName>style.visibility</p:attrName>
-                                        </p:attrNameLst>
-                                      </p:cBhvr>
-                                      <p:to>
-                                        <p:strVal val="visible"/>
-                                      </p:to>
-                                    </p:set>
-                                    <p:animEffect transition="in" filter="fade">
-                                      <p:cBhvr>
-                                        <p:cTn id="7" dur="500"/>
-                                        <p:tgtEl>
-                                          <p:spTgt spid="2">
-                                            <p:txEl>
-                                              <p:pRg st="0" end="0"/>
-                                            </p:txEl>
-                                          </p:spTgt>
-                                        </p:tgtEl>
-                                      </p:cBhvr>
-                                    </p:animEffect>
-                                  </p:childTnLst>
-                                </p:cTn>
-                              </p:par>
-                            </p:childTnLst>
-                          </p:cTn>
-                        </p:par>
-                      </p:childTnLst>
-                    </p:cTn>
-                  </p:par>
-                  <p:par>
-                    <p:cTn id="8" fill="hold">
-                      <p:stCondLst>
-                        <p:cond delay="indefinite"/>
-                      </p:stCondLst>
-                      <p:childTnLst>
-                        <p:par>
-                          <p:cTn id="9" fill="hold">
-                            <p:stCondLst>
-                              <p:cond delay="0"/>
-                            </p:stCondLst>
-                            <p:childTnLst>
-                              <p:par>
-                                <p:cTn id="10" presetID="10" presetClass="entr" presetSubtype="0" fill="hold" grpId="0" nodeType="clickEffect">
-                                  <p:stCondLst>
-                                    <p:cond delay="0"/>
-                                  </p:stCondLst>
-                                  <p:childTnLst>
-                                    <p:set>
-                                      <p:cBhvr>
-                                        <p:cTn id="11" dur="1" fill="hold">
-                                          <p:stCondLst>
-                                            <p:cond delay="0"/>
-                                          </p:stCondLst>
-                                        </p:cTn>
-                                        <p:tgtEl>
-                                          <p:spTgt spid="2">
-                                            <p:txEl>
-                                              <p:pRg st="1" end="1"/>
-                                            </p:txEl>
-                                          </p:spTgt>
-                                        </p:tgtEl>
-                                        <p:attrNameLst>
-                                          <p:attrName>style.visibility</p:attrName>
-                                        </p:attrNameLst>
-                                      </p:cBhvr>
-                                      <p:to>
-                                        <p:strVal val="visible"/>
-                                      </p:to>
-                                    </p:set>
-                                    <p:animEffect transition="in" filter="fade">
-                                      <p:cBhvr>
-                                        <p:cTn id="12" dur="500"/>
-                                        <p:tgtEl>
-                                          <p:spTgt spid="2">
-                                            <p:txEl>
-                                              <p:pRg st="1" end="1"/>
-                                            </p:txEl>
-                                          </p:spTgt>
-                                        </p:tgtEl>
-                                      </p:cBhvr>
-                                    </p:animEffect>
-                                  </p:childTnLst>
-                                </p:cTn>
-                              </p:par>
-                            </p:childTnLst>
-                          </p:cTn>
-                        </p:par>
-                      </p:childTnLst>
-                    </p:cTn>
-                  </p:par>
-                  <p:par>
-                    <p:cTn id="13" fill="hold">
-                      <p:stCondLst>
-                        <p:cond delay="indefinite"/>
-                      </p:stCondLst>
-                      <p:childTnLst>
-                        <p:par>
-                          <p:cTn id="14" fill="hold">
-                            <p:stCondLst>
-                              <p:cond delay="0"/>
-                            </p:stCondLst>
-                            <p:childTnLst>
-                              <p:par>
-                                <p:cTn id="15" presetID="10" presetClass="entr" presetSubtype="0" fill="hold" grpId="0" nodeType="clickEffect">
-                                  <p:stCondLst>
-                                    <p:cond delay="0"/>
-                                  </p:stCondLst>
-                                  <p:childTnLst>
-                                    <p:set>
-                                      <p:cBhvr>
-                                        <p:cTn id="16" dur="1" fill="hold">
-                                          <p:stCondLst>
-                                            <p:cond delay="0"/>
-                                          </p:stCondLst>
-                                        </p:cTn>
-                                        <p:tgtEl>
-                                          <p:spTgt spid="2">
-                                            <p:txEl>
-                                              <p:pRg st="2" end="2"/>
-                                            </p:txEl>
-                                          </p:spTgt>
-                                        </p:tgtEl>
-                                        <p:attrNameLst>
-                                          <p:attrName>style.visibility</p:attrName>
-                                        </p:attrNameLst>
-                                      </p:cBhvr>
-                                      <p:to>
-                                        <p:strVal val="visible"/>
-                                      </p:to>
-                                    </p:set>
-                                    <p:animEffect transition="in" filter="fade">
-                                      <p:cBhvr>
-                                        <p:cTn id="17" dur="500"/>
-                                        <p:tgtEl>
-                                          <p:spTgt spid="2">
-                                            <p:txEl>
-                                              <p:pRg st="2" end="2"/>
-                                            </p:txEl>
-                                          </p:spTgt>
-                                        </p:tgtEl>
-                                      </p:cBhvr>
-                                    </p:animEffect>
-                                  </p:childTnLst>
-                                </p:cTn>
-                              </p:par>
-                            </p:childTnLst>
-                          </p:cTn>
-                        </p:par>
-                      </p:childTnLst>
-                    </p:cTn>
-                  </p:par>
-                  <p:par>
-                    <p:cTn id="18" fill="hold">
-                      <p:stCondLst>
-                        <p:cond delay="indefinite"/>
-                      </p:stCondLst>
-                      <p:childTnLst>
-                        <p:par>
-                          <p:cTn id="19" fill="hold">
-                            <p:stCondLst>
-                              <p:cond delay="0"/>
-                            </p:stCondLst>
-                            <p:childTnLst>
-                              <p:par>
-                                <p:cTn id="20" presetID="10" presetClass="entr" presetSubtype="0" fill="hold" grpId="0" nodeType="clickEffect">
-                                  <p:stCondLst>
-                                    <p:cond delay="0"/>
-                                  </p:stCondLst>
-                                  <p:childTnLst>
-                                    <p:set>
-                                      <p:cBhvr>
-                                        <p:cTn id="21" dur="1" fill="hold">
-                                          <p:stCondLst>
-                                            <p:cond delay="0"/>
-                                          </p:stCondLst>
-                                        </p:cTn>
-                                        <p:tgtEl>
-                                          <p:spTgt spid="2">
-                                            <p:txEl>
-                                              <p:pRg st="3" end="3"/>
-                                            </p:txEl>
-                                          </p:spTgt>
-                                        </p:tgtEl>
-                                        <p:attrNameLst>
-                                          <p:attrName>style.visibility</p:attrName>
-                                        </p:attrNameLst>
-                                      </p:cBhvr>
-                                      <p:to>
-                                        <p:strVal val="visible"/>
-                                      </p:to>
-                                    </p:set>
-                                    <p:animEffect transition="in" filter="fade">
-                                      <p:cBhvr>
-                                        <p:cTn id="22" dur="500"/>
-                                        <p:tgtEl>
-                                          <p:spTgt spid="2">
-                                            <p:txEl>
-                                              <p:pRg st="3" end="3"/>
-                                            </p:txEl>
-                                          </p:spTgt>
-                                        </p:tgtEl>
-                                      </p:cBhvr>
-                                    </p:animEffect>
-                                  </p:childTnLst>
-                                </p:cTn>
-                              </p:par>
-                            </p:childTnLst>
-                          </p:cTn>
-                        </p:par>
-                      </p:childTnLst>
-                    </p:cTn>
-                  </p:par>
-                  <p:par>
-                    <p:cTn id="23" fill="hold">
-                      <p:stCondLst>
-                        <p:cond delay="indefinite"/>
-                      </p:stCondLst>
-                      <p:childTnLst>
-                        <p:par>
-                          <p:cTn id="24" fill="hold">
-                            <p:stCondLst>
-                              <p:cond delay="0"/>
-                            </p:stCondLst>
-                            <p:childTnLst>
-                              <p:par>
-                                <p:cTn id="25" presetID="10" presetClass="entr" presetSubtype="0" fill="hold" grpId="0" nodeType="clickEffect">
-                                  <p:stCondLst>
-                                    <p:cond delay="0"/>
-                                  </p:stCondLst>
-                                  <p:childTnLst>
-                                    <p:set>
-                                      <p:cBhvr>
-                                        <p:cTn id="26" dur="1" fill="hold">
-                                          <p:stCondLst>
-                                            <p:cond delay="0"/>
-                                          </p:stCondLst>
-                                        </p:cTn>
-                                        <p:tgtEl>
-                                          <p:spTgt spid="2">
-                                            <p:txEl>
-                                              <p:pRg st="4" end="4"/>
-                                            </p:txEl>
-                                          </p:spTgt>
-                                        </p:tgtEl>
-                                        <p:attrNameLst>
-                                          <p:attrName>style.visibility</p:attrName>
-                                        </p:attrNameLst>
-                                      </p:cBhvr>
-                                      <p:to>
-                                        <p:strVal val="visible"/>
-                                      </p:to>
-                                    </p:set>
-                                    <p:animEffect transition="in" filter="fade">
-                                      <p:cBhvr>
-                                        <p:cTn id="27" dur="500"/>
-                                        <p:tgtEl>
-                                          <p:spTgt spid="2">
-                                            <p:txEl>
-                                              <p:pRg st="4" end="4"/>
-                                            </p:txEl>
-                                          </p:spTgt>
-                                        </p:tgtEl>
-                                      </p:cBhvr>
-                                    </p:animEffect>
-                                  </p:childTnLst>
-                                </p:cTn>
-                              </p:par>
-                            </p:childTnLst>
-                          </p:cTn>
-                        </p:par>
-                      </p:childTnLst>
-                    </p:cTn>
-                  </p:par>
-                </p:childTnLst>
-              </p:cTn>
-              <p:prevCondLst>
-                <p:cond evt="onPrev" delay="0">
-                  <p:tgtEl>
-                    <p:sldTgt/>
-                  </p:tgtEl>
-                </p:cond>
-              </p:prevCondLst>
-              <p:nextCondLst>
-                <p:cond evt="onNext" delay="0">
-                  <p:tgtEl>
-                    <p:sldTgt/>
-                  </p:tgtEl>
-                </p:cond>
-              </p:nextCondLst>
-            </p:seq>
-          </p:childTnLst>
-        </p:cTn>
-      </p:par>
-    </p:tnLst>
-    <p:bldLst>
-      <p:bldP spid="2" grpId="0" build="p"/>
-    </p:bldLst>
-  </p:timing>
-</p:sld>
-</file>
-
-<file path=ppt/slides/slide8.xml><?xml version="1.0" encoding="utf-8"?>
-<p:sld xmlns:a="http://schemas.openxmlformats.org/drawingml/2006/main" xmlns:r="http://schemas.openxmlformats.org/officeDocument/2006/relationships" xmlns:p="http://schemas.openxmlformats.org/presentationml/2006/main">
-  <p:cSld>
-    <p:spTree>
-      <p:nvGrpSpPr>
-        <p:cNvPr id="1" name=""/>
-        <p:cNvGrpSpPr/>
-        <p:nvPr/>
-      </p:nvGrpSpPr>
-      <p:grpSpPr>
-        <a:xfrm>
-          <a:off x="0" y="0"/>
-          <a:ext cx="0" cy="0"/>
-          <a:chOff x="0" y="0"/>
-          <a:chExt cx="0" cy="0"/>
-        </a:xfrm>
-      </p:grpSpPr>
-      <p:sp>
-        <p:nvSpPr>
-          <p:cNvPr id="2" name="Content Placeholder 1">
-            <a:extLst>
-              <a:ext uri="{FF2B5EF4-FFF2-40B4-BE49-F238E27FC236}">
-                <a16:creationId xmlns:a16="http://schemas.microsoft.com/office/drawing/2014/main" id="{2202ED9A-C8B6-432D-0DEC-A527D02AB679}"/>
-              </a:ext>
-            </a:extLst>
-          </p:cNvPr>
-          <p:cNvSpPr>
-            <a:spLocks noGrp="1"/>
-          </p:cNvSpPr>
-          <p:nvPr>
-            <p:ph sz="quarter" idx="11"/>
-          </p:nvPr>
-        </p:nvSpPr>
-        <p:spPr/>
-        <p:txBody>
-          <a:bodyPr anchor="ctr">
-            <a:normAutofit/>
-          </a:bodyPr>
-          <a:lstStyle/>
-          <a:p>
-            <a:pPr marL="0" indent="0">
-              <a:buNone/>
-            </a:pPr>
-            <a:r>
-              <a:rPr lang="en-US" dirty="0"/>
-              <a:t>Most modern programming languages offer some form of support for OOP in addition to other paradigms (</a:t>
-            </a:r>
-            <a:r>
-              <a:rPr lang="en-US" i="1" dirty="0"/>
-              <a:t>multi-paradigm</a:t>
-            </a:r>
-            <a:r>
-              <a:rPr lang="en-US" dirty="0"/>
-              <a:t>):</a:t>
-            </a:r>
-          </a:p>
-          <a:p>
-            <a:pPr marL="457200" indent="-457200"/>
-            <a:r>
-              <a:rPr lang="en-US" dirty="0"/>
-              <a:t>C++, C#, Java, JavaScript, MATLAB, PHP, Python, R, Swift, …</a:t>
-            </a:r>
-          </a:p>
-          <a:p>
-            <a:pPr marL="0" indent="0">
-              <a:buNone/>
-            </a:pPr>
-            <a:endParaRPr lang="en-US" dirty="0"/>
-          </a:p>
-          <a:p>
-            <a:pPr marL="0" indent="0">
-              <a:buNone/>
-            </a:pPr>
-            <a:r>
-              <a:rPr lang="en-US" dirty="0"/>
-              <a:t>Even if you are not going to use OOP yourself, the frameworks you use probably do!</a:t>
-            </a:r>
-          </a:p>
-        </p:txBody>
-      </p:sp>
-      <p:sp>
-        <p:nvSpPr>
-          <p:cNvPr id="3" name="Title 2">
-            <a:extLst>
-              <a:ext uri="{FF2B5EF4-FFF2-40B4-BE49-F238E27FC236}">
-                <a16:creationId xmlns:a16="http://schemas.microsoft.com/office/drawing/2014/main" id="{5C0935C7-9A91-F8F9-B955-3560E8DE9DFA}"/>
-              </a:ext>
-            </a:extLst>
-          </p:cNvPr>
-          <p:cNvSpPr>
-            <a:spLocks noGrp="1"/>
-          </p:cNvSpPr>
-          <p:nvPr>
-            <p:ph type="title"/>
-          </p:nvPr>
-        </p:nvSpPr>
-        <p:spPr/>
-        <p:txBody>
-          <a:bodyPr>
-            <a:normAutofit fontScale="90000"/>
-          </a:bodyPr>
-          <a:lstStyle/>
-          <a:p>
-            <a:r>
-              <a:rPr lang="en-US" dirty="0">
-                <a:solidFill>
-                  <a:schemeClr val="accent6">
-                    <a:lumMod val="75000"/>
-                  </a:schemeClr>
-                </a:solidFill>
-              </a:rPr>
-              <a:t>Intro</a:t>
-            </a:r>
-            <a:br>
-              <a:rPr lang="en-US" dirty="0"/>
-            </a:br>
-            <a:r>
-              <a:rPr lang="en-US" dirty="0"/>
-              <a:t>Where can I do OOP?</a:t>
-            </a:r>
-          </a:p>
-        </p:txBody>
-      </p:sp>
-      <p:sp>
-        <p:nvSpPr>
-          <p:cNvPr id="4" name="Footer Placeholder 3">
-            <a:extLst>
-              <a:ext uri="{FF2B5EF4-FFF2-40B4-BE49-F238E27FC236}">
-                <a16:creationId xmlns:a16="http://schemas.microsoft.com/office/drawing/2014/main" id="{0C4A958B-FDA2-F8B1-CD16-754823A5C9C0}"/>
-              </a:ext>
-            </a:extLst>
-          </p:cNvPr>
-          <p:cNvSpPr>
-            <a:spLocks noGrp="1"/>
-          </p:cNvSpPr>
-          <p:nvPr>
-            <p:ph type="ftr" sz="quarter" idx="12"/>
-          </p:nvPr>
-        </p:nvSpPr>
-        <p:spPr/>
-        <p:txBody>
-          <a:bodyPr/>
-          <a:lstStyle/>
-          <a:p>
-            <a:r>
-              <a:rPr lang="en-AU"/>
-              <a:t>Classy Code</a:t>
-            </a:r>
-            <a:endParaRPr lang="en-AU" dirty="0"/>
-          </a:p>
-        </p:txBody>
-      </p:sp>
-      <p:sp>
-        <p:nvSpPr>
-          <p:cNvPr id="5" name="Slide Number Placeholder 4">
-            <a:extLst>
-              <a:ext uri="{FF2B5EF4-FFF2-40B4-BE49-F238E27FC236}">
-                <a16:creationId xmlns:a16="http://schemas.microsoft.com/office/drawing/2014/main" id="{2C4DFBE4-4D48-F433-E072-E1FCCCBDA669}"/>
-              </a:ext>
-            </a:extLst>
-          </p:cNvPr>
-          <p:cNvSpPr>
-            <a:spLocks noGrp="1"/>
-          </p:cNvSpPr>
-          <p:nvPr>
-            <p:ph type="sldNum" sz="quarter" idx="13"/>
-          </p:nvPr>
-        </p:nvSpPr>
-        <p:spPr/>
-        <p:txBody>
-          <a:bodyPr/>
-          <a:lstStyle/>
-          <a:p>
-            <a:fld id="{E917DE0E-AFB1-41FD-BC35-27DB61CA125F}" type="slidenum">
-              <a:rPr lang="en-AU" smtClean="0"/>
-              <a:pPr/>
-              <a:t>8</a:t>
-            </a:fld>
-            <a:endParaRPr lang="en-AU" dirty="0"/>
-          </a:p>
-        </p:txBody>
-      </p:sp>
-      <p:sp>
-        <p:nvSpPr>
-          <p:cNvPr id="7" name="Oval 6">
-            <a:extLst>
-              <a:ext uri="{FF2B5EF4-FFF2-40B4-BE49-F238E27FC236}">
-                <a16:creationId xmlns:a16="http://schemas.microsoft.com/office/drawing/2014/main" id="{FC2591B8-09D1-EEE7-69FA-AEDA124206A3}"/>
-              </a:ext>
-            </a:extLst>
-          </p:cNvPr>
-          <p:cNvSpPr/>
-          <p:nvPr/>
-        </p:nvSpPr>
-        <p:spPr>
-          <a:xfrm>
-            <a:off x="7391400" y="3877053"/>
-            <a:ext cx="1371600" cy="533400"/>
-          </a:xfrm>
-          <a:custGeom>
-            <a:avLst/>
-            <a:gdLst>
-              <a:gd name="connsiteX0" fmla="*/ 0 w 1371600"/>
-              <a:gd name="connsiteY0" fmla="*/ 266700 h 533400"/>
-              <a:gd name="connsiteX1" fmla="*/ 685800 w 1371600"/>
-              <a:gd name="connsiteY1" fmla="*/ 0 h 533400"/>
-              <a:gd name="connsiteX2" fmla="*/ 1371600 w 1371600"/>
-              <a:gd name="connsiteY2" fmla="*/ 266700 h 533400"/>
-              <a:gd name="connsiteX3" fmla="*/ 685800 w 1371600"/>
-              <a:gd name="connsiteY3" fmla="*/ 533400 h 533400"/>
-              <a:gd name="connsiteX4" fmla="*/ 0 w 1371600"/>
-              <a:gd name="connsiteY4" fmla="*/ 266700 h 533400"/>
-            </a:gdLst>
-            <a:ahLst/>
-            <a:cxnLst>
-              <a:cxn ang="0">
-                <a:pos x="connsiteX0" y="connsiteY0"/>
-              </a:cxn>
-              <a:cxn ang="0">
-                <a:pos x="connsiteX1" y="connsiteY1"/>
-              </a:cxn>
-              <a:cxn ang="0">
-                <a:pos x="connsiteX2" y="connsiteY2"/>
-              </a:cxn>
-              <a:cxn ang="0">
-                <a:pos x="connsiteX3" y="connsiteY3"/>
-              </a:cxn>
-              <a:cxn ang="0">
-                <a:pos x="connsiteX4" y="connsiteY4"/>
-              </a:cxn>
-            </a:cxnLst>
-            <a:rect l="l" t="t" r="r" b="b"/>
-            <a:pathLst>
-              <a:path w="1371600" h="533400" extrusionOk="0">
-                <a:moveTo>
-                  <a:pt x="0" y="266700"/>
-                </a:moveTo>
-                <a:cubicBezTo>
-                  <a:pt x="-34609" y="98059"/>
-                  <a:pt x="266091" y="15370"/>
-                  <a:pt x="685800" y="0"/>
-                </a:cubicBezTo>
-                <a:cubicBezTo>
-                  <a:pt x="1100497" y="7566"/>
-                  <a:pt x="1345702" y="120229"/>
-                  <a:pt x="1371600" y="266700"/>
-                </a:cubicBezTo>
-                <a:cubicBezTo>
-                  <a:pt x="1302997" y="480989"/>
-                  <a:pt x="1053977" y="591880"/>
-                  <a:pt x="685800" y="533400"/>
-                </a:cubicBezTo>
-                <a:cubicBezTo>
-                  <a:pt x="271980" y="514216"/>
-                  <a:pt x="9899" y="418724"/>
-                  <a:pt x="0" y="266700"/>
-                </a:cubicBezTo>
-                <a:close/>
-              </a:path>
-            </a:pathLst>
-          </a:custGeom>
-          <a:noFill/>
-          <a:ln>
-            <a:extLst>
-              <a:ext uri="{C807C97D-BFC1-408E-A445-0C87EB9F89A2}">
-                <ask:lineSketchStyleProps xmlns:ask="http://schemas.microsoft.com/office/drawing/2018/sketchyshapes" sd="1219033472">
-                  <a:prstGeom prst="ellipse">
-                    <a:avLst/>
-                  </a:prstGeom>
-                  <ask:type>
-                    <ask:lineSketchScribble/>
-                  </ask:type>
-                </ask:lineSketchStyleProps>
-              </a:ext>
-            </a:extLst>
-          </a:ln>
-        </p:spPr>
-        <p:style>
-          <a:lnRef idx="2">
-            <a:schemeClr val="accent1">
-              <a:shade val="50000"/>
-            </a:schemeClr>
-          </a:lnRef>
-          <a:fillRef idx="1">
-            <a:schemeClr val="accent1"/>
-          </a:fillRef>
-          <a:effectRef idx="0">
-            <a:schemeClr val="accent1"/>
-          </a:effectRef>
-          <a:fontRef idx="minor">
-            <a:schemeClr val="lt1"/>
-          </a:fontRef>
-        </p:style>
-        <p:txBody>
-          <a:bodyPr rtlCol="0" anchor="ctr"/>
-          <a:lstStyle/>
-          <a:p>
-            <a:pPr algn="ctr"/>
-            <a:endParaRPr lang="en-US"/>
-          </a:p>
-        </p:txBody>
-      </p:sp>
-    </p:spTree>
-    <p:extLst>
-      <p:ext uri="{BB962C8B-B14F-4D97-AF65-F5344CB8AC3E}">
-        <p14:creationId xmlns:p14="http://schemas.microsoft.com/office/powerpoint/2010/main" val="1335771419"/>
-      </p:ext>
-    </p:extLst>
-  </p:cSld>
-  <p:clrMapOvr>
-    <a:masterClrMapping/>
-  </p:clrMapOvr>
-  <mc:AlternateContent xmlns:mc="http://schemas.openxmlformats.org/markup-compatibility/2006" xmlns:p14="http://schemas.microsoft.com/office/powerpoint/2010/main">
-    <mc:Choice Requires="p14">
-      <p:transition spd="med" p14:dur="700">
-        <p:fade/>
-      </p:transition>
-    </mc:Choice>
-    <mc:Fallback xmlns="">
-      <p:transition spd="med">
-        <p:fade/>
-      </p:transition>
-    </mc:Fallback>
-  </mc:AlternateContent>
-  <p:timing>
-    <p:tnLst>
-      <p:par>
-        <p:cTn id="1" dur="indefinite" restart="never" nodeType="tmRoot">
-          <p:childTnLst>
-            <p:seq concurrent="1" nextAc="seek">
-              <p:cTn id="2" dur="indefinite" nodeType="mainSeq">
-                <p:childTnLst>
-                  <p:par>
-                    <p:cTn id="3" fill="hold">
-                      <p:stCondLst>
-                        <p:cond delay="indefinite"/>
-                      </p:stCondLst>
-                      <p:childTnLst>
-                        <p:par>
-                          <p:cTn id="4" fill="hold">
-                            <p:stCondLst>
-                              <p:cond delay="0"/>
-                            </p:stCondLst>
-                            <p:childTnLst>
-                              <p:par>
-                                <p:cTn id="5" presetID="10" presetClass="entr" presetSubtype="0" fill="hold" grpId="0" nodeType="clickEffect">
-                                  <p:stCondLst>
-                                    <p:cond delay="0"/>
-                                  </p:stCondLst>
-                                  <p:childTnLst>
-                                    <p:set>
-                                      <p:cBhvr>
-                                        <p:cTn id="6" dur="1" fill="hold">
-                                          <p:stCondLst>
-                                            <p:cond delay="0"/>
-                                          </p:stCondLst>
-                                        </p:cTn>
-                                        <p:tgtEl>
-                                          <p:spTgt spid="2">
-                                            <p:txEl>
-                                              <p:pRg st="0" end="0"/>
-                                            </p:txEl>
-                                          </p:spTgt>
-                                        </p:tgtEl>
-                                        <p:attrNameLst>
-                                          <p:attrName>style.visibility</p:attrName>
-                                        </p:attrNameLst>
-                                      </p:cBhvr>
-                                      <p:to>
-                                        <p:strVal val="visible"/>
-                                      </p:to>
-                                    </p:set>
-                                    <p:animEffect transition="in" filter="fade">
-                                      <p:cBhvr>
-                                        <p:cTn id="7" dur="500"/>
-                                        <p:tgtEl>
-                                          <p:spTgt spid="2">
-                                            <p:txEl>
-                                              <p:pRg st="0" end="0"/>
-                                            </p:txEl>
-                                          </p:spTgt>
-                                        </p:tgtEl>
-                                      </p:cBhvr>
-                                    </p:animEffect>
-                                  </p:childTnLst>
-                                </p:cTn>
-                              </p:par>
-                            </p:childTnLst>
-                          </p:cTn>
-                        </p:par>
-                      </p:childTnLst>
-                    </p:cTn>
-                  </p:par>
-                  <p:par>
-                    <p:cTn id="8" fill="hold">
-                      <p:stCondLst>
-                        <p:cond delay="indefinite"/>
-                      </p:stCondLst>
-                      <p:childTnLst>
-                        <p:par>
-                          <p:cTn id="9" fill="hold">
-                            <p:stCondLst>
-                              <p:cond delay="0"/>
-                            </p:stCondLst>
-                            <p:childTnLst>
-                              <p:par>
-                                <p:cTn id="10" presetID="10" presetClass="entr" presetSubtype="0" fill="hold" grpId="0" nodeType="clickEffect">
-                                  <p:stCondLst>
-                                    <p:cond delay="0"/>
-                                  </p:stCondLst>
-                                  <p:childTnLst>
-                                    <p:set>
-                                      <p:cBhvr>
-                                        <p:cTn id="11" dur="1" fill="hold">
-                                          <p:stCondLst>
-                                            <p:cond delay="0"/>
-                                          </p:stCondLst>
-                                        </p:cTn>
-                                        <p:tgtEl>
-                                          <p:spTgt spid="2">
-                                            <p:txEl>
-                                              <p:pRg st="1" end="1"/>
-                                            </p:txEl>
-                                          </p:spTgt>
-                                        </p:tgtEl>
-                                        <p:attrNameLst>
-                                          <p:attrName>style.visibility</p:attrName>
-                                        </p:attrNameLst>
-                                      </p:cBhvr>
-                                      <p:to>
-                                        <p:strVal val="visible"/>
-                                      </p:to>
-                                    </p:set>
-                                    <p:animEffect transition="in" filter="fade">
-                                      <p:cBhvr>
-                                        <p:cTn id="12" dur="500"/>
-                                        <p:tgtEl>
-                                          <p:spTgt spid="2">
-                                            <p:txEl>
-                                              <p:pRg st="1" end="1"/>
-                                            </p:txEl>
-                                          </p:spTgt>
-                                        </p:tgtEl>
-                                      </p:cBhvr>
-                                    </p:animEffect>
-                                  </p:childTnLst>
-                                </p:cTn>
-                              </p:par>
-                            </p:childTnLst>
-                          </p:cTn>
-                        </p:par>
-                      </p:childTnLst>
-                    </p:cTn>
-                  </p:par>
-                  <p:par>
-                    <p:cTn id="13" fill="hold">
-                      <p:stCondLst>
-                        <p:cond delay="indefinite"/>
-                      </p:stCondLst>
-                      <p:childTnLst>
-                        <p:par>
-                          <p:cTn id="14" fill="hold">
-                            <p:stCondLst>
-                              <p:cond delay="0"/>
-                            </p:stCondLst>
-                            <p:childTnLst>
-                              <p:par>
-                                <p:cTn id="15" presetID="21" presetClass="entr" presetSubtype="1" fill="hold" grpId="0" nodeType="clickEffect">
-                                  <p:stCondLst>
-                                    <p:cond delay="0"/>
-                                  </p:stCondLst>
-                                  <p:childTnLst>
-                                    <p:set>
-                                      <p:cBhvr>
-                                        <p:cTn id="16" dur="1" fill="hold">
-                                          <p:stCondLst>
-                                            <p:cond delay="0"/>
-                                          </p:stCondLst>
-                                        </p:cTn>
-                                        <p:tgtEl>
-                                          <p:spTgt spid="7"/>
-                                        </p:tgtEl>
-                                        <p:attrNameLst>
-                                          <p:attrName>style.visibility</p:attrName>
-                                        </p:attrNameLst>
-                                      </p:cBhvr>
-                                      <p:to>
-                                        <p:strVal val="visible"/>
-                                      </p:to>
-                                    </p:set>
-                                    <p:animEffect transition="in" filter="wheel(1)">
-                                      <p:cBhvr>
-                                        <p:cTn id="17" dur="2000"/>
-                                        <p:tgtEl>
-                                          <p:spTgt spid="7"/>
-                                        </p:tgtEl>
-                                      </p:cBhvr>
-                                    </p:animEffect>
-                                  </p:childTnLst>
-                                </p:cTn>
-                              </p:par>
-                            </p:childTnLst>
-                          </p:cTn>
-                        </p:par>
-                      </p:childTnLst>
-                    </p:cTn>
-                  </p:par>
-                  <p:par>
-                    <p:cTn id="18" fill="hold">
-                      <p:stCondLst>
-                        <p:cond delay="indefinite"/>
-                      </p:stCondLst>
-                      <p:childTnLst>
-                        <p:par>
-                          <p:cTn id="19" fill="hold">
-                            <p:stCondLst>
-                              <p:cond delay="0"/>
-                            </p:stCondLst>
-                            <p:childTnLst>
-                              <p:par>
-                                <p:cTn id="20" presetID="10" presetClass="entr" presetSubtype="0" fill="hold" grpId="0" nodeType="clickEffect">
-                                  <p:stCondLst>
-                                    <p:cond delay="0"/>
-                                  </p:stCondLst>
-                                  <p:childTnLst>
-                                    <p:set>
-                                      <p:cBhvr>
-                                        <p:cTn id="21" dur="1" fill="hold">
-                                          <p:stCondLst>
-                                            <p:cond delay="0"/>
-                                          </p:stCondLst>
-                                        </p:cTn>
-                                        <p:tgtEl>
-                                          <p:spTgt spid="2">
-                                            <p:txEl>
-                                              <p:pRg st="3" end="3"/>
-                                            </p:txEl>
-                                          </p:spTgt>
-                                        </p:tgtEl>
-                                        <p:attrNameLst>
-                                          <p:attrName>style.visibility</p:attrName>
-                                        </p:attrNameLst>
-                                      </p:cBhvr>
-                                      <p:to>
-                                        <p:strVal val="visible"/>
-                                      </p:to>
-                                    </p:set>
-                                    <p:animEffect transition="in" filter="fade">
-                                      <p:cBhvr>
-                                        <p:cTn id="22" dur="500"/>
-                                        <p:tgtEl>
-                                          <p:spTgt spid="2">
-                                            <p:txEl>
-                                              <p:pRg st="3" end="3"/>
-                                            </p:txEl>
-                                          </p:spTgt>
-                                        </p:tgtEl>
-                                      </p:cBhvr>
-                                    </p:animEffect>
-                                  </p:childTnLst>
-                                </p:cTn>
-                              </p:par>
-                            </p:childTnLst>
-                          </p:cTn>
-                        </p:par>
-                      </p:childTnLst>
-                    </p:cTn>
-                  </p:par>
-                </p:childTnLst>
-              </p:cTn>
-              <p:prevCondLst>
-                <p:cond evt="onPrev" delay="0">
-                  <p:tgtEl>
-                    <p:sldTgt/>
-                  </p:tgtEl>
-                </p:cond>
-              </p:prevCondLst>
-              <p:nextCondLst>
-                <p:cond evt="onNext" delay="0">
-                  <p:tgtEl>
-                    <p:sldTgt/>
-                  </p:tgtEl>
-                </p:cond>
-              </p:nextCondLst>
-            </p:seq>
-          </p:childTnLst>
-        </p:cTn>
-      </p:par>
-    </p:tnLst>
-    <p:bldLst>
-      <p:bldP spid="2" grpId="0" uiExpand="1" build="p"/>
-      <p:bldP spid="7" grpId="0" animBg="1"/>
-    </p:bldLst>
-  </p:timing>
-</p:sld>
-</file>
-
-<file path=ppt/slides/slide9.xml><?xml version="1.0" encoding="utf-8"?>
-<p:sld xmlns:a="http://schemas.openxmlformats.org/drawingml/2006/main" xmlns:r="http://schemas.openxmlformats.org/officeDocument/2006/relationships" xmlns:p="http://schemas.openxmlformats.org/presentationml/2006/main">
-  <p:cSld>
-    <p:spTree>
-      <p:nvGrpSpPr>
-        <p:cNvPr id="1" name=""/>
-        <p:cNvGrpSpPr/>
-        <p:nvPr/>
-      </p:nvGrpSpPr>
-      <p:grpSpPr>
-        <a:xfrm>
-          <a:off x="0" y="0"/>
-          <a:ext cx="0" cy="0"/>
-          <a:chOff x="0" y="0"/>
-          <a:chExt cx="0" cy="0"/>
-        </a:xfrm>
-      </p:grpSpPr>
-      <p:sp>
-        <p:nvSpPr>
-          <p:cNvPr id="2" name="Content Placeholder 1">
-            <a:extLst>
-              <a:ext uri="{FF2B5EF4-FFF2-40B4-BE49-F238E27FC236}">
-                <a16:creationId xmlns:a16="http://schemas.microsoft.com/office/drawing/2014/main" id="{470DD639-4E34-1402-AC30-9EFCF549BE00}"/>
-              </a:ext>
-            </a:extLst>
-          </p:cNvPr>
-          <p:cNvSpPr>
-            <a:spLocks noGrp="1"/>
-          </p:cNvSpPr>
-          <p:nvPr>
-            <p:ph sz="quarter" idx="11"/>
-          </p:nvPr>
-        </p:nvSpPr>
-        <p:spPr/>
-        <p:txBody>
-          <a:bodyPr>
-            <a:normAutofit fontScale="92500" lnSpcReduction="20000"/>
-          </a:bodyPr>
-          <a:lstStyle/>
-          <a:p>
-            <a:r>
-              <a:rPr lang="en-US" dirty="0"/>
-              <a:t>Objects and classes</a:t>
-            </a:r>
-          </a:p>
-          <a:p>
-            <a:r>
-              <a:rPr lang="en-US" dirty="0"/>
-              <a:t>Four key concepts:</a:t>
-            </a:r>
-          </a:p>
-          <a:p>
-            <a:pPr lvl="1"/>
-            <a:r>
-              <a:rPr lang="en-US" dirty="0"/>
-              <a:t>Encapsulation</a:t>
-            </a:r>
-          </a:p>
-          <a:p>
-            <a:pPr lvl="1"/>
-            <a:r>
-              <a:rPr lang="en-US" dirty="0"/>
-              <a:t>Inheritance</a:t>
-            </a:r>
-          </a:p>
-          <a:p>
-            <a:pPr lvl="1"/>
-            <a:r>
-              <a:rPr lang="en-US" dirty="0"/>
-              <a:t>Composition</a:t>
-            </a:r>
-          </a:p>
-          <a:p>
-            <a:pPr lvl="1"/>
-            <a:r>
-              <a:rPr lang="en-US" dirty="0"/>
-              <a:t>Polymorphism</a:t>
-            </a:r>
-          </a:p>
-          <a:p>
-            <a:r>
-              <a:rPr lang="en-US" dirty="0"/>
-              <a:t>Design patterns</a:t>
-            </a:r>
-          </a:p>
-          <a:p>
-            <a:r>
-              <a:rPr lang="en-US" dirty="0"/>
-              <a:t>Summary and next steps</a:t>
-            </a:r>
-          </a:p>
-          <a:p>
-            <a:pPr lvl="1"/>
-            <a:endParaRPr lang="en-US" dirty="0"/>
-          </a:p>
-          <a:p>
-            <a:endParaRPr lang="en-US" dirty="0"/>
-          </a:p>
-        </p:txBody>
-      </p:sp>
-      <p:sp>
-        <p:nvSpPr>
-          <p:cNvPr id="3" name="Title 2">
-            <a:extLst>
-              <a:ext uri="{FF2B5EF4-FFF2-40B4-BE49-F238E27FC236}">
-                <a16:creationId xmlns:a16="http://schemas.microsoft.com/office/drawing/2014/main" id="{43E880DB-FD8E-89BE-FD91-08749C8A117C}"/>
-              </a:ext>
-            </a:extLst>
-          </p:cNvPr>
-          <p:cNvSpPr>
-            <a:spLocks noGrp="1"/>
-          </p:cNvSpPr>
-          <p:nvPr>
-            <p:ph type="title"/>
-          </p:nvPr>
-        </p:nvSpPr>
-        <p:spPr/>
-        <p:txBody>
-          <a:bodyPr>
-            <a:normAutofit fontScale="90000"/>
-          </a:bodyPr>
-          <a:lstStyle/>
-          <a:p>
-            <a:r>
-              <a:rPr lang="en-US" dirty="0">
-                <a:solidFill>
-                  <a:schemeClr val="accent6">
-                    <a:lumMod val="75000"/>
-                  </a:schemeClr>
-                </a:solidFill>
-              </a:rPr>
-              <a:t>Intro</a:t>
-            </a:r>
-            <a:br>
-              <a:rPr lang="en-US" dirty="0">
-                <a:solidFill>
-                  <a:schemeClr val="accent6">
-                    <a:lumMod val="75000"/>
-                  </a:schemeClr>
-                </a:solidFill>
-              </a:rPr>
-            </a:br>
-            <a:r>
-              <a:rPr lang="en-US" dirty="0"/>
-              <a:t>Agenda</a:t>
-            </a:r>
-          </a:p>
-        </p:txBody>
-      </p:sp>
-      <p:sp>
-        <p:nvSpPr>
-          <p:cNvPr id="4" name="Footer Placeholder 3">
-            <a:extLst>
-              <a:ext uri="{FF2B5EF4-FFF2-40B4-BE49-F238E27FC236}">
-                <a16:creationId xmlns:a16="http://schemas.microsoft.com/office/drawing/2014/main" id="{F8A84D93-974B-D105-65AF-9C8C575EC6B1}"/>
-              </a:ext>
-            </a:extLst>
-          </p:cNvPr>
-          <p:cNvSpPr>
-            <a:spLocks noGrp="1"/>
-          </p:cNvSpPr>
-          <p:nvPr>
-            <p:ph type="ftr" sz="quarter" idx="12"/>
-          </p:nvPr>
-        </p:nvSpPr>
-        <p:spPr/>
-        <p:txBody>
-          <a:bodyPr/>
-          <a:lstStyle/>
-          <a:p>
-            <a:r>
-              <a:rPr lang="en-AU"/>
-              <a:t>Classy Code</a:t>
-            </a:r>
-            <a:endParaRPr lang="en-AU" dirty="0"/>
-          </a:p>
-        </p:txBody>
-      </p:sp>
-      <p:sp>
-        <p:nvSpPr>
-          <p:cNvPr id="5" name="Slide Number Placeholder 4">
-            <a:extLst>
-              <a:ext uri="{FF2B5EF4-FFF2-40B4-BE49-F238E27FC236}">
-                <a16:creationId xmlns:a16="http://schemas.microsoft.com/office/drawing/2014/main" id="{9990845C-0D17-CF13-243F-8DA4EB8445B5}"/>
-              </a:ext>
-            </a:extLst>
-          </p:cNvPr>
-          <p:cNvSpPr>
-            <a:spLocks noGrp="1"/>
-          </p:cNvSpPr>
-          <p:nvPr>
-            <p:ph type="sldNum" sz="quarter" idx="13"/>
-          </p:nvPr>
-        </p:nvSpPr>
-        <p:spPr/>
-        <p:txBody>
-          <a:bodyPr/>
-          <a:lstStyle/>
-          <a:p>
-            <a:fld id="{E917DE0E-AFB1-41FD-BC35-27DB61CA125F}" type="slidenum">
-              <a:rPr lang="en-AU" smtClean="0"/>
-              <a:pPr/>
-              <a:t>9</a:t>
-            </a:fld>
-            <a:endParaRPr lang="en-AU" dirty="0"/>
-          </a:p>
-        </p:txBody>
-      </p:sp>
-    </p:spTree>
-    <p:extLst>
-      <p:ext uri="{BB962C8B-B14F-4D97-AF65-F5344CB8AC3E}">
-        <p14:creationId xmlns:p14="http://schemas.microsoft.com/office/powerpoint/2010/main" val="380838017"/>
-      </p:ext>
-    </p:extLst>
-  </p:cSld>
-  <p:clrMapOvr>
-    <a:masterClrMapping/>
-  </p:clrMapOvr>
-  <mc:AlternateContent xmlns:mc="http://schemas.openxmlformats.org/markup-compatibility/2006" xmlns:p14="http://schemas.microsoft.com/office/powerpoint/2010/main">
-    <mc:Choice Requires="p14">
-      <p:transition spd="med" p14:dur="700">
-        <p:fade/>
-      </p:transition>
-    </mc:Choice>
-    <mc:Fallback xmlns="">
-      <p:transition spd="med">
-        <p:fade/>
-      </p:transition>
-    </mc:Fallback>
-  </mc:AlternateContent>
-  <p:timing>
-    <p:tnLst>
-      <p:par>
-        <p:cTn id="1" dur="indefinite" restart="never" nodeType="tmRoot">
-          <p:childTnLst>
-            <p:seq concurrent="1" nextAc="seek">
-              <p:cTn id="2" dur="indefinite" nodeType="mainSeq">
-                <p:childTnLst>
-                  <p:par>
-                    <p:cTn id="3" fill="hold">
-                      <p:stCondLst>
-                        <p:cond delay="indefinite"/>
-                      </p:stCondLst>
-                      <p:childTnLst>
-                        <p:par>
-                          <p:cTn id="4" fill="hold">
-                            <p:stCondLst>
-                              <p:cond delay="0"/>
-                            </p:stCondLst>
-                            <p:childTnLst>
-                              <p:par>
-                                <p:cTn id="5" presetID="10" presetClass="entr" presetSubtype="0" fill="hold" grpId="0" nodeType="clickEffect">
-                                  <p:stCondLst>
-                                    <p:cond delay="0"/>
-                                  </p:stCondLst>
-                                  <p:childTnLst>
-                                    <p:set>
-                                      <p:cBhvr>
-                                        <p:cTn id="6" dur="1" fill="hold">
-                                          <p:stCondLst>
-                                            <p:cond delay="0"/>
-                                          </p:stCondLst>
-                                        </p:cTn>
-                                        <p:tgtEl>
-                                          <p:spTgt spid="2">
-                                            <p:txEl>
-                                              <p:pRg st="0" end="0"/>
-                                            </p:txEl>
-                                          </p:spTgt>
-                                        </p:tgtEl>
-                                        <p:attrNameLst>
-                                          <p:attrName>style.visibility</p:attrName>
-                                        </p:attrNameLst>
-                                      </p:cBhvr>
-                                      <p:to>
-                                        <p:strVal val="visible"/>
-                                      </p:to>
-                                    </p:set>
-                                    <p:animEffect transition="in" filter="fade">
-                                      <p:cBhvr>
-                                        <p:cTn id="7" dur="500"/>
-                                        <p:tgtEl>
-                                          <p:spTgt spid="2">
-                                            <p:txEl>
-                                              <p:pRg st="0" end="0"/>
-                                            </p:txEl>
-                                          </p:spTgt>
-                                        </p:tgtEl>
-                                      </p:cBhvr>
-                                    </p:animEffect>
-                                  </p:childTnLst>
-                                </p:cTn>
-                              </p:par>
-                            </p:childTnLst>
-                          </p:cTn>
-                        </p:par>
-                      </p:childTnLst>
-                    </p:cTn>
-                  </p:par>
-                  <p:par>
-                    <p:cTn id="8" fill="hold">
-                      <p:stCondLst>
-                        <p:cond delay="indefinite"/>
-                      </p:stCondLst>
-                      <p:childTnLst>
-                        <p:par>
-                          <p:cTn id="9" fill="hold">
-                            <p:stCondLst>
-                              <p:cond delay="0"/>
-                            </p:stCondLst>
-                            <p:childTnLst>
-                              <p:par>
-                                <p:cTn id="10" presetID="10" presetClass="entr" presetSubtype="0" fill="hold" grpId="0" nodeType="clickEffect">
-                                  <p:stCondLst>
-                                    <p:cond delay="0"/>
-                                  </p:stCondLst>
-                                  <p:childTnLst>
-                                    <p:set>
-                                      <p:cBhvr>
-                                        <p:cTn id="11" dur="1" fill="hold">
-                                          <p:stCondLst>
-                                            <p:cond delay="0"/>
-                                          </p:stCondLst>
-                                        </p:cTn>
-                                        <p:tgtEl>
-                                          <p:spTgt spid="2">
-                                            <p:txEl>
-                                              <p:pRg st="1" end="1"/>
-                                            </p:txEl>
-                                          </p:spTgt>
-                                        </p:tgtEl>
-                                        <p:attrNameLst>
-                                          <p:attrName>style.visibility</p:attrName>
-                                        </p:attrNameLst>
-                                      </p:cBhvr>
-                                      <p:to>
-                                        <p:strVal val="visible"/>
-                                      </p:to>
-                                    </p:set>
-                                    <p:animEffect transition="in" filter="fade">
-                                      <p:cBhvr>
-                                        <p:cTn id="12" dur="500"/>
-                                        <p:tgtEl>
-                                          <p:spTgt spid="2">
-                                            <p:txEl>
-                                              <p:pRg st="1" end="1"/>
-                                            </p:txEl>
-                                          </p:spTgt>
-                                        </p:tgtEl>
-                                      </p:cBhvr>
-                                    </p:animEffect>
-                                  </p:childTnLst>
-                                </p:cTn>
-                              </p:par>
-                              <p:par>
-                                <p:cTn id="13" presetID="10" presetClass="entr" presetSubtype="0" fill="hold" grpId="0" nodeType="withEffect">
-                                  <p:stCondLst>
-                                    <p:cond delay="0"/>
-                                  </p:stCondLst>
-                                  <p:childTnLst>
-                                    <p:set>
-                                      <p:cBhvr>
-                                        <p:cTn id="14" dur="1" fill="hold">
-                                          <p:stCondLst>
-                                            <p:cond delay="0"/>
-                                          </p:stCondLst>
-                                        </p:cTn>
-                                        <p:tgtEl>
-                                          <p:spTgt spid="2">
-                                            <p:txEl>
-                                              <p:pRg st="2" end="2"/>
-                                            </p:txEl>
-                                          </p:spTgt>
-                                        </p:tgtEl>
-                                        <p:attrNameLst>
-                                          <p:attrName>style.visibility</p:attrName>
-                                        </p:attrNameLst>
-                                      </p:cBhvr>
-                                      <p:to>
-                                        <p:strVal val="visible"/>
-                                      </p:to>
-                                    </p:set>
-                                    <p:animEffect transition="in" filter="fade">
-                                      <p:cBhvr>
-                                        <p:cTn id="15" dur="500"/>
-                                        <p:tgtEl>
-                                          <p:spTgt spid="2">
-                                            <p:txEl>
-                                              <p:pRg st="2" end="2"/>
-                                            </p:txEl>
-                                          </p:spTgt>
-                                        </p:tgtEl>
-                                      </p:cBhvr>
-                                    </p:animEffect>
-                                  </p:childTnLst>
-                                </p:cTn>
-                              </p:par>
-                              <p:par>
-                                <p:cTn id="16" presetID="10" presetClass="entr" presetSubtype="0" fill="hold" grpId="0" nodeType="withEffect">
-                                  <p:stCondLst>
-                                    <p:cond delay="0"/>
-                                  </p:stCondLst>
-                                  <p:childTnLst>
-                                    <p:set>
-                                      <p:cBhvr>
-                                        <p:cTn id="17" dur="1" fill="hold">
-                                          <p:stCondLst>
-                                            <p:cond delay="0"/>
-                                          </p:stCondLst>
-                                        </p:cTn>
-                                        <p:tgtEl>
-                                          <p:spTgt spid="2">
-                                            <p:txEl>
-                                              <p:pRg st="3" end="3"/>
-                                            </p:txEl>
-                                          </p:spTgt>
-                                        </p:tgtEl>
-                                        <p:attrNameLst>
-                                          <p:attrName>style.visibility</p:attrName>
-                                        </p:attrNameLst>
-                                      </p:cBhvr>
-                                      <p:to>
-                                        <p:strVal val="visible"/>
-                                      </p:to>
-                                    </p:set>
-                                    <p:animEffect transition="in" filter="fade">
-                                      <p:cBhvr>
-                                        <p:cTn id="18" dur="500"/>
-                                        <p:tgtEl>
-                                          <p:spTgt spid="2">
-                                            <p:txEl>
-                                              <p:pRg st="3" end="3"/>
-                                            </p:txEl>
-                                          </p:spTgt>
-                                        </p:tgtEl>
-                                      </p:cBhvr>
-                                    </p:animEffect>
-                                  </p:childTnLst>
-                                </p:cTn>
-                              </p:par>
-                              <p:par>
-                                <p:cTn id="19" presetID="10" presetClass="entr" presetSubtype="0" fill="hold" grpId="0" nodeType="withEffect">
-                                  <p:stCondLst>
-                                    <p:cond delay="0"/>
-                                  </p:stCondLst>
-                                  <p:childTnLst>
-                                    <p:set>
-                                      <p:cBhvr>
-                                        <p:cTn id="20" dur="1" fill="hold">
-                                          <p:stCondLst>
-                                            <p:cond delay="0"/>
-                                          </p:stCondLst>
-                                        </p:cTn>
-                                        <p:tgtEl>
-                                          <p:spTgt spid="2">
-                                            <p:txEl>
-                                              <p:pRg st="4" end="4"/>
-                                            </p:txEl>
-                                          </p:spTgt>
-                                        </p:tgtEl>
-                                        <p:attrNameLst>
-                                          <p:attrName>style.visibility</p:attrName>
-                                        </p:attrNameLst>
-                                      </p:cBhvr>
-                                      <p:to>
-                                        <p:strVal val="visible"/>
-                                      </p:to>
-                                    </p:set>
-                                    <p:animEffect transition="in" filter="fade">
-                                      <p:cBhvr>
-                                        <p:cTn id="21" dur="500"/>
-                                        <p:tgtEl>
-                                          <p:spTgt spid="2">
-                                            <p:txEl>
-                                              <p:pRg st="4" end="4"/>
-                                            </p:txEl>
-                                          </p:spTgt>
-                                        </p:tgtEl>
-                                      </p:cBhvr>
-                                    </p:animEffect>
-                                  </p:childTnLst>
-                                </p:cTn>
-                              </p:par>
-                              <p:par>
-                                <p:cTn id="22" presetID="10" presetClass="entr" presetSubtype="0" fill="hold" grpId="0" nodeType="withEffect">
-                                  <p:stCondLst>
-                                    <p:cond delay="0"/>
-                                  </p:stCondLst>
-                                  <p:childTnLst>
-                                    <p:set>
-                                      <p:cBhvr>
-                                        <p:cTn id="23" dur="1" fill="hold">
-                                          <p:stCondLst>
-                                            <p:cond delay="0"/>
-                                          </p:stCondLst>
-                                        </p:cTn>
-                                        <p:tgtEl>
-                                          <p:spTgt spid="2">
-                                            <p:txEl>
-                                              <p:pRg st="5" end="5"/>
-                                            </p:txEl>
-                                          </p:spTgt>
-                                        </p:tgtEl>
-                                        <p:attrNameLst>
-                                          <p:attrName>style.visibility</p:attrName>
-                                        </p:attrNameLst>
-                                      </p:cBhvr>
-                                      <p:to>
-                                        <p:strVal val="visible"/>
-                                      </p:to>
-                                    </p:set>
-                                    <p:animEffect transition="in" filter="fade">
-                                      <p:cBhvr>
-                                        <p:cTn id="24" dur="500"/>
-                                        <p:tgtEl>
-                                          <p:spTgt spid="2">
-                                            <p:txEl>
-                                              <p:pRg st="5" end="5"/>
-                                            </p:txEl>
-                                          </p:spTgt>
-                                        </p:tgtEl>
-                                      </p:cBhvr>
-                                    </p:animEffect>
-                                  </p:childTnLst>
-                                </p:cTn>
-                              </p:par>
-                            </p:childTnLst>
-                          </p:cTn>
-                        </p:par>
-                      </p:childTnLst>
-                    </p:cTn>
-                  </p:par>
-                  <p:par>
-                    <p:cTn id="25" fill="hold">
-                      <p:stCondLst>
-                        <p:cond delay="indefinite"/>
-                      </p:stCondLst>
-                      <p:childTnLst>
-                        <p:par>
-                          <p:cTn id="26" fill="hold">
-                            <p:stCondLst>
-                              <p:cond delay="0"/>
-                            </p:stCondLst>
-                            <p:childTnLst>
-                              <p:par>
-                                <p:cTn id="27" presetID="10" presetClass="entr" presetSubtype="0" fill="hold" grpId="0" nodeType="clickEffect">
-                                  <p:stCondLst>
-                                    <p:cond delay="0"/>
-                                  </p:stCondLst>
-                                  <p:childTnLst>
-                                    <p:set>
-                                      <p:cBhvr>
-                                        <p:cTn id="28" dur="1" fill="hold">
-                                          <p:stCondLst>
-                                            <p:cond delay="0"/>
-                                          </p:stCondLst>
-                                        </p:cTn>
-                                        <p:tgtEl>
-                                          <p:spTgt spid="2">
-                                            <p:txEl>
-                                              <p:pRg st="6" end="6"/>
-                                            </p:txEl>
-                                          </p:spTgt>
-                                        </p:tgtEl>
-                                        <p:attrNameLst>
-                                          <p:attrName>style.visibility</p:attrName>
-                                        </p:attrNameLst>
-                                      </p:cBhvr>
-                                      <p:to>
-                                        <p:strVal val="visible"/>
-                                      </p:to>
-                                    </p:set>
-                                    <p:animEffect transition="in" filter="fade">
-                                      <p:cBhvr>
-                                        <p:cTn id="29" dur="500"/>
-                                        <p:tgtEl>
-                                          <p:spTgt spid="2">
-                                            <p:txEl>
-                                              <p:pRg st="6" end="6"/>
-                                            </p:txEl>
-                                          </p:spTgt>
-                                        </p:tgtEl>
-                                      </p:cBhvr>
-                                    </p:animEffect>
-                                  </p:childTnLst>
-                                </p:cTn>
-                              </p:par>
-                            </p:childTnLst>
-                          </p:cTn>
-                        </p:par>
-                      </p:childTnLst>
-                    </p:cTn>
-                  </p:par>
-                  <p:par>
-                    <p:cTn id="30" fill="hold">
-                      <p:stCondLst>
-                        <p:cond delay="indefinite"/>
-                      </p:stCondLst>
-                      <p:childTnLst>
-                        <p:par>
-                          <p:cTn id="31" fill="hold">
-                            <p:stCondLst>
-                              <p:cond delay="0"/>
-                            </p:stCondLst>
-                            <p:childTnLst>
-                              <p:par>
-                                <p:cTn id="32" presetID="10" presetClass="entr" presetSubtype="0" fill="hold" grpId="0" nodeType="clickEffect">
-                                  <p:stCondLst>
-                                    <p:cond delay="0"/>
-                                  </p:stCondLst>
-                                  <p:childTnLst>
-                                    <p:set>
-                                      <p:cBhvr>
-                                        <p:cTn id="33" dur="1" fill="hold">
-                                          <p:stCondLst>
-                                            <p:cond delay="0"/>
-                                          </p:stCondLst>
-                                        </p:cTn>
-                                        <p:tgtEl>
-                                          <p:spTgt spid="2">
-                                            <p:txEl>
-                                              <p:pRg st="7" end="7"/>
-                                            </p:txEl>
-                                          </p:spTgt>
-                                        </p:tgtEl>
-                                        <p:attrNameLst>
-                                          <p:attrName>style.visibility</p:attrName>
-                                        </p:attrNameLst>
-                                      </p:cBhvr>
-                                      <p:to>
-                                        <p:strVal val="visible"/>
-                                      </p:to>
-                                    </p:set>
-                                    <p:animEffect transition="in" filter="fade">
-                                      <p:cBhvr>
-                                        <p:cTn id="34" dur="500"/>
-                                        <p:tgtEl>
-                                          <p:spTgt spid="2">
-                                            <p:txEl>
-                                              <p:pRg st="7" end="7"/>
-                                            </p:txEl>
-                                          </p:spTgt>
-                                        </p:tgtEl>
-                                      </p:cBhvr>
-                                    </p:animEffect>
-                                  </p:childTnLst>
-                                </p:cTn>
-                              </p:par>
-                            </p:childTnLst>
-                          </p:cTn>
-                        </p:par>
-                      </p:childTnLst>
-                    </p:cTn>
-                  </p:par>
-                </p:childTnLst>
-              </p:cTn>
-              <p:prevCondLst>
-                <p:cond evt="onPrev" delay="0">
-                  <p:tgtEl>
-                    <p:sldTgt/>
-                  </p:tgtEl>
-                </p:cond>
-              </p:prevCondLst>
-              <p:nextCondLst>
-                <p:cond evt="onNext" delay="0">
-                  <p:tgtEl>
-                    <p:sldTgt/>
-                  </p:tgtEl>
-                </p:cond>
-              </p:nextCondLst>
-            </p:seq>
-          </p:childTnLst>
-        </p:cTn>
-      </p:par>
-    </p:tnLst>
-    <p:bldLst>
-      <p:bldP spid="2" grpId="0" build="p"/>
     </p:bldLst>
   </p:timing>
 </p:sld>
